--- a/presentation.pptx
+++ b/presentation.pptx
@@ -3110,6 +3110,10 @@
           <a:bodyPr/>
           <a:lstStyle/>
           <a:p>
+            <a:r>
+              <a:rPr lang="fr-FR" smtClean="0"/>
+              <a:t>Bonjour</a:t>
+            </a:r>
             <a:endParaRPr lang="fr-FR"/>
           </a:p>
         </p:txBody>

--- a/presentation.pptx
+++ b/presentation.pptx
@@ -104,7 +104,27 @@
       </a:defRPr>
     </a:lvl9pPr>
   </p:defaultTextStyle>
+  <p:extLst>
+    <p:ext uri="{EFAFB233-063F-42B5-8137-9DF3F51BA10A}">
+      <p15:sldGuideLst xmlns:p15="http://schemas.microsoft.com/office/powerpoint/2012/main">
+        <p15:guide id="1" orient="horz" pos="2160">
+          <p15:clr>
+            <a:srgbClr val="A4A3A4"/>
+          </p15:clr>
+        </p15:guide>
+        <p15:guide id="2" pos="2880">
+          <p15:clr>
+            <a:srgbClr val="A4A3A4"/>
+          </p15:clr>
+        </p15:guide>
+      </p15:sldGuideLst>
+    </p:ext>
+  </p:extLst>
 </p:presentation>
+</file>
+
+<file path=ppt/revisionInfo.xml><?xml version="1.0" encoding="utf-8"?>
+<p1510:revInfo xmlns:a="http://schemas.openxmlformats.org/drawingml/2006/main" xmlns:r="http://schemas.openxmlformats.org/officeDocument/2006/relationships" xmlns:p1510="http://schemas.microsoft.com/office/powerpoint/2015/10/main"/>
 </file>
 
 <file path=ppt/slideLayouts/slideLayout1.xml><?xml version="1.0" encoding="utf-8"?>
@@ -145,10 +165,9 @@
           <a:lstStyle/>
           <a:p>
             <a:r>
-              <a:rPr lang="fr-FR" smtClean="0"/>
+              <a:rPr lang="fr-FR"/>
               <a:t>Modifiez le style du titre</a:t>
             </a:r>
-            <a:endParaRPr lang="fr-FR"/>
           </a:p>
         </p:txBody>
       </p:sp>
@@ -264,10 +283,9 @@
           </a:lstStyle>
           <a:p>
             <a:r>
-              <a:rPr lang="fr-FR" smtClean="0"/>
+              <a:rPr lang="fr-FR"/>
               <a:t>Modifiez le style des sous-titres du masque</a:t>
             </a:r>
-            <a:endParaRPr lang="fr-FR"/>
           </a:p>
         </p:txBody>
       </p:sp>
@@ -382,10 +400,9 @@
           <a:lstStyle/>
           <a:p>
             <a:r>
-              <a:rPr lang="fr-FR" smtClean="0"/>
+              <a:rPr lang="fr-FR"/>
               <a:t>Modifiez le style du titre</a:t>
             </a:r>
-            <a:endParaRPr lang="fr-FR"/>
           </a:p>
         </p:txBody>
       </p:sp>
@@ -406,38 +423,37 @@
           <a:p>
             <a:pPr lvl="0"/>
             <a:r>
-              <a:rPr lang="fr-FR" smtClean="0"/>
+              <a:rPr lang="fr-FR"/>
               <a:t>Modifiez les styles du texte du masque</a:t>
             </a:r>
           </a:p>
           <a:p>
             <a:pPr lvl="1"/>
             <a:r>
-              <a:rPr lang="fr-FR" smtClean="0"/>
+              <a:rPr lang="fr-FR"/>
               <a:t>Deuxième niveau</a:t>
             </a:r>
           </a:p>
           <a:p>
             <a:pPr lvl="2"/>
             <a:r>
-              <a:rPr lang="fr-FR" smtClean="0"/>
+              <a:rPr lang="fr-FR"/>
               <a:t>Troisième niveau</a:t>
             </a:r>
           </a:p>
           <a:p>
             <a:pPr lvl="3"/>
             <a:r>
-              <a:rPr lang="fr-FR" smtClean="0"/>
+              <a:rPr lang="fr-FR"/>
               <a:t>Quatrième niveau</a:t>
             </a:r>
           </a:p>
           <a:p>
             <a:pPr lvl="4"/>
             <a:r>
-              <a:rPr lang="fr-FR" smtClean="0"/>
+              <a:rPr lang="fr-FR"/>
               <a:t>Cinquième niveau</a:t>
             </a:r>
-            <a:endParaRPr lang="fr-FR"/>
           </a:p>
         </p:txBody>
       </p:sp>
@@ -557,10 +573,9 @@
           <a:lstStyle/>
           <a:p>
             <a:r>
-              <a:rPr lang="fr-FR" smtClean="0"/>
+              <a:rPr lang="fr-FR"/>
               <a:t>Modifiez le style du titre</a:t>
             </a:r>
-            <a:endParaRPr lang="fr-FR"/>
           </a:p>
         </p:txBody>
       </p:sp>
@@ -586,38 +601,37 @@
           <a:p>
             <a:pPr lvl="0"/>
             <a:r>
-              <a:rPr lang="fr-FR" smtClean="0"/>
+              <a:rPr lang="fr-FR"/>
               <a:t>Modifiez les styles du texte du masque</a:t>
             </a:r>
           </a:p>
           <a:p>
             <a:pPr lvl="1"/>
             <a:r>
-              <a:rPr lang="fr-FR" smtClean="0"/>
+              <a:rPr lang="fr-FR"/>
               <a:t>Deuxième niveau</a:t>
             </a:r>
           </a:p>
           <a:p>
             <a:pPr lvl="2"/>
             <a:r>
-              <a:rPr lang="fr-FR" smtClean="0"/>
+              <a:rPr lang="fr-FR"/>
               <a:t>Troisième niveau</a:t>
             </a:r>
           </a:p>
           <a:p>
             <a:pPr lvl="3"/>
             <a:r>
-              <a:rPr lang="fr-FR" smtClean="0"/>
+              <a:rPr lang="fr-FR"/>
               <a:t>Quatrième niveau</a:t>
             </a:r>
           </a:p>
           <a:p>
             <a:pPr lvl="4"/>
             <a:r>
-              <a:rPr lang="fr-FR" smtClean="0"/>
+              <a:rPr lang="fr-FR"/>
               <a:t>Cinquième niveau</a:t>
             </a:r>
-            <a:endParaRPr lang="fr-FR"/>
           </a:p>
         </p:txBody>
       </p:sp>
@@ -732,10 +746,9 @@
           <a:lstStyle/>
           <a:p>
             <a:r>
-              <a:rPr lang="fr-FR" smtClean="0"/>
+              <a:rPr lang="fr-FR"/>
               <a:t>Modifiez le style du titre</a:t>
             </a:r>
-            <a:endParaRPr lang="fr-FR"/>
           </a:p>
         </p:txBody>
       </p:sp>
@@ -756,38 +769,37 @@
           <a:p>
             <a:pPr lvl="0"/>
             <a:r>
-              <a:rPr lang="fr-FR" smtClean="0"/>
+              <a:rPr lang="fr-FR"/>
               <a:t>Modifiez les styles du texte du masque</a:t>
             </a:r>
           </a:p>
           <a:p>
             <a:pPr lvl="1"/>
             <a:r>
-              <a:rPr lang="fr-FR" smtClean="0"/>
+              <a:rPr lang="fr-FR"/>
               <a:t>Deuxième niveau</a:t>
             </a:r>
           </a:p>
           <a:p>
             <a:pPr lvl="2"/>
             <a:r>
-              <a:rPr lang="fr-FR" smtClean="0"/>
+              <a:rPr lang="fr-FR"/>
               <a:t>Troisième niveau</a:t>
             </a:r>
           </a:p>
           <a:p>
             <a:pPr lvl="3"/>
             <a:r>
-              <a:rPr lang="fr-FR" smtClean="0"/>
+              <a:rPr lang="fr-FR"/>
               <a:t>Quatrième niveau</a:t>
             </a:r>
           </a:p>
           <a:p>
             <a:pPr lvl="4"/>
             <a:r>
-              <a:rPr lang="fr-FR" smtClean="0"/>
+              <a:rPr lang="fr-FR"/>
               <a:t>Cinquième niveau</a:t>
             </a:r>
-            <a:endParaRPr lang="fr-FR"/>
           </a:p>
         </p:txBody>
       </p:sp>
@@ -911,10 +923,9 @@
           </a:lstStyle>
           <a:p>
             <a:r>
-              <a:rPr lang="fr-FR" smtClean="0"/>
+              <a:rPr lang="fr-FR"/>
               <a:t>Modifiez le style du titre</a:t>
             </a:r>
-            <a:endParaRPr lang="fr-FR"/>
           </a:p>
         </p:txBody>
       </p:sp>
@@ -1031,7 +1042,7 @@
           <a:p>
             <a:pPr lvl="0"/>
             <a:r>
-              <a:rPr lang="fr-FR" smtClean="0"/>
+              <a:rPr lang="fr-FR"/>
               <a:t>Modifiez les styles du texte du masque</a:t>
             </a:r>
           </a:p>
@@ -1148,10 +1159,9 @@
           <a:lstStyle/>
           <a:p>
             <a:r>
-              <a:rPr lang="fr-FR" smtClean="0"/>
+              <a:rPr lang="fr-FR"/>
               <a:t>Modifiez le style du titre</a:t>
             </a:r>
-            <a:endParaRPr lang="fr-FR"/>
           </a:p>
         </p:txBody>
       </p:sp>
@@ -1205,38 +1215,37 @@
           <a:p>
             <a:pPr lvl="0"/>
             <a:r>
-              <a:rPr lang="fr-FR" smtClean="0"/>
+              <a:rPr lang="fr-FR"/>
               <a:t>Modifiez les styles du texte du masque</a:t>
             </a:r>
           </a:p>
           <a:p>
             <a:pPr lvl="1"/>
             <a:r>
-              <a:rPr lang="fr-FR" smtClean="0"/>
+              <a:rPr lang="fr-FR"/>
               <a:t>Deuxième niveau</a:t>
             </a:r>
           </a:p>
           <a:p>
             <a:pPr lvl="2"/>
             <a:r>
-              <a:rPr lang="fr-FR" smtClean="0"/>
+              <a:rPr lang="fr-FR"/>
               <a:t>Troisième niveau</a:t>
             </a:r>
           </a:p>
           <a:p>
             <a:pPr lvl="3"/>
             <a:r>
-              <a:rPr lang="fr-FR" smtClean="0"/>
+              <a:rPr lang="fr-FR"/>
               <a:t>Quatrième niveau</a:t>
             </a:r>
           </a:p>
           <a:p>
             <a:pPr lvl="4"/>
             <a:r>
-              <a:rPr lang="fr-FR" smtClean="0"/>
+              <a:rPr lang="fr-FR"/>
               <a:t>Cinquième niveau</a:t>
             </a:r>
-            <a:endParaRPr lang="fr-FR"/>
           </a:p>
         </p:txBody>
       </p:sp>
@@ -1290,38 +1299,37 @@
           <a:p>
             <a:pPr lvl="0"/>
             <a:r>
-              <a:rPr lang="fr-FR" smtClean="0"/>
+              <a:rPr lang="fr-FR"/>
               <a:t>Modifiez les styles du texte du masque</a:t>
             </a:r>
           </a:p>
           <a:p>
             <a:pPr lvl="1"/>
             <a:r>
-              <a:rPr lang="fr-FR" smtClean="0"/>
+              <a:rPr lang="fr-FR"/>
               <a:t>Deuxième niveau</a:t>
             </a:r>
           </a:p>
           <a:p>
             <a:pPr lvl="2"/>
             <a:r>
-              <a:rPr lang="fr-FR" smtClean="0"/>
+              <a:rPr lang="fr-FR"/>
               <a:t>Troisième niveau</a:t>
             </a:r>
           </a:p>
           <a:p>
             <a:pPr lvl="3"/>
             <a:r>
-              <a:rPr lang="fr-FR" smtClean="0"/>
+              <a:rPr lang="fr-FR"/>
               <a:t>Quatrième niveau</a:t>
             </a:r>
           </a:p>
           <a:p>
             <a:pPr lvl="4"/>
             <a:r>
-              <a:rPr lang="fr-FR" smtClean="0"/>
+              <a:rPr lang="fr-FR"/>
               <a:t>Cinquième niveau</a:t>
             </a:r>
-            <a:endParaRPr lang="fr-FR"/>
           </a:p>
         </p:txBody>
       </p:sp>
@@ -1440,10 +1448,9 @@
           </a:lstStyle>
           <a:p>
             <a:r>
-              <a:rPr lang="fr-FR" smtClean="0"/>
+              <a:rPr lang="fr-FR"/>
               <a:t>Modifiez le style du titre</a:t>
             </a:r>
-            <a:endParaRPr lang="fr-FR"/>
           </a:p>
         </p:txBody>
       </p:sp>
@@ -1506,7 +1513,7 @@
           <a:p>
             <a:pPr lvl="0"/>
             <a:r>
-              <a:rPr lang="fr-FR" smtClean="0"/>
+              <a:rPr lang="fr-FR"/>
               <a:t>Modifiez les styles du texte du masque</a:t>
             </a:r>
           </a:p>
@@ -1562,38 +1569,37 @@
           <a:p>
             <a:pPr lvl="0"/>
             <a:r>
-              <a:rPr lang="fr-FR" smtClean="0"/>
+              <a:rPr lang="fr-FR"/>
               <a:t>Modifiez les styles du texte du masque</a:t>
             </a:r>
           </a:p>
           <a:p>
             <a:pPr lvl="1"/>
             <a:r>
-              <a:rPr lang="fr-FR" smtClean="0"/>
+              <a:rPr lang="fr-FR"/>
               <a:t>Deuxième niveau</a:t>
             </a:r>
           </a:p>
           <a:p>
             <a:pPr lvl="2"/>
             <a:r>
-              <a:rPr lang="fr-FR" smtClean="0"/>
+              <a:rPr lang="fr-FR"/>
               <a:t>Troisième niveau</a:t>
             </a:r>
           </a:p>
           <a:p>
             <a:pPr lvl="3"/>
             <a:r>
-              <a:rPr lang="fr-FR" smtClean="0"/>
+              <a:rPr lang="fr-FR"/>
               <a:t>Quatrième niveau</a:t>
             </a:r>
           </a:p>
           <a:p>
             <a:pPr lvl="4"/>
             <a:r>
-              <a:rPr lang="fr-FR" smtClean="0"/>
+              <a:rPr lang="fr-FR"/>
               <a:t>Cinquième niveau</a:t>
             </a:r>
-            <a:endParaRPr lang="fr-FR"/>
           </a:p>
         </p:txBody>
       </p:sp>
@@ -1656,7 +1662,7 @@
           <a:p>
             <a:pPr lvl="0"/>
             <a:r>
-              <a:rPr lang="fr-FR" smtClean="0"/>
+              <a:rPr lang="fr-FR"/>
               <a:t>Modifiez les styles du texte du masque</a:t>
             </a:r>
           </a:p>
@@ -1712,38 +1718,37 @@
           <a:p>
             <a:pPr lvl="0"/>
             <a:r>
-              <a:rPr lang="fr-FR" smtClean="0"/>
+              <a:rPr lang="fr-FR"/>
               <a:t>Modifiez les styles du texte du masque</a:t>
             </a:r>
           </a:p>
           <a:p>
             <a:pPr lvl="1"/>
             <a:r>
-              <a:rPr lang="fr-FR" smtClean="0"/>
+              <a:rPr lang="fr-FR"/>
               <a:t>Deuxième niveau</a:t>
             </a:r>
           </a:p>
           <a:p>
             <a:pPr lvl="2"/>
             <a:r>
-              <a:rPr lang="fr-FR" smtClean="0"/>
+              <a:rPr lang="fr-FR"/>
               <a:t>Troisième niveau</a:t>
             </a:r>
           </a:p>
           <a:p>
             <a:pPr lvl="3"/>
             <a:r>
-              <a:rPr lang="fr-FR" smtClean="0"/>
+              <a:rPr lang="fr-FR"/>
               <a:t>Quatrième niveau</a:t>
             </a:r>
           </a:p>
           <a:p>
             <a:pPr lvl="4"/>
             <a:r>
-              <a:rPr lang="fr-FR" smtClean="0"/>
+              <a:rPr lang="fr-FR"/>
               <a:t>Cinquième niveau</a:t>
             </a:r>
-            <a:endParaRPr lang="fr-FR"/>
           </a:p>
         </p:txBody>
       </p:sp>
@@ -1858,10 +1863,9 @@
           <a:lstStyle/>
           <a:p>
             <a:r>
-              <a:rPr lang="fr-FR" smtClean="0"/>
+              <a:rPr lang="fr-FR"/>
               <a:t>Modifiez le style du titre</a:t>
             </a:r>
-            <a:endParaRPr lang="fr-FR"/>
           </a:p>
         </p:txBody>
       </p:sp>
@@ -2080,10 +2084,9 @@
           </a:lstStyle>
           <a:p>
             <a:r>
-              <a:rPr lang="fr-FR" smtClean="0"/>
+              <a:rPr lang="fr-FR"/>
               <a:t>Modifiez le style du titre</a:t>
             </a:r>
-            <a:endParaRPr lang="fr-FR"/>
           </a:p>
         </p:txBody>
       </p:sp>
@@ -2137,38 +2140,37 @@
           <a:p>
             <a:pPr lvl="0"/>
             <a:r>
-              <a:rPr lang="fr-FR" smtClean="0"/>
+              <a:rPr lang="fr-FR"/>
               <a:t>Modifiez les styles du texte du masque</a:t>
             </a:r>
           </a:p>
           <a:p>
             <a:pPr lvl="1"/>
             <a:r>
-              <a:rPr lang="fr-FR" smtClean="0"/>
+              <a:rPr lang="fr-FR"/>
               <a:t>Deuxième niveau</a:t>
             </a:r>
           </a:p>
           <a:p>
             <a:pPr lvl="2"/>
             <a:r>
-              <a:rPr lang="fr-FR" smtClean="0"/>
+              <a:rPr lang="fr-FR"/>
               <a:t>Troisième niveau</a:t>
             </a:r>
           </a:p>
           <a:p>
             <a:pPr lvl="3"/>
             <a:r>
-              <a:rPr lang="fr-FR" smtClean="0"/>
+              <a:rPr lang="fr-FR"/>
               <a:t>Quatrième niveau</a:t>
             </a:r>
           </a:p>
           <a:p>
             <a:pPr lvl="4"/>
             <a:r>
-              <a:rPr lang="fr-FR" smtClean="0"/>
+              <a:rPr lang="fr-FR"/>
               <a:t>Cinquième niveau</a:t>
             </a:r>
-            <a:endParaRPr lang="fr-FR"/>
           </a:p>
         </p:txBody>
       </p:sp>
@@ -2231,7 +2233,7 @@
           <a:p>
             <a:pPr lvl="0"/>
             <a:r>
-              <a:rPr lang="fr-FR" smtClean="0"/>
+              <a:rPr lang="fr-FR"/>
               <a:t>Modifiez les styles du texte du masque</a:t>
             </a:r>
           </a:p>
@@ -2357,10 +2359,9 @@
           </a:lstStyle>
           <a:p>
             <a:r>
-              <a:rPr lang="fr-FR" smtClean="0"/>
+              <a:rPr lang="fr-FR"/>
               <a:t>Modifiez le style du titre</a:t>
             </a:r>
-            <a:endParaRPr lang="fr-FR"/>
           </a:p>
         </p:txBody>
       </p:sp>
@@ -2484,7 +2485,7 @@
           <a:p>
             <a:pPr lvl="0"/>
             <a:r>
-              <a:rPr lang="fr-FR" smtClean="0"/>
+              <a:rPr lang="fr-FR"/>
               <a:t>Modifiez les styles du texte du masque</a:t>
             </a:r>
           </a:p>
@@ -2616,10 +2617,9 @@
           <a:lstStyle/>
           <a:p>
             <a:r>
-              <a:rPr lang="fr-FR" smtClean="0"/>
+              <a:rPr lang="fr-FR"/>
               <a:t>Modifiez le style du titre</a:t>
             </a:r>
-            <a:endParaRPr lang="fr-FR"/>
           </a:p>
         </p:txBody>
       </p:sp>
@@ -2650,38 +2650,37 @@
           <a:p>
             <a:pPr lvl="0"/>
             <a:r>
-              <a:rPr lang="fr-FR" smtClean="0"/>
+              <a:rPr lang="fr-FR"/>
               <a:t>Modifiez les styles du texte du masque</a:t>
             </a:r>
           </a:p>
           <a:p>
             <a:pPr lvl="1"/>
             <a:r>
-              <a:rPr lang="fr-FR" smtClean="0"/>
+              <a:rPr lang="fr-FR"/>
               <a:t>Deuxième niveau</a:t>
             </a:r>
           </a:p>
           <a:p>
             <a:pPr lvl="2"/>
             <a:r>
-              <a:rPr lang="fr-FR" smtClean="0"/>
+              <a:rPr lang="fr-FR"/>
               <a:t>Troisième niveau</a:t>
             </a:r>
           </a:p>
           <a:p>
             <a:pPr lvl="3"/>
             <a:r>
-              <a:rPr lang="fr-FR" smtClean="0"/>
+              <a:rPr lang="fr-FR"/>
               <a:t>Quatrième niveau</a:t>
             </a:r>
           </a:p>
           <a:p>
             <a:pPr lvl="4"/>
             <a:r>
-              <a:rPr lang="fr-FR" smtClean="0"/>
+              <a:rPr lang="fr-FR"/>
               <a:t>Cinquième niveau</a:t>
             </a:r>
-            <a:endParaRPr lang="fr-FR"/>
           </a:p>
         </p:txBody>
       </p:sp>
@@ -3111,10 +3110,9 @@
           <a:lstStyle/>
           <a:p>
             <a:r>
-              <a:rPr lang="fr-FR" smtClean="0"/>
+              <a:rPr lang="fr-FR"/>
               <a:t>Bonjour</a:t>
             </a:r>
-            <a:endParaRPr lang="fr-FR"/>
           </a:p>
         </p:txBody>
       </p:sp>
@@ -3132,6 +3130,12 @@
         <p:txBody>
           <a:bodyPr/>
           <a:lstStyle/>
+          <a:p>
+            <a:r>
+              <a:rPr lang="fr-FR"/>
+              <a:t>Hero</a:t>
+            </a:r>
+          </a:p>
           <a:p>
             <a:endParaRPr lang="fr-FR"/>
           </a:p>

--- a/presentation.pptx
+++ b/presentation.pptx
@@ -2,10 +2,15 @@
 <file path=ppt/presentation.xml><?xml version="1.0" encoding="utf-8"?>
 <p:presentation xmlns:a="http://schemas.openxmlformats.org/drawingml/2006/main" xmlns:r="http://schemas.openxmlformats.org/officeDocument/2006/relationships" xmlns:p="http://schemas.openxmlformats.org/presentationml/2006/main" saveSubsetFonts="1">
   <p:sldMasterIdLst>
-    <p:sldMasterId id="2147483648" r:id="rId1"/>
+    <p:sldMasterId id="2147483660" r:id="rId1"/>
   </p:sldMasterIdLst>
   <p:sldIdLst>
     <p:sldId id="256" r:id="rId2"/>
+    <p:sldId id="257" r:id="rId3"/>
+    <p:sldId id="258" r:id="rId4"/>
+    <p:sldId id="259" r:id="rId5"/>
+    <p:sldId id="260" r:id="rId6"/>
+    <p:sldId id="261" r:id="rId7"/>
   </p:sldIdLst>
   <p:sldSz cx="9144000" cy="6858000" type="screen4x3"/>
   <p:notesSz cx="6858000" cy="9144000"/>
@@ -106,7 +111,7 @@
   </p:defaultTextStyle>
   <p:extLst>
     <p:ext uri="{EFAFB233-063F-42B5-8137-9DF3F51BA10A}">
-      <p15:sldGuideLst xmlns:p15="http://schemas.microsoft.com/office/powerpoint/2012/main">
+      <p15:sldGuideLst xmlns:p15="http://schemas.microsoft.com/office/powerpoint/2012/main" xmlns="">
         <p15:guide id="1" orient="horz" pos="2160">
           <p15:clr>
             <a:srgbClr val="A4A3A4"/>
@@ -128,7 +133,7 @@
 </file>
 
 <file path=ppt/slideLayouts/slideLayout1.xml><?xml version="1.0" encoding="utf-8"?>
-<p:sldLayout xmlns:a="http://schemas.openxmlformats.org/drawingml/2006/main" xmlns:r="http://schemas.openxmlformats.org/officeDocument/2006/relationships" xmlns:p="http://schemas.openxmlformats.org/presentationml/2006/main" type="title" preserve="1">
+<p:sldLayout xmlns:a="http://schemas.openxmlformats.org/drawingml/2006/main" xmlns:r="http://schemas.openxmlformats.org/officeDocument/2006/relationships" xmlns:p="http://schemas.openxmlformats.org/presentationml/2006/main" showMasterSp="0" type="title" preserve="1">
   <p:cSld name="Diapositive de titre">
     <p:spTree>
       <p:nvGrpSpPr>
@@ -146,57 +151,495 @@
       </p:grpSpPr>
       <p:sp>
         <p:nvSpPr>
-          <p:cNvPr id="2" name="Titre 1"/>
-          <p:cNvSpPr>
-            <a:spLocks noGrp="1"/>
-          </p:cNvSpPr>
-          <p:nvPr>
-            <p:ph type="ctrTitle"/>
-          </p:nvPr>
-        </p:nvSpPr>
-        <p:spPr>
-          <a:xfrm>
-            <a:off x="685800" y="2130425"/>
-            <a:ext cx="7772400" cy="1470025"/>
-          </a:xfrm>
-        </p:spPr>
+          <p:cNvPr id="7" name="Rectangle 6"/>
+          <p:cNvSpPr/>
+          <p:nvPr/>
+        </p:nvSpPr>
+        <p:spPr>
+          <a:xfrm>
+            <a:off x="0" y="0"/>
+            <a:ext cx="9144000" cy="6858000"/>
+          </a:xfrm>
+          <a:prstGeom prst="rect">
+            <a:avLst/>
+          </a:prstGeom>
+          <a:solidFill>
+            <a:srgbClr val="FFFFFF"/>
+          </a:solidFill>
+          <a:ln>
+            <a:noFill/>
+          </a:ln>
+        </p:spPr>
+        <p:style>
+          <a:lnRef idx="2">
+            <a:schemeClr val="accent1">
+              <a:shade val="50000"/>
+            </a:schemeClr>
+          </a:lnRef>
+          <a:fillRef idx="1">
+            <a:schemeClr val="accent1"/>
+          </a:fillRef>
+          <a:effectRef idx="0">
+            <a:schemeClr val="accent1"/>
+          </a:effectRef>
+          <a:fontRef idx="minor">
+            <a:schemeClr val="lt1"/>
+          </a:fontRef>
+        </p:style>
+        <p:txBody>
+          <a:bodyPr rtlCol="0" anchor="ctr"/>
+          <a:lstStyle/>
+          <a:p>
+            <a:pPr algn="ctr"/>
+            <a:endParaRPr lang="en-US"/>
+          </a:p>
+        </p:txBody>
+      </p:sp>
+      <p:sp useBgFill="1">
+        <p:nvSpPr>
+          <p:cNvPr id="8" name="Rounded Rectangle 7"/>
+          <p:cNvSpPr/>
+          <p:nvPr/>
+        </p:nvSpPr>
+        <p:spPr>
+          <a:xfrm>
+            <a:off x="91440" y="101600"/>
+            <a:ext cx="8961120" cy="6664960"/>
+          </a:xfrm>
+          <a:prstGeom prst="roundRect">
+            <a:avLst>
+              <a:gd name="adj" fmla="val 1735"/>
+            </a:avLst>
+          </a:prstGeom>
+          <a:ln w="12700" cmpd="sng">
+            <a:noFill/>
+          </a:ln>
+        </p:spPr>
+        <p:style>
+          <a:lnRef idx="2">
+            <a:schemeClr val="accent1">
+              <a:shade val="50000"/>
+            </a:schemeClr>
+          </a:lnRef>
+          <a:fillRef idx="1">
+            <a:schemeClr val="accent1"/>
+          </a:fillRef>
+          <a:effectRef idx="0">
+            <a:schemeClr val="accent1"/>
+          </a:effectRef>
+          <a:fontRef idx="minor">
+            <a:schemeClr val="lt1"/>
+          </a:fontRef>
+        </p:style>
+        <p:txBody>
+          <a:bodyPr rtlCol="0" anchor="ctr"/>
+          <a:lstStyle/>
+          <a:p>
+            <a:pPr algn="ctr"/>
+            <a:endParaRPr lang="en-US"/>
+          </a:p>
+        </p:txBody>
+      </p:sp>
+      <p:sp>
+        <p:nvSpPr>
+          <p:cNvPr id="4" name="Date Placeholder 3"/>
+          <p:cNvSpPr>
+            <a:spLocks noGrp="1"/>
+          </p:cNvSpPr>
+          <p:nvPr>
+            <p:ph type="dt" sz="half" idx="10"/>
+          </p:nvPr>
+        </p:nvSpPr>
+        <p:spPr/>
         <p:txBody>
           <a:bodyPr/>
           <a:lstStyle/>
           <a:p>
-            <a:r>
-              <a:rPr lang="fr-FR"/>
-              <a:t>Modifiez le style du titre</a:t>
-            </a:r>
-          </a:p>
-        </p:txBody>
-      </p:sp>
-      <p:sp>
-        <p:nvSpPr>
-          <p:cNvPr id="3" name="Sous-titre 2"/>
-          <p:cNvSpPr>
-            <a:spLocks noGrp="1"/>
-          </p:cNvSpPr>
-          <p:nvPr>
-            <p:ph type="subTitle" idx="1"/>
-          </p:nvPr>
-        </p:nvSpPr>
-        <p:spPr>
-          <a:xfrm>
-            <a:off x="1371600" y="3886200"/>
-            <a:ext cx="6400800" cy="1752600"/>
+            <a:fld id="{7DEBA3D4-C10D-4C71-B660-7820DB4B8BBA}" type="datetimeFigureOut">
+              <a:rPr lang="fr-FR" smtClean="0"/>
+              <a:t>30/01/2018</a:t>
+            </a:fld>
+            <a:endParaRPr lang="fr-FR"/>
+          </a:p>
+        </p:txBody>
+      </p:sp>
+      <p:sp>
+        <p:nvSpPr>
+          <p:cNvPr id="5" name="Footer Placeholder 4"/>
+          <p:cNvSpPr>
+            <a:spLocks noGrp="1"/>
+          </p:cNvSpPr>
+          <p:nvPr>
+            <p:ph type="ftr" sz="quarter" idx="11"/>
+          </p:nvPr>
+        </p:nvSpPr>
+        <p:spPr/>
+        <p:txBody>
+          <a:bodyPr/>
+          <a:lstStyle/>
+          <a:p>
+            <a:endParaRPr lang="fr-FR"/>
+          </a:p>
+        </p:txBody>
+      </p:sp>
+      <p:sp>
+        <p:nvSpPr>
+          <p:cNvPr id="9" name="Rectangle 8"/>
+          <p:cNvSpPr/>
+          <p:nvPr/>
+        </p:nvSpPr>
+        <p:spPr>
+          <a:xfrm>
+            <a:off x="345440" y="2942602"/>
+            <a:ext cx="7147931" cy="2463800"/>
+          </a:xfrm>
+          <a:prstGeom prst="rect">
+            <a:avLst/>
+          </a:prstGeom>
+          <a:solidFill>
+            <a:srgbClr val="FFFFFF">
+              <a:alpha val="83000"/>
+            </a:srgbClr>
+          </a:solidFill>
+          <a:ln>
+            <a:noFill/>
+          </a:ln>
+          <a:effectLst>
+            <a:softEdge rad="12700"/>
+          </a:effectLst>
+        </p:spPr>
+        <p:style>
+          <a:lnRef idx="2">
+            <a:schemeClr val="accent1">
+              <a:shade val="50000"/>
+            </a:schemeClr>
+          </a:lnRef>
+          <a:fillRef idx="1">
+            <a:schemeClr val="accent1"/>
+          </a:fillRef>
+          <a:effectRef idx="0">
+            <a:schemeClr val="accent1"/>
+          </a:effectRef>
+          <a:fontRef idx="minor">
+            <a:schemeClr val="lt1"/>
+          </a:fontRef>
+        </p:style>
+        <p:txBody>
+          <a:bodyPr rtlCol="0" anchor="ctr"/>
+          <a:lstStyle/>
+          <a:p>
+            <a:pPr algn="ctr"/>
+            <a:endParaRPr lang="en-US"/>
+          </a:p>
+        </p:txBody>
+      </p:sp>
+      <p:sp>
+        <p:nvSpPr>
+          <p:cNvPr id="12" name="Rectangle 11"/>
+          <p:cNvSpPr/>
+          <p:nvPr/>
+        </p:nvSpPr>
+        <p:spPr>
+          <a:xfrm>
+            <a:off x="7572652" y="2944634"/>
+            <a:ext cx="1190348" cy="2459736"/>
+          </a:xfrm>
+          <a:prstGeom prst="rect">
+            <a:avLst/>
+          </a:prstGeom>
+          <a:solidFill>
+            <a:srgbClr val="FFFFFF">
+              <a:alpha val="83000"/>
+            </a:srgbClr>
+          </a:solidFill>
+          <a:ln>
+            <a:noFill/>
+          </a:ln>
+          <a:effectLst>
+            <a:softEdge rad="12700"/>
+          </a:effectLst>
+        </p:spPr>
+        <p:style>
+          <a:lnRef idx="2">
+            <a:schemeClr val="accent1">
+              <a:shade val="50000"/>
+            </a:schemeClr>
+          </a:lnRef>
+          <a:fillRef idx="1">
+            <a:schemeClr val="accent1"/>
+          </a:fillRef>
+          <a:effectRef idx="0">
+            <a:schemeClr val="accent1"/>
+          </a:effectRef>
+          <a:fontRef idx="minor">
+            <a:schemeClr val="lt1"/>
+          </a:fontRef>
+        </p:style>
+        <p:txBody>
+          <a:bodyPr rtlCol="0" anchor="ctr"/>
+          <a:lstStyle/>
+          <a:p>
+            <a:pPr algn="ctr"/>
+            <a:endParaRPr lang="en-US"/>
+          </a:p>
+        </p:txBody>
+      </p:sp>
+      <p:sp>
+        <p:nvSpPr>
+          <p:cNvPr id="13" name="Rectangle 12"/>
+          <p:cNvSpPr/>
+          <p:nvPr/>
+        </p:nvSpPr>
+        <p:spPr>
+          <a:xfrm>
+            <a:off x="7712714" y="3136658"/>
+            <a:ext cx="910224" cy="2075688"/>
+          </a:xfrm>
+          <a:prstGeom prst="rect">
+            <a:avLst/>
+          </a:prstGeom>
+          <a:solidFill>
+            <a:schemeClr val="accent3">
+              <a:alpha val="70000"/>
+            </a:schemeClr>
+          </a:solidFill>
+          <a:ln w="6350">
+            <a:solidFill>
+              <a:schemeClr val="accent1">
+                <a:lumMod val="75000"/>
+              </a:schemeClr>
+            </a:solidFill>
+          </a:ln>
+        </p:spPr>
+        <p:style>
+          <a:lnRef idx="2">
+            <a:schemeClr val="accent1">
+              <a:shade val="50000"/>
+            </a:schemeClr>
+          </a:lnRef>
+          <a:fillRef idx="1">
+            <a:schemeClr val="accent1"/>
+          </a:fillRef>
+          <a:effectRef idx="0">
+            <a:schemeClr val="accent1"/>
+          </a:effectRef>
+          <a:fontRef idx="minor">
+            <a:schemeClr val="lt1"/>
+          </a:fontRef>
+        </p:style>
+        <p:txBody>
+          <a:bodyPr rtlCol="0" anchor="ctr"/>
+          <a:lstStyle/>
+          <a:p>
+            <a:pPr algn="ctr"/>
+            <a:endParaRPr lang="en-US"/>
+          </a:p>
+        </p:txBody>
+      </p:sp>
+      <p:sp>
+        <p:nvSpPr>
+          <p:cNvPr id="14" name="Rectangle 13"/>
+          <p:cNvSpPr/>
+          <p:nvPr/>
+        </p:nvSpPr>
+        <p:spPr>
+          <a:xfrm>
+            <a:off x="445483" y="3055621"/>
+            <a:ext cx="6947845" cy="2245359"/>
+          </a:xfrm>
+          <a:prstGeom prst="rect">
+            <a:avLst/>
+          </a:prstGeom>
+          <a:solidFill>
+            <a:srgbClr val="FFFFFF"/>
+          </a:solidFill>
+          <a:ln w="6350" cmpd="dbl">
+            <a:noFill/>
+          </a:ln>
+        </p:spPr>
+        <p:style>
+          <a:lnRef idx="2">
+            <a:schemeClr val="accent1">
+              <a:shade val="50000"/>
+            </a:schemeClr>
+          </a:lnRef>
+          <a:fillRef idx="1">
+            <a:schemeClr val="accent1"/>
+          </a:fillRef>
+          <a:effectRef idx="0">
+            <a:schemeClr val="accent1"/>
+          </a:effectRef>
+          <a:fontRef idx="minor">
+            <a:schemeClr val="lt1"/>
+          </a:fontRef>
+        </p:style>
+        <p:txBody>
+          <a:bodyPr rtlCol="0" anchor="ctr"/>
+          <a:lstStyle/>
+          <a:p>
+            <a:pPr algn="ctr"/>
+            <a:endParaRPr lang="en-US"/>
+          </a:p>
+        </p:txBody>
+      </p:sp>
+      <p:sp>
+        <p:nvSpPr>
+          <p:cNvPr id="6" name="Slide Number Placeholder 5"/>
+          <p:cNvSpPr>
+            <a:spLocks noGrp="1"/>
+          </p:cNvSpPr>
+          <p:nvPr>
+            <p:ph type="sldNum" sz="quarter" idx="12"/>
+          </p:nvPr>
+        </p:nvSpPr>
+        <p:spPr>
+          <a:xfrm>
+            <a:off x="7786826" y="4625268"/>
+            <a:ext cx="762000" cy="457200"/>
           </a:xfrm>
         </p:spPr>
         <p:txBody>
           <a:bodyPr/>
           <a:lstStyle>
+            <a:lvl1pPr algn="ctr">
+              <a:defRPr sz="2800">
+                <a:solidFill>
+                  <a:schemeClr val="accent1">
+                    <a:lumMod val="50000"/>
+                  </a:schemeClr>
+                </a:solidFill>
+              </a:defRPr>
+            </a:lvl1pPr>
+          </a:lstStyle>
+          <a:p>
+            <a:fld id="{581CF3FB-12BE-4619-8F61-AE4297B873D3}" type="slidenum">
+              <a:rPr lang="fr-FR" smtClean="0"/>
+              <a:t>‹N°›</a:t>
+            </a:fld>
+            <a:endParaRPr lang="fr-FR"/>
+          </a:p>
+        </p:txBody>
+      </p:sp>
+      <p:sp>
+        <p:nvSpPr>
+          <p:cNvPr id="11" name="Rectangle 10"/>
+          <p:cNvSpPr/>
+          <p:nvPr/>
+        </p:nvSpPr>
+        <p:spPr>
+          <a:xfrm>
+            <a:off x="541822" y="4559276"/>
+            <a:ext cx="6755166" cy="664367"/>
+          </a:xfrm>
+          <a:prstGeom prst="rect">
+            <a:avLst/>
+          </a:prstGeom>
+          <a:solidFill>
+            <a:schemeClr val="accent1"/>
+          </a:solidFill>
+          <a:ln w="6350">
+            <a:noFill/>
+          </a:ln>
+        </p:spPr>
+        <p:style>
+          <a:lnRef idx="2">
+            <a:schemeClr val="accent1">
+              <a:shade val="50000"/>
+            </a:schemeClr>
+          </a:lnRef>
+          <a:fillRef idx="1">
+            <a:schemeClr val="accent1"/>
+          </a:fillRef>
+          <a:effectRef idx="0">
+            <a:schemeClr val="accent1"/>
+          </a:effectRef>
+          <a:fontRef idx="minor">
+            <a:schemeClr val="lt1"/>
+          </a:fontRef>
+        </p:style>
+        <p:txBody>
+          <a:bodyPr rtlCol="0" anchor="ctr"/>
+          <a:lstStyle/>
+          <a:p>
+            <a:pPr algn="ctr"/>
+            <a:endParaRPr lang="en-US"/>
+          </a:p>
+        </p:txBody>
+      </p:sp>
+      <p:sp>
+        <p:nvSpPr>
+          <p:cNvPr id="10" name="Rectangle 9"/>
+          <p:cNvSpPr/>
+          <p:nvPr/>
+        </p:nvSpPr>
+        <p:spPr>
+          <a:xfrm>
+            <a:off x="538971" y="3139440"/>
+            <a:ext cx="6760868" cy="2077720"/>
+          </a:xfrm>
+          <a:prstGeom prst="rect">
+            <a:avLst/>
+          </a:prstGeom>
+          <a:noFill/>
+          <a:ln w="6350" cmpd="dbl">
+            <a:solidFill>
+              <a:schemeClr val="accent1">
+                <a:lumMod val="75000"/>
+              </a:schemeClr>
+            </a:solidFill>
+          </a:ln>
+        </p:spPr>
+        <p:style>
+          <a:lnRef idx="2">
+            <a:schemeClr val="accent1">
+              <a:shade val="50000"/>
+            </a:schemeClr>
+          </a:lnRef>
+          <a:fillRef idx="1">
+            <a:schemeClr val="accent1"/>
+          </a:fillRef>
+          <a:effectRef idx="0">
+            <a:schemeClr val="accent1"/>
+          </a:effectRef>
+          <a:fontRef idx="minor">
+            <a:schemeClr val="lt1"/>
+          </a:fontRef>
+        </p:style>
+        <p:txBody>
+          <a:bodyPr rtlCol="0" anchor="ctr"/>
+          <a:lstStyle/>
+          <a:p>
+            <a:pPr algn="ctr"/>
+            <a:endParaRPr lang="en-US"/>
+          </a:p>
+        </p:txBody>
+      </p:sp>
+      <p:sp>
+        <p:nvSpPr>
+          <p:cNvPr id="3" name="Subtitle 2"/>
+          <p:cNvSpPr>
+            <a:spLocks noGrp="1"/>
+          </p:cNvSpPr>
+          <p:nvPr>
+            <p:ph type="subTitle" idx="1"/>
+          </p:nvPr>
+        </p:nvSpPr>
+        <p:spPr>
+          <a:xfrm>
+            <a:off x="642805" y="4648200"/>
+            <a:ext cx="6553200" cy="457200"/>
+          </a:xfrm>
+        </p:spPr>
+        <p:txBody>
+          <a:bodyPr>
+            <a:normAutofit/>
+          </a:bodyPr>
+          <a:lstStyle>
             <a:lvl1pPr marL="0" indent="0" algn="ctr">
               <a:buNone/>
-              <a:defRPr>
+              <a:defRPr sz="1800" cap="all" spc="300" baseline="0">
                 <a:solidFill>
-                  <a:schemeClr val="tx1">
-                    <a:tint val="75000"/>
-                  </a:schemeClr>
+                  <a:srgbClr val="FFFFFF"/>
                 </a:solidFill>
               </a:defRPr>
             </a:lvl1pPr>
@@ -283,83 +726,54 @@
           </a:lstStyle>
           <a:p>
             <a:r>
-              <a:rPr lang="fr-FR"/>
+              <a:rPr lang="fr-FR" smtClean="0"/>
               <a:t>Modifiez le style des sous-titres du masque</a:t>
             </a:r>
-          </a:p>
-        </p:txBody>
-      </p:sp>
-      <p:sp>
-        <p:nvSpPr>
-          <p:cNvPr id="4" name="Espace réservé de la date 3"/>
-          <p:cNvSpPr>
-            <a:spLocks noGrp="1"/>
-          </p:cNvSpPr>
-          <p:nvPr>
-            <p:ph type="dt" sz="half" idx="10"/>
-          </p:nvPr>
-        </p:nvSpPr>
-        <p:spPr/>
-        <p:txBody>
-          <a:bodyPr/>
-          <a:lstStyle/>
-          <a:p>
-            <a:fld id="{7DEBA3D4-C10D-4C71-B660-7820DB4B8BBA}" type="datetimeFigureOut">
-              <a:rPr lang="fr-FR" smtClean="0"/>
-              <a:t>30/01/2018</a:t>
-            </a:fld>
-            <a:endParaRPr lang="fr-FR"/>
-          </a:p>
-        </p:txBody>
-      </p:sp>
-      <p:sp>
-        <p:nvSpPr>
-          <p:cNvPr id="5" name="Espace réservé du pied de page 4"/>
-          <p:cNvSpPr>
-            <a:spLocks noGrp="1"/>
-          </p:cNvSpPr>
-          <p:nvPr>
-            <p:ph type="ftr" sz="quarter" idx="11"/>
-          </p:nvPr>
-        </p:nvSpPr>
-        <p:spPr/>
-        <p:txBody>
-          <a:bodyPr/>
-          <a:lstStyle/>
-          <a:p>
-            <a:endParaRPr lang="fr-FR"/>
-          </a:p>
-        </p:txBody>
-      </p:sp>
-      <p:sp>
-        <p:nvSpPr>
-          <p:cNvPr id="6" name="Espace réservé du numéro de diapositive 5"/>
-          <p:cNvSpPr>
-            <a:spLocks noGrp="1"/>
-          </p:cNvSpPr>
-          <p:nvPr>
-            <p:ph type="sldNum" sz="quarter" idx="12"/>
-          </p:nvPr>
-        </p:nvSpPr>
-        <p:spPr/>
-        <p:txBody>
-          <a:bodyPr/>
-          <a:lstStyle/>
-          <a:p>
-            <a:fld id="{581CF3FB-12BE-4619-8F61-AE4297B873D3}" type="slidenum">
-              <a:rPr lang="fr-FR" smtClean="0"/>
-              <a:t>‹N°›</a:t>
-            </a:fld>
-            <a:endParaRPr lang="fr-FR"/>
+            <a:endParaRPr lang="en-US" dirty="0"/>
+          </a:p>
+        </p:txBody>
+      </p:sp>
+      <p:sp>
+        <p:nvSpPr>
+          <p:cNvPr id="2" name="Title 1"/>
+          <p:cNvSpPr>
+            <a:spLocks noGrp="1"/>
+          </p:cNvSpPr>
+          <p:nvPr>
+            <p:ph type="ctrTitle"/>
+          </p:nvPr>
+        </p:nvSpPr>
+        <p:spPr>
+          <a:xfrm>
+            <a:off x="604705" y="3227033"/>
+            <a:ext cx="6629400" cy="1219201"/>
+          </a:xfrm>
+        </p:spPr>
+        <p:txBody>
+          <a:bodyPr anchor="b" anchorCtr="0">
+            <a:noAutofit/>
+          </a:bodyPr>
+          <a:lstStyle>
+            <a:lvl1pPr>
+              <a:defRPr sz="4000">
+                <a:solidFill>
+                  <a:schemeClr val="accent1">
+                    <a:lumMod val="50000"/>
+                  </a:schemeClr>
+                </a:solidFill>
+              </a:defRPr>
+            </a:lvl1pPr>
+          </a:lstStyle>
+          <a:p>
+            <a:r>
+              <a:rPr lang="fr-FR" smtClean="0"/>
+              <a:t>Modifiez le style du titre</a:t>
+            </a:r>
+            <a:endParaRPr lang="en-US" dirty="0"/>
           </a:p>
         </p:txBody>
       </p:sp>
     </p:spTree>
-    <p:extLst>
-      <p:ext uri="{BB962C8B-B14F-4D97-AF65-F5344CB8AC3E}">
-        <p14:creationId xmlns:p14="http://schemas.microsoft.com/office/powerpoint/2010/main" val="458227946"/>
-      </p:ext>
-    </p:extLst>
   </p:cSld>
   <p:clrMapOvr>
     <a:masterClrMapping/>
@@ -386,7 +800,7 @@
       </p:grpSpPr>
       <p:sp>
         <p:nvSpPr>
-          <p:cNvPr id="2" name="Titre 1"/>
+          <p:cNvPr id="2" name="Title 1"/>
           <p:cNvSpPr>
             <a:spLocks noGrp="1"/>
           </p:cNvSpPr>
@@ -400,15 +814,16 @@
           <a:lstStyle/>
           <a:p>
             <a:r>
-              <a:rPr lang="fr-FR"/>
+              <a:rPr lang="fr-FR" smtClean="0"/>
               <a:t>Modifiez le style du titre</a:t>
             </a:r>
-          </a:p>
-        </p:txBody>
-      </p:sp>
-      <p:sp>
-        <p:nvSpPr>
-          <p:cNvPr id="3" name="Espace réservé du texte vertical 2"/>
+            <a:endParaRPr lang="en-US"/>
+          </a:p>
+        </p:txBody>
+      </p:sp>
+      <p:sp>
+        <p:nvSpPr>
+          <p:cNvPr id="3" name="Vertical Text Placeholder 2"/>
           <p:cNvSpPr>
             <a:spLocks noGrp="1"/>
           </p:cNvSpPr>
@@ -423,43 +838,44 @@
           <a:p>
             <a:pPr lvl="0"/>
             <a:r>
-              <a:rPr lang="fr-FR"/>
+              <a:rPr lang="fr-FR" smtClean="0"/>
               <a:t>Modifiez les styles du texte du masque</a:t>
             </a:r>
           </a:p>
           <a:p>
             <a:pPr lvl="1"/>
             <a:r>
-              <a:rPr lang="fr-FR"/>
+              <a:rPr lang="fr-FR" smtClean="0"/>
               <a:t>Deuxième niveau</a:t>
             </a:r>
           </a:p>
           <a:p>
             <a:pPr lvl="2"/>
             <a:r>
-              <a:rPr lang="fr-FR"/>
+              <a:rPr lang="fr-FR" smtClean="0"/>
               <a:t>Troisième niveau</a:t>
             </a:r>
           </a:p>
           <a:p>
             <a:pPr lvl="3"/>
             <a:r>
-              <a:rPr lang="fr-FR"/>
+              <a:rPr lang="fr-FR" smtClean="0"/>
               <a:t>Quatrième niveau</a:t>
             </a:r>
           </a:p>
           <a:p>
             <a:pPr lvl="4"/>
             <a:r>
-              <a:rPr lang="fr-FR"/>
+              <a:rPr lang="fr-FR" smtClean="0"/>
               <a:t>Cinquième niveau</a:t>
             </a:r>
-          </a:p>
-        </p:txBody>
-      </p:sp>
-      <p:sp>
-        <p:nvSpPr>
-          <p:cNvPr id="4" name="Espace réservé de la date 3"/>
+            <a:endParaRPr lang="en-US"/>
+          </a:p>
+        </p:txBody>
+      </p:sp>
+      <p:sp>
+        <p:nvSpPr>
+          <p:cNvPr id="4" name="Date Placeholder 3"/>
           <p:cNvSpPr>
             <a:spLocks noGrp="1"/>
           </p:cNvSpPr>
@@ -482,7 +898,7 @@
       </p:sp>
       <p:sp>
         <p:nvSpPr>
-          <p:cNvPr id="5" name="Espace réservé du pied de page 4"/>
+          <p:cNvPr id="5" name="Footer Placeholder 4"/>
           <p:cNvSpPr>
             <a:spLocks noGrp="1"/>
           </p:cNvSpPr>
@@ -501,7 +917,7 @@
       </p:sp>
       <p:sp>
         <p:nvSpPr>
-          <p:cNvPr id="6" name="Espace réservé du numéro de diapositive 5"/>
+          <p:cNvPr id="6" name="Slide Number Placeholder 5"/>
           <p:cNvSpPr>
             <a:spLocks noGrp="1"/>
           </p:cNvSpPr>
@@ -523,11 +939,6 @@
         </p:txBody>
       </p:sp>
     </p:spTree>
-    <p:extLst>
-      <p:ext uri="{BB962C8B-B14F-4D97-AF65-F5344CB8AC3E}">
-        <p14:creationId xmlns:p14="http://schemas.microsoft.com/office/powerpoint/2010/main" val="1081040281"/>
-      </p:ext>
-    </p:extLst>
   </p:cSld>
   <p:clrMapOvr>
     <a:masterClrMapping/>
@@ -536,7 +947,7 @@
 </file>
 
 <file path=ppt/slideLayouts/slideLayout11.xml><?xml version="1.0" encoding="utf-8"?>
-<p:sldLayout xmlns:a="http://schemas.openxmlformats.org/drawingml/2006/main" xmlns:r="http://schemas.openxmlformats.org/officeDocument/2006/relationships" xmlns:p="http://schemas.openxmlformats.org/presentationml/2006/main" type="vertTitleAndTx" preserve="1">
+<p:sldLayout xmlns:a="http://schemas.openxmlformats.org/drawingml/2006/main" xmlns:r="http://schemas.openxmlformats.org/officeDocument/2006/relationships" xmlns:p="http://schemas.openxmlformats.org/presentationml/2006/main" showMasterSp="0" type="vertTitleAndTx" preserve="1">
   <p:cSld name="Titre vertical et texte">
     <p:spTree>
       <p:nvGrpSpPr>
@@ -554,7 +965,109 @@
       </p:grpSpPr>
       <p:sp>
         <p:nvSpPr>
-          <p:cNvPr id="2" name="Titre vertical 1"/>
+          <p:cNvPr id="7" name="Rectangle 6"/>
+          <p:cNvSpPr/>
+          <p:nvPr/>
+        </p:nvSpPr>
+        <p:spPr>
+          <a:xfrm>
+            <a:off x="6861702" y="228600"/>
+            <a:ext cx="1859280" cy="6122634"/>
+          </a:xfrm>
+          <a:prstGeom prst="rect">
+            <a:avLst/>
+          </a:prstGeom>
+          <a:solidFill>
+            <a:srgbClr val="FFFFFF">
+              <a:alpha val="85000"/>
+            </a:srgbClr>
+          </a:solidFill>
+          <a:ln>
+            <a:noFill/>
+          </a:ln>
+          <a:effectLst/>
+        </p:spPr>
+        <p:style>
+          <a:lnRef idx="2">
+            <a:schemeClr val="accent1">
+              <a:shade val="50000"/>
+            </a:schemeClr>
+          </a:lnRef>
+          <a:fillRef idx="1">
+            <a:schemeClr val="accent1"/>
+          </a:fillRef>
+          <a:effectRef idx="0">
+            <a:schemeClr val="accent1"/>
+          </a:effectRef>
+          <a:fontRef idx="minor">
+            <a:schemeClr val="lt1"/>
+          </a:fontRef>
+        </p:style>
+        <p:txBody>
+          <a:bodyPr rtlCol="0" anchor="ctr"/>
+          <a:lstStyle/>
+          <a:p>
+            <a:pPr marL="0" algn="ctr" defTabSz="914400" rtl="0" eaLnBrk="1" latinLnBrk="0" hangingPunct="1"/>
+            <a:endParaRPr lang="en-US" sz="1800" kern="1200">
+              <a:solidFill>
+                <a:schemeClr val="lt1"/>
+              </a:solidFill>
+              <a:latin typeface="+mn-lt"/>
+              <a:ea typeface="+mn-ea"/>
+              <a:cs typeface="+mn-cs"/>
+            </a:endParaRPr>
+          </a:p>
+        </p:txBody>
+      </p:sp>
+      <p:sp>
+        <p:nvSpPr>
+          <p:cNvPr id="8" name="Rectangle 7"/>
+          <p:cNvSpPr/>
+          <p:nvPr/>
+        </p:nvSpPr>
+        <p:spPr>
+          <a:xfrm>
+            <a:off x="6955225" y="351409"/>
+            <a:ext cx="1672235" cy="5877017"/>
+          </a:xfrm>
+          <a:prstGeom prst="rect">
+            <a:avLst/>
+          </a:prstGeom>
+          <a:solidFill>
+            <a:srgbClr val="FFFFFF"/>
+          </a:solidFill>
+          <a:ln w="6350">
+            <a:noFill/>
+          </a:ln>
+        </p:spPr>
+        <p:style>
+          <a:lnRef idx="2">
+            <a:schemeClr val="accent1">
+              <a:shade val="50000"/>
+            </a:schemeClr>
+          </a:lnRef>
+          <a:fillRef idx="1">
+            <a:schemeClr val="accent1"/>
+          </a:fillRef>
+          <a:effectRef idx="0">
+            <a:schemeClr val="accent1"/>
+          </a:effectRef>
+          <a:fontRef idx="minor">
+            <a:schemeClr val="lt1"/>
+          </a:fontRef>
+        </p:style>
+        <p:txBody>
+          <a:bodyPr rtlCol="0" anchor="ctr"/>
+          <a:lstStyle/>
+          <a:p>
+            <a:pPr algn="ctr"/>
+            <a:endParaRPr lang="en-US"/>
+          </a:p>
+        </p:txBody>
+      </p:sp>
+      <p:sp>
+        <p:nvSpPr>
+          <p:cNvPr id="2" name="Vertical Title 1"/>
           <p:cNvSpPr>
             <a:spLocks noGrp="1"/>
           </p:cNvSpPr>
@@ -564,8 +1077,8 @@
         </p:nvSpPr>
         <p:spPr>
           <a:xfrm>
-            <a:off x="6629400" y="274638"/>
-            <a:ext cx="2057400" cy="5851525"/>
+            <a:off x="7048577" y="395427"/>
+            <a:ext cx="1485531" cy="5788981"/>
           </a:xfrm>
         </p:spPr>
         <p:txBody>
@@ -573,15 +1086,16 @@
           <a:lstStyle/>
           <a:p>
             <a:r>
-              <a:rPr lang="fr-FR"/>
+              <a:rPr lang="fr-FR" smtClean="0"/>
               <a:t>Modifiez le style du titre</a:t>
             </a:r>
-          </a:p>
-        </p:txBody>
-      </p:sp>
-      <p:sp>
-        <p:nvSpPr>
-          <p:cNvPr id="3" name="Espace réservé du texte vertical 2"/>
+            <a:endParaRPr lang="en-US" dirty="0"/>
+          </a:p>
+        </p:txBody>
+      </p:sp>
+      <p:sp>
+        <p:nvSpPr>
+          <p:cNvPr id="3" name="Vertical Text Placeholder 2"/>
           <p:cNvSpPr>
             <a:spLocks noGrp="1"/>
           </p:cNvSpPr>
@@ -591,8 +1105,8 @@
         </p:nvSpPr>
         <p:spPr>
           <a:xfrm>
-            <a:off x="457200" y="274638"/>
-            <a:ext cx="6019800" cy="5851525"/>
+            <a:off x="457200" y="380999"/>
+            <a:ext cx="6172200" cy="5791201"/>
           </a:xfrm>
         </p:spPr>
         <p:txBody>
@@ -601,43 +1115,44 @@
           <a:p>
             <a:pPr lvl="0"/>
             <a:r>
-              <a:rPr lang="fr-FR"/>
+              <a:rPr lang="fr-FR" smtClean="0"/>
               <a:t>Modifiez les styles du texte du masque</a:t>
             </a:r>
           </a:p>
           <a:p>
             <a:pPr lvl="1"/>
             <a:r>
-              <a:rPr lang="fr-FR"/>
+              <a:rPr lang="fr-FR" smtClean="0"/>
               <a:t>Deuxième niveau</a:t>
             </a:r>
           </a:p>
           <a:p>
             <a:pPr lvl="2"/>
             <a:r>
-              <a:rPr lang="fr-FR"/>
+              <a:rPr lang="fr-FR" smtClean="0"/>
               <a:t>Troisième niveau</a:t>
             </a:r>
           </a:p>
           <a:p>
             <a:pPr lvl="3"/>
             <a:r>
-              <a:rPr lang="fr-FR"/>
+              <a:rPr lang="fr-FR" smtClean="0"/>
               <a:t>Quatrième niveau</a:t>
             </a:r>
           </a:p>
           <a:p>
             <a:pPr lvl="4"/>
             <a:r>
-              <a:rPr lang="fr-FR"/>
+              <a:rPr lang="fr-FR" smtClean="0"/>
               <a:t>Cinquième niveau</a:t>
             </a:r>
-          </a:p>
-        </p:txBody>
-      </p:sp>
-      <p:sp>
-        <p:nvSpPr>
-          <p:cNvPr id="4" name="Espace réservé de la date 3"/>
+            <a:endParaRPr lang="en-US" dirty="0"/>
+          </a:p>
+        </p:txBody>
+      </p:sp>
+      <p:sp>
+        <p:nvSpPr>
+          <p:cNvPr id="4" name="Date Placeholder 3"/>
           <p:cNvSpPr>
             <a:spLocks noGrp="1"/>
           </p:cNvSpPr>
@@ -660,7 +1175,7 @@
       </p:sp>
       <p:sp>
         <p:nvSpPr>
-          <p:cNvPr id="5" name="Espace réservé du pied de page 4"/>
+          <p:cNvPr id="5" name="Footer Placeholder 4"/>
           <p:cNvSpPr>
             <a:spLocks noGrp="1"/>
           </p:cNvSpPr>
@@ -679,7 +1194,7 @@
       </p:sp>
       <p:sp>
         <p:nvSpPr>
-          <p:cNvPr id="6" name="Espace réservé du numéro de diapositive 5"/>
+          <p:cNvPr id="6" name="Slide Number Placeholder 5"/>
           <p:cNvSpPr>
             <a:spLocks noGrp="1"/>
           </p:cNvSpPr>
@@ -701,11 +1216,6 @@
         </p:txBody>
       </p:sp>
     </p:spTree>
-    <p:extLst>
-      <p:ext uri="{BB962C8B-B14F-4D97-AF65-F5344CB8AC3E}">
-        <p14:creationId xmlns:p14="http://schemas.microsoft.com/office/powerpoint/2010/main" val="1795854299"/>
-      </p:ext>
-    </p:extLst>
   </p:cSld>
   <p:clrMapOvr>
     <a:masterClrMapping/>
@@ -732,7 +1242,7 @@
       </p:grpSpPr>
       <p:sp>
         <p:nvSpPr>
-          <p:cNvPr id="2" name="Titre 1"/>
+          <p:cNvPr id="2" name="Title 1"/>
           <p:cNvSpPr>
             <a:spLocks noGrp="1"/>
           </p:cNvSpPr>
@@ -746,15 +1256,16 @@
           <a:lstStyle/>
           <a:p>
             <a:r>
-              <a:rPr lang="fr-FR"/>
+              <a:rPr lang="fr-FR" smtClean="0"/>
               <a:t>Modifiez le style du titre</a:t>
             </a:r>
-          </a:p>
-        </p:txBody>
-      </p:sp>
-      <p:sp>
-        <p:nvSpPr>
-          <p:cNvPr id="3" name="Espace réservé du contenu 2"/>
+            <a:endParaRPr lang="en-US"/>
+          </a:p>
+        </p:txBody>
+      </p:sp>
+      <p:sp>
+        <p:nvSpPr>
+          <p:cNvPr id="3" name="Content Placeholder 2"/>
           <p:cNvSpPr>
             <a:spLocks noGrp="1"/>
           </p:cNvSpPr>
@@ -769,43 +1280,44 @@
           <a:p>
             <a:pPr lvl="0"/>
             <a:r>
-              <a:rPr lang="fr-FR"/>
+              <a:rPr lang="fr-FR" smtClean="0"/>
               <a:t>Modifiez les styles du texte du masque</a:t>
             </a:r>
           </a:p>
           <a:p>
             <a:pPr lvl="1"/>
             <a:r>
-              <a:rPr lang="fr-FR"/>
+              <a:rPr lang="fr-FR" smtClean="0"/>
               <a:t>Deuxième niveau</a:t>
             </a:r>
           </a:p>
           <a:p>
             <a:pPr lvl="2"/>
             <a:r>
-              <a:rPr lang="fr-FR"/>
+              <a:rPr lang="fr-FR" smtClean="0"/>
               <a:t>Troisième niveau</a:t>
             </a:r>
           </a:p>
           <a:p>
             <a:pPr lvl="3"/>
             <a:r>
-              <a:rPr lang="fr-FR"/>
+              <a:rPr lang="fr-FR" smtClean="0"/>
               <a:t>Quatrième niveau</a:t>
             </a:r>
           </a:p>
           <a:p>
             <a:pPr lvl="4"/>
             <a:r>
-              <a:rPr lang="fr-FR"/>
+              <a:rPr lang="fr-FR" smtClean="0"/>
               <a:t>Cinquième niveau</a:t>
             </a:r>
-          </a:p>
-        </p:txBody>
-      </p:sp>
-      <p:sp>
-        <p:nvSpPr>
-          <p:cNvPr id="4" name="Espace réservé de la date 3"/>
+            <a:endParaRPr lang="en-US"/>
+          </a:p>
+        </p:txBody>
+      </p:sp>
+      <p:sp>
+        <p:nvSpPr>
+          <p:cNvPr id="4" name="Date Placeholder 3"/>
           <p:cNvSpPr>
             <a:spLocks noGrp="1"/>
           </p:cNvSpPr>
@@ -828,7 +1340,7 @@
       </p:sp>
       <p:sp>
         <p:nvSpPr>
-          <p:cNvPr id="5" name="Espace réservé du pied de page 4"/>
+          <p:cNvPr id="5" name="Footer Placeholder 4"/>
           <p:cNvSpPr>
             <a:spLocks noGrp="1"/>
           </p:cNvSpPr>
@@ -847,7 +1359,7 @@
       </p:sp>
       <p:sp>
         <p:nvSpPr>
-          <p:cNvPr id="6" name="Espace réservé du numéro de diapositive 5"/>
+          <p:cNvPr id="6" name="Slide Number Placeholder 5"/>
           <p:cNvSpPr>
             <a:spLocks noGrp="1"/>
           </p:cNvSpPr>
@@ -869,11 +1381,6 @@
         </p:txBody>
       </p:sp>
     </p:spTree>
-    <p:extLst>
-      <p:ext uri="{BB962C8B-B14F-4D97-AF65-F5344CB8AC3E}">
-        <p14:creationId xmlns:p14="http://schemas.microsoft.com/office/powerpoint/2010/main" val="3891788260"/>
-      </p:ext>
-    </p:extLst>
   </p:cSld>
   <p:clrMapOvr>
     <a:masterClrMapping/>
@@ -882,7 +1389,7 @@
 </file>
 
 <file path=ppt/slideLayouts/slideLayout3.xml><?xml version="1.0" encoding="utf-8"?>
-<p:sldLayout xmlns:a="http://schemas.openxmlformats.org/drawingml/2006/main" xmlns:r="http://schemas.openxmlformats.org/officeDocument/2006/relationships" xmlns:p="http://schemas.openxmlformats.org/presentationml/2006/main" type="secHead" preserve="1">
+<p:sldLayout xmlns:a="http://schemas.openxmlformats.org/drawingml/2006/main" xmlns:r="http://schemas.openxmlformats.org/officeDocument/2006/relationships" xmlns:p="http://schemas.openxmlformats.org/presentationml/2006/main" showMasterSp="0" type="secHead" preserve="1">
   <p:cSld name="Titre de section">
     <p:spTree>
       <p:nvGrpSpPr>
@@ -900,7 +1407,260 @@
       </p:grpSpPr>
       <p:sp>
         <p:nvSpPr>
-          <p:cNvPr id="2" name="Titre 1"/>
+          <p:cNvPr id="7" name="Rectangle 6"/>
+          <p:cNvSpPr/>
+          <p:nvPr/>
+        </p:nvSpPr>
+        <p:spPr>
+          <a:xfrm>
+            <a:off x="0" y="0"/>
+            <a:ext cx="9144000" cy="6858000"/>
+          </a:xfrm>
+          <a:prstGeom prst="rect">
+            <a:avLst/>
+          </a:prstGeom>
+          <a:solidFill>
+            <a:srgbClr val="FFFFFF"/>
+          </a:solidFill>
+          <a:ln>
+            <a:noFill/>
+          </a:ln>
+        </p:spPr>
+        <p:style>
+          <a:lnRef idx="2">
+            <a:schemeClr val="accent1">
+              <a:shade val="50000"/>
+            </a:schemeClr>
+          </a:lnRef>
+          <a:fillRef idx="1">
+            <a:schemeClr val="accent1"/>
+          </a:fillRef>
+          <a:effectRef idx="0">
+            <a:schemeClr val="accent1"/>
+          </a:effectRef>
+          <a:fontRef idx="minor">
+            <a:schemeClr val="lt1"/>
+          </a:fontRef>
+        </p:style>
+        <p:txBody>
+          <a:bodyPr rtlCol="0" anchor="ctr"/>
+          <a:lstStyle/>
+          <a:p>
+            <a:pPr algn="ctr"/>
+            <a:endParaRPr lang="en-US"/>
+          </a:p>
+        </p:txBody>
+      </p:sp>
+      <p:sp useBgFill="1">
+        <p:nvSpPr>
+          <p:cNvPr id="8" name="Rounded Rectangle 7"/>
+          <p:cNvSpPr/>
+          <p:nvPr/>
+        </p:nvSpPr>
+        <p:spPr>
+          <a:xfrm>
+            <a:off x="91440" y="101600"/>
+            <a:ext cx="8961120" cy="6664960"/>
+          </a:xfrm>
+          <a:prstGeom prst="roundRect">
+            <a:avLst>
+              <a:gd name="adj" fmla="val 1735"/>
+            </a:avLst>
+          </a:prstGeom>
+          <a:ln w="12700" cmpd="sng">
+            <a:noFill/>
+          </a:ln>
+        </p:spPr>
+        <p:style>
+          <a:lnRef idx="2">
+            <a:schemeClr val="accent1">
+              <a:shade val="50000"/>
+            </a:schemeClr>
+          </a:lnRef>
+          <a:fillRef idx="1">
+            <a:schemeClr val="accent1"/>
+          </a:fillRef>
+          <a:effectRef idx="0">
+            <a:schemeClr val="accent1"/>
+          </a:effectRef>
+          <a:fontRef idx="minor">
+            <a:schemeClr val="lt1"/>
+          </a:fontRef>
+        </p:style>
+        <p:txBody>
+          <a:bodyPr rtlCol="0" anchor="ctr"/>
+          <a:lstStyle/>
+          <a:p>
+            <a:pPr algn="ctr"/>
+            <a:endParaRPr lang="en-US"/>
+          </a:p>
+        </p:txBody>
+      </p:sp>
+      <p:sp>
+        <p:nvSpPr>
+          <p:cNvPr id="4" name="Date Placeholder 3"/>
+          <p:cNvSpPr>
+            <a:spLocks noGrp="1"/>
+          </p:cNvSpPr>
+          <p:nvPr>
+            <p:ph type="dt" sz="half" idx="10"/>
+          </p:nvPr>
+        </p:nvSpPr>
+        <p:spPr/>
+        <p:txBody>
+          <a:bodyPr/>
+          <a:lstStyle/>
+          <a:p>
+            <a:fld id="{7DEBA3D4-C10D-4C71-B660-7820DB4B8BBA}" type="datetimeFigureOut">
+              <a:rPr lang="fr-FR" smtClean="0"/>
+              <a:t>30/01/2018</a:t>
+            </a:fld>
+            <a:endParaRPr lang="fr-FR"/>
+          </a:p>
+        </p:txBody>
+      </p:sp>
+      <p:sp>
+        <p:nvSpPr>
+          <p:cNvPr id="13" name="Rectangle 12"/>
+          <p:cNvSpPr/>
+          <p:nvPr/>
+        </p:nvSpPr>
+        <p:spPr>
+          <a:xfrm>
+            <a:off x="451976" y="2946400"/>
+            <a:ext cx="8265160" cy="2463800"/>
+          </a:xfrm>
+          <a:prstGeom prst="rect">
+            <a:avLst/>
+          </a:prstGeom>
+          <a:solidFill>
+            <a:srgbClr val="FFFFFF">
+              <a:alpha val="83000"/>
+            </a:srgbClr>
+          </a:solidFill>
+          <a:ln>
+            <a:noFill/>
+          </a:ln>
+          <a:effectLst>
+            <a:softEdge rad="12700"/>
+          </a:effectLst>
+        </p:spPr>
+        <p:style>
+          <a:lnRef idx="2">
+            <a:schemeClr val="accent1">
+              <a:shade val="50000"/>
+            </a:schemeClr>
+          </a:lnRef>
+          <a:fillRef idx="1">
+            <a:schemeClr val="accent1"/>
+          </a:fillRef>
+          <a:effectRef idx="0">
+            <a:schemeClr val="accent1"/>
+          </a:effectRef>
+          <a:fontRef idx="minor">
+            <a:schemeClr val="lt1"/>
+          </a:fontRef>
+        </p:style>
+        <p:txBody>
+          <a:bodyPr rtlCol="0" anchor="ctr"/>
+          <a:lstStyle/>
+          <a:p>
+            <a:pPr algn="ctr"/>
+            <a:endParaRPr lang="en-US"/>
+          </a:p>
+        </p:txBody>
+      </p:sp>
+      <p:sp>
+        <p:nvSpPr>
+          <p:cNvPr id="16" name="Rectangle 15"/>
+          <p:cNvSpPr/>
+          <p:nvPr/>
+        </p:nvSpPr>
+        <p:spPr>
+          <a:xfrm>
+            <a:off x="567656" y="3048000"/>
+            <a:ext cx="8033800" cy="2245359"/>
+          </a:xfrm>
+          <a:prstGeom prst="rect">
+            <a:avLst/>
+          </a:prstGeom>
+          <a:solidFill>
+            <a:srgbClr val="FFFFFF"/>
+          </a:solidFill>
+          <a:ln w="6350" cmpd="dbl">
+            <a:noFill/>
+          </a:ln>
+        </p:spPr>
+        <p:style>
+          <a:lnRef idx="2">
+            <a:schemeClr val="accent1">
+              <a:shade val="50000"/>
+            </a:schemeClr>
+          </a:lnRef>
+          <a:fillRef idx="1">
+            <a:schemeClr val="accent1"/>
+          </a:fillRef>
+          <a:effectRef idx="0">
+            <a:schemeClr val="accent1"/>
+          </a:effectRef>
+          <a:fontRef idx="minor">
+            <a:schemeClr val="lt1"/>
+          </a:fontRef>
+        </p:style>
+        <p:txBody>
+          <a:bodyPr rtlCol="0" anchor="ctr"/>
+          <a:lstStyle/>
+          <a:p>
+            <a:pPr algn="ctr"/>
+            <a:endParaRPr lang="en-US"/>
+          </a:p>
+        </p:txBody>
+      </p:sp>
+      <p:sp>
+        <p:nvSpPr>
+          <p:cNvPr id="5" name="Footer Placeholder 4"/>
+          <p:cNvSpPr>
+            <a:spLocks noGrp="1"/>
+          </p:cNvSpPr>
+          <p:nvPr>
+            <p:ph type="ftr" sz="quarter" idx="11"/>
+          </p:nvPr>
+        </p:nvSpPr>
+        <p:spPr/>
+        <p:txBody>
+          <a:bodyPr/>
+          <a:lstStyle/>
+          <a:p>
+            <a:endParaRPr lang="fr-FR"/>
+          </a:p>
+        </p:txBody>
+      </p:sp>
+      <p:sp>
+        <p:nvSpPr>
+          <p:cNvPr id="6" name="Slide Number Placeholder 5"/>
+          <p:cNvSpPr>
+            <a:spLocks noGrp="1"/>
+          </p:cNvSpPr>
+          <p:nvPr>
+            <p:ph type="sldNum" sz="quarter" idx="12"/>
+          </p:nvPr>
+        </p:nvSpPr>
+        <p:spPr/>
+        <p:txBody>
+          <a:bodyPr/>
+          <a:lstStyle/>
+          <a:p>
+            <a:fld id="{581CF3FB-12BE-4619-8F61-AE4297B873D3}" type="slidenum">
+              <a:rPr lang="fr-FR" smtClean="0"/>
+              <a:t>‹N°›</a:t>
+            </a:fld>
+            <a:endParaRPr lang="fr-FR"/>
+          </a:p>
+        </p:txBody>
+      </p:sp>
+      <p:sp>
+        <p:nvSpPr>
+          <p:cNvPr id="2" name="Title 1"/>
           <p:cNvSpPr>
             <a:spLocks noGrp="1"/>
           </p:cNvSpPr>
@@ -910,28 +1670,90 @@
         </p:nvSpPr>
         <p:spPr>
           <a:xfrm>
-            <a:off x="722313" y="4406900"/>
-            <a:ext cx="7772400" cy="1362075"/>
-          </a:xfrm>
-        </p:spPr>
-        <p:txBody>
-          <a:bodyPr anchor="t"/>
+            <a:off x="736456" y="3200399"/>
+            <a:ext cx="7696200" cy="1295401"/>
+          </a:xfrm>
+        </p:spPr>
+        <p:txBody>
+          <a:bodyPr anchor="b" anchorCtr="0">
+            <a:noAutofit/>
+          </a:bodyPr>
           <a:lstStyle>
-            <a:lvl1pPr algn="l">
-              <a:defRPr sz="4000" b="1" cap="all"/>
+            <a:lvl1pPr algn="ctr" defTabSz="914400" rtl="0" eaLnBrk="1" latinLnBrk="0" hangingPunct="1">
+              <a:spcBef>
+                <a:spcPct val="0"/>
+              </a:spcBef>
+              <a:buNone/>
+              <a:defRPr lang="en-US" sz="4000" kern="1200" cap="all" baseline="0" dirty="0">
+                <a:solidFill>
+                  <a:schemeClr val="accent1">
+                    <a:lumMod val="50000"/>
+                  </a:schemeClr>
+                </a:solidFill>
+                <a:latin typeface="+mj-lt"/>
+                <a:ea typeface="+mj-ea"/>
+                <a:cs typeface="+mj-cs"/>
+              </a:defRPr>
             </a:lvl1pPr>
           </a:lstStyle>
           <a:p>
             <a:r>
-              <a:rPr lang="fr-FR"/>
+              <a:rPr lang="fr-FR" smtClean="0"/>
               <a:t>Modifiez le style du titre</a:t>
             </a:r>
-          </a:p>
-        </p:txBody>
-      </p:sp>
-      <p:sp>
-        <p:nvSpPr>
-          <p:cNvPr id="3" name="Espace réservé du texte 2"/>
+            <a:endParaRPr lang="en-US" dirty="0"/>
+          </a:p>
+        </p:txBody>
+      </p:sp>
+      <p:sp>
+        <p:nvSpPr>
+          <p:cNvPr id="15" name="Rectangle 14"/>
+          <p:cNvSpPr/>
+          <p:nvPr/>
+        </p:nvSpPr>
+        <p:spPr>
+          <a:xfrm>
+            <a:off x="675496" y="4541520"/>
+            <a:ext cx="7818120" cy="664367"/>
+          </a:xfrm>
+          <a:prstGeom prst="rect">
+            <a:avLst/>
+          </a:prstGeom>
+          <a:solidFill>
+            <a:schemeClr val="accent1"/>
+          </a:solidFill>
+          <a:ln w="6350">
+            <a:noFill/>
+          </a:ln>
+        </p:spPr>
+        <p:style>
+          <a:lnRef idx="2">
+            <a:schemeClr val="accent1">
+              <a:shade val="50000"/>
+            </a:schemeClr>
+          </a:lnRef>
+          <a:fillRef idx="1">
+            <a:schemeClr val="accent1"/>
+          </a:fillRef>
+          <a:effectRef idx="0">
+            <a:schemeClr val="accent1"/>
+          </a:effectRef>
+          <a:fontRef idx="minor">
+            <a:schemeClr val="lt1"/>
+          </a:fontRef>
+        </p:style>
+        <p:txBody>
+          <a:bodyPr rtlCol="0" anchor="ctr"/>
+          <a:lstStyle/>
+          <a:p>
+            <a:pPr algn="ctr"/>
+            <a:endParaRPr lang="en-US"/>
+          </a:p>
+        </p:txBody>
+      </p:sp>
+      <p:sp>
+        <p:nvSpPr>
+          <p:cNvPr id="3" name="Text Placeholder 2"/>
           <p:cNvSpPr>
             <a:spLocks noGrp="1"/>
           </p:cNvSpPr>
@@ -941,20 +1763,20 @@
         </p:nvSpPr>
         <p:spPr>
           <a:xfrm>
-            <a:off x="722313" y="2906713"/>
-            <a:ext cx="7772400" cy="1500187"/>
-          </a:xfrm>
-        </p:spPr>
-        <p:txBody>
-          <a:bodyPr anchor="b"/>
+            <a:off x="736456" y="4607510"/>
+            <a:ext cx="7696200" cy="523783"/>
+          </a:xfrm>
+        </p:spPr>
+        <p:txBody>
+          <a:bodyPr anchor="ctr">
+            <a:normAutofit/>
+          </a:bodyPr>
           <a:lstStyle>
-            <a:lvl1pPr marL="0" indent="0">
-              <a:buNone/>
-              <a:defRPr sz="2000">
+            <a:lvl1pPr marL="0" indent="0" algn="ctr">
+              <a:buNone/>
+              <a:defRPr sz="2000" cap="all" spc="250" baseline="0">
                 <a:solidFill>
-                  <a:schemeClr val="tx1">
-                    <a:tint val="75000"/>
-                  </a:schemeClr>
+                  <a:srgbClr val="FFFFFF"/>
                 </a:solidFill>
               </a:defRPr>
             </a:lvl1pPr>
@@ -1042,7 +1864,7 @@
           <a:p>
             <a:pPr lvl="0"/>
             <a:r>
-              <a:rPr lang="fr-FR"/>
+              <a:rPr lang="fr-FR" smtClean="0"/>
               <a:t>Modifiez les styles du texte du masque</a:t>
             </a:r>
           </a:p>
@@ -1050,75 +1872,53 @@
       </p:sp>
       <p:sp>
         <p:nvSpPr>
-          <p:cNvPr id="4" name="Espace réservé de la date 3"/>
-          <p:cNvSpPr>
-            <a:spLocks noGrp="1"/>
-          </p:cNvSpPr>
-          <p:nvPr>
-            <p:ph type="dt" sz="half" idx="10"/>
-          </p:nvPr>
-        </p:nvSpPr>
-        <p:spPr/>
-        <p:txBody>
-          <a:bodyPr/>
-          <a:lstStyle/>
-          <a:p>
-            <a:fld id="{7DEBA3D4-C10D-4C71-B660-7820DB4B8BBA}" type="datetimeFigureOut">
-              <a:rPr lang="fr-FR" smtClean="0"/>
-              <a:t>30/01/2018</a:t>
-            </a:fld>
-            <a:endParaRPr lang="fr-FR"/>
-          </a:p>
-        </p:txBody>
-      </p:sp>
-      <p:sp>
-        <p:nvSpPr>
-          <p:cNvPr id="5" name="Espace réservé du pied de page 4"/>
-          <p:cNvSpPr>
-            <a:spLocks noGrp="1"/>
-          </p:cNvSpPr>
-          <p:nvPr>
-            <p:ph type="ftr" sz="quarter" idx="11"/>
-          </p:nvPr>
-        </p:nvSpPr>
-        <p:spPr/>
-        <p:txBody>
-          <a:bodyPr/>
-          <a:lstStyle/>
-          <a:p>
-            <a:endParaRPr lang="fr-FR"/>
-          </a:p>
-        </p:txBody>
-      </p:sp>
-      <p:sp>
-        <p:nvSpPr>
-          <p:cNvPr id="6" name="Espace réservé du numéro de diapositive 5"/>
-          <p:cNvSpPr>
-            <a:spLocks noGrp="1"/>
-          </p:cNvSpPr>
-          <p:nvPr>
-            <p:ph type="sldNum" sz="quarter" idx="12"/>
-          </p:nvPr>
-        </p:nvSpPr>
-        <p:spPr/>
-        <p:txBody>
-          <a:bodyPr/>
-          <a:lstStyle/>
-          <a:p>
-            <a:fld id="{581CF3FB-12BE-4619-8F61-AE4297B873D3}" type="slidenum">
-              <a:rPr lang="fr-FR" smtClean="0"/>
-              <a:t>‹N°›</a:t>
-            </a:fld>
-            <a:endParaRPr lang="fr-FR"/>
+          <p:cNvPr id="14" name="Rectangle 13"/>
+          <p:cNvSpPr/>
+          <p:nvPr/>
+        </p:nvSpPr>
+        <p:spPr>
+          <a:xfrm>
+            <a:off x="675757" y="3124200"/>
+            <a:ext cx="7817599" cy="2077720"/>
+          </a:xfrm>
+          <a:prstGeom prst="rect">
+            <a:avLst/>
+          </a:prstGeom>
+          <a:noFill/>
+          <a:ln w="6350" cmpd="dbl">
+            <a:solidFill>
+              <a:schemeClr val="accent1">
+                <a:lumMod val="75000"/>
+              </a:schemeClr>
+            </a:solidFill>
+          </a:ln>
+        </p:spPr>
+        <p:style>
+          <a:lnRef idx="2">
+            <a:schemeClr val="accent1">
+              <a:shade val="50000"/>
+            </a:schemeClr>
+          </a:lnRef>
+          <a:fillRef idx="1">
+            <a:schemeClr val="accent1"/>
+          </a:fillRef>
+          <a:effectRef idx="0">
+            <a:schemeClr val="accent1"/>
+          </a:effectRef>
+          <a:fontRef idx="minor">
+            <a:schemeClr val="lt1"/>
+          </a:fontRef>
+        </p:style>
+        <p:txBody>
+          <a:bodyPr rtlCol="0" anchor="ctr"/>
+          <a:lstStyle/>
+          <a:p>
+            <a:pPr algn="ctr"/>
+            <a:endParaRPr lang="en-US"/>
           </a:p>
         </p:txBody>
       </p:sp>
     </p:spTree>
-    <p:extLst>
-      <p:ext uri="{BB962C8B-B14F-4D97-AF65-F5344CB8AC3E}">
-        <p14:creationId xmlns:p14="http://schemas.microsoft.com/office/powerpoint/2010/main" val="1902375552"/>
-      </p:ext>
-    </p:extLst>
   </p:cSld>
   <p:clrMapOvr>
     <a:masterClrMapping/>
@@ -1145,7 +1945,7 @@
       </p:grpSpPr>
       <p:sp>
         <p:nvSpPr>
-          <p:cNvPr id="2" name="Titre 1"/>
+          <p:cNvPr id="2" name="Title 1"/>
           <p:cNvSpPr>
             <a:spLocks noGrp="1"/>
           </p:cNvSpPr>
@@ -1153,21 +1953,27 @@
             <p:ph type="title"/>
           </p:nvPr>
         </p:nvSpPr>
-        <p:spPr/>
+        <p:spPr>
+          <a:xfrm>
+            <a:off x="426128" y="408372"/>
+            <a:ext cx="8260672" cy="1039427"/>
+          </a:xfrm>
+        </p:spPr>
         <p:txBody>
           <a:bodyPr/>
           <a:lstStyle/>
           <a:p>
             <a:r>
-              <a:rPr lang="fr-FR"/>
+              <a:rPr lang="fr-FR" smtClean="0"/>
               <a:t>Modifiez le style du titre</a:t>
             </a:r>
-          </a:p>
-        </p:txBody>
-      </p:sp>
-      <p:sp>
-        <p:nvSpPr>
-          <p:cNvPr id="3" name="Espace réservé du contenu 2"/>
+            <a:endParaRPr lang="en-US"/>
+          </a:p>
+        </p:txBody>
+      </p:sp>
+      <p:sp>
+        <p:nvSpPr>
+          <p:cNvPr id="3" name="Content Placeholder 2"/>
           <p:cNvSpPr>
             <a:spLocks noGrp="1"/>
           </p:cNvSpPr>
@@ -1177,8 +1983,8 @@
         </p:nvSpPr>
         <p:spPr>
           <a:xfrm>
-            <a:off x="457200" y="1600200"/>
-            <a:ext cx="4038600" cy="4525963"/>
+            <a:off x="426128" y="1719071"/>
+            <a:ext cx="4038600" cy="4407408"/>
           </a:xfrm>
         </p:spPr>
         <p:txBody>
@@ -1215,43 +2021,44 @@
           <a:p>
             <a:pPr lvl="0"/>
             <a:r>
-              <a:rPr lang="fr-FR"/>
+              <a:rPr lang="fr-FR" smtClean="0"/>
               <a:t>Modifiez les styles du texte du masque</a:t>
             </a:r>
           </a:p>
           <a:p>
             <a:pPr lvl="1"/>
             <a:r>
-              <a:rPr lang="fr-FR"/>
+              <a:rPr lang="fr-FR" smtClean="0"/>
               <a:t>Deuxième niveau</a:t>
             </a:r>
           </a:p>
           <a:p>
             <a:pPr lvl="2"/>
             <a:r>
-              <a:rPr lang="fr-FR"/>
+              <a:rPr lang="fr-FR" smtClean="0"/>
               <a:t>Troisième niveau</a:t>
             </a:r>
           </a:p>
           <a:p>
             <a:pPr lvl="3"/>
             <a:r>
-              <a:rPr lang="fr-FR"/>
+              <a:rPr lang="fr-FR" smtClean="0"/>
               <a:t>Quatrième niveau</a:t>
             </a:r>
           </a:p>
           <a:p>
             <a:pPr lvl="4"/>
             <a:r>
-              <a:rPr lang="fr-FR"/>
+              <a:rPr lang="fr-FR" smtClean="0"/>
               <a:t>Cinquième niveau</a:t>
             </a:r>
-          </a:p>
-        </p:txBody>
-      </p:sp>
-      <p:sp>
-        <p:nvSpPr>
-          <p:cNvPr id="4" name="Espace réservé du contenu 3"/>
+            <a:endParaRPr lang="en-US" dirty="0"/>
+          </a:p>
+        </p:txBody>
+      </p:sp>
+      <p:sp>
+        <p:nvSpPr>
+          <p:cNvPr id="4" name="Content Placeholder 3"/>
           <p:cNvSpPr>
             <a:spLocks noGrp="1"/>
           </p:cNvSpPr>
@@ -1261,8 +2068,8 @@
         </p:nvSpPr>
         <p:spPr>
           <a:xfrm>
-            <a:off x="4648200" y="1600200"/>
-            <a:ext cx="4038600" cy="4525963"/>
+            <a:off x="4648200" y="1719071"/>
+            <a:ext cx="4038600" cy="4407408"/>
           </a:xfrm>
         </p:spPr>
         <p:txBody>
@@ -1299,43 +2106,44 @@
           <a:p>
             <a:pPr lvl="0"/>
             <a:r>
-              <a:rPr lang="fr-FR"/>
+              <a:rPr lang="fr-FR" smtClean="0"/>
               <a:t>Modifiez les styles du texte du masque</a:t>
             </a:r>
           </a:p>
           <a:p>
             <a:pPr lvl="1"/>
             <a:r>
-              <a:rPr lang="fr-FR"/>
+              <a:rPr lang="fr-FR" smtClean="0"/>
               <a:t>Deuxième niveau</a:t>
             </a:r>
           </a:p>
           <a:p>
             <a:pPr lvl="2"/>
             <a:r>
-              <a:rPr lang="fr-FR"/>
+              <a:rPr lang="fr-FR" smtClean="0"/>
               <a:t>Troisième niveau</a:t>
             </a:r>
           </a:p>
           <a:p>
             <a:pPr lvl="3"/>
             <a:r>
-              <a:rPr lang="fr-FR"/>
+              <a:rPr lang="fr-FR" smtClean="0"/>
               <a:t>Quatrième niveau</a:t>
             </a:r>
           </a:p>
           <a:p>
             <a:pPr lvl="4"/>
             <a:r>
-              <a:rPr lang="fr-FR"/>
+              <a:rPr lang="fr-FR" smtClean="0"/>
               <a:t>Cinquième niveau</a:t>
             </a:r>
-          </a:p>
-        </p:txBody>
-      </p:sp>
-      <p:sp>
-        <p:nvSpPr>
-          <p:cNvPr id="5" name="Espace réservé de la date 4"/>
+            <a:endParaRPr lang="en-US" dirty="0"/>
+          </a:p>
+        </p:txBody>
+      </p:sp>
+      <p:sp>
+        <p:nvSpPr>
+          <p:cNvPr id="5" name="Date Placeholder 4"/>
           <p:cNvSpPr>
             <a:spLocks noGrp="1"/>
           </p:cNvSpPr>
@@ -1358,7 +2166,7 @@
       </p:sp>
       <p:sp>
         <p:nvSpPr>
-          <p:cNvPr id="6" name="Espace réservé du pied de page 5"/>
+          <p:cNvPr id="6" name="Footer Placeholder 5"/>
           <p:cNvSpPr>
             <a:spLocks noGrp="1"/>
           </p:cNvSpPr>
@@ -1377,7 +2185,7 @@
       </p:sp>
       <p:sp>
         <p:nvSpPr>
-          <p:cNvPr id="7" name="Espace réservé du numéro de diapositive 6"/>
+          <p:cNvPr id="7" name="Slide Number Placeholder 6"/>
           <p:cNvSpPr>
             <a:spLocks noGrp="1"/>
           </p:cNvSpPr>
@@ -1399,11 +2207,6 @@
         </p:txBody>
       </p:sp>
     </p:spTree>
-    <p:extLst>
-      <p:ext uri="{BB962C8B-B14F-4D97-AF65-F5344CB8AC3E}">
-        <p14:creationId xmlns:p14="http://schemas.microsoft.com/office/powerpoint/2010/main" val="2877058389"/>
-      </p:ext>
-    </p:extLst>
   </p:cSld>
   <p:clrMapOvr>
     <a:masterClrMapping/>
@@ -1430,7 +2233,7 @@
       </p:grpSpPr>
       <p:sp>
         <p:nvSpPr>
-          <p:cNvPr id="2" name="Titre 1"/>
+          <p:cNvPr id="2" name="Title 1"/>
           <p:cNvSpPr>
             <a:spLocks noGrp="1"/>
           </p:cNvSpPr>
@@ -1438,7 +2241,12 @@
             <p:ph type="title"/>
           </p:nvPr>
         </p:nvSpPr>
-        <p:spPr/>
+        <p:spPr>
+          <a:xfrm>
+            <a:off x="426128" y="408372"/>
+            <a:ext cx="8260672" cy="1039427"/>
+          </a:xfrm>
+        </p:spPr>
         <p:txBody>
           <a:bodyPr/>
           <a:lstStyle>
@@ -1448,15 +2256,16 @@
           </a:lstStyle>
           <a:p>
             <a:r>
-              <a:rPr lang="fr-FR"/>
+              <a:rPr lang="fr-FR" smtClean="0"/>
               <a:t>Modifiez le style du titre</a:t>
             </a:r>
-          </a:p>
-        </p:txBody>
-      </p:sp>
-      <p:sp>
-        <p:nvSpPr>
-          <p:cNvPr id="3" name="Espace réservé du texte 2"/>
+            <a:endParaRPr lang="en-US"/>
+          </a:p>
+        </p:txBody>
+      </p:sp>
+      <p:sp>
+        <p:nvSpPr>
+          <p:cNvPr id="3" name="Text Placeholder 2"/>
           <p:cNvSpPr>
             <a:spLocks noGrp="1"/>
           </p:cNvSpPr>
@@ -1466,16 +2275,18 @@
         </p:nvSpPr>
         <p:spPr>
           <a:xfrm>
-            <a:off x="457200" y="1535113"/>
+            <a:off x="426128" y="1722438"/>
             <a:ext cx="4040188" cy="639762"/>
           </a:xfrm>
         </p:spPr>
         <p:txBody>
-          <a:bodyPr anchor="b"/>
+          <a:bodyPr anchor="b">
+            <a:noAutofit/>
+          </a:bodyPr>
           <a:lstStyle>
-            <a:lvl1pPr marL="0" indent="0">
-              <a:buNone/>
-              <a:defRPr sz="2400" b="1"/>
+            <a:lvl1pPr marL="0" indent="0" algn="ctr">
+              <a:buNone/>
+              <a:defRPr sz="2200" b="1"/>
             </a:lvl1pPr>
             <a:lvl2pPr marL="457200" indent="0">
               <a:buNone/>
@@ -1513,7 +2324,7 @@
           <a:p>
             <a:pPr lvl="0"/>
             <a:r>
-              <a:rPr lang="fr-FR"/>
+              <a:rPr lang="fr-FR" smtClean="0"/>
               <a:t>Modifiez les styles du texte du masque</a:t>
             </a:r>
           </a:p>
@@ -1521,7 +2332,7 @@
       </p:sp>
       <p:sp>
         <p:nvSpPr>
-          <p:cNvPr id="4" name="Espace réservé du contenu 3"/>
+          <p:cNvPr id="4" name="Content Placeholder 3"/>
           <p:cNvSpPr>
             <a:spLocks noGrp="1"/>
           </p:cNvSpPr>
@@ -1531,8 +2342,8 @@
         </p:nvSpPr>
         <p:spPr>
           <a:xfrm>
-            <a:off x="457200" y="2174875"/>
-            <a:ext cx="4040188" cy="3951288"/>
+            <a:off x="426128" y="2438400"/>
+            <a:ext cx="4040188" cy="3687762"/>
           </a:xfrm>
         </p:spPr>
         <p:txBody>
@@ -1569,43 +2380,44 @@
           <a:p>
             <a:pPr lvl="0"/>
             <a:r>
-              <a:rPr lang="fr-FR"/>
+              <a:rPr lang="fr-FR" smtClean="0"/>
               <a:t>Modifiez les styles du texte du masque</a:t>
             </a:r>
           </a:p>
           <a:p>
             <a:pPr lvl="1"/>
             <a:r>
-              <a:rPr lang="fr-FR"/>
+              <a:rPr lang="fr-FR" smtClean="0"/>
               <a:t>Deuxième niveau</a:t>
             </a:r>
           </a:p>
           <a:p>
             <a:pPr lvl="2"/>
             <a:r>
-              <a:rPr lang="fr-FR"/>
+              <a:rPr lang="fr-FR" smtClean="0"/>
               <a:t>Troisième niveau</a:t>
             </a:r>
           </a:p>
           <a:p>
             <a:pPr lvl="3"/>
             <a:r>
-              <a:rPr lang="fr-FR"/>
+              <a:rPr lang="fr-FR" smtClean="0"/>
               <a:t>Quatrième niveau</a:t>
             </a:r>
           </a:p>
           <a:p>
             <a:pPr lvl="4"/>
             <a:r>
-              <a:rPr lang="fr-FR"/>
+              <a:rPr lang="fr-FR" smtClean="0"/>
               <a:t>Cinquième niveau</a:t>
             </a:r>
-          </a:p>
-        </p:txBody>
-      </p:sp>
-      <p:sp>
-        <p:nvSpPr>
-          <p:cNvPr id="5" name="Espace réservé du texte 4"/>
+            <a:endParaRPr lang="en-US" dirty="0"/>
+          </a:p>
+        </p:txBody>
+      </p:sp>
+      <p:sp>
+        <p:nvSpPr>
+          <p:cNvPr id="5" name="Text Placeholder 4"/>
           <p:cNvSpPr>
             <a:spLocks noGrp="1"/>
           </p:cNvSpPr>
@@ -1615,16 +2427,18 @@
         </p:nvSpPr>
         <p:spPr>
           <a:xfrm>
-            <a:off x="4645025" y="1535113"/>
+            <a:off x="4645025" y="1722438"/>
             <a:ext cx="4041775" cy="639762"/>
           </a:xfrm>
         </p:spPr>
         <p:txBody>
-          <a:bodyPr anchor="b"/>
+          <a:bodyPr anchor="b">
+            <a:noAutofit/>
+          </a:bodyPr>
           <a:lstStyle>
-            <a:lvl1pPr marL="0" indent="0">
-              <a:buNone/>
-              <a:defRPr sz="2400" b="1"/>
+            <a:lvl1pPr marL="0" indent="0" algn="ctr">
+              <a:buNone/>
+              <a:defRPr sz="2200" b="1"/>
             </a:lvl1pPr>
             <a:lvl2pPr marL="457200" indent="0">
               <a:buNone/>
@@ -1662,7 +2476,7 @@
           <a:p>
             <a:pPr lvl="0"/>
             <a:r>
-              <a:rPr lang="fr-FR"/>
+              <a:rPr lang="fr-FR" smtClean="0"/>
               <a:t>Modifiez les styles du texte du masque</a:t>
             </a:r>
           </a:p>
@@ -1670,7 +2484,7 @@
       </p:sp>
       <p:sp>
         <p:nvSpPr>
-          <p:cNvPr id="6" name="Espace réservé du contenu 5"/>
+          <p:cNvPr id="6" name="Content Placeholder 5"/>
           <p:cNvSpPr>
             <a:spLocks noGrp="1"/>
           </p:cNvSpPr>
@@ -1680,8 +2494,8 @@
         </p:nvSpPr>
         <p:spPr>
           <a:xfrm>
-            <a:off x="4645025" y="2174875"/>
-            <a:ext cx="4041775" cy="3951288"/>
+            <a:off x="4645025" y="2438400"/>
+            <a:ext cx="4041775" cy="3687762"/>
           </a:xfrm>
         </p:spPr>
         <p:txBody>
@@ -1718,43 +2532,44 @@
           <a:p>
             <a:pPr lvl="0"/>
             <a:r>
-              <a:rPr lang="fr-FR"/>
+              <a:rPr lang="fr-FR" smtClean="0"/>
               <a:t>Modifiez les styles du texte du masque</a:t>
             </a:r>
           </a:p>
           <a:p>
             <a:pPr lvl="1"/>
             <a:r>
-              <a:rPr lang="fr-FR"/>
+              <a:rPr lang="fr-FR" smtClean="0"/>
               <a:t>Deuxième niveau</a:t>
             </a:r>
           </a:p>
           <a:p>
             <a:pPr lvl="2"/>
             <a:r>
-              <a:rPr lang="fr-FR"/>
+              <a:rPr lang="fr-FR" smtClean="0"/>
               <a:t>Troisième niveau</a:t>
             </a:r>
           </a:p>
           <a:p>
             <a:pPr lvl="3"/>
             <a:r>
-              <a:rPr lang="fr-FR"/>
+              <a:rPr lang="fr-FR" smtClean="0"/>
               <a:t>Quatrième niveau</a:t>
             </a:r>
           </a:p>
           <a:p>
             <a:pPr lvl="4"/>
             <a:r>
-              <a:rPr lang="fr-FR"/>
+              <a:rPr lang="fr-FR" smtClean="0"/>
               <a:t>Cinquième niveau</a:t>
             </a:r>
-          </a:p>
-        </p:txBody>
-      </p:sp>
-      <p:sp>
-        <p:nvSpPr>
-          <p:cNvPr id="7" name="Espace réservé de la date 6"/>
+            <a:endParaRPr lang="en-US" dirty="0"/>
+          </a:p>
+        </p:txBody>
+      </p:sp>
+      <p:sp>
+        <p:nvSpPr>
+          <p:cNvPr id="7" name="Date Placeholder 6"/>
           <p:cNvSpPr>
             <a:spLocks noGrp="1"/>
           </p:cNvSpPr>
@@ -1777,7 +2592,7 @@
       </p:sp>
       <p:sp>
         <p:nvSpPr>
-          <p:cNvPr id="8" name="Espace réservé du pied de page 7"/>
+          <p:cNvPr id="8" name="Footer Placeholder 7"/>
           <p:cNvSpPr>
             <a:spLocks noGrp="1"/>
           </p:cNvSpPr>
@@ -1796,7 +2611,7 @@
       </p:sp>
       <p:sp>
         <p:nvSpPr>
-          <p:cNvPr id="9" name="Espace réservé du numéro de diapositive 8"/>
+          <p:cNvPr id="9" name="Slide Number Placeholder 8"/>
           <p:cNvSpPr>
             <a:spLocks noGrp="1"/>
           </p:cNvSpPr>
@@ -1818,11 +2633,6 @@
         </p:txBody>
       </p:sp>
     </p:spTree>
-    <p:extLst>
-      <p:ext uri="{BB962C8B-B14F-4D97-AF65-F5344CB8AC3E}">
-        <p14:creationId xmlns:p14="http://schemas.microsoft.com/office/powerpoint/2010/main" val="2485807312"/>
-      </p:ext>
-    </p:extLst>
   </p:cSld>
   <p:clrMapOvr>
     <a:masterClrMapping/>
@@ -1849,7 +2659,7 @@
       </p:grpSpPr>
       <p:sp>
         <p:nvSpPr>
-          <p:cNvPr id="2" name="Titre 1"/>
+          <p:cNvPr id="2" name="Title 1"/>
           <p:cNvSpPr>
             <a:spLocks noGrp="1"/>
           </p:cNvSpPr>
@@ -1863,15 +2673,16 @@
           <a:lstStyle/>
           <a:p>
             <a:r>
-              <a:rPr lang="fr-FR"/>
+              <a:rPr lang="fr-FR" smtClean="0"/>
               <a:t>Modifiez le style du titre</a:t>
             </a:r>
-          </a:p>
-        </p:txBody>
-      </p:sp>
-      <p:sp>
-        <p:nvSpPr>
-          <p:cNvPr id="3" name="Espace réservé de la date 2"/>
+            <a:endParaRPr lang="en-US"/>
+          </a:p>
+        </p:txBody>
+      </p:sp>
+      <p:sp>
+        <p:nvSpPr>
+          <p:cNvPr id="3" name="Date Placeholder 2"/>
           <p:cNvSpPr>
             <a:spLocks noGrp="1"/>
           </p:cNvSpPr>
@@ -1894,7 +2705,7 @@
       </p:sp>
       <p:sp>
         <p:nvSpPr>
-          <p:cNvPr id="4" name="Espace réservé du pied de page 3"/>
+          <p:cNvPr id="4" name="Footer Placeholder 3"/>
           <p:cNvSpPr>
             <a:spLocks noGrp="1"/>
           </p:cNvSpPr>
@@ -1913,7 +2724,7 @@
       </p:sp>
       <p:sp>
         <p:nvSpPr>
-          <p:cNvPr id="5" name="Espace réservé du numéro de diapositive 4"/>
+          <p:cNvPr id="5" name="Slide Number Placeholder 4"/>
           <p:cNvSpPr>
             <a:spLocks noGrp="1"/>
           </p:cNvSpPr>
@@ -1935,11 +2746,6 @@
         </p:txBody>
       </p:sp>
     </p:spTree>
-    <p:extLst>
-      <p:ext uri="{BB962C8B-B14F-4D97-AF65-F5344CB8AC3E}">
-        <p14:creationId xmlns:p14="http://schemas.microsoft.com/office/powerpoint/2010/main" val="98289201"/>
-      </p:ext>
-    </p:extLst>
   </p:cSld>
   <p:clrMapOvr>
     <a:masterClrMapping/>
@@ -1948,7 +2754,7 @@
 </file>
 
 <file path=ppt/slideLayouts/slideLayout7.xml><?xml version="1.0" encoding="utf-8"?>
-<p:sldLayout xmlns:a="http://schemas.openxmlformats.org/drawingml/2006/main" xmlns:r="http://schemas.openxmlformats.org/officeDocument/2006/relationships" xmlns:p="http://schemas.openxmlformats.org/presentationml/2006/main" type="blank" preserve="1">
+<p:sldLayout xmlns:a="http://schemas.openxmlformats.org/drawingml/2006/main" xmlns:r="http://schemas.openxmlformats.org/officeDocument/2006/relationships" xmlns:p="http://schemas.openxmlformats.org/presentationml/2006/main" showMasterSp="0" type="blank" preserve="1">
   <p:cSld name="Vide">
     <p:spTree>
       <p:nvGrpSpPr>
@@ -1966,7 +2772,98 @@
       </p:grpSpPr>
       <p:sp>
         <p:nvSpPr>
-          <p:cNvPr id="2" name="Espace réservé de la date 1"/>
+          <p:cNvPr id="5" name="Rectangle 4"/>
+          <p:cNvSpPr/>
+          <p:nvPr/>
+        </p:nvSpPr>
+        <p:spPr>
+          <a:xfrm>
+            <a:off x="0" y="0"/>
+            <a:ext cx="9144000" cy="6858000"/>
+          </a:xfrm>
+          <a:prstGeom prst="rect">
+            <a:avLst/>
+          </a:prstGeom>
+          <a:solidFill>
+            <a:srgbClr val="FFFFFF"/>
+          </a:solidFill>
+          <a:ln>
+            <a:noFill/>
+          </a:ln>
+        </p:spPr>
+        <p:style>
+          <a:lnRef idx="2">
+            <a:schemeClr val="accent1">
+              <a:shade val="50000"/>
+            </a:schemeClr>
+          </a:lnRef>
+          <a:fillRef idx="1">
+            <a:schemeClr val="accent1"/>
+          </a:fillRef>
+          <a:effectRef idx="0">
+            <a:schemeClr val="accent1"/>
+          </a:effectRef>
+          <a:fontRef idx="minor">
+            <a:schemeClr val="lt1"/>
+          </a:fontRef>
+        </p:style>
+        <p:txBody>
+          <a:bodyPr rtlCol="0" anchor="ctr"/>
+          <a:lstStyle/>
+          <a:p>
+            <a:pPr algn="ctr"/>
+            <a:endParaRPr lang="en-US"/>
+          </a:p>
+        </p:txBody>
+      </p:sp>
+      <p:sp useBgFill="1">
+        <p:nvSpPr>
+          <p:cNvPr id="11" name="Rounded Rectangle 10"/>
+          <p:cNvSpPr/>
+          <p:nvPr/>
+        </p:nvSpPr>
+        <p:spPr>
+          <a:xfrm>
+            <a:off x="91440" y="101600"/>
+            <a:ext cx="8961120" cy="6664960"/>
+          </a:xfrm>
+          <a:prstGeom prst="roundRect">
+            <a:avLst>
+              <a:gd name="adj" fmla="val 1735"/>
+            </a:avLst>
+          </a:prstGeom>
+          <a:ln w="12700" cmpd="sng">
+            <a:noFill/>
+          </a:ln>
+        </p:spPr>
+        <p:style>
+          <a:lnRef idx="2">
+            <a:schemeClr val="accent1">
+              <a:shade val="50000"/>
+            </a:schemeClr>
+          </a:lnRef>
+          <a:fillRef idx="1">
+            <a:schemeClr val="accent1"/>
+          </a:fillRef>
+          <a:effectRef idx="0">
+            <a:schemeClr val="accent1"/>
+          </a:effectRef>
+          <a:fontRef idx="minor">
+            <a:schemeClr val="lt1"/>
+          </a:fontRef>
+        </p:style>
+        <p:txBody>
+          <a:bodyPr rtlCol="0" anchor="ctr"/>
+          <a:lstStyle/>
+          <a:p>
+            <a:pPr algn="ctr"/>
+            <a:endParaRPr lang="en-US"/>
+          </a:p>
+        </p:txBody>
+      </p:sp>
+      <p:sp>
+        <p:nvSpPr>
+          <p:cNvPr id="2" name="Date Placeholder 1"/>
           <p:cNvSpPr>
             <a:spLocks noGrp="1"/>
           </p:cNvSpPr>
@@ -1989,7 +2886,7 @@
       </p:sp>
       <p:sp>
         <p:nvSpPr>
-          <p:cNvPr id="3" name="Espace réservé du pied de page 2"/>
+          <p:cNvPr id="3" name="Footer Placeholder 2"/>
           <p:cNvSpPr>
             <a:spLocks noGrp="1"/>
           </p:cNvSpPr>
@@ -2008,7 +2905,7 @@
       </p:sp>
       <p:sp>
         <p:nvSpPr>
-          <p:cNvPr id="4" name="Espace réservé du numéro de diapositive 3"/>
+          <p:cNvPr id="4" name="Slide Number Placeholder 3"/>
           <p:cNvSpPr>
             <a:spLocks noGrp="1"/>
           </p:cNvSpPr>
@@ -2030,11 +2927,6 @@
         </p:txBody>
       </p:sp>
     </p:spTree>
-    <p:extLst>
-      <p:ext uri="{BB962C8B-B14F-4D97-AF65-F5344CB8AC3E}">
-        <p14:creationId xmlns:p14="http://schemas.microsoft.com/office/powerpoint/2010/main" val="655255800"/>
-      </p:ext>
-    </p:extLst>
   </p:cSld>
   <p:clrMapOvr>
     <a:masterClrMapping/>
@@ -2043,7 +2935,7 @@
 </file>
 
 <file path=ppt/slideLayouts/slideLayout8.xml><?xml version="1.0" encoding="utf-8"?>
-<p:sldLayout xmlns:a="http://schemas.openxmlformats.org/drawingml/2006/main" xmlns:r="http://schemas.openxmlformats.org/officeDocument/2006/relationships" xmlns:p="http://schemas.openxmlformats.org/presentationml/2006/main" type="objTx" preserve="1">
+<p:sldLayout xmlns:a="http://schemas.openxmlformats.org/drawingml/2006/main" xmlns:r="http://schemas.openxmlformats.org/officeDocument/2006/relationships" xmlns:p="http://schemas.openxmlformats.org/presentationml/2006/main" showMasterSp="0" type="objTx" preserve="1">
   <p:cSld name="Contenu avec légende">
     <p:spTree>
       <p:nvGrpSpPr>
@@ -2061,38 +2953,98 @@
       </p:grpSpPr>
       <p:sp>
         <p:nvSpPr>
-          <p:cNvPr id="2" name="Titre 1"/>
-          <p:cNvSpPr>
-            <a:spLocks noGrp="1"/>
-          </p:cNvSpPr>
-          <p:nvPr>
-            <p:ph type="title"/>
-          </p:nvPr>
-        </p:nvSpPr>
-        <p:spPr>
-          <a:xfrm>
-            <a:off x="457200" y="273050"/>
-            <a:ext cx="3008313" cy="1162050"/>
-          </a:xfrm>
-        </p:spPr>
-        <p:txBody>
-          <a:bodyPr anchor="b"/>
-          <a:lstStyle>
-            <a:lvl1pPr algn="l">
-              <a:defRPr sz="2000" b="1"/>
-            </a:lvl1pPr>
-          </a:lstStyle>
-          <a:p>
-            <a:r>
-              <a:rPr lang="fr-FR"/>
-              <a:t>Modifiez le style du titre</a:t>
-            </a:r>
-          </a:p>
-        </p:txBody>
-      </p:sp>
-      <p:sp>
-        <p:nvSpPr>
-          <p:cNvPr id="3" name="Espace réservé du contenu 2"/>
+          <p:cNvPr id="11" name="Rectangle 10"/>
+          <p:cNvSpPr/>
+          <p:nvPr/>
+        </p:nvSpPr>
+        <p:spPr>
+          <a:xfrm>
+            <a:off x="0" y="0"/>
+            <a:ext cx="9144000" cy="6858000"/>
+          </a:xfrm>
+          <a:prstGeom prst="rect">
+            <a:avLst/>
+          </a:prstGeom>
+          <a:solidFill>
+            <a:srgbClr val="FFFFFF"/>
+          </a:solidFill>
+          <a:ln>
+            <a:noFill/>
+          </a:ln>
+        </p:spPr>
+        <p:style>
+          <a:lnRef idx="2">
+            <a:schemeClr val="accent1">
+              <a:shade val="50000"/>
+            </a:schemeClr>
+          </a:lnRef>
+          <a:fillRef idx="1">
+            <a:schemeClr val="accent1"/>
+          </a:fillRef>
+          <a:effectRef idx="0">
+            <a:schemeClr val="accent1"/>
+          </a:effectRef>
+          <a:fontRef idx="minor">
+            <a:schemeClr val="lt1"/>
+          </a:fontRef>
+        </p:style>
+        <p:txBody>
+          <a:bodyPr rtlCol="0" anchor="ctr"/>
+          <a:lstStyle/>
+          <a:p>
+            <a:pPr algn="ctr"/>
+            <a:endParaRPr lang="en-US"/>
+          </a:p>
+        </p:txBody>
+      </p:sp>
+      <p:sp useBgFill="1">
+        <p:nvSpPr>
+          <p:cNvPr id="12" name="Rounded Rectangle 11"/>
+          <p:cNvSpPr/>
+          <p:nvPr/>
+        </p:nvSpPr>
+        <p:spPr>
+          <a:xfrm>
+            <a:off x="91440" y="101600"/>
+            <a:ext cx="8961120" cy="6664960"/>
+          </a:xfrm>
+          <a:prstGeom prst="roundRect">
+            <a:avLst>
+              <a:gd name="adj" fmla="val 1735"/>
+            </a:avLst>
+          </a:prstGeom>
+          <a:ln w="12700" cmpd="sng">
+            <a:noFill/>
+          </a:ln>
+        </p:spPr>
+        <p:style>
+          <a:lnRef idx="2">
+            <a:schemeClr val="accent1">
+              <a:shade val="50000"/>
+            </a:schemeClr>
+          </a:lnRef>
+          <a:fillRef idx="1">
+            <a:schemeClr val="accent1"/>
+          </a:fillRef>
+          <a:effectRef idx="0">
+            <a:schemeClr val="accent1"/>
+          </a:effectRef>
+          <a:fontRef idx="minor">
+            <a:schemeClr val="lt1"/>
+          </a:fontRef>
+        </p:style>
+        <p:txBody>
+          <a:bodyPr rtlCol="0" anchor="ctr"/>
+          <a:lstStyle/>
+          <a:p>
+            <a:pPr algn="ctr"/>
+            <a:endParaRPr lang="en-US"/>
+          </a:p>
+        </p:txBody>
+      </p:sp>
+      <p:sp>
+        <p:nvSpPr>
+          <p:cNvPr id="3" name="Content Placeholder 2"/>
           <p:cNvSpPr>
             <a:spLocks noGrp="1"/>
           </p:cNvSpPr>
@@ -2102,8 +3054,8 @@
         </p:nvSpPr>
         <p:spPr>
           <a:xfrm>
-            <a:off x="3575050" y="273050"/>
-            <a:ext cx="5111750" cy="5853113"/>
+            <a:off x="3886200" y="685800"/>
+            <a:ext cx="4572000" cy="5257802"/>
           </a:xfrm>
         </p:spPr>
         <p:txBody>
@@ -2140,43 +3092,210 @@
           <a:p>
             <a:pPr lvl="0"/>
             <a:r>
-              <a:rPr lang="fr-FR"/>
+              <a:rPr lang="fr-FR" smtClean="0"/>
               <a:t>Modifiez les styles du texte du masque</a:t>
             </a:r>
           </a:p>
           <a:p>
             <a:pPr lvl="1"/>
             <a:r>
-              <a:rPr lang="fr-FR"/>
+              <a:rPr lang="fr-FR" smtClean="0"/>
               <a:t>Deuxième niveau</a:t>
             </a:r>
           </a:p>
           <a:p>
             <a:pPr lvl="2"/>
             <a:r>
-              <a:rPr lang="fr-FR"/>
+              <a:rPr lang="fr-FR" smtClean="0"/>
               <a:t>Troisième niveau</a:t>
             </a:r>
           </a:p>
           <a:p>
             <a:pPr lvl="3"/>
             <a:r>
-              <a:rPr lang="fr-FR"/>
+              <a:rPr lang="fr-FR" smtClean="0"/>
               <a:t>Quatrième niveau</a:t>
             </a:r>
           </a:p>
           <a:p>
             <a:pPr lvl="4"/>
             <a:r>
-              <a:rPr lang="fr-FR"/>
+              <a:rPr lang="fr-FR" smtClean="0"/>
               <a:t>Cinquième niveau</a:t>
             </a:r>
-          </a:p>
-        </p:txBody>
-      </p:sp>
-      <p:sp>
-        <p:nvSpPr>
-          <p:cNvPr id="4" name="Espace réservé du texte 3"/>
+            <a:endParaRPr lang="en-US" dirty="0"/>
+          </a:p>
+        </p:txBody>
+      </p:sp>
+      <p:sp>
+        <p:nvSpPr>
+          <p:cNvPr id="5" name="Date Placeholder 4"/>
+          <p:cNvSpPr>
+            <a:spLocks noGrp="1"/>
+          </p:cNvSpPr>
+          <p:nvPr>
+            <p:ph type="dt" sz="half" idx="10"/>
+          </p:nvPr>
+        </p:nvSpPr>
+        <p:spPr/>
+        <p:txBody>
+          <a:bodyPr/>
+          <a:lstStyle/>
+          <a:p>
+            <a:fld id="{7DEBA3D4-C10D-4C71-B660-7820DB4B8BBA}" type="datetimeFigureOut">
+              <a:rPr lang="fr-FR" smtClean="0"/>
+              <a:t>30/01/2018</a:t>
+            </a:fld>
+            <a:endParaRPr lang="fr-FR"/>
+          </a:p>
+        </p:txBody>
+      </p:sp>
+      <p:sp>
+        <p:nvSpPr>
+          <p:cNvPr id="6" name="Footer Placeholder 5"/>
+          <p:cNvSpPr>
+            <a:spLocks noGrp="1"/>
+          </p:cNvSpPr>
+          <p:nvPr>
+            <p:ph type="ftr" sz="quarter" idx="11"/>
+          </p:nvPr>
+        </p:nvSpPr>
+        <p:spPr/>
+        <p:txBody>
+          <a:bodyPr/>
+          <a:lstStyle/>
+          <a:p>
+            <a:endParaRPr lang="fr-FR"/>
+          </a:p>
+        </p:txBody>
+      </p:sp>
+      <p:sp>
+        <p:nvSpPr>
+          <p:cNvPr id="7" name="Slide Number Placeholder 6"/>
+          <p:cNvSpPr>
+            <a:spLocks noGrp="1"/>
+          </p:cNvSpPr>
+          <p:nvPr>
+            <p:ph type="sldNum" sz="quarter" idx="12"/>
+          </p:nvPr>
+        </p:nvSpPr>
+        <p:spPr/>
+        <p:txBody>
+          <a:bodyPr/>
+          <a:lstStyle/>
+          <a:p>
+            <a:fld id="{581CF3FB-12BE-4619-8F61-AE4297B873D3}" type="slidenum">
+              <a:rPr lang="fr-FR" smtClean="0"/>
+              <a:t>‹N°›</a:t>
+            </a:fld>
+            <a:endParaRPr lang="fr-FR"/>
+          </a:p>
+        </p:txBody>
+      </p:sp>
+      <p:sp>
+        <p:nvSpPr>
+          <p:cNvPr id="8" name="Rectangle 7"/>
+          <p:cNvSpPr/>
+          <p:nvPr/>
+        </p:nvSpPr>
+        <p:spPr>
+          <a:xfrm>
+            <a:off x="560034" y="1505712"/>
+            <a:ext cx="2716566" cy="3523488"/>
+          </a:xfrm>
+          <a:prstGeom prst="rect">
+            <a:avLst/>
+          </a:prstGeom>
+          <a:solidFill>
+            <a:srgbClr val="FFFFFF">
+              <a:alpha val="83000"/>
+            </a:srgbClr>
+          </a:solidFill>
+          <a:ln>
+            <a:noFill/>
+          </a:ln>
+          <a:effectLst>
+            <a:softEdge rad="12700"/>
+          </a:effectLst>
+        </p:spPr>
+        <p:style>
+          <a:lnRef idx="2">
+            <a:schemeClr val="accent1">
+              <a:shade val="50000"/>
+            </a:schemeClr>
+          </a:lnRef>
+          <a:fillRef idx="1">
+            <a:schemeClr val="accent1"/>
+          </a:fillRef>
+          <a:effectRef idx="0">
+            <a:schemeClr val="accent1"/>
+          </a:effectRef>
+          <a:fontRef idx="minor">
+            <a:schemeClr val="lt1"/>
+          </a:fontRef>
+        </p:style>
+        <p:txBody>
+          <a:bodyPr rtlCol="0" anchor="ctr"/>
+          <a:lstStyle/>
+          <a:p>
+            <a:pPr algn="ctr"/>
+            <a:endParaRPr lang="en-US"/>
+          </a:p>
+        </p:txBody>
+      </p:sp>
+      <p:sp>
+        <p:nvSpPr>
+          <p:cNvPr id="10" name="Rectangle 9"/>
+          <p:cNvSpPr/>
+          <p:nvPr/>
+        </p:nvSpPr>
+        <p:spPr>
+          <a:xfrm>
+            <a:off x="676690" y="1642472"/>
+            <a:ext cx="2483254" cy="3234328"/>
+          </a:xfrm>
+          <a:prstGeom prst="rect">
+            <a:avLst/>
+          </a:prstGeom>
+          <a:solidFill>
+            <a:srgbClr val="FFFFFF"/>
+          </a:solidFill>
+          <a:ln w="6350" cmpd="dbl">
+            <a:solidFill>
+              <a:schemeClr val="accent1">
+                <a:lumMod val="75000"/>
+              </a:schemeClr>
+            </a:solidFill>
+          </a:ln>
+        </p:spPr>
+        <p:style>
+          <a:lnRef idx="2">
+            <a:schemeClr val="accent1">
+              <a:shade val="50000"/>
+            </a:schemeClr>
+          </a:lnRef>
+          <a:fillRef idx="1">
+            <a:schemeClr val="accent1"/>
+          </a:fillRef>
+          <a:effectRef idx="0">
+            <a:schemeClr val="accent1"/>
+          </a:effectRef>
+          <a:fontRef idx="minor">
+            <a:schemeClr val="lt1"/>
+          </a:fontRef>
+        </p:style>
+        <p:txBody>
+          <a:bodyPr rtlCol="0" anchor="ctr"/>
+          <a:lstStyle/>
+          <a:p>
+            <a:pPr algn="ctr"/>
+            <a:endParaRPr lang="en-US"/>
+          </a:p>
+        </p:txBody>
+      </p:sp>
+      <p:sp>
+        <p:nvSpPr>
+          <p:cNvPr id="4" name="Text Placeholder 3"/>
           <p:cNvSpPr>
             <a:spLocks noGrp="1"/>
           </p:cNvSpPr>
@@ -2186,16 +3305,25 @@
         </p:nvSpPr>
         <p:spPr>
           <a:xfrm>
-            <a:off x="457200" y="1435100"/>
-            <a:ext cx="3008313" cy="4691063"/>
+            <a:off x="769000" y="2971800"/>
+            <a:ext cx="2298634" cy="1752600"/>
           </a:xfrm>
         </p:spPr>
         <p:txBody>
           <a:bodyPr/>
           <a:lstStyle>
             <a:lvl1pPr marL="0" indent="0">
-              <a:buNone/>
-              <a:defRPr sz="1400"/>
+              <a:spcBef>
+                <a:spcPts val="400"/>
+              </a:spcBef>
+              <a:buNone/>
+              <a:defRPr sz="1400">
+                <a:solidFill>
+                  <a:schemeClr val="accent1">
+                    <a:lumMod val="50000"/>
+                  </a:schemeClr>
+                </a:solidFill>
+              </a:defRPr>
             </a:lvl1pPr>
             <a:lvl2pPr marL="457200" indent="0">
               <a:buNone/>
@@ -2233,7 +3361,7 @@
           <a:p>
             <a:pPr lvl="0"/>
             <a:r>
-              <a:rPr lang="fr-FR"/>
+              <a:rPr lang="fr-FR" smtClean="0"/>
               <a:t>Modifiez les styles du texte du masque</a:t>
             </a:r>
           </a:p>
@@ -2241,75 +3369,45 @@
       </p:sp>
       <p:sp>
         <p:nvSpPr>
-          <p:cNvPr id="5" name="Espace réservé de la date 4"/>
-          <p:cNvSpPr>
-            <a:spLocks noGrp="1"/>
-          </p:cNvSpPr>
-          <p:nvPr>
-            <p:ph type="dt" sz="half" idx="10"/>
-          </p:nvPr>
-        </p:nvSpPr>
-        <p:spPr/>
-        <p:txBody>
-          <a:bodyPr/>
-          <a:lstStyle/>
-          <a:p>
-            <a:fld id="{7DEBA3D4-C10D-4C71-B660-7820DB4B8BBA}" type="datetimeFigureOut">
-              <a:rPr lang="fr-FR" smtClean="0"/>
-              <a:t>30/01/2018</a:t>
-            </a:fld>
-            <a:endParaRPr lang="fr-FR"/>
-          </a:p>
-        </p:txBody>
-      </p:sp>
-      <p:sp>
-        <p:nvSpPr>
-          <p:cNvPr id="6" name="Espace réservé du pied de page 5"/>
-          <p:cNvSpPr>
-            <a:spLocks noGrp="1"/>
-          </p:cNvSpPr>
-          <p:nvPr>
-            <p:ph type="ftr" sz="quarter" idx="11"/>
-          </p:nvPr>
-        </p:nvSpPr>
-        <p:spPr/>
-        <p:txBody>
-          <a:bodyPr/>
-          <a:lstStyle/>
-          <a:p>
-            <a:endParaRPr lang="fr-FR"/>
-          </a:p>
-        </p:txBody>
-      </p:sp>
-      <p:sp>
-        <p:nvSpPr>
-          <p:cNvPr id="7" name="Espace réservé du numéro de diapositive 6"/>
-          <p:cNvSpPr>
-            <a:spLocks noGrp="1"/>
-          </p:cNvSpPr>
-          <p:nvPr>
-            <p:ph type="sldNum" sz="quarter" idx="12"/>
-          </p:nvPr>
-        </p:nvSpPr>
-        <p:spPr/>
-        <p:txBody>
-          <a:bodyPr/>
-          <a:lstStyle/>
-          <a:p>
-            <a:fld id="{581CF3FB-12BE-4619-8F61-AE4297B873D3}" type="slidenum">
-              <a:rPr lang="fr-FR" smtClean="0"/>
-              <a:t>‹N°›</a:t>
-            </a:fld>
-            <a:endParaRPr lang="fr-FR"/>
+          <p:cNvPr id="2" name="Title 1"/>
+          <p:cNvSpPr>
+            <a:spLocks noGrp="1"/>
+          </p:cNvSpPr>
+          <p:nvPr>
+            <p:ph type="title"/>
+          </p:nvPr>
+        </p:nvSpPr>
+        <p:spPr>
+          <a:xfrm>
+            <a:off x="769000" y="1734312"/>
+            <a:ext cx="2298634" cy="1191620"/>
+          </a:xfrm>
+        </p:spPr>
+        <p:txBody>
+          <a:bodyPr anchor="b">
+            <a:normAutofit/>
+          </a:bodyPr>
+          <a:lstStyle>
+            <a:lvl1pPr algn="l">
+              <a:defRPr sz="2000" b="0">
+                <a:solidFill>
+                  <a:schemeClr val="accent1">
+                    <a:lumMod val="75000"/>
+                  </a:schemeClr>
+                </a:solidFill>
+              </a:defRPr>
+            </a:lvl1pPr>
+          </a:lstStyle>
+          <a:p>
+            <a:r>
+              <a:rPr lang="fr-FR" smtClean="0"/>
+              <a:t>Modifiez le style du titre</a:t>
+            </a:r>
+            <a:endParaRPr lang="en-US" dirty="0"/>
           </a:p>
         </p:txBody>
       </p:sp>
     </p:spTree>
-    <p:extLst>
-      <p:ext uri="{BB962C8B-B14F-4D97-AF65-F5344CB8AC3E}">
-        <p14:creationId xmlns:p14="http://schemas.microsoft.com/office/powerpoint/2010/main" val="3078512305"/>
-      </p:ext>
-    </p:extLst>
   </p:cSld>
   <p:clrMapOvr>
     <a:masterClrMapping/>
@@ -2318,7 +3416,7 @@
 </file>
 
 <file path=ppt/slideLayouts/slideLayout9.xml><?xml version="1.0" encoding="utf-8"?>
-<p:sldLayout xmlns:a="http://schemas.openxmlformats.org/drawingml/2006/main" xmlns:r="http://schemas.openxmlformats.org/officeDocument/2006/relationships" xmlns:p="http://schemas.openxmlformats.org/presentationml/2006/main" type="picTx" preserve="1">
+<p:sldLayout xmlns:a="http://schemas.openxmlformats.org/drawingml/2006/main" xmlns:r="http://schemas.openxmlformats.org/officeDocument/2006/relationships" xmlns:p="http://schemas.openxmlformats.org/presentationml/2006/main" showMasterSp="0" type="picTx" preserve="1">
   <p:cSld name="Image avec légende">
     <p:spTree>
       <p:nvGrpSpPr>
@@ -2336,38 +3434,98 @@
       </p:grpSpPr>
       <p:sp>
         <p:nvSpPr>
-          <p:cNvPr id="2" name="Titre 1"/>
-          <p:cNvSpPr>
-            <a:spLocks noGrp="1"/>
-          </p:cNvSpPr>
-          <p:nvPr>
-            <p:ph type="title"/>
-          </p:nvPr>
-        </p:nvSpPr>
-        <p:spPr>
-          <a:xfrm>
-            <a:off x="1792288" y="4800600"/>
-            <a:ext cx="5486400" cy="566738"/>
-          </a:xfrm>
-        </p:spPr>
-        <p:txBody>
-          <a:bodyPr anchor="b"/>
-          <a:lstStyle>
-            <a:lvl1pPr algn="l">
-              <a:defRPr sz="2000" b="1"/>
-            </a:lvl1pPr>
-          </a:lstStyle>
-          <a:p>
-            <a:r>
-              <a:rPr lang="fr-FR"/>
-              <a:t>Modifiez le style du titre</a:t>
-            </a:r>
-          </a:p>
-        </p:txBody>
-      </p:sp>
-      <p:sp>
-        <p:nvSpPr>
-          <p:cNvPr id="3" name="Espace réservé pour une image  2"/>
+          <p:cNvPr id="8" name="Rectangle 7"/>
+          <p:cNvSpPr/>
+          <p:nvPr/>
+        </p:nvSpPr>
+        <p:spPr>
+          <a:xfrm>
+            <a:off x="0" y="0"/>
+            <a:ext cx="9144000" cy="6858000"/>
+          </a:xfrm>
+          <a:prstGeom prst="rect">
+            <a:avLst/>
+          </a:prstGeom>
+          <a:solidFill>
+            <a:srgbClr val="FFFFFF"/>
+          </a:solidFill>
+          <a:ln>
+            <a:noFill/>
+          </a:ln>
+        </p:spPr>
+        <p:style>
+          <a:lnRef idx="2">
+            <a:schemeClr val="accent1">
+              <a:shade val="50000"/>
+            </a:schemeClr>
+          </a:lnRef>
+          <a:fillRef idx="1">
+            <a:schemeClr val="accent1"/>
+          </a:fillRef>
+          <a:effectRef idx="0">
+            <a:schemeClr val="accent1"/>
+          </a:effectRef>
+          <a:fontRef idx="minor">
+            <a:schemeClr val="lt1"/>
+          </a:fontRef>
+        </p:style>
+        <p:txBody>
+          <a:bodyPr rtlCol="0" anchor="ctr"/>
+          <a:lstStyle/>
+          <a:p>
+            <a:pPr algn="ctr"/>
+            <a:endParaRPr lang="en-US"/>
+          </a:p>
+        </p:txBody>
+      </p:sp>
+      <p:sp useBgFill="1">
+        <p:nvSpPr>
+          <p:cNvPr id="9" name="Rounded Rectangle 8"/>
+          <p:cNvSpPr/>
+          <p:nvPr/>
+        </p:nvSpPr>
+        <p:spPr>
+          <a:xfrm>
+            <a:off x="91440" y="101600"/>
+            <a:ext cx="8961120" cy="6664960"/>
+          </a:xfrm>
+          <a:prstGeom prst="roundRect">
+            <a:avLst>
+              <a:gd name="adj" fmla="val 1735"/>
+            </a:avLst>
+          </a:prstGeom>
+          <a:ln w="12700" cmpd="sng">
+            <a:noFill/>
+          </a:ln>
+        </p:spPr>
+        <p:style>
+          <a:lnRef idx="2">
+            <a:schemeClr val="accent1">
+              <a:shade val="50000"/>
+            </a:schemeClr>
+          </a:lnRef>
+          <a:fillRef idx="1">
+            <a:schemeClr val="accent1"/>
+          </a:fillRef>
+          <a:effectRef idx="0">
+            <a:schemeClr val="accent1"/>
+          </a:effectRef>
+          <a:fontRef idx="minor">
+            <a:schemeClr val="lt1"/>
+          </a:fontRef>
+        </p:style>
+        <p:txBody>
+          <a:bodyPr rtlCol="0" anchor="ctr"/>
+          <a:lstStyle/>
+          <a:p>
+            <a:pPr algn="ctr"/>
+            <a:endParaRPr lang="en-US"/>
+          </a:p>
+        </p:txBody>
+      </p:sp>
+      <p:sp>
+        <p:nvSpPr>
+          <p:cNvPr id="3" name="Picture Placeholder 2"/>
           <p:cNvSpPr>
             <a:spLocks noGrp="1"/>
           </p:cNvSpPr>
@@ -2377,9 +3535,18 @@
         </p:nvSpPr>
         <p:spPr>
           <a:xfrm>
-            <a:off x="1792288" y="612775"/>
-            <a:ext cx="5486400" cy="4114800"/>
-          </a:xfrm>
+            <a:off x="685800" y="621437"/>
+            <a:ext cx="7772400" cy="4331564"/>
+          </a:xfrm>
+          <a:solidFill>
+            <a:schemeClr val="bg2"/>
+          </a:solidFill>
+          <a:ln>
+            <a:noFill/>
+          </a:ln>
+          <a:effectLst>
+            <a:softEdge rad="12700"/>
+          </a:effectLst>
         </p:spPr>
         <p:txBody>
           <a:bodyPr/>
@@ -2422,13 +3589,269 @@
             </a:lvl9pPr>
           </a:lstStyle>
           <a:p>
+            <a:r>
+              <a:rPr lang="fr-FR" smtClean="0"/>
+              <a:t>Cliquez sur l'icône pour ajouter une image</a:t>
+            </a:r>
+            <a:endParaRPr lang="en-US" dirty="0"/>
+          </a:p>
+        </p:txBody>
+      </p:sp>
+      <p:sp>
+        <p:nvSpPr>
+          <p:cNvPr id="5" name="Date Placeholder 4"/>
+          <p:cNvSpPr>
+            <a:spLocks noGrp="1"/>
+          </p:cNvSpPr>
+          <p:nvPr>
+            <p:ph type="dt" sz="half" idx="10"/>
+          </p:nvPr>
+        </p:nvSpPr>
+        <p:spPr/>
+        <p:txBody>
+          <a:bodyPr/>
+          <a:lstStyle/>
+          <a:p>
+            <a:fld id="{7DEBA3D4-C10D-4C71-B660-7820DB4B8BBA}" type="datetimeFigureOut">
+              <a:rPr lang="fr-FR" smtClean="0"/>
+              <a:t>30/01/2018</a:t>
+            </a:fld>
             <a:endParaRPr lang="fr-FR"/>
           </a:p>
         </p:txBody>
       </p:sp>
       <p:sp>
         <p:nvSpPr>
-          <p:cNvPr id="4" name="Espace réservé du texte 3"/>
+          <p:cNvPr id="7" name="Slide Number Placeholder 6"/>
+          <p:cNvSpPr>
+            <a:spLocks noGrp="1"/>
+          </p:cNvSpPr>
+          <p:nvPr>
+            <p:ph type="sldNum" sz="quarter" idx="12"/>
+          </p:nvPr>
+        </p:nvSpPr>
+        <p:spPr/>
+        <p:txBody>
+          <a:bodyPr/>
+          <a:lstStyle/>
+          <a:p>
+            <a:fld id="{581CF3FB-12BE-4619-8F61-AE4297B873D3}" type="slidenum">
+              <a:rPr lang="fr-FR" smtClean="0"/>
+              <a:t>‹N°›</a:t>
+            </a:fld>
+            <a:endParaRPr lang="fr-FR"/>
+          </a:p>
+        </p:txBody>
+      </p:sp>
+      <p:sp>
+        <p:nvSpPr>
+          <p:cNvPr id="10" name="Rectangle 9"/>
+          <p:cNvSpPr/>
+          <p:nvPr/>
+        </p:nvSpPr>
+        <p:spPr>
+          <a:xfrm>
+            <a:off x="685800" y="4953000"/>
+            <a:ext cx="7772400" cy="1371600"/>
+          </a:xfrm>
+          <a:prstGeom prst="rect">
+            <a:avLst/>
+          </a:prstGeom>
+          <a:solidFill>
+            <a:srgbClr val="FFFFFF">
+              <a:alpha val="83000"/>
+            </a:srgbClr>
+          </a:solidFill>
+          <a:ln>
+            <a:noFill/>
+          </a:ln>
+          <a:effectLst>
+            <a:softEdge rad="12700"/>
+          </a:effectLst>
+        </p:spPr>
+        <p:style>
+          <a:lnRef idx="2">
+            <a:schemeClr val="accent1">
+              <a:shade val="50000"/>
+            </a:schemeClr>
+          </a:lnRef>
+          <a:fillRef idx="1">
+            <a:schemeClr val="accent1"/>
+          </a:fillRef>
+          <a:effectRef idx="0">
+            <a:schemeClr val="accent1"/>
+          </a:effectRef>
+          <a:fontRef idx="minor">
+            <a:schemeClr val="lt1"/>
+          </a:fontRef>
+        </p:style>
+        <p:txBody>
+          <a:bodyPr rtlCol="0" anchor="ctr"/>
+          <a:lstStyle/>
+          <a:p>
+            <a:pPr algn="ctr"/>
+            <a:endParaRPr lang="en-US"/>
+          </a:p>
+        </p:txBody>
+      </p:sp>
+      <p:sp>
+        <p:nvSpPr>
+          <p:cNvPr id="12" name="Rectangle 11"/>
+          <p:cNvSpPr/>
+          <p:nvPr/>
+        </p:nvSpPr>
+        <p:spPr>
+          <a:xfrm>
+            <a:off x="761999" y="5029200"/>
+            <a:ext cx="7600765" cy="1202924"/>
+          </a:xfrm>
+          <a:prstGeom prst="rect">
+            <a:avLst/>
+          </a:prstGeom>
+          <a:solidFill>
+            <a:srgbClr val="FFFFFF"/>
+          </a:solidFill>
+          <a:ln w="6350" cmpd="dbl">
+            <a:noFill/>
+          </a:ln>
+        </p:spPr>
+        <p:style>
+          <a:lnRef idx="2">
+            <a:schemeClr val="accent1">
+              <a:shade val="50000"/>
+            </a:schemeClr>
+          </a:lnRef>
+          <a:fillRef idx="1">
+            <a:schemeClr val="accent1"/>
+          </a:fillRef>
+          <a:effectRef idx="0">
+            <a:schemeClr val="accent1"/>
+          </a:effectRef>
+          <a:fontRef idx="minor">
+            <a:schemeClr val="lt1"/>
+          </a:fontRef>
+        </p:style>
+        <p:txBody>
+          <a:bodyPr rtlCol="0" anchor="ctr"/>
+          <a:lstStyle/>
+          <a:p>
+            <a:pPr algn="ctr"/>
+            <a:endParaRPr lang="en-US"/>
+          </a:p>
+        </p:txBody>
+      </p:sp>
+      <p:sp>
+        <p:nvSpPr>
+          <p:cNvPr id="6" name="Footer Placeholder 5"/>
+          <p:cNvSpPr>
+            <a:spLocks noGrp="1"/>
+          </p:cNvSpPr>
+          <p:nvPr>
+            <p:ph type="ftr" sz="quarter" idx="11"/>
+          </p:nvPr>
+        </p:nvSpPr>
+        <p:spPr/>
+        <p:txBody>
+          <a:bodyPr/>
+          <a:lstStyle/>
+          <a:p>
+            <a:endParaRPr lang="fr-FR"/>
+          </a:p>
+        </p:txBody>
+      </p:sp>
+      <p:sp>
+        <p:nvSpPr>
+          <p:cNvPr id="13" name="Rectangle 12"/>
+          <p:cNvSpPr/>
+          <p:nvPr/>
+        </p:nvSpPr>
+        <p:spPr>
+          <a:xfrm>
+            <a:off x="914400" y="5638800"/>
+            <a:ext cx="7328514" cy="451696"/>
+          </a:xfrm>
+          <a:prstGeom prst="rect">
+            <a:avLst/>
+          </a:prstGeom>
+          <a:solidFill>
+            <a:schemeClr val="accent1"/>
+          </a:solidFill>
+          <a:ln w="6350" cmpd="dbl">
+            <a:noFill/>
+          </a:ln>
+        </p:spPr>
+        <p:style>
+          <a:lnRef idx="2">
+            <a:schemeClr val="accent1">
+              <a:shade val="50000"/>
+            </a:schemeClr>
+          </a:lnRef>
+          <a:fillRef idx="1">
+            <a:schemeClr val="accent1"/>
+          </a:fillRef>
+          <a:effectRef idx="0">
+            <a:schemeClr val="accent1"/>
+          </a:effectRef>
+          <a:fontRef idx="minor">
+            <a:schemeClr val="lt1"/>
+          </a:fontRef>
+        </p:style>
+        <p:txBody>
+          <a:bodyPr rtlCol="0" anchor="ctr"/>
+          <a:lstStyle/>
+          <a:p>
+            <a:pPr algn="ctr"/>
+            <a:endParaRPr lang="en-US"/>
+          </a:p>
+        </p:txBody>
+      </p:sp>
+      <p:sp>
+        <p:nvSpPr>
+          <p:cNvPr id="11" name="Rectangle 10"/>
+          <p:cNvSpPr/>
+          <p:nvPr/>
+        </p:nvSpPr>
+        <p:spPr>
+          <a:xfrm>
+            <a:off x="605589" y="5074920"/>
+            <a:ext cx="7946136" cy="1097280"/>
+          </a:xfrm>
+          <a:prstGeom prst="rect">
+            <a:avLst/>
+          </a:prstGeom>
+          <a:noFill/>
+          <a:ln w="6350" cmpd="dbl">
+            <a:noFill/>
+          </a:ln>
+        </p:spPr>
+        <p:style>
+          <a:lnRef idx="2">
+            <a:schemeClr val="accent1">
+              <a:shade val="50000"/>
+            </a:schemeClr>
+          </a:lnRef>
+          <a:fillRef idx="1">
+            <a:schemeClr val="accent1"/>
+          </a:fillRef>
+          <a:effectRef idx="0">
+            <a:schemeClr val="accent1"/>
+          </a:effectRef>
+          <a:fontRef idx="minor">
+            <a:schemeClr val="lt1"/>
+          </a:fontRef>
+        </p:style>
+        <p:txBody>
+          <a:bodyPr rtlCol="0" anchor="ctr"/>
+          <a:lstStyle/>
+          <a:p>
+            <a:pPr algn="ctr"/>
+            <a:endParaRPr lang="en-US"/>
+          </a:p>
+        </p:txBody>
+      </p:sp>
+      <p:sp>
+        <p:nvSpPr>
+          <p:cNvPr id="4" name="Text Placeholder 3"/>
           <p:cNvSpPr>
             <a:spLocks noGrp="1"/>
           </p:cNvSpPr>
@@ -2438,16 +3861,22 @@
         </p:nvSpPr>
         <p:spPr>
           <a:xfrm>
-            <a:off x="1792288" y="5367338"/>
-            <a:ext cx="5486400" cy="804862"/>
-          </a:xfrm>
-        </p:spPr>
-        <p:txBody>
-          <a:bodyPr/>
+            <a:off x="956289" y="5656556"/>
+            <a:ext cx="7244736" cy="401715"/>
+          </a:xfrm>
+        </p:spPr>
+        <p:txBody>
+          <a:bodyPr anchor="ctr">
+            <a:normAutofit/>
+          </a:bodyPr>
           <a:lstStyle>
-            <a:lvl1pPr marL="0" indent="0">
-              <a:buNone/>
-              <a:defRPr sz="1400"/>
+            <a:lvl1pPr marL="0" indent="0" algn="ctr">
+              <a:buNone/>
+              <a:defRPr sz="1500" cap="all" spc="250" baseline="0">
+                <a:solidFill>
+                  <a:srgbClr val="FFFFFF"/>
+                </a:solidFill>
+              </a:defRPr>
             </a:lvl1pPr>
             <a:lvl2pPr marL="457200" indent="0">
               <a:buNone/>
@@ -2485,7 +3914,7 @@
           <a:p>
             <a:pPr lvl="0"/>
             <a:r>
-              <a:rPr lang="fr-FR"/>
+              <a:rPr lang="fr-FR" smtClean="0"/>
               <a:t>Modifiez les styles du texte du masque</a:t>
             </a:r>
           </a:p>
@@ -2493,75 +3922,43 @@
       </p:sp>
       <p:sp>
         <p:nvSpPr>
-          <p:cNvPr id="5" name="Espace réservé de la date 4"/>
-          <p:cNvSpPr>
-            <a:spLocks noGrp="1"/>
-          </p:cNvSpPr>
-          <p:nvPr>
-            <p:ph type="dt" sz="half" idx="10"/>
-          </p:nvPr>
-        </p:nvSpPr>
-        <p:spPr/>
-        <p:txBody>
-          <a:bodyPr/>
-          <a:lstStyle/>
-          <a:p>
-            <a:fld id="{7DEBA3D4-C10D-4C71-B660-7820DB4B8BBA}" type="datetimeFigureOut">
-              <a:rPr lang="fr-FR" smtClean="0"/>
-              <a:t>30/01/2018</a:t>
-            </a:fld>
-            <a:endParaRPr lang="fr-FR"/>
-          </a:p>
-        </p:txBody>
-      </p:sp>
-      <p:sp>
-        <p:nvSpPr>
-          <p:cNvPr id="6" name="Espace réservé du pied de page 5"/>
-          <p:cNvSpPr>
-            <a:spLocks noGrp="1"/>
-          </p:cNvSpPr>
-          <p:nvPr>
-            <p:ph type="ftr" sz="quarter" idx="11"/>
-          </p:nvPr>
-        </p:nvSpPr>
-        <p:spPr/>
-        <p:txBody>
-          <a:bodyPr/>
-          <a:lstStyle/>
-          <a:p>
-            <a:endParaRPr lang="fr-FR"/>
-          </a:p>
-        </p:txBody>
-      </p:sp>
-      <p:sp>
-        <p:nvSpPr>
-          <p:cNvPr id="7" name="Espace réservé du numéro de diapositive 6"/>
-          <p:cNvSpPr>
-            <a:spLocks noGrp="1"/>
-          </p:cNvSpPr>
-          <p:nvPr>
-            <p:ph type="sldNum" sz="quarter" idx="12"/>
-          </p:nvPr>
-        </p:nvSpPr>
-        <p:spPr/>
-        <p:txBody>
-          <a:bodyPr/>
-          <a:lstStyle/>
-          <a:p>
-            <a:fld id="{581CF3FB-12BE-4619-8F61-AE4297B873D3}" type="slidenum">
-              <a:rPr lang="fr-FR" smtClean="0"/>
-              <a:t>‹N°›</a:t>
-            </a:fld>
-            <a:endParaRPr lang="fr-FR"/>
+          <p:cNvPr id="2" name="Title 1"/>
+          <p:cNvSpPr>
+            <a:spLocks noGrp="1"/>
+          </p:cNvSpPr>
+          <p:nvPr>
+            <p:ph type="title"/>
+          </p:nvPr>
+        </p:nvSpPr>
+        <p:spPr>
+          <a:xfrm>
+            <a:off x="914400" y="5105400"/>
+            <a:ext cx="7328514" cy="523043"/>
+          </a:xfrm>
+        </p:spPr>
+        <p:txBody>
+          <a:bodyPr anchor="ctr" anchorCtr="0"/>
+          <a:lstStyle>
+            <a:lvl1pPr algn="ctr">
+              <a:defRPr sz="2000" b="0">
+                <a:solidFill>
+                  <a:schemeClr val="accent1">
+                    <a:lumMod val="75000"/>
+                  </a:schemeClr>
+                </a:solidFill>
+              </a:defRPr>
+            </a:lvl1pPr>
+          </a:lstStyle>
+          <a:p>
+            <a:r>
+              <a:rPr lang="fr-FR" smtClean="0"/>
+              <a:t>Modifiez le style du titre</a:t>
+            </a:r>
+            <a:endParaRPr lang="en-US" dirty="0"/>
           </a:p>
         </p:txBody>
       </p:sp>
     </p:spTree>
-    <p:extLst>
-      <p:ext uri="{BB962C8B-B14F-4D97-AF65-F5344CB8AC3E}">
-        <p14:creationId xmlns:p14="http://schemas.microsoft.com/office/powerpoint/2010/main" val="836224680"/>
-      </p:ext>
-    </p:extLst>
   </p:cSld>
   <p:clrMapOvr>
     <a:masterClrMapping/>
@@ -2573,7 +3970,7 @@
 <p:sldMaster xmlns:a="http://schemas.openxmlformats.org/drawingml/2006/main" xmlns:r="http://schemas.openxmlformats.org/officeDocument/2006/relationships" xmlns:p="http://schemas.openxmlformats.org/presentationml/2006/main">
   <p:cSld>
     <p:bg>
-      <p:bgRef idx="1001">
+      <p:bgRef idx="1003">
         <a:schemeClr val="bg1"/>
       </p:bgRef>
     </p:bg>
@@ -2593,39 +3990,98 @@
       </p:grpSpPr>
       <p:sp>
         <p:nvSpPr>
-          <p:cNvPr id="2" name="Espace réservé du titre 1"/>
-          <p:cNvSpPr>
-            <a:spLocks noGrp="1"/>
-          </p:cNvSpPr>
-          <p:nvPr>
-            <p:ph type="title"/>
-          </p:nvPr>
-        </p:nvSpPr>
-        <p:spPr>
-          <a:xfrm>
-            <a:off x="457200" y="274638"/>
-            <a:ext cx="8229600" cy="1143000"/>
+          <p:cNvPr id="8" name="Rectangle 7"/>
+          <p:cNvSpPr/>
+          <p:nvPr/>
+        </p:nvSpPr>
+        <p:spPr>
+          <a:xfrm>
+            <a:off x="0" y="0"/>
+            <a:ext cx="9144000" cy="6858000"/>
           </a:xfrm>
           <a:prstGeom prst="rect">
             <a:avLst/>
           </a:prstGeom>
-        </p:spPr>
-        <p:txBody>
-          <a:bodyPr vert="horz" lIns="91440" tIns="45720" rIns="91440" bIns="45720" rtlCol="0" anchor="ctr">
-            <a:normAutofit/>
-          </a:bodyPr>
-          <a:lstStyle/>
-          <a:p>
-            <a:r>
-              <a:rPr lang="fr-FR"/>
-              <a:t>Modifiez le style du titre</a:t>
-            </a:r>
-          </a:p>
-        </p:txBody>
-      </p:sp>
-      <p:sp>
-        <p:nvSpPr>
-          <p:cNvPr id="3" name="Espace réservé du texte 2"/>
+          <a:solidFill>
+            <a:srgbClr val="FFFFFF"/>
+          </a:solidFill>
+          <a:ln>
+            <a:noFill/>
+          </a:ln>
+        </p:spPr>
+        <p:style>
+          <a:lnRef idx="2">
+            <a:schemeClr val="accent1">
+              <a:shade val="50000"/>
+            </a:schemeClr>
+          </a:lnRef>
+          <a:fillRef idx="1">
+            <a:schemeClr val="accent1"/>
+          </a:fillRef>
+          <a:effectRef idx="0">
+            <a:schemeClr val="accent1"/>
+          </a:effectRef>
+          <a:fontRef idx="minor">
+            <a:schemeClr val="lt1"/>
+          </a:fontRef>
+        </p:style>
+        <p:txBody>
+          <a:bodyPr rtlCol="0" anchor="ctr"/>
+          <a:lstStyle/>
+          <a:p>
+            <a:pPr algn="ctr"/>
+            <a:endParaRPr lang="en-US"/>
+          </a:p>
+        </p:txBody>
+      </p:sp>
+      <p:sp useBgFill="1">
+        <p:nvSpPr>
+          <p:cNvPr id="7" name="Rounded Rectangle 6"/>
+          <p:cNvSpPr/>
+          <p:nvPr/>
+        </p:nvSpPr>
+        <p:spPr>
+          <a:xfrm>
+            <a:off x="91440" y="101600"/>
+            <a:ext cx="8961120" cy="6664960"/>
+          </a:xfrm>
+          <a:prstGeom prst="roundRect">
+            <a:avLst>
+              <a:gd name="adj" fmla="val 1735"/>
+            </a:avLst>
+          </a:prstGeom>
+          <a:ln w="12700" cmpd="sng">
+            <a:noFill/>
+          </a:ln>
+        </p:spPr>
+        <p:style>
+          <a:lnRef idx="2">
+            <a:schemeClr val="accent1">
+              <a:shade val="50000"/>
+            </a:schemeClr>
+          </a:lnRef>
+          <a:fillRef idx="1">
+            <a:schemeClr val="accent1"/>
+          </a:fillRef>
+          <a:effectRef idx="0">
+            <a:schemeClr val="accent1"/>
+          </a:effectRef>
+          <a:fontRef idx="minor">
+            <a:schemeClr val="lt1"/>
+          </a:fontRef>
+        </p:style>
+        <p:txBody>
+          <a:bodyPr rtlCol="0" anchor="ctr"/>
+          <a:lstStyle/>
+          <a:p>
+            <a:pPr algn="ctr"/>
+            <a:endParaRPr lang="en-US"/>
+          </a:p>
+        </p:txBody>
+      </p:sp>
+      <p:sp>
+        <p:nvSpPr>
+          <p:cNvPr id="3" name="Text Placeholder 2"/>
           <p:cNvSpPr>
             <a:spLocks noGrp="1"/>
           </p:cNvSpPr>
@@ -2635,8 +4091,8 @@
         </p:nvSpPr>
         <p:spPr>
           <a:xfrm>
-            <a:off x="457200" y="1600200"/>
-            <a:ext cx="8229600" cy="4525963"/>
+            <a:off x="457200" y="1752600"/>
+            <a:ext cx="8229600" cy="4373563"/>
           </a:xfrm>
           <a:prstGeom prst="rect">
             <a:avLst/>
@@ -2650,43 +4106,44 @@
           <a:p>
             <a:pPr lvl="0"/>
             <a:r>
-              <a:rPr lang="fr-FR"/>
+              <a:rPr lang="fr-FR" smtClean="0"/>
               <a:t>Modifiez les styles du texte du masque</a:t>
             </a:r>
           </a:p>
           <a:p>
             <a:pPr lvl="1"/>
             <a:r>
-              <a:rPr lang="fr-FR"/>
+              <a:rPr lang="fr-FR" smtClean="0"/>
               <a:t>Deuxième niveau</a:t>
             </a:r>
           </a:p>
           <a:p>
             <a:pPr lvl="2"/>
             <a:r>
-              <a:rPr lang="fr-FR"/>
+              <a:rPr lang="fr-FR" smtClean="0"/>
               <a:t>Troisième niveau</a:t>
             </a:r>
           </a:p>
           <a:p>
             <a:pPr lvl="3"/>
             <a:r>
-              <a:rPr lang="fr-FR"/>
+              <a:rPr lang="fr-FR" smtClean="0"/>
               <a:t>Quatrième niveau</a:t>
             </a:r>
           </a:p>
           <a:p>
             <a:pPr lvl="4"/>
             <a:r>
-              <a:rPr lang="fr-FR"/>
+              <a:rPr lang="fr-FR" smtClean="0"/>
               <a:t>Cinquième niveau</a:t>
             </a:r>
-          </a:p>
-        </p:txBody>
-      </p:sp>
-      <p:sp>
-        <p:nvSpPr>
-          <p:cNvPr id="4" name="Espace réservé de la date 3"/>
+            <a:endParaRPr lang="en-US" dirty="0"/>
+          </a:p>
+        </p:txBody>
+      </p:sp>
+      <p:sp>
+        <p:nvSpPr>
+          <p:cNvPr id="4" name="Date Placeholder 3"/>
           <p:cNvSpPr>
             <a:spLocks noGrp="1"/>
           </p:cNvSpPr>
@@ -2709,9 +4166,7 @@
             <a:lvl1pPr algn="l">
               <a:defRPr sz="1200">
                 <a:solidFill>
-                  <a:schemeClr val="tx1">
-                    <a:tint val="75000"/>
-                  </a:schemeClr>
+                  <a:schemeClr val="tx2"/>
                 </a:solidFill>
               </a:defRPr>
             </a:lvl1pPr>
@@ -2727,7 +4182,7 @@
       </p:sp>
       <p:sp>
         <p:nvSpPr>
-          <p:cNvPr id="5" name="Espace réservé du pied de page 4"/>
+          <p:cNvPr id="5" name="Footer Placeholder 4"/>
           <p:cNvSpPr>
             <a:spLocks noGrp="1"/>
           </p:cNvSpPr>
@@ -2750,9 +4205,7 @@
             <a:lvl1pPr algn="ctr">
               <a:defRPr sz="1200">
                 <a:solidFill>
-                  <a:schemeClr val="tx1">
-                    <a:tint val="75000"/>
-                  </a:schemeClr>
+                  <a:schemeClr val="tx2"/>
                 </a:solidFill>
               </a:defRPr>
             </a:lvl1pPr>
@@ -2764,7 +4217,7 @@
       </p:sp>
       <p:sp>
         <p:nvSpPr>
-          <p:cNvPr id="6" name="Espace réservé du numéro de diapositive 5"/>
+          <p:cNvPr id="6" name="Slide Number Placeholder 5"/>
           <p:cNvSpPr>
             <a:spLocks noGrp="1"/>
           </p:cNvSpPr>
@@ -2787,9 +4240,7 @@
             <a:lvl1pPr algn="r">
               <a:defRPr sz="1200">
                 <a:solidFill>
-                  <a:schemeClr val="tx1">
-                    <a:tint val="75000"/>
-                  </a:schemeClr>
+                  <a:schemeClr val="tx2"/>
                 </a:solidFill>
               </a:defRPr>
             </a:lvl1pPr>
@@ -2803,26 +4254,158 @@
           </a:p>
         </p:txBody>
       </p:sp>
+      <p:sp>
+        <p:nvSpPr>
+          <p:cNvPr id="9" name="Rectangle 8"/>
+          <p:cNvSpPr/>
+          <p:nvPr/>
+        </p:nvSpPr>
+        <p:spPr>
+          <a:xfrm>
+            <a:off x="274320" y="278166"/>
+            <a:ext cx="8595360" cy="1325880"/>
+          </a:xfrm>
+          <a:prstGeom prst="rect">
+            <a:avLst/>
+          </a:prstGeom>
+          <a:solidFill>
+            <a:srgbClr val="FFFFFF">
+              <a:alpha val="83000"/>
+            </a:srgbClr>
+          </a:solidFill>
+          <a:ln>
+            <a:noFill/>
+          </a:ln>
+          <a:effectLst>
+            <a:softEdge rad="12700"/>
+          </a:effectLst>
+        </p:spPr>
+        <p:style>
+          <a:lnRef idx="2">
+            <a:schemeClr val="accent1">
+              <a:shade val="50000"/>
+            </a:schemeClr>
+          </a:lnRef>
+          <a:fillRef idx="1">
+            <a:schemeClr val="accent1"/>
+          </a:fillRef>
+          <a:effectRef idx="0">
+            <a:schemeClr val="accent1"/>
+          </a:effectRef>
+          <a:fontRef idx="minor">
+            <a:schemeClr val="lt1"/>
+          </a:fontRef>
+        </p:style>
+        <p:txBody>
+          <a:bodyPr rtlCol="0" anchor="ctr"/>
+          <a:lstStyle/>
+          <a:p>
+            <a:pPr marL="0" algn="ctr" defTabSz="914400" rtl="0" eaLnBrk="1" latinLnBrk="0" hangingPunct="1"/>
+            <a:endParaRPr lang="en-US" sz="1800" kern="1200">
+              <a:solidFill>
+                <a:schemeClr val="lt1"/>
+              </a:solidFill>
+              <a:latin typeface="+mn-lt"/>
+              <a:ea typeface="+mn-ea"/>
+              <a:cs typeface="+mn-cs"/>
+            </a:endParaRPr>
+          </a:p>
+        </p:txBody>
+      </p:sp>
+      <p:sp>
+        <p:nvSpPr>
+          <p:cNvPr id="10" name="Rectangle 9"/>
+          <p:cNvSpPr/>
+          <p:nvPr/>
+        </p:nvSpPr>
+        <p:spPr>
+          <a:xfrm>
+            <a:off x="372863" y="372862"/>
+            <a:ext cx="8380520" cy="1118587"/>
+          </a:xfrm>
+          <a:prstGeom prst="rect">
+            <a:avLst/>
+          </a:prstGeom>
+          <a:solidFill>
+            <a:srgbClr val="FFFFFF"/>
+          </a:solidFill>
+          <a:ln w="6350">
+            <a:noFill/>
+          </a:ln>
+        </p:spPr>
+        <p:style>
+          <a:lnRef idx="2">
+            <a:schemeClr val="accent1">
+              <a:shade val="50000"/>
+            </a:schemeClr>
+          </a:lnRef>
+          <a:fillRef idx="1">
+            <a:schemeClr val="accent1"/>
+          </a:fillRef>
+          <a:effectRef idx="0">
+            <a:schemeClr val="accent1"/>
+          </a:effectRef>
+          <a:fontRef idx="minor">
+            <a:schemeClr val="lt1"/>
+          </a:fontRef>
+        </p:style>
+        <p:txBody>
+          <a:bodyPr rtlCol="0" anchor="ctr"/>
+          <a:lstStyle/>
+          <a:p>
+            <a:pPr algn="ctr"/>
+            <a:endParaRPr lang="en-US"/>
+          </a:p>
+        </p:txBody>
+      </p:sp>
+      <p:sp>
+        <p:nvSpPr>
+          <p:cNvPr id="2" name="Title Placeholder 1"/>
+          <p:cNvSpPr>
+            <a:spLocks noGrp="1"/>
+          </p:cNvSpPr>
+          <p:nvPr>
+            <p:ph type="title"/>
+          </p:nvPr>
+        </p:nvSpPr>
+        <p:spPr>
+          <a:xfrm>
+            <a:off x="426128" y="408372"/>
+            <a:ext cx="8260672" cy="1039427"/>
+          </a:xfrm>
+          <a:prstGeom prst="rect">
+            <a:avLst/>
+          </a:prstGeom>
+        </p:spPr>
+        <p:txBody>
+          <a:bodyPr vert="horz" lIns="91440" tIns="45720" rIns="91440" bIns="45720" rtlCol="0" anchor="ctr">
+            <a:normAutofit/>
+          </a:bodyPr>
+          <a:lstStyle/>
+          <a:p>
+            <a:r>
+              <a:rPr lang="fr-FR" smtClean="0"/>
+              <a:t>Modifiez le style du titre</a:t>
+            </a:r>
+            <a:endParaRPr lang="en-US" dirty="0"/>
+          </a:p>
+        </p:txBody>
+      </p:sp>
     </p:spTree>
-    <p:extLst>
-      <p:ext uri="{BB962C8B-B14F-4D97-AF65-F5344CB8AC3E}">
-        <p14:creationId xmlns:p14="http://schemas.microsoft.com/office/powerpoint/2010/main" val="798978837"/>
-      </p:ext>
-    </p:extLst>
   </p:cSld>
   <p:clrMap bg1="lt1" tx1="dk1" bg2="lt2" tx2="dk2" accent1="accent1" accent2="accent2" accent3="accent3" accent4="accent4" accent5="accent5" accent6="accent6" hlink="hlink" folHlink="folHlink"/>
   <p:sldLayoutIdLst>
-    <p:sldLayoutId id="2147483649" r:id="rId1"/>
-    <p:sldLayoutId id="2147483650" r:id="rId2"/>
-    <p:sldLayoutId id="2147483651" r:id="rId3"/>
-    <p:sldLayoutId id="2147483652" r:id="rId4"/>
-    <p:sldLayoutId id="2147483653" r:id="rId5"/>
-    <p:sldLayoutId id="2147483654" r:id="rId6"/>
-    <p:sldLayoutId id="2147483655" r:id="rId7"/>
-    <p:sldLayoutId id="2147483656" r:id="rId8"/>
-    <p:sldLayoutId id="2147483657" r:id="rId9"/>
-    <p:sldLayoutId id="2147483658" r:id="rId10"/>
-    <p:sldLayoutId id="2147483659" r:id="rId11"/>
+    <p:sldLayoutId id="2147483661" r:id="rId1"/>
+    <p:sldLayoutId id="2147483662" r:id="rId2"/>
+    <p:sldLayoutId id="2147483663" r:id="rId3"/>
+    <p:sldLayoutId id="2147483664" r:id="rId4"/>
+    <p:sldLayoutId id="2147483665" r:id="rId5"/>
+    <p:sldLayoutId id="2147483666" r:id="rId6"/>
+    <p:sldLayoutId id="2147483667" r:id="rId7"/>
+    <p:sldLayoutId id="2147483668" r:id="rId8"/>
+    <p:sldLayoutId id="2147483669" r:id="rId9"/>
+    <p:sldLayoutId id="2147483670" r:id="rId10"/>
+    <p:sldLayoutId id="2147483671" r:id="rId11"/>
   </p:sldLayoutIdLst>
   <p:txStyles>
     <p:titleStyle>
@@ -2831,9 +4414,11 @@
           <a:spcPct val="0"/>
         </a:spcBef>
         <a:buNone/>
-        <a:defRPr sz="4400" kern="1200">
+        <a:defRPr sz="3500" kern="1200" cap="all" baseline="0">
           <a:solidFill>
-            <a:schemeClr val="tx1"/>
+            <a:schemeClr val="accent1">
+              <a:lumMod val="75000"/>
+            </a:schemeClr>
           </a:solidFill>
           <a:latin typeface="+mj-lt"/>
           <a:ea typeface="+mj-ea"/>
@@ -2842,135 +4427,162 @@
       </a:lvl1pPr>
     </p:titleStyle>
     <p:bodyStyle>
-      <a:lvl1pPr marL="342900" indent="-342900" algn="l" defTabSz="914400" rtl="0" eaLnBrk="1" latinLnBrk="0" hangingPunct="1">
+      <a:lvl1pPr marL="342900" indent="-228600" algn="l" defTabSz="914400" rtl="0" eaLnBrk="1" latinLnBrk="0" hangingPunct="1">
         <a:spcBef>
           <a:spcPct val="20000"/>
         </a:spcBef>
-        <a:buFont typeface="Arial" panose="020B0604020202020204" pitchFamily="34" charset="0"/>
+        <a:buClr>
+          <a:schemeClr val="accent1"/>
+        </a:buClr>
+        <a:buFont typeface="Arial" pitchFamily="34" charset="0"/>
         <a:buChar char="•"/>
-        <a:defRPr sz="3200" kern="1200">
+        <a:defRPr sz="2400" kern="1200">
           <a:solidFill>
-            <a:schemeClr val="tx1"/>
+            <a:schemeClr val="tx2"/>
           </a:solidFill>
           <a:latin typeface="+mn-lt"/>
           <a:ea typeface="+mn-ea"/>
           <a:cs typeface="+mn-cs"/>
         </a:defRPr>
       </a:lvl1pPr>
-      <a:lvl2pPr marL="742950" indent="-285750" algn="l" defTabSz="914400" rtl="0" eaLnBrk="1" latinLnBrk="0" hangingPunct="1">
+      <a:lvl2pPr marL="640080" indent="-228600" algn="l" defTabSz="914400" rtl="0" eaLnBrk="1" latinLnBrk="0" hangingPunct="1">
         <a:spcBef>
           <a:spcPct val="20000"/>
         </a:spcBef>
-        <a:buFont typeface="Arial" panose="020B0604020202020204" pitchFamily="34" charset="0"/>
-        <a:buChar char="–"/>
-        <a:defRPr sz="2800" kern="1200">
+        <a:buClr>
+          <a:schemeClr val="accent2"/>
+        </a:buClr>
+        <a:buFont typeface="Arial" pitchFamily="34" charset="0"/>
+        <a:buChar char="•"/>
+        <a:defRPr sz="2000" kern="1200">
           <a:solidFill>
-            <a:schemeClr val="tx1"/>
+            <a:schemeClr val="tx2"/>
           </a:solidFill>
           <a:latin typeface="+mn-lt"/>
           <a:ea typeface="+mn-ea"/>
           <a:cs typeface="+mn-cs"/>
         </a:defRPr>
       </a:lvl2pPr>
-      <a:lvl3pPr marL="1143000" indent="-228600" algn="l" defTabSz="914400" rtl="0" eaLnBrk="1" latinLnBrk="0" hangingPunct="1">
+      <a:lvl3pPr marL="914400" indent="-228600" algn="l" defTabSz="914400" rtl="0" eaLnBrk="1" latinLnBrk="0" hangingPunct="1">
         <a:spcBef>
           <a:spcPct val="20000"/>
         </a:spcBef>
-        <a:buFont typeface="Arial" panose="020B0604020202020204" pitchFamily="34" charset="0"/>
+        <a:buClr>
+          <a:schemeClr val="accent3"/>
+        </a:buClr>
+        <a:buFont typeface="Arial" pitchFamily="34" charset="0"/>
         <a:buChar char="•"/>
-        <a:defRPr sz="2400" kern="1200">
+        <a:defRPr sz="1800" kern="1200">
           <a:solidFill>
-            <a:schemeClr val="tx1"/>
+            <a:schemeClr val="tx2"/>
           </a:solidFill>
           <a:latin typeface="+mn-lt"/>
           <a:ea typeface="+mn-ea"/>
           <a:cs typeface="+mn-cs"/>
         </a:defRPr>
       </a:lvl3pPr>
-      <a:lvl4pPr marL="1600200" indent="-228600" algn="l" defTabSz="914400" rtl="0" eaLnBrk="1" latinLnBrk="0" hangingPunct="1">
+      <a:lvl4pPr marL="1280160" indent="-228600" algn="l" defTabSz="914400" rtl="0" eaLnBrk="1" latinLnBrk="0" hangingPunct="1">
         <a:spcBef>
           <a:spcPct val="20000"/>
         </a:spcBef>
-        <a:buFont typeface="Arial" panose="020B0604020202020204" pitchFamily="34" charset="0"/>
-        <a:buChar char="–"/>
-        <a:defRPr sz="2000" kern="1200">
+        <a:buClr>
+          <a:schemeClr val="accent4"/>
+        </a:buClr>
+        <a:buFont typeface="Arial" pitchFamily="34" charset="0"/>
+        <a:buChar char="•"/>
+        <a:defRPr sz="1600" kern="1200">
           <a:solidFill>
-            <a:schemeClr val="tx1"/>
+            <a:schemeClr val="tx2"/>
           </a:solidFill>
           <a:latin typeface="+mn-lt"/>
           <a:ea typeface="+mn-ea"/>
           <a:cs typeface="+mn-cs"/>
         </a:defRPr>
       </a:lvl4pPr>
-      <a:lvl5pPr marL="2057400" indent="-228600" algn="l" defTabSz="914400" rtl="0" eaLnBrk="1" latinLnBrk="0" hangingPunct="1">
+      <a:lvl5pPr marL="1554480" indent="-228600" algn="l" defTabSz="914400" rtl="0" eaLnBrk="1" latinLnBrk="0" hangingPunct="1">
         <a:spcBef>
           <a:spcPct val="20000"/>
         </a:spcBef>
-        <a:buFont typeface="Arial" panose="020B0604020202020204" pitchFamily="34" charset="0"/>
-        <a:buChar char="»"/>
-        <a:defRPr sz="2000" kern="1200">
+        <a:buClr>
+          <a:schemeClr val="accent5"/>
+        </a:buClr>
+        <a:buFont typeface="Arial" pitchFamily="34" charset="0"/>
+        <a:buChar char="•"/>
+        <a:defRPr sz="1600" kern="1200" baseline="0">
           <a:solidFill>
-            <a:schemeClr val="tx1"/>
+            <a:schemeClr val="tx2"/>
           </a:solidFill>
           <a:latin typeface="+mn-lt"/>
           <a:ea typeface="+mn-ea"/>
           <a:cs typeface="+mn-cs"/>
         </a:defRPr>
       </a:lvl5pPr>
-      <a:lvl6pPr marL="2514600" indent="-228600" algn="l" defTabSz="914400" rtl="0" eaLnBrk="1" latinLnBrk="0" hangingPunct="1">
+      <a:lvl6pPr marL="1737360" indent="-182880" algn="l" defTabSz="914400" rtl="0" eaLnBrk="1" latinLnBrk="0" hangingPunct="1">
         <a:spcBef>
           <a:spcPct val="20000"/>
         </a:spcBef>
-        <a:buFont typeface="Arial" panose="020B0604020202020204" pitchFamily="34" charset="0"/>
+        <a:buClr>
+          <a:schemeClr val="accent1"/>
+        </a:buClr>
+        <a:buFont typeface="Arial" pitchFamily="34" charset="0"/>
         <a:buChar char="•"/>
-        <a:defRPr sz="2000" kern="1200">
+        <a:defRPr sz="1400" kern="1200">
           <a:solidFill>
-            <a:schemeClr val="tx1"/>
+            <a:schemeClr val="tx2"/>
           </a:solidFill>
           <a:latin typeface="+mn-lt"/>
           <a:ea typeface="+mn-ea"/>
           <a:cs typeface="+mn-cs"/>
         </a:defRPr>
       </a:lvl6pPr>
-      <a:lvl7pPr marL="2971800" indent="-228600" algn="l" defTabSz="914400" rtl="0" eaLnBrk="1" latinLnBrk="0" hangingPunct="1">
+      <a:lvl7pPr marL="2011680" indent="-182880" algn="l" defTabSz="914400" rtl="0" eaLnBrk="1" latinLnBrk="0" hangingPunct="1">
         <a:spcBef>
           <a:spcPct val="20000"/>
         </a:spcBef>
-        <a:buFont typeface="Arial" panose="020B0604020202020204" pitchFamily="34" charset="0"/>
+        <a:buClr>
+          <a:schemeClr val="accent2"/>
+        </a:buClr>
+        <a:buFont typeface="Arial" pitchFamily="34" charset="0"/>
         <a:buChar char="•"/>
-        <a:defRPr sz="2000" kern="1200">
+        <a:defRPr sz="1400" kern="1200">
           <a:solidFill>
-            <a:schemeClr val="tx1"/>
+            <a:schemeClr val="tx2"/>
           </a:solidFill>
           <a:latin typeface="+mn-lt"/>
           <a:ea typeface="+mn-ea"/>
           <a:cs typeface="+mn-cs"/>
         </a:defRPr>
       </a:lvl7pPr>
-      <a:lvl8pPr marL="3429000" indent="-228600" algn="l" defTabSz="914400" rtl="0" eaLnBrk="1" latinLnBrk="0" hangingPunct="1">
+      <a:lvl8pPr marL="2194560" indent="-182880" algn="l" defTabSz="914400" rtl="0" eaLnBrk="1" latinLnBrk="0" hangingPunct="1">
         <a:spcBef>
           <a:spcPct val="20000"/>
         </a:spcBef>
-        <a:buFont typeface="Arial" panose="020B0604020202020204" pitchFamily="34" charset="0"/>
+        <a:buClr>
+          <a:schemeClr val="accent3"/>
+        </a:buClr>
+        <a:buFont typeface="Arial" pitchFamily="34" charset="0"/>
         <a:buChar char="•"/>
-        <a:defRPr sz="2000" kern="1200">
+        <a:defRPr sz="1400" kern="1200">
           <a:solidFill>
-            <a:schemeClr val="tx1"/>
+            <a:schemeClr val="tx2"/>
           </a:solidFill>
           <a:latin typeface="+mn-lt"/>
           <a:ea typeface="+mn-ea"/>
           <a:cs typeface="+mn-cs"/>
         </a:defRPr>
       </a:lvl8pPr>
-      <a:lvl9pPr marL="3886200" indent="-228600" algn="l" defTabSz="914400" rtl="0" eaLnBrk="1" latinLnBrk="0" hangingPunct="1">
+      <a:lvl9pPr marL="2377440" indent="-182880" algn="l" defTabSz="914400" rtl="0" eaLnBrk="1" latinLnBrk="0" hangingPunct="1">
         <a:spcBef>
           <a:spcPct val="20000"/>
         </a:spcBef>
-        <a:buFont typeface="Arial" panose="020B0604020202020204" pitchFamily="34" charset="0"/>
+        <a:buClr>
+          <a:schemeClr val="accent4"/>
+        </a:buClr>
+        <a:buFont typeface="Arial" pitchFamily="34" charset="0"/>
         <a:buChar char="•"/>
-        <a:defRPr sz="2000" kern="1200">
+        <a:defRPr sz="1400" kern="1200">
           <a:solidFill>
-            <a:schemeClr val="tx1"/>
+            <a:schemeClr val="tx2"/>
           </a:solidFill>
           <a:latin typeface="+mn-lt"/>
           <a:ea typeface="+mn-ea"/>
@@ -2980,7 +4592,7 @@
     </p:bodyStyle>
     <p:otherStyle>
       <a:defPPr>
-        <a:defRPr lang="fr-FR"/>
+        <a:defRPr lang="en-US"/>
       </a:defPPr>
       <a:lvl1pPr marL="0" algn="l" defTabSz="914400" rtl="0" eaLnBrk="1" latinLnBrk="0" hangingPunct="1">
         <a:defRPr sz="1800" kern="1200">
@@ -3096,6 +4708,28 @@
       </p:grpSpPr>
       <p:sp>
         <p:nvSpPr>
+          <p:cNvPr id="3" name="Sous-titre 2"/>
+          <p:cNvSpPr>
+            <a:spLocks noGrp="1"/>
+          </p:cNvSpPr>
+          <p:nvPr>
+            <p:ph type="subTitle" idx="1"/>
+          </p:nvPr>
+        </p:nvSpPr>
+        <p:spPr/>
+        <p:txBody>
+          <a:bodyPr/>
+          <a:lstStyle/>
+          <a:p>
+            <a:endParaRPr lang="fr-FR" dirty="0"/>
+          </a:p>
+          <a:p>
+            <a:endParaRPr lang="fr-FR" dirty="0"/>
+          </a:p>
+        </p:txBody>
+      </p:sp>
+      <p:sp>
+        <p:nvSpPr>
           <p:cNvPr id="2" name="Titre 1"/>
           <p:cNvSpPr>
             <a:spLocks noGrp="1"/>
@@ -3110,34 +4744,14 @@
           <a:lstStyle/>
           <a:p>
             <a:r>
-              <a:rPr lang="fr-FR"/>
-              <a:t>Bonjour</a:t>
-            </a:r>
-          </a:p>
-        </p:txBody>
-      </p:sp>
-      <p:sp>
-        <p:nvSpPr>
-          <p:cNvPr id="3" name="Sous-titre 2"/>
-          <p:cNvSpPr>
-            <a:spLocks noGrp="1"/>
-          </p:cNvSpPr>
-          <p:nvPr>
-            <p:ph type="subTitle" idx="1"/>
-          </p:nvPr>
-        </p:nvSpPr>
-        <p:spPr/>
-        <p:txBody>
-          <a:bodyPr/>
-          <a:lstStyle/>
-          <a:p>
-            <a:r>
-              <a:rPr lang="fr-FR"/>
-              <a:t>Hero</a:t>
-            </a:r>
-          </a:p>
-          <a:p>
-            <a:endParaRPr lang="fr-FR"/>
+              <a:rPr lang="fr-FR" dirty="0" err="1" smtClean="0"/>
+              <a:t>Ionic</a:t>
+            </a:r>
+            <a:r>
+              <a:rPr lang="fr-FR" dirty="0" smtClean="0"/>
+              <a:t> Framework</a:t>
+            </a:r>
+            <a:endParaRPr lang="fr-FR" dirty="0"/>
           </a:p>
         </p:txBody>
       </p:sp>
@@ -3154,10 +4768,778 @@
 </p:sld>
 </file>
 
+<file path=ppt/slides/slide2.xml><?xml version="1.0" encoding="utf-8"?>
+<p:sld xmlns:a="http://schemas.openxmlformats.org/drawingml/2006/main" xmlns:r="http://schemas.openxmlformats.org/officeDocument/2006/relationships" xmlns:p="http://schemas.openxmlformats.org/presentationml/2006/main">
+  <p:cSld>
+    <p:spTree>
+      <p:nvGrpSpPr>
+        <p:cNvPr id="1" name=""/>
+        <p:cNvGrpSpPr/>
+        <p:nvPr/>
+      </p:nvGrpSpPr>
+      <p:grpSpPr>
+        <a:xfrm>
+          <a:off x="0" y="0"/>
+          <a:ext cx="0" cy="0"/>
+          <a:chOff x="0" y="0"/>
+          <a:chExt cx="0" cy="0"/>
+        </a:xfrm>
+      </p:grpSpPr>
+      <p:sp>
+        <p:nvSpPr>
+          <p:cNvPr id="2" name="Titre 1"/>
+          <p:cNvSpPr>
+            <a:spLocks noGrp="1"/>
+          </p:cNvSpPr>
+          <p:nvPr>
+            <p:ph type="title"/>
+          </p:nvPr>
+        </p:nvSpPr>
+        <p:spPr/>
+        <p:txBody>
+          <a:bodyPr/>
+          <a:lstStyle/>
+          <a:p>
+            <a:r>
+              <a:rPr lang="fr-FR" dirty="0" smtClean="0"/>
+              <a:t>Généralités</a:t>
+            </a:r>
+            <a:endParaRPr lang="fr-FR" dirty="0"/>
+          </a:p>
+        </p:txBody>
+      </p:sp>
+      <p:sp>
+        <p:nvSpPr>
+          <p:cNvPr id="3" name="Espace réservé du contenu 2"/>
+          <p:cNvSpPr>
+            <a:spLocks noGrp="1"/>
+          </p:cNvSpPr>
+          <p:nvPr>
+            <p:ph idx="1"/>
+          </p:nvPr>
+        </p:nvSpPr>
+        <p:spPr/>
+        <p:txBody>
+          <a:bodyPr/>
+          <a:lstStyle/>
+          <a:p>
+            <a:pPr algn="just"/>
+            <a:r>
+              <a:rPr lang="fr-FR" dirty="0" smtClean="0">
+                <a:latin typeface="Calibri Light" panose="020F0302020204030204" pitchFamily="34" charset="0"/>
+                <a:cs typeface="Calibri Light" panose="020F0302020204030204" pitchFamily="34" charset="0"/>
+              </a:rPr>
+              <a:t>Framework développé par </a:t>
+            </a:r>
+            <a:r>
+              <a:rPr lang="fr-FR" dirty="0" err="1" smtClean="0">
+                <a:latin typeface="Calibri Light" panose="020F0302020204030204" pitchFamily="34" charset="0"/>
+                <a:cs typeface="Calibri Light" panose="020F0302020204030204" pitchFamily="34" charset="0"/>
+              </a:rPr>
+              <a:t>Drifty</a:t>
+            </a:r>
+            <a:endParaRPr lang="fr-FR" dirty="0" smtClean="0">
+              <a:latin typeface="Calibri Light" panose="020F0302020204030204" pitchFamily="34" charset="0"/>
+              <a:cs typeface="Calibri Light" panose="020F0302020204030204" pitchFamily="34" charset="0"/>
+            </a:endParaRPr>
+          </a:p>
+          <a:p>
+            <a:pPr algn="just"/>
+            <a:r>
+              <a:rPr lang="fr-FR" dirty="0" smtClean="0">
+                <a:latin typeface="Calibri Light" panose="020F0302020204030204" pitchFamily="34" charset="0"/>
+                <a:cs typeface="Calibri Light" panose="020F0302020204030204" pitchFamily="34" charset="0"/>
+              </a:rPr>
+              <a:t>Basé sur </a:t>
+            </a:r>
+            <a:r>
+              <a:rPr lang="fr-FR" dirty="0" err="1" smtClean="0">
+                <a:latin typeface="Calibri Light" panose="020F0302020204030204" pitchFamily="34" charset="0"/>
+                <a:cs typeface="Calibri Light" panose="020F0302020204030204" pitchFamily="34" charset="0"/>
+              </a:rPr>
+              <a:t>AngularJS</a:t>
+            </a:r>
+            <a:endParaRPr lang="fr-FR" dirty="0" smtClean="0">
+              <a:latin typeface="Calibri Light" panose="020F0302020204030204" pitchFamily="34" charset="0"/>
+              <a:cs typeface="Calibri Light" panose="020F0302020204030204" pitchFamily="34" charset="0"/>
+            </a:endParaRPr>
+          </a:p>
+          <a:p>
+            <a:pPr algn="just"/>
+            <a:r>
+              <a:rPr lang="fr-FR" dirty="0" smtClean="0">
+                <a:latin typeface="Calibri Light" panose="020F0302020204030204" pitchFamily="34" charset="0"/>
+                <a:cs typeface="Calibri Light" panose="020F0302020204030204" pitchFamily="34" charset="0"/>
+              </a:rPr>
+              <a:t>Applications mobiles hybrides | Technologies Web</a:t>
+            </a:r>
+            <a:endParaRPr lang="fr-FR" dirty="0">
+              <a:latin typeface="Calibri Light" panose="020F0302020204030204" pitchFamily="34" charset="0"/>
+              <a:cs typeface="Calibri Light" panose="020F0302020204030204" pitchFamily="34" charset="0"/>
+            </a:endParaRPr>
+          </a:p>
+        </p:txBody>
+      </p:sp>
+      <p:pic>
+        <p:nvPicPr>
+          <p:cNvPr id="4" name="Image 3"/>
+          <p:cNvPicPr>
+            <a:picLocks noChangeAspect="1"/>
+          </p:cNvPicPr>
+          <p:nvPr/>
+        </p:nvPicPr>
+        <p:blipFill>
+          <a:blip r:embed="rId2">
+            <a:extLst>
+              <a:ext uri="{28A0092B-C50C-407E-A947-70E740481C1C}">
+                <a14:useLocalDpi xmlns:a14="http://schemas.microsoft.com/office/drawing/2010/main" val="0"/>
+              </a:ext>
+            </a:extLst>
+          </a:blip>
+          <a:stretch>
+            <a:fillRect/>
+          </a:stretch>
+        </p:blipFill>
+        <p:spPr>
+          <a:xfrm>
+            <a:off x="0" y="3717032"/>
+            <a:ext cx="9144000" cy="2152055"/>
+          </a:xfrm>
+          <a:prstGeom prst="rect">
+            <a:avLst/>
+          </a:prstGeom>
+        </p:spPr>
+      </p:pic>
+    </p:spTree>
+    <p:extLst>
+      <p:ext uri="{BB962C8B-B14F-4D97-AF65-F5344CB8AC3E}">
+        <p14:creationId xmlns:p14="http://schemas.microsoft.com/office/powerpoint/2010/main" val="2197238781"/>
+      </p:ext>
+    </p:extLst>
+  </p:cSld>
+  <p:clrMapOvr>
+    <a:masterClrMapping/>
+  </p:clrMapOvr>
+</p:sld>
+</file>
+
+<file path=ppt/slides/slide3.xml><?xml version="1.0" encoding="utf-8"?>
+<p:sld xmlns:a="http://schemas.openxmlformats.org/drawingml/2006/main" xmlns:r="http://schemas.openxmlformats.org/officeDocument/2006/relationships" xmlns:p="http://schemas.openxmlformats.org/presentationml/2006/main">
+  <p:cSld>
+    <p:spTree>
+      <p:nvGrpSpPr>
+        <p:cNvPr id="1" name=""/>
+        <p:cNvGrpSpPr/>
+        <p:nvPr/>
+      </p:nvGrpSpPr>
+      <p:grpSpPr>
+        <a:xfrm>
+          <a:off x="0" y="0"/>
+          <a:ext cx="0" cy="0"/>
+          <a:chOff x="0" y="0"/>
+          <a:chExt cx="0" cy="0"/>
+        </a:xfrm>
+      </p:grpSpPr>
+      <p:sp>
+        <p:nvSpPr>
+          <p:cNvPr id="2" name="Titre 1"/>
+          <p:cNvSpPr>
+            <a:spLocks noGrp="1"/>
+          </p:cNvSpPr>
+          <p:nvPr>
+            <p:ph type="title"/>
+          </p:nvPr>
+        </p:nvSpPr>
+        <p:spPr/>
+        <p:txBody>
+          <a:bodyPr/>
+          <a:lstStyle/>
+          <a:p>
+            <a:r>
+              <a:rPr lang="fr-FR" dirty="0" smtClean="0"/>
+              <a:t>Fonctionnement (1)</a:t>
+            </a:r>
+            <a:endParaRPr lang="fr-FR" dirty="0"/>
+          </a:p>
+        </p:txBody>
+      </p:sp>
+      <p:sp>
+        <p:nvSpPr>
+          <p:cNvPr id="3" name="Espace réservé du contenu 2"/>
+          <p:cNvSpPr>
+            <a:spLocks noGrp="1"/>
+          </p:cNvSpPr>
+          <p:nvPr>
+            <p:ph idx="1"/>
+          </p:nvPr>
+        </p:nvSpPr>
+        <p:spPr/>
+        <p:txBody>
+          <a:bodyPr/>
+          <a:lstStyle/>
+          <a:p>
+            <a:pPr algn="just"/>
+            <a:r>
+              <a:rPr lang="fr-FR" dirty="0" smtClean="0">
+                <a:latin typeface="Calibri Light" panose="020F0302020204030204" pitchFamily="34" charset="0"/>
+                <a:cs typeface="Calibri Light" panose="020F0302020204030204" pitchFamily="34" charset="0"/>
+              </a:rPr>
+              <a:t>Interface graphique et logique métier</a:t>
+            </a:r>
+          </a:p>
+          <a:p>
+            <a:pPr algn="just"/>
+            <a:r>
+              <a:rPr lang="fr-FR" dirty="0" smtClean="0">
+                <a:latin typeface="Calibri Light" panose="020F0302020204030204" pitchFamily="34" charset="0"/>
+                <a:cs typeface="Calibri Light" panose="020F0302020204030204" pitchFamily="34" charset="0"/>
+              </a:rPr>
+              <a:t>Intégration de technologies reconnues :</a:t>
+            </a:r>
+          </a:p>
+          <a:p>
+            <a:pPr lvl="1" algn="just"/>
+            <a:r>
+              <a:rPr lang="fr-FR" dirty="0" err="1" smtClean="0">
+                <a:latin typeface="Calibri Light" panose="020F0302020204030204" pitchFamily="34" charset="0"/>
+                <a:cs typeface="Calibri Light" panose="020F0302020204030204" pitchFamily="34" charset="0"/>
+              </a:rPr>
+              <a:t>Gulp</a:t>
+            </a:r>
+            <a:r>
+              <a:rPr lang="fr-FR" dirty="0" smtClean="0">
+                <a:latin typeface="Calibri Light" panose="020F0302020204030204" pitchFamily="34" charset="0"/>
+                <a:cs typeface="Calibri Light" panose="020F0302020204030204" pitchFamily="34" charset="0"/>
+              </a:rPr>
+              <a:t> (Compilation)</a:t>
+            </a:r>
+          </a:p>
+          <a:p>
+            <a:pPr lvl="1" algn="just"/>
+            <a:r>
+              <a:rPr lang="fr-FR" dirty="0" err="1" smtClean="0">
+                <a:latin typeface="Calibri Light" panose="020F0302020204030204" pitchFamily="34" charset="0"/>
+                <a:cs typeface="Calibri Light" panose="020F0302020204030204" pitchFamily="34" charset="0"/>
+              </a:rPr>
+              <a:t>AngularJS</a:t>
+            </a:r>
+            <a:r>
+              <a:rPr lang="fr-FR" dirty="0" smtClean="0">
+                <a:latin typeface="Calibri Light" panose="020F0302020204030204" pitchFamily="34" charset="0"/>
+                <a:cs typeface="Calibri Light" panose="020F0302020204030204" pitchFamily="34" charset="0"/>
+              </a:rPr>
+              <a:t> (Structure)</a:t>
+            </a:r>
+          </a:p>
+          <a:p>
+            <a:pPr lvl="1" algn="just"/>
+            <a:r>
+              <a:rPr lang="fr-FR" dirty="0" err="1" smtClean="0">
+                <a:latin typeface="Calibri Light" panose="020F0302020204030204" pitchFamily="34" charset="0"/>
+                <a:cs typeface="Calibri Light" panose="020F0302020204030204" pitchFamily="34" charset="0"/>
+              </a:rPr>
+              <a:t>Sass</a:t>
+            </a:r>
+            <a:r>
+              <a:rPr lang="fr-FR" dirty="0" smtClean="0">
+                <a:latin typeface="Calibri Light" panose="020F0302020204030204" pitchFamily="34" charset="0"/>
+                <a:cs typeface="Calibri Light" panose="020F0302020204030204" pitchFamily="34" charset="0"/>
+              </a:rPr>
+              <a:t> (Gestion de thèmes)</a:t>
+            </a:r>
+          </a:p>
+          <a:p>
+            <a:pPr lvl="1" algn="just"/>
+            <a:r>
+              <a:rPr lang="fr-FR" dirty="0" err="1" smtClean="0">
+                <a:latin typeface="Calibri Light" panose="020F0302020204030204" pitchFamily="34" charset="0"/>
+                <a:cs typeface="Calibri Light" panose="020F0302020204030204" pitchFamily="34" charset="0"/>
+              </a:rPr>
+              <a:t>Cordova</a:t>
+            </a:r>
+            <a:r>
+              <a:rPr lang="fr-FR" dirty="0" smtClean="0">
+                <a:latin typeface="Calibri Light" panose="020F0302020204030204" pitchFamily="34" charset="0"/>
+                <a:cs typeface="Calibri Light" panose="020F0302020204030204" pitchFamily="34" charset="0"/>
+              </a:rPr>
+              <a:t> (Déploiement &amp; utilisation des éléments du périphérique)</a:t>
+            </a:r>
+          </a:p>
+          <a:p>
+            <a:pPr lvl="1" algn="just"/>
+            <a:r>
+              <a:rPr lang="fr-FR" dirty="0" smtClean="0">
+                <a:latin typeface="Calibri Light" panose="020F0302020204030204" pitchFamily="34" charset="0"/>
+                <a:cs typeface="Calibri Light" panose="020F0302020204030204" pitchFamily="34" charset="0"/>
+              </a:rPr>
+              <a:t>Nombreux widgets (Facilitent le développement de l’interface)</a:t>
+            </a:r>
+            <a:endParaRPr lang="fr-FR" dirty="0">
+              <a:latin typeface="Calibri Light" panose="020F0302020204030204" pitchFamily="34" charset="0"/>
+              <a:cs typeface="Calibri Light" panose="020F0302020204030204" pitchFamily="34" charset="0"/>
+            </a:endParaRPr>
+          </a:p>
+        </p:txBody>
+      </p:sp>
+    </p:spTree>
+    <p:extLst>
+      <p:ext uri="{BB962C8B-B14F-4D97-AF65-F5344CB8AC3E}">
+        <p14:creationId xmlns:p14="http://schemas.microsoft.com/office/powerpoint/2010/main" val="3129828185"/>
+      </p:ext>
+    </p:extLst>
+  </p:cSld>
+  <p:clrMapOvr>
+    <a:masterClrMapping/>
+  </p:clrMapOvr>
+</p:sld>
+</file>
+
+<file path=ppt/slides/slide4.xml><?xml version="1.0" encoding="utf-8"?>
+<p:sld xmlns:a="http://schemas.openxmlformats.org/drawingml/2006/main" xmlns:r="http://schemas.openxmlformats.org/officeDocument/2006/relationships" xmlns:p="http://schemas.openxmlformats.org/presentationml/2006/main">
+  <p:cSld>
+    <p:spTree>
+      <p:nvGrpSpPr>
+        <p:cNvPr id="1" name=""/>
+        <p:cNvGrpSpPr/>
+        <p:nvPr/>
+      </p:nvGrpSpPr>
+      <p:grpSpPr>
+        <a:xfrm>
+          <a:off x="0" y="0"/>
+          <a:ext cx="0" cy="0"/>
+          <a:chOff x="0" y="0"/>
+          <a:chExt cx="0" cy="0"/>
+        </a:xfrm>
+      </p:grpSpPr>
+      <p:sp>
+        <p:nvSpPr>
+          <p:cNvPr id="2" name="Titre 1"/>
+          <p:cNvSpPr>
+            <a:spLocks noGrp="1"/>
+          </p:cNvSpPr>
+          <p:nvPr>
+            <p:ph type="title"/>
+          </p:nvPr>
+        </p:nvSpPr>
+        <p:spPr/>
+        <p:txBody>
+          <a:bodyPr/>
+          <a:lstStyle/>
+          <a:p>
+            <a:r>
+              <a:rPr lang="fr-FR" dirty="0" smtClean="0"/>
+              <a:t>Fonctionnement (2)</a:t>
+            </a:r>
+            <a:endParaRPr lang="fr-FR" dirty="0"/>
+          </a:p>
+        </p:txBody>
+      </p:sp>
+      <p:pic>
+        <p:nvPicPr>
+          <p:cNvPr id="8" name="Espace réservé du contenu 7"/>
+          <p:cNvPicPr>
+            <a:picLocks noGrp="1" noChangeAspect="1"/>
+          </p:cNvPicPr>
+          <p:nvPr>
+            <p:ph idx="1"/>
+          </p:nvPr>
+        </p:nvPicPr>
+        <p:blipFill>
+          <a:blip r:embed="rId2">
+            <a:grayscl/>
+            <a:extLst>
+              <a:ext uri="{28A0092B-C50C-407E-A947-70E740481C1C}">
+                <a14:useLocalDpi xmlns:a14="http://schemas.microsoft.com/office/drawing/2010/main" val="0"/>
+              </a:ext>
+            </a:extLst>
+          </a:blip>
+          <a:stretch>
+            <a:fillRect/>
+          </a:stretch>
+        </p:blipFill>
+        <p:spPr>
+          <a:xfrm>
+            <a:off x="755576" y="1844824"/>
+            <a:ext cx="7619567" cy="4373563"/>
+          </a:xfrm>
+          <a:prstGeom prst="rect">
+            <a:avLst/>
+          </a:prstGeom>
+          <a:ln w="12700" cap="sq">
+            <a:solidFill>
+              <a:schemeClr val="accent6">
+                <a:lumMod val="20000"/>
+                <a:lumOff val="80000"/>
+              </a:schemeClr>
+            </a:solidFill>
+            <a:prstDash val="solid"/>
+            <a:miter lim="800000"/>
+          </a:ln>
+          <a:effectLst>
+            <a:outerShdw blurRad="50800" dist="38100" dir="2700000" algn="tl" rotWithShape="0">
+              <a:srgbClr val="000000">
+                <a:alpha val="43000"/>
+              </a:srgbClr>
+            </a:outerShdw>
+          </a:effectLst>
+        </p:spPr>
+      </p:pic>
+    </p:spTree>
+    <p:extLst>
+      <p:ext uri="{BB962C8B-B14F-4D97-AF65-F5344CB8AC3E}">
+        <p14:creationId xmlns:p14="http://schemas.microsoft.com/office/powerpoint/2010/main" val="2180592080"/>
+      </p:ext>
+    </p:extLst>
+  </p:cSld>
+  <p:clrMapOvr>
+    <a:masterClrMapping/>
+  </p:clrMapOvr>
+</p:sld>
+</file>
+
+<file path=ppt/slides/slide5.xml><?xml version="1.0" encoding="utf-8"?>
+<p:sld xmlns:a="http://schemas.openxmlformats.org/drawingml/2006/main" xmlns:r="http://schemas.openxmlformats.org/officeDocument/2006/relationships" xmlns:p="http://schemas.openxmlformats.org/presentationml/2006/main">
+  <p:cSld>
+    <p:spTree>
+      <p:nvGrpSpPr>
+        <p:cNvPr id="1" name=""/>
+        <p:cNvGrpSpPr/>
+        <p:nvPr/>
+      </p:nvGrpSpPr>
+      <p:grpSpPr>
+        <a:xfrm>
+          <a:off x="0" y="0"/>
+          <a:ext cx="0" cy="0"/>
+          <a:chOff x="0" y="0"/>
+          <a:chExt cx="0" cy="0"/>
+        </a:xfrm>
+      </p:grpSpPr>
+      <p:sp>
+        <p:nvSpPr>
+          <p:cNvPr id="2" name="Titre 1"/>
+          <p:cNvSpPr>
+            <a:spLocks noGrp="1"/>
+          </p:cNvSpPr>
+          <p:nvPr>
+            <p:ph type="title"/>
+          </p:nvPr>
+        </p:nvSpPr>
+        <p:spPr/>
+        <p:txBody>
+          <a:bodyPr/>
+          <a:lstStyle/>
+          <a:p>
+            <a:r>
+              <a:rPr lang="fr-FR" dirty="0" smtClean="0"/>
+              <a:t>Côté interface graphique</a:t>
+            </a:r>
+            <a:endParaRPr lang="fr-FR" dirty="0"/>
+          </a:p>
+        </p:txBody>
+      </p:sp>
+      <p:sp>
+        <p:nvSpPr>
+          <p:cNvPr id="3" name="Espace réservé du contenu 2"/>
+          <p:cNvSpPr>
+            <a:spLocks noGrp="1"/>
+          </p:cNvSpPr>
+          <p:nvPr>
+            <p:ph idx="1"/>
+          </p:nvPr>
+        </p:nvSpPr>
+        <p:spPr/>
+        <p:txBody>
+          <a:bodyPr/>
+          <a:lstStyle/>
+          <a:p>
+            <a:pPr algn="just"/>
+            <a:r>
+              <a:rPr lang="fr-FR" dirty="0" smtClean="0">
+                <a:latin typeface="Calibri Light" panose="020F0302020204030204" pitchFamily="34" charset="0"/>
+                <a:cs typeface="Calibri Light" panose="020F0302020204030204" pitchFamily="34" charset="0"/>
+              </a:rPr>
+              <a:t>Propre thème HTML/CSS  |  Combiné à </a:t>
+            </a:r>
+            <a:r>
+              <a:rPr lang="fr-FR" dirty="0" err="1" smtClean="0">
+                <a:latin typeface="Calibri Light" panose="020F0302020204030204" pitchFamily="34" charset="0"/>
+                <a:cs typeface="Calibri Light" panose="020F0302020204030204" pitchFamily="34" charset="0"/>
+              </a:rPr>
+              <a:t>Sass</a:t>
+            </a:r>
+            <a:endParaRPr lang="fr-FR" dirty="0" smtClean="0">
+              <a:latin typeface="Calibri Light" panose="020F0302020204030204" pitchFamily="34" charset="0"/>
+              <a:cs typeface="Calibri Light" panose="020F0302020204030204" pitchFamily="34" charset="0"/>
+            </a:endParaRPr>
+          </a:p>
+          <a:p>
+            <a:pPr algn="just"/>
+            <a:r>
+              <a:rPr lang="fr-FR" dirty="0" smtClean="0">
+                <a:latin typeface="Calibri Light" panose="020F0302020204030204" pitchFamily="34" charset="0"/>
+                <a:cs typeface="Calibri Light" panose="020F0302020204030204" pitchFamily="34" charset="0"/>
+              </a:rPr>
+              <a:t>Eléments habituels d’interface graphique mobile</a:t>
+            </a:r>
+            <a:endParaRPr lang="fr-FR" dirty="0">
+              <a:latin typeface="Calibri Light" panose="020F0302020204030204" pitchFamily="34" charset="0"/>
+              <a:cs typeface="Calibri Light" panose="020F0302020204030204" pitchFamily="34" charset="0"/>
+            </a:endParaRPr>
+          </a:p>
+        </p:txBody>
+      </p:sp>
+      <p:pic>
+        <p:nvPicPr>
+          <p:cNvPr id="5" name="Image 4"/>
+          <p:cNvPicPr>
+            <a:picLocks noChangeAspect="1"/>
+          </p:cNvPicPr>
+          <p:nvPr/>
+        </p:nvPicPr>
+        <p:blipFill>
+          <a:blip r:embed="rId2">
+            <a:extLst>
+              <a:ext uri="{28A0092B-C50C-407E-A947-70E740481C1C}">
+                <a14:useLocalDpi xmlns:a14="http://schemas.microsoft.com/office/drawing/2010/main" val="0"/>
+              </a:ext>
+            </a:extLst>
+          </a:blip>
+          <a:stretch>
+            <a:fillRect/>
+          </a:stretch>
+        </p:blipFill>
+        <p:spPr>
+          <a:xfrm>
+            <a:off x="2699792" y="3051301"/>
+            <a:ext cx="1682671" cy="3645024"/>
+          </a:xfrm>
+          <a:prstGeom prst="roundRect">
+            <a:avLst>
+              <a:gd name="adj" fmla="val 16667"/>
+            </a:avLst>
+          </a:prstGeom>
+          <a:ln>
+            <a:noFill/>
+          </a:ln>
+          <a:effectLst>
+            <a:outerShdw blurRad="76200" dist="38100" dir="7800000" algn="tl" rotWithShape="0">
+              <a:srgbClr val="000000">
+                <a:alpha val="40000"/>
+              </a:srgbClr>
+            </a:outerShdw>
+          </a:effectLst>
+          <a:scene3d>
+            <a:camera prst="orthographicFront"/>
+            <a:lightRig rig="contrasting" dir="t">
+              <a:rot lat="0" lon="0" rev="4200000"/>
+            </a:lightRig>
+          </a:scene3d>
+          <a:sp3d prstMaterial="plastic">
+            <a:bevelT w="381000" h="114300" prst="relaxedInset"/>
+            <a:contourClr>
+              <a:srgbClr val="969696"/>
+            </a:contourClr>
+          </a:sp3d>
+        </p:spPr>
+      </p:pic>
+      <p:pic>
+        <p:nvPicPr>
+          <p:cNvPr id="6" name="Image 5"/>
+          <p:cNvPicPr>
+            <a:picLocks noChangeAspect="1"/>
+          </p:cNvPicPr>
+          <p:nvPr/>
+        </p:nvPicPr>
+        <p:blipFill>
+          <a:blip r:embed="rId3">
+            <a:extLst>
+              <a:ext uri="{28A0092B-C50C-407E-A947-70E740481C1C}">
+                <a14:useLocalDpi xmlns:a14="http://schemas.microsoft.com/office/drawing/2010/main" val="0"/>
+              </a:ext>
+            </a:extLst>
+          </a:blip>
+          <a:stretch>
+            <a:fillRect/>
+          </a:stretch>
+        </p:blipFill>
+        <p:spPr>
+          <a:xfrm>
+            <a:off x="4571999" y="3079576"/>
+            <a:ext cx="1698563" cy="3645024"/>
+          </a:xfrm>
+          <a:prstGeom prst="roundRect">
+            <a:avLst>
+              <a:gd name="adj" fmla="val 16667"/>
+            </a:avLst>
+          </a:prstGeom>
+          <a:ln>
+            <a:noFill/>
+          </a:ln>
+          <a:effectLst>
+            <a:outerShdw blurRad="76200" dist="38100" dir="7800000" algn="tl" rotWithShape="0">
+              <a:srgbClr val="000000">
+                <a:alpha val="40000"/>
+              </a:srgbClr>
+            </a:outerShdw>
+          </a:effectLst>
+          <a:scene3d>
+            <a:camera prst="orthographicFront"/>
+            <a:lightRig rig="contrasting" dir="t">
+              <a:rot lat="0" lon="0" rev="4200000"/>
+            </a:lightRig>
+          </a:scene3d>
+          <a:sp3d prstMaterial="plastic">
+            <a:bevelT w="381000" h="114300" prst="relaxedInset"/>
+            <a:contourClr>
+              <a:srgbClr val="969696"/>
+            </a:contourClr>
+          </a:sp3d>
+        </p:spPr>
+      </p:pic>
+    </p:spTree>
+    <p:extLst>
+      <p:ext uri="{BB962C8B-B14F-4D97-AF65-F5344CB8AC3E}">
+        <p14:creationId xmlns:p14="http://schemas.microsoft.com/office/powerpoint/2010/main" val="3597022643"/>
+      </p:ext>
+    </p:extLst>
+  </p:cSld>
+  <p:clrMapOvr>
+    <a:masterClrMapping/>
+  </p:clrMapOvr>
+</p:sld>
+</file>
+
+<file path=ppt/slides/slide6.xml><?xml version="1.0" encoding="utf-8"?>
+<p:sld xmlns:a="http://schemas.openxmlformats.org/drawingml/2006/main" xmlns:r="http://schemas.openxmlformats.org/officeDocument/2006/relationships" xmlns:p="http://schemas.openxmlformats.org/presentationml/2006/main">
+  <p:cSld>
+    <p:spTree>
+      <p:nvGrpSpPr>
+        <p:cNvPr id="1" name=""/>
+        <p:cNvGrpSpPr/>
+        <p:nvPr/>
+      </p:nvGrpSpPr>
+      <p:grpSpPr>
+        <a:xfrm>
+          <a:off x="0" y="0"/>
+          <a:ext cx="0" cy="0"/>
+          <a:chOff x="0" y="0"/>
+          <a:chExt cx="0" cy="0"/>
+        </a:xfrm>
+      </p:grpSpPr>
+      <p:sp>
+        <p:nvSpPr>
+          <p:cNvPr id="2" name="Titre 1"/>
+          <p:cNvSpPr>
+            <a:spLocks noGrp="1"/>
+          </p:cNvSpPr>
+          <p:nvPr>
+            <p:ph type="title"/>
+          </p:nvPr>
+        </p:nvSpPr>
+        <p:spPr/>
+        <p:txBody>
+          <a:bodyPr/>
+          <a:lstStyle/>
+          <a:p>
+            <a:r>
+              <a:rPr lang="fr-FR" dirty="0" smtClean="0"/>
+              <a:t>Côté Back-End</a:t>
+            </a:r>
+            <a:endParaRPr lang="fr-FR" dirty="0"/>
+          </a:p>
+        </p:txBody>
+      </p:sp>
+      <p:sp>
+        <p:nvSpPr>
+          <p:cNvPr id="3" name="Espace réservé du contenu 2"/>
+          <p:cNvSpPr>
+            <a:spLocks noGrp="1"/>
+          </p:cNvSpPr>
+          <p:nvPr>
+            <p:ph idx="1"/>
+          </p:nvPr>
+        </p:nvSpPr>
+        <p:spPr/>
+        <p:txBody>
+          <a:bodyPr/>
+          <a:lstStyle/>
+          <a:p>
+            <a:pPr algn="just"/>
+            <a:r>
+              <a:rPr lang="fr-FR" dirty="0" err="1" smtClean="0">
+                <a:latin typeface="Calibri Light" panose="020F0302020204030204" pitchFamily="34" charset="0"/>
+                <a:cs typeface="Calibri Light" panose="020F0302020204030204" pitchFamily="34" charset="0"/>
+              </a:rPr>
+              <a:t>AngularJS</a:t>
+            </a:r>
+            <a:r>
+              <a:rPr lang="fr-FR" dirty="0" smtClean="0">
+                <a:latin typeface="Calibri Light" panose="020F0302020204030204" pitchFamily="34" charset="0"/>
+                <a:cs typeface="Calibri Light" panose="020F0302020204030204" pitchFamily="34" charset="0"/>
+              </a:rPr>
+              <a:t> pour l’application web : Stabilité</a:t>
+            </a:r>
+          </a:p>
+          <a:p>
+            <a:pPr algn="just"/>
+            <a:r>
+              <a:rPr lang="fr-FR" dirty="0" err="1" smtClean="0">
+                <a:latin typeface="Calibri Light" panose="020F0302020204030204" pitchFamily="34" charset="0"/>
+                <a:cs typeface="Calibri Light" panose="020F0302020204030204" pitchFamily="34" charset="0"/>
+              </a:rPr>
+              <a:t>Cordova</a:t>
+            </a:r>
+            <a:r>
+              <a:rPr lang="fr-FR" dirty="0" smtClean="0">
+                <a:latin typeface="Calibri Light" panose="020F0302020204030204" pitchFamily="34" charset="0"/>
+                <a:cs typeface="Calibri Light" panose="020F0302020204030204" pitchFamily="34" charset="0"/>
+              </a:rPr>
+              <a:t> pour la construction de l’applicatif natif</a:t>
+            </a:r>
+          </a:p>
+          <a:p>
+            <a:pPr algn="just"/>
+            <a:r>
+              <a:rPr lang="fr-FR" dirty="0" smtClean="0">
+                <a:latin typeface="Calibri Light" panose="020F0302020204030204" pitchFamily="34" charset="0"/>
+                <a:cs typeface="Calibri Light" panose="020F0302020204030204" pitchFamily="34" charset="0"/>
+              </a:rPr>
+              <a:t>Fonctionnalités pour se rapprocher du natif (gestes, évènements, slide, etc.)</a:t>
+            </a:r>
+          </a:p>
+          <a:p>
+            <a:pPr algn="just"/>
+            <a:endParaRPr lang="fr-FR" dirty="0" smtClean="0">
+              <a:latin typeface="Calibri Light" panose="020F0302020204030204" pitchFamily="34" charset="0"/>
+              <a:cs typeface="Calibri Light" panose="020F0302020204030204" pitchFamily="34" charset="0"/>
+            </a:endParaRPr>
+          </a:p>
+          <a:p>
+            <a:pPr algn="just"/>
+            <a:endParaRPr lang="fr-FR" dirty="0">
+              <a:latin typeface="Calibri Light" panose="020F0302020204030204" pitchFamily="34" charset="0"/>
+              <a:cs typeface="Calibri Light" panose="020F0302020204030204" pitchFamily="34" charset="0"/>
+            </a:endParaRPr>
+          </a:p>
+        </p:txBody>
+      </p:sp>
+    </p:spTree>
+    <p:extLst>
+      <p:ext uri="{BB962C8B-B14F-4D97-AF65-F5344CB8AC3E}">
+        <p14:creationId xmlns:p14="http://schemas.microsoft.com/office/powerpoint/2010/main" val="2610088536"/>
+      </p:ext>
+    </p:extLst>
+  </p:cSld>
+  <p:clrMapOvr>
+    <a:masterClrMapping/>
+  </p:clrMapOvr>
+</p:sld>
+</file>
+
 <file path=ppt/theme/theme1.xml><?xml version="1.0" encoding="utf-8"?>
-<a:theme xmlns:a="http://schemas.openxmlformats.org/drawingml/2006/main" name="Thème Office">
+<a:theme xmlns:a="http://schemas.openxmlformats.org/drawingml/2006/main" name="Apothicaire">
   <a:themeElements>
-    <a:clrScheme name="Office">
+    <a:clrScheme name="Apothicaire">
       <a:dk1>
         <a:sysClr val="windowText" lastClr="000000"/>
       </a:dk1>
@@ -3165,48 +5547,48 @@
         <a:sysClr val="window" lastClr="FFFFFF"/>
       </a:lt1>
       <a:dk2>
-        <a:srgbClr val="1F497D"/>
+        <a:srgbClr val="564B3C"/>
       </a:dk2>
       <a:lt2>
-        <a:srgbClr val="EEECE1"/>
+        <a:srgbClr val="ECEDD1"/>
       </a:lt2>
       <a:accent1>
-        <a:srgbClr val="4F81BD"/>
+        <a:srgbClr val="93A299"/>
       </a:accent1>
       <a:accent2>
-        <a:srgbClr val="C0504D"/>
+        <a:srgbClr val="CF543F"/>
       </a:accent2>
       <a:accent3>
-        <a:srgbClr val="9BBB59"/>
+        <a:srgbClr val="B5AE53"/>
       </a:accent3>
       <a:accent4>
-        <a:srgbClr val="8064A2"/>
+        <a:srgbClr val="848058"/>
       </a:accent4>
       <a:accent5>
-        <a:srgbClr val="4BACC6"/>
+        <a:srgbClr val="E8B54D"/>
       </a:accent5>
       <a:accent6>
-        <a:srgbClr val="F79646"/>
+        <a:srgbClr val="786C71"/>
       </a:accent6>
       <a:hlink>
-        <a:srgbClr val="0000FF"/>
+        <a:srgbClr val="CCCC00"/>
       </a:hlink>
       <a:folHlink>
-        <a:srgbClr val="800080"/>
+        <a:srgbClr val="B2B2B2"/>
       </a:folHlink>
     </a:clrScheme>
-    <a:fontScheme name="Office">
+    <a:fontScheme name="Apothicaire">
       <a:majorFont>
-        <a:latin typeface="Calibri"/>
+        <a:latin typeface="Book Antiqua"/>
         <a:ea typeface=""/>
         <a:cs typeface=""/>
-        <a:font script="Jpan" typeface="ＭＳ Ｐゴシック"/>
-        <a:font script="Hang" typeface="맑은 고딕"/>
+        <a:font script="Jpan" typeface="HGS明朝B"/>
+        <a:font script="Hang" typeface="HY견명조"/>
         <a:font script="Hans" typeface="宋体"/>
         <a:font script="Hant" typeface="新細明體"/>
         <a:font script="Arab" typeface="Times New Roman"/>
-        <a:font script="Hebr" typeface="Times New Roman"/>
-        <a:font script="Thai" typeface="Angsana New"/>
+        <a:font script="Hebr" typeface="David"/>
+        <a:font script="Thai" typeface="EucrosiaUPC"/>
         <a:font script="Ethi" typeface="Nyala"/>
         <a:font script="Beng" typeface="Vrinda"/>
         <a:font script="Gujr" typeface="Shruti"/>
@@ -3232,16 +5614,16 @@
         <a:font script="Geor" typeface="Sylfaen"/>
       </a:majorFont>
       <a:minorFont>
-        <a:latin typeface="Calibri"/>
+        <a:latin typeface="Century Gothic"/>
         <a:ea typeface=""/>
         <a:cs typeface=""/>
-        <a:font script="Jpan" typeface="ＭＳ Ｐゴシック"/>
-        <a:font script="Hang" typeface="맑은 고딕"/>
-        <a:font script="Hans" typeface="宋体"/>
-        <a:font script="Hant" typeface="新細明體"/>
-        <a:font script="Arab" typeface="Arial"/>
-        <a:font script="Hebr" typeface="Arial"/>
-        <a:font script="Thai" typeface="Cordia New"/>
+        <a:font script="Jpan" typeface="ＭＳ ゴシック"/>
+        <a:font script="Hang" typeface="HY견명조"/>
+        <a:font script="Hans" typeface="幼圆"/>
+        <a:font script="Hant" typeface="微軟正黑體"/>
+        <a:font script="Arab" typeface="Tahoma"/>
+        <a:font script="Hebr" typeface="Gisha"/>
+        <a:font script="Thai" typeface="DilleniaUPC"/>
         <a:font script="Ethi" typeface="Nyala"/>
         <a:font script="Beng" typeface="Vrinda"/>
         <a:font script="Gujr" typeface="Shruti"/>
@@ -3262,12 +5644,12 @@
         <a:font script="Laoo" typeface="DokChampa"/>
         <a:font script="Sinh" typeface="Iskoola Pota"/>
         <a:font script="Mong" typeface="Mongolian Baiti"/>
-        <a:font script="Viet" typeface="Arial"/>
+        <a:font script="Viet" typeface="Verdana"/>
         <a:font script="Uigh" typeface="Microsoft Uighur"/>
         <a:font script="Geor" typeface="Sylfaen"/>
       </a:minorFont>
     </a:fontScheme>
-    <a:fmtScheme name="Office">
+    <a:fmtScheme name="Apothicaire">
       <a:fillStyleLst>
         <a:solidFill>
           <a:schemeClr val="phClr"/>
@@ -3276,47 +5658,90 @@
           <a:gsLst>
             <a:gs pos="0">
               <a:schemeClr val="phClr">
-                <a:tint val="50000"/>
-                <a:satMod val="300000"/>
+                <a:tint val="1000"/>
+                <a:satMod val="100000"/>
               </a:schemeClr>
             </a:gs>
-            <a:gs pos="35000">
+            <a:gs pos="68000">
               <a:schemeClr val="phClr">
-                <a:tint val="37000"/>
-                <a:satMod val="300000"/>
+                <a:tint val="77000"/>
+                <a:satMod val="100000"/>
+              </a:schemeClr>
+            </a:gs>
+            <a:gs pos="81000">
+              <a:schemeClr val="phClr">
+                <a:tint val="79000"/>
+                <a:satMod val="100000"/>
+              </a:schemeClr>
+            </a:gs>
+            <a:gs pos="86000">
+              <a:schemeClr val="phClr">
+                <a:tint val="73000"/>
+                <a:satMod val="100000"/>
               </a:schemeClr>
             </a:gs>
             <a:gs pos="100000">
               <a:schemeClr val="phClr">
-                <a:tint val="15000"/>
-                <a:satMod val="350000"/>
+                <a:tint val="35000"/>
+                <a:satMod val="100000"/>
               </a:schemeClr>
             </a:gs>
           </a:gsLst>
-          <a:lin ang="16200000" scaled="1"/>
+          <a:lin ang="5400000" scaled="0"/>
         </a:gradFill>
         <a:gradFill rotWithShape="1">
           <a:gsLst>
             <a:gs pos="0">
               <a:schemeClr val="phClr">
-                <a:shade val="51000"/>
-                <a:satMod val="130000"/>
+                <a:tint val="73000"/>
+                <a:shade val="100000"/>
+                <a:satMod val="150000"/>
+              </a:schemeClr>
+            </a:gs>
+            <a:gs pos="25000">
+              <a:schemeClr val="phClr">
+                <a:tint val="96000"/>
+                <a:shade val="80000"/>
+                <a:satMod val="105000"/>
+              </a:schemeClr>
+            </a:gs>
+            <a:gs pos="38000">
+              <a:schemeClr val="phClr">
+                <a:tint val="96000"/>
+                <a:shade val="59000"/>
+                <a:satMod val="120000"/>
+              </a:schemeClr>
+            </a:gs>
+            <a:gs pos="55000">
+              <a:schemeClr val="phClr">
+                <a:tint val="100000"/>
+                <a:shade val="57000"/>
+                <a:satMod val="120000"/>
               </a:schemeClr>
             </a:gs>
             <a:gs pos="80000">
               <a:schemeClr val="phClr">
-                <a:shade val="93000"/>
-                <a:satMod val="130000"/>
+                <a:tint val="100000"/>
+                <a:shade val="56000"/>
+                <a:satMod val="145000"/>
+              </a:schemeClr>
+            </a:gs>
+            <a:gs pos="88000">
+              <a:schemeClr val="phClr">
+                <a:tint val="100000"/>
+                <a:shade val="63000"/>
+                <a:satMod val="160000"/>
               </a:schemeClr>
             </a:gs>
             <a:gs pos="100000">
               <a:schemeClr val="phClr">
-                <a:shade val="94000"/>
-                <a:satMod val="135000"/>
+                <a:tint val="99000"/>
+                <a:shade val="100000"/>
+                <a:satMod val="155000"/>
               </a:schemeClr>
             </a:gs>
           </a:gsLst>
-          <a:lin ang="16200000" scaled="0"/>
+          <a:lin ang="5400000" scaled="0"/>
         </a:gradFill>
       </a:fillStyleLst>
       <a:lnStyleLst>
@@ -3344,41 +5769,55 @@
       </a:lnStyleLst>
       <a:effectStyleLst>
         <a:effectStyle>
-          <a:effectLst>
-            <a:outerShdw blurRad="40000" dist="20000" dir="5400000" rotWithShape="0">
-              <a:srgbClr val="000000">
-                <a:alpha val="38000"/>
-              </a:srgbClr>
-            </a:outerShdw>
-          </a:effectLst>
+          <a:effectLst/>
+        </a:effectStyle>
+        <a:effectStyle>
+          <a:effectLst/>
+          <a:scene3d>
+            <a:camera prst="orthographicFront">
+              <a:rot lat="0" lon="0" rev="0"/>
+            </a:camera>
+            <a:lightRig rig="glow" dir="tl">
+              <a:rot lat="0" lon="0" rev="1800000"/>
+            </a:lightRig>
+          </a:scene3d>
+          <a:sp3d contourW="10160" prstMaterial="dkEdge">
+            <a:bevelT w="0" h="0" prst="angle"/>
+            <a:contourClr>
+              <a:schemeClr val="phClr">
+                <a:shade val="30000"/>
+                <a:satMod val="150000"/>
+              </a:schemeClr>
+            </a:contourClr>
+          </a:sp3d>
         </a:effectStyle>
         <a:effectStyle>
           <a:effectLst>
-            <a:outerShdw blurRad="40000" dist="23000" dir="5400000" rotWithShape="0">
-              <a:srgbClr val="000000">
-                <a:alpha val="35000"/>
-              </a:srgbClr>
-            </a:outerShdw>
-          </a:effectLst>
-        </a:effectStyle>
-        <a:effectStyle>
-          <a:effectLst>
-            <a:outerShdw blurRad="40000" dist="23000" dir="5400000" rotWithShape="0">
-              <a:srgbClr val="000000">
-                <a:alpha val="35000"/>
-              </a:srgbClr>
-            </a:outerShdw>
+            <a:glow rad="50800">
+              <a:schemeClr val="phClr">
+                <a:tint val="68000"/>
+                <a:shade val="93000"/>
+                <a:alpha val="37000"/>
+                <a:satMod val="250000"/>
+              </a:schemeClr>
+            </a:glow>
           </a:effectLst>
           <a:scene3d>
             <a:camera prst="orthographicFront">
               <a:rot lat="0" lon="0" rev="0"/>
             </a:camera>
-            <a:lightRig rig="threePt" dir="t">
-              <a:rot lat="0" lon="0" rev="1200000"/>
+            <a:lightRig rig="glow" dir="t">
+              <a:rot lat="0" lon="0" rev="1800000"/>
             </a:lightRig>
           </a:scene3d>
-          <a:sp3d>
-            <a:bevelT w="63500" h="25400"/>
+          <a:sp3d contourW="10160" prstMaterial="dkEdge">
+            <a:bevelT w="20320" h="19050" prst="angle"/>
+            <a:contourClr>
+              <a:schemeClr val="phClr">
+                <a:shade val="30000"/>
+                <a:satMod val="150000"/>
+              </a:schemeClr>
+            </a:contourClr>
           </a:sp3d>
         </a:effectStyle>
       </a:effectStyleLst>
@@ -3386,51 +5825,27 @@
         <a:solidFill>
           <a:schemeClr val="phClr"/>
         </a:solidFill>
-        <a:gradFill rotWithShape="1">
-          <a:gsLst>
-            <a:gs pos="0">
+        <a:solidFill>
+          <a:schemeClr val="phClr">
+            <a:tint val="93000"/>
+            <a:satMod val="140000"/>
+          </a:schemeClr>
+        </a:solidFill>
+        <a:blipFill rotWithShape="1">
+          <a:blip xmlns:r="http://schemas.openxmlformats.org/officeDocument/2006/relationships" r:embed="rId1">
+            <a:duotone>
               <a:schemeClr val="phClr">
-                <a:tint val="40000"/>
-                <a:satMod val="350000"/>
+                <a:tint val="70000"/>
+                <a:satMod val="170000"/>
               </a:schemeClr>
-            </a:gs>
-            <a:gs pos="40000">
               <a:schemeClr val="phClr">
-                <a:tint val="45000"/>
-                <a:shade val="99000"/>
-                <a:satMod val="350000"/>
+                <a:shade val="70000"/>
+                <a:satMod val="130000"/>
               </a:schemeClr>
-            </a:gs>
-            <a:gs pos="100000">
-              <a:schemeClr val="phClr">
-                <a:shade val="20000"/>
-                <a:satMod val="255000"/>
-              </a:schemeClr>
-            </a:gs>
-          </a:gsLst>
-          <a:path path="circle">
-            <a:fillToRect l="50000" t="-80000" r="50000" b="180000"/>
-          </a:path>
-        </a:gradFill>
-        <a:gradFill rotWithShape="1">
-          <a:gsLst>
-            <a:gs pos="0">
-              <a:schemeClr val="phClr">
-                <a:tint val="80000"/>
-                <a:satMod val="300000"/>
-              </a:schemeClr>
-            </a:gs>
-            <a:gs pos="100000">
-              <a:schemeClr val="phClr">
-                <a:shade val="30000"/>
-                <a:satMod val="200000"/>
-              </a:schemeClr>
-            </a:gs>
-          </a:gsLst>
-          <a:path path="circle">
-            <a:fillToRect l="50000" t="50000" r="50000" b="50000"/>
-          </a:path>
-        </a:gradFill>
+            </a:duotone>
+          </a:blip>
+          <a:tile tx="0" ty="0" sx="100000" sy="100000" flip="none" algn="tl"/>
+        </a:blipFill>
       </a:bgFillStyleLst>
     </a:fmtScheme>
   </a:themeElements>

--- a/presentation.pptx
+++ b/presentation.pptx
@@ -11,6 +11,7 @@
     <p:sldId id="259" r:id="rId5"/>
     <p:sldId id="260" r:id="rId6"/>
     <p:sldId id="261" r:id="rId7"/>
+    <p:sldId id="262" r:id="rId8"/>
   </p:sldIdLst>
   <p:sldSz cx="9144000" cy="6858000" type="screen4x3"/>
   <p:notesSz cx="6858000" cy="9144000"/>
@@ -111,7 +112,7 @@
   </p:defaultTextStyle>
   <p:extLst>
     <p:ext uri="{EFAFB233-063F-42B5-8137-9DF3F51BA10A}">
-      <p15:sldGuideLst xmlns:p15="http://schemas.microsoft.com/office/powerpoint/2012/main" xmlns="">
+      <p15:sldGuideLst xmlns="" xmlns:p15="http://schemas.microsoft.com/office/powerpoint/2012/main">
         <p15:guide id="1" orient="horz" pos="2160">
           <p15:clr>
             <a:srgbClr val="A4A3A4"/>
@@ -5466,6 +5467,189 @@
           <a:p>
             <a:pPr algn="just"/>
             <a:r>
+              <a:rPr lang="fr-FR" b="1" dirty="0" err="1" smtClean="0">
+                <a:latin typeface="Calibri Light" panose="020F0302020204030204" pitchFamily="34" charset="0"/>
+                <a:cs typeface="Calibri Light" panose="020F0302020204030204" pitchFamily="34" charset="0"/>
+              </a:rPr>
+              <a:t>AngularJS</a:t>
+            </a:r>
+            <a:r>
+              <a:rPr lang="fr-FR" dirty="0" smtClean="0">
+                <a:latin typeface="Calibri Light" panose="020F0302020204030204" pitchFamily="34" charset="0"/>
+                <a:cs typeface="Calibri Light" panose="020F0302020204030204" pitchFamily="34" charset="0"/>
+              </a:rPr>
+              <a:t> pour l’application web : Stabilité</a:t>
+            </a:r>
+          </a:p>
+          <a:p>
+            <a:pPr algn="just"/>
+            <a:r>
+              <a:rPr lang="fr-FR" b="1" dirty="0" err="1" smtClean="0">
+                <a:latin typeface="Calibri Light" panose="020F0302020204030204" pitchFamily="34" charset="0"/>
+                <a:cs typeface="Calibri Light" panose="020F0302020204030204" pitchFamily="34" charset="0"/>
+              </a:rPr>
+              <a:t>Cordova</a:t>
+            </a:r>
+            <a:r>
+              <a:rPr lang="fr-FR" dirty="0" smtClean="0">
+                <a:latin typeface="Calibri Light" panose="020F0302020204030204" pitchFamily="34" charset="0"/>
+                <a:cs typeface="Calibri Light" panose="020F0302020204030204" pitchFamily="34" charset="0"/>
+              </a:rPr>
+              <a:t> pour la construction de l’applicatif natif</a:t>
+            </a:r>
+          </a:p>
+          <a:p>
+            <a:pPr algn="just"/>
+            <a:r>
+              <a:rPr lang="fr-FR" dirty="0" smtClean="0">
+                <a:latin typeface="Calibri Light" panose="020F0302020204030204" pitchFamily="34" charset="0"/>
+                <a:cs typeface="Calibri Light" panose="020F0302020204030204" pitchFamily="34" charset="0"/>
+              </a:rPr>
+              <a:t>Fonctionnalités pour se rapprocher du natif (gestes, évènements, slide, etc.)</a:t>
+            </a:r>
+          </a:p>
+          <a:p>
+            <a:pPr algn="just"/>
+            <a:endParaRPr lang="fr-FR" dirty="0" smtClean="0">
+              <a:latin typeface="Calibri Light" panose="020F0302020204030204" pitchFamily="34" charset="0"/>
+              <a:cs typeface="Calibri Light" panose="020F0302020204030204" pitchFamily="34" charset="0"/>
+            </a:endParaRPr>
+          </a:p>
+          <a:p>
+            <a:pPr algn="just"/>
+            <a:endParaRPr lang="fr-FR" dirty="0">
+              <a:latin typeface="Calibri Light" panose="020F0302020204030204" pitchFamily="34" charset="0"/>
+              <a:cs typeface="Calibri Light" panose="020F0302020204030204" pitchFamily="34" charset="0"/>
+            </a:endParaRPr>
+          </a:p>
+        </p:txBody>
+      </p:sp>
+    </p:spTree>
+    <p:extLst>
+      <p:ext uri="{BB962C8B-B14F-4D97-AF65-F5344CB8AC3E}">
+        <p14:creationId xmlns:p14="http://schemas.microsoft.com/office/powerpoint/2010/main" val="2610088536"/>
+      </p:ext>
+    </p:extLst>
+  </p:cSld>
+  <p:clrMapOvr>
+    <a:masterClrMapping/>
+  </p:clrMapOvr>
+</p:sld>
+</file>
+
+<file path=ppt/slides/slide7.xml><?xml version="1.0" encoding="utf-8"?>
+<p:sld xmlns:a="http://schemas.openxmlformats.org/drawingml/2006/main" xmlns:r="http://schemas.openxmlformats.org/officeDocument/2006/relationships" xmlns:p="http://schemas.openxmlformats.org/presentationml/2006/main">
+  <p:cSld>
+    <p:spTree>
+      <p:nvGrpSpPr>
+        <p:cNvPr id="1" name=""/>
+        <p:cNvGrpSpPr/>
+        <p:nvPr/>
+      </p:nvGrpSpPr>
+      <p:grpSpPr>
+        <a:xfrm>
+          <a:off x="0" y="0"/>
+          <a:ext cx="0" cy="0"/>
+          <a:chOff x="0" y="0"/>
+          <a:chExt cx="0" cy="0"/>
+        </a:xfrm>
+      </p:grpSpPr>
+      <p:sp>
+        <p:nvSpPr>
+          <p:cNvPr id="2" name="Titre 1"/>
+          <p:cNvSpPr>
+            <a:spLocks noGrp="1"/>
+          </p:cNvSpPr>
+          <p:nvPr>
+            <p:ph type="title"/>
+          </p:nvPr>
+        </p:nvSpPr>
+        <p:spPr/>
+        <p:txBody>
+          <a:bodyPr/>
+          <a:lstStyle/>
+          <a:p>
+            <a:r>
+              <a:rPr lang="fr-FR" dirty="0" smtClean="0"/>
+              <a:t>Services </a:t>
+            </a:r>
+            <a:r>
+              <a:rPr lang="fr-FR" dirty="0" err="1" smtClean="0"/>
+              <a:t>Ionic</a:t>
+            </a:r>
+            <a:endParaRPr lang="fr-FR" dirty="0"/>
+          </a:p>
+        </p:txBody>
+      </p:sp>
+      <p:sp>
+        <p:nvSpPr>
+          <p:cNvPr id="3" name="Espace réservé du contenu 2"/>
+          <p:cNvSpPr>
+            <a:spLocks noGrp="1"/>
+          </p:cNvSpPr>
+          <p:nvPr>
+            <p:ph idx="1"/>
+          </p:nvPr>
+        </p:nvSpPr>
+        <p:spPr/>
+        <p:txBody>
+          <a:bodyPr/>
+          <a:lstStyle/>
+          <a:p>
+            <a:pPr algn="just"/>
+            <a:r>
+              <a:rPr lang="fr-FR" b="1" dirty="0" err="1" smtClean="0">
+                <a:latin typeface="Calibri Light" panose="020F0302020204030204" pitchFamily="34" charset="0"/>
+                <a:cs typeface="Calibri Light" panose="020F0302020204030204" pitchFamily="34" charset="0"/>
+              </a:rPr>
+              <a:t>Ionic</a:t>
+            </a:r>
+            <a:r>
+              <a:rPr lang="fr-FR" b="1" dirty="0" smtClean="0">
+                <a:latin typeface="Calibri Light" panose="020F0302020204030204" pitchFamily="34" charset="0"/>
+                <a:cs typeface="Calibri Light" panose="020F0302020204030204" pitchFamily="34" charset="0"/>
+              </a:rPr>
+              <a:t> CLI </a:t>
+            </a:r>
+            <a:r>
+              <a:rPr lang="fr-FR" dirty="0" smtClean="0">
+                <a:latin typeface="Calibri Light" panose="020F0302020204030204" pitchFamily="34" charset="0"/>
+                <a:cs typeface="Calibri Light" panose="020F0302020204030204" pitchFamily="34" charset="0"/>
+              </a:rPr>
+              <a:t>: Démarrage de projet, lancement de serveur local, compilation…</a:t>
+            </a:r>
+          </a:p>
+          <a:p>
+            <a:pPr algn="just"/>
+            <a:r>
+              <a:rPr lang="fr-FR" b="1" dirty="0" err="1" smtClean="0">
+                <a:latin typeface="Calibri Light" panose="020F0302020204030204" pitchFamily="34" charset="0"/>
+                <a:cs typeface="Calibri Light" panose="020F0302020204030204" pitchFamily="34" charset="0"/>
+              </a:rPr>
+              <a:t>ngCordova</a:t>
+            </a:r>
+            <a:r>
+              <a:rPr lang="fr-FR" dirty="0" smtClean="0">
+                <a:latin typeface="Calibri Light" panose="020F0302020204030204" pitchFamily="34" charset="0"/>
+                <a:cs typeface="Calibri Light" panose="020F0302020204030204" pitchFamily="34" charset="0"/>
+              </a:rPr>
+              <a:t> : Intégration de plugins Apache </a:t>
+            </a:r>
+            <a:r>
+              <a:rPr lang="fr-FR" dirty="0" err="1" smtClean="0">
+                <a:latin typeface="Calibri Light" panose="020F0302020204030204" pitchFamily="34" charset="0"/>
+                <a:cs typeface="Calibri Light" panose="020F0302020204030204" pitchFamily="34" charset="0"/>
+              </a:rPr>
+              <a:t>Cordova</a:t>
+            </a:r>
+            <a:r>
+              <a:rPr lang="fr-FR" dirty="0" smtClean="0">
+                <a:latin typeface="Calibri Light" panose="020F0302020204030204" pitchFamily="34" charset="0"/>
+                <a:cs typeface="Calibri Light" panose="020F0302020204030204" pitchFamily="34" charset="0"/>
+              </a:rPr>
+              <a:t>, accès aux fonctionnalités du périphérique, depuis </a:t>
+            </a:r>
+            <a:r>
               <a:rPr lang="fr-FR" dirty="0" err="1" smtClean="0">
                 <a:latin typeface="Calibri Light" panose="020F0302020204030204" pitchFamily="34" charset="0"/>
                 <a:cs typeface="Calibri Light" panose="020F0302020204030204" pitchFamily="34" charset="0"/>
@@ -5477,38 +5661,167 @@
                 <a:latin typeface="Calibri Light" panose="020F0302020204030204" pitchFamily="34" charset="0"/>
                 <a:cs typeface="Calibri Light" panose="020F0302020204030204" pitchFamily="34" charset="0"/>
               </a:rPr>
-              <a:t> pour l’application web : Stabilité</a:t>
+              <a:t>.</a:t>
             </a:r>
           </a:p>
           <a:p>
             <a:pPr algn="just"/>
             <a:r>
-              <a:rPr lang="fr-FR" dirty="0" err="1" smtClean="0">
+              <a:rPr lang="fr-FR" b="1" dirty="0" err="1" smtClean="0">
                 <a:latin typeface="Calibri Light" panose="020F0302020204030204" pitchFamily="34" charset="0"/>
                 <a:cs typeface="Calibri Light" panose="020F0302020204030204" pitchFamily="34" charset="0"/>
               </a:rPr>
-              <a:t>Cordova</a:t>
+              <a:t>Ionic</a:t>
+            </a:r>
+            <a:r>
+              <a:rPr lang="fr-FR" b="1" dirty="0" smtClean="0">
+                <a:latin typeface="Calibri Light" panose="020F0302020204030204" pitchFamily="34" charset="0"/>
+                <a:cs typeface="Calibri Light" panose="020F0302020204030204" pitchFamily="34" charset="0"/>
+              </a:rPr>
+              <a:t> </a:t>
+            </a:r>
+            <a:r>
+              <a:rPr lang="fr-FR" b="1" dirty="0" err="1" smtClean="0">
+                <a:latin typeface="Calibri Light" panose="020F0302020204030204" pitchFamily="34" charset="0"/>
+                <a:cs typeface="Calibri Light" panose="020F0302020204030204" pitchFamily="34" charset="0"/>
+              </a:rPr>
+              <a:t>View</a:t>
+            </a:r>
+            <a:r>
+              <a:rPr lang="fr-FR" b="1" dirty="0" smtClean="0">
+                <a:latin typeface="Calibri Light" panose="020F0302020204030204" pitchFamily="34" charset="0"/>
+                <a:cs typeface="Calibri Light" panose="020F0302020204030204" pitchFamily="34" charset="0"/>
+              </a:rPr>
+              <a:t> </a:t>
             </a:r>
             <a:r>
               <a:rPr lang="fr-FR" dirty="0" smtClean="0">
                 <a:latin typeface="Calibri Light" panose="020F0302020204030204" pitchFamily="34" charset="0"/>
                 <a:cs typeface="Calibri Light" panose="020F0302020204030204" pitchFamily="34" charset="0"/>
               </a:rPr>
-              <a:t> pour la construction de l’applicatif natif</a:t>
+              <a:t>: Plate-forme cloud pour applications de test.</a:t>
             </a:r>
           </a:p>
           <a:p>
             <a:pPr algn="just"/>
+            <a:r>
+              <a:rPr lang="fr-FR" b="1" dirty="0" err="1" smtClean="0">
+                <a:latin typeface="Calibri Light" panose="020F0302020204030204" pitchFamily="34" charset="0"/>
+                <a:cs typeface="Calibri Light" panose="020F0302020204030204" pitchFamily="34" charset="0"/>
+              </a:rPr>
+              <a:t>Ionic</a:t>
+            </a:r>
+            <a:r>
+              <a:rPr lang="fr-FR" b="1" dirty="0" smtClean="0">
+                <a:latin typeface="Calibri Light" panose="020F0302020204030204" pitchFamily="34" charset="0"/>
+                <a:cs typeface="Calibri Light" panose="020F0302020204030204" pitchFamily="34" charset="0"/>
+              </a:rPr>
+              <a:t> </a:t>
+            </a:r>
+            <a:r>
+              <a:rPr lang="fr-FR" b="1" dirty="0" err="1" smtClean="0">
+                <a:latin typeface="Calibri Light" panose="020F0302020204030204" pitchFamily="34" charset="0"/>
+                <a:cs typeface="Calibri Light" panose="020F0302020204030204" pitchFamily="34" charset="0"/>
+              </a:rPr>
+              <a:t>Market</a:t>
+            </a:r>
+            <a:r>
+              <a:rPr lang="fr-FR" b="1" dirty="0" smtClean="0">
+                <a:latin typeface="Calibri Light" panose="020F0302020204030204" pitchFamily="34" charset="0"/>
+                <a:cs typeface="Calibri Light" panose="020F0302020204030204" pitchFamily="34" charset="0"/>
+              </a:rPr>
+              <a:t> </a:t>
+            </a:r>
             <a:r>
               <a:rPr lang="fr-FR" dirty="0" smtClean="0">
                 <a:latin typeface="Calibri Light" panose="020F0302020204030204" pitchFamily="34" charset="0"/>
                 <a:cs typeface="Calibri Light" panose="020F0302020204030204" pitchFamily="34" charset="0"/>
               </a:rPr>
-              <a:t>Fonctionnalités pour se rapprocher du natif (gestes, évènements, slide, etc.)</a:t>
+              <a:t>: Achat de thèmes, plugins, etc.</a:t>
             </a:r>
           </a:p>
           <a:p>
             <a:pPr algn="just"/>
+            <a:r>
+              <a:rPr lang="fr-FR" b="1" dirty="0" err="1" smtClean="0">
+                <a:latin typeface="Calibri Light" panose="020F0302020204030204" pitchFamily="34" charset="0"/>
+                <a:cs typeface="Calibri Light" panose="020F0302020204030204" pitchFamily="34" charset="0"/>
+              </a:rPr>
+              <a:t>Ionic</a:t>
+            </a:r>
+            <a:r>
+              <a:rPr lang="fr-FR" b="1" dirty="0" smtClean="0">
+                <a:latin typeface="Calibri Light" panose="020F0302020204030204" pitchFamily="34" charset="0"/>
+                <a:cs typeface="Calibri Light" panose="020F0302020204030204" pitchFamily="34" charset="0"/>
+              </a:rPr>
+              <a:t> </a:t>
+            </a:r>
+            <a:r>
+              <a:rPr lang="fr-FR" b="1" dirty="0" err="1" smtClean="0">
+                <a:latin typeface="Calibri Light" panose="020F0302020204030204" pitchFamily="34" charset="0"/>
+                <a:cs typeface="Calibri Light" panose="020F0302020204030204" pitchFamily="34" charset="0"/>
+              </a:rPr>
+              <a:t>P</a:t>
+            </a:r>
+            <a:r>
+              <a:rPr lang="fr-FR" b="1" dirty="0" err="1" smtClean="0">
+                <a:latin typeface="Calibri Light" panose="020F0302020204030204" pitchFamily="34" charset="0"/>
+                <a:cs typeface="Calibri Light" panose="020F0302020204030204" pitchFamily="34" charset="0"/>
+              </a:rPr>
+              <a:t>layground</a:t>
+            </a:r>
+            <a:r>
+              <a:rPr lang="fr-FR" b="1" dirty="0" smtClean="0">
+                <a:latin typeface="Calibri Light" panose="020F0302020204030204" pitchFamily="34" charset="0"/>
+                <a:cs typeface="Calibri Light" panose="020F0302020204030204" pitchFamily="34" charset="0"/>
+              </a:rPr>
+              <a:t> </a:t>
+            </a:r>
+            <a:r>
+              <a:rPr lang="fr-FR" dirty="0" smtClean="0">
+                <a:latin typeface="Calibri Light" panose="020F0302020204030204" pitchFamily="34" charset="0"/>
+                <a:cs typeface="Calibri Light" panose="020F0302020204030204" pitchFamily="34" charset="0"/>
+              </a:rPr>
+              <a:t>: Editeur HTML/CSS/JS en ligne, avec émulateur intégré.</a:t>
+            </a:r>
+          </a:p>
+          <a:p>
+            <a:pPr algn="just"/>
+            <a:r>
+              <a:rPr lang="fr-FR" b="1" dirty="0" err="1" smtClean="0">
+                <a:latin typeface="Calibri Light" panose="020F0302020204030204" pitchFamily="34" charset="0"/>
+                <a:cs typeface="Calibri Light" panose="020F0302020204030204" pitchFamily="34" charset="0"/>
+              </a:rPr>
+              <a:t>Ionic</a:t>
+            </a:r>
+            <a:r>
+              <a:rPr lang="fr-FR" b="1" dirty="0" smtClean="0">
+                <a:latin typeface="Calibri Light" panose="020F0302020204030204" pitchFamily="34" charset="0"/>
+                <a:cs typeface="Calibri Light" panose="020F0302020204030204" pitchFamily="34" charset="0"/>
+              </a:rPr>
+              <a:t> </a:t>
+            </a:r>
+            <a:r>
+              <a:rPr lang="fr-FR" b="1" dirty="0" err="1" smtClean="0">
+                <a:latin typeface="Calibri Light" panose="020F0302020204030204" pitchFamily="34" charset="0"/>
+                <a:cs typeface="Calibri Light" panose="020F0302020204030204" pitchFamily="34" charset="0"/>
+              </a:rPr>
+              <a:t>Lab</a:t>
+            </a:r>
+            <a:r>
+              <a:rPr lang="fr-FR" b="1" dirty="0" smtClean="0">
+                <a:latin typeface="Calibri Light" panose="020F0302020204030204" pitchFamily="34" charset="0"/>
+                <a:cs typeface="Calibri Light" panose="020F0302020204030204" pitchFamily="34" charset="0"/>
+              </a:rPr>
+              <a:t> </a:t>
+            </a:r>
+            <a:r>
+              <a:rPr lang="fr-FR" dirty="0" smtClean="0">
+                <a:latin typeface="Calibri Light" panose="020F0302020204030204" pitchFamily="34" charset="0"/>
+                <a:cs typeface="Calibri Light" panose="020F0302020204030204" pitchFamily="34" charset="0"/>
+              </a:rPr>
+              <a:t>: Serveur de développement local émulant l’interface iOS, Android et Windows Phone</a:t>
+            </a:r>
             <a:endParaRPr lang="fr-FR" dirty="0" smtClean="0">
               <a:latin typeface="Calibri Light" panose="020F0302020204030204" pitchFamily="34" charset="0"/>
               <a:cs typeface="Calibri Light" panose="020F0302020204030204" pitchFamily="34" charset="0"/>
@@ -5526,7 +5839,7 @@
     </p:spTree>
     <p:extLst>
       <p:ext uri="{BB962C8B-B14F-4D97-AF65-F5344CB8AC3E}">
-        <p14:creationId xmlns:p14="http://schemas.microsoft.com/office/powerpoint/2010/main" val="2610088536"/>
+        <p14:creationId xmlns:p14="http://schemas.microsoft.com/office/powerpoint/2010/main" val="4073433452"/>
       </p:ext>
     </p:extLst>
   </p:cSld>

--- a/presentation.pptx
+++ b/presentation.pptx
@@ -12,6 +12,8 @@
     <p:sldId id="260" r:id="rId6"/>
     <p:sldId id="261" r:id="rId7"/>
     <p:sldId id="262" r:id="rId8"/>
+    <p:sldId id="263" r:id="rId9"/>
+    <p:sldId id="264" r:id="rId10"/>
   </p:sldIdLst>
   <p:sldSz cx="9144000" cy="6858000" type="screen4x3"/>
   <p:notesSz cx="6858000" cy="9144000"/>
@@ -258,7 +260,7 @@
           <a:p>
             <a:fld id="{7DEBA3D4-C10D-4C71-B660-7820DB4B8BBA}" type="datetimeFigureOut">
               <a:rPr lang="fr-FR" smtClean="0"/>
-              <a:t>30/01/2018</a:t>
+              <a:t>08/02/2018</a:t>
             </a:fld>
             <a:endParaRPr lang="fr-FR"/>
           </a:p>
@@ -891,7 +893,7 @@
           <a:p>
             <a:fld id="{7DEBA3D4-C10D-4C71-B660-7820DB4B8BBA}" type="datetimeFigureOut">
               <a:rPr lang="fr-FR" smtClean="0"/>
-              <a:t>30/01/2018</a:t>
+              <a:t>08/02/2018</a:t>
             </a:fld>
             <a:endParaRPr lang="fr-FR"/>
           </a:p>
@@ -1168,7 +1170,7 @@
           <a:p>
             <a:fld id="{7DEBA3D4-C10D-4C71-B660-7820DB4B8BBA}" type="datetimeFigureOut">
               <a:rPr lang="fr-FR" smtClean="0"/>
-              <a:t>30/01/2018</a:t>
+              <a:t>08/02/2018</a:t>
             </a:fld>
             <a:endParaRPr lang="fr-FR"/>
           </a:p>
@@ -1333,7 +1335,7 @@
           <a:p>
             <a:fld id="{7DEBA3D4-C10D-4C71-B660-7820DB4B8BBA}" type="datetimeFigureOut">
               <a:rPr lang="fr-FR" smtClean="0"/>
-              <a:t>30/01/2018</a:t>
+              <a:t>08/02/2018</a:t>
             </a:fld>
             <a:endParaRPr lang="fr-FR"/>
           </a:p>
@@ -1514,7 +1516,7 @@
           <a:p>
             <a:fld id="{7DEBA3D4-C10D-4C71-B660-7820DB4B8BBA}" type="datetimeFigureOut">
               <a:rPr lang="fr-FR" smtClean="0"/>
-              <a:t>30/01/2018</a:t>
+              <a:t>08/02/2018</a:t>
             </a:fld>
             <a:endParaRPr lang="fr-FR"/>
           </a:p>
@@ -2159,7 +2161,7 @@
           <a:p>
             <a:fld id="{7DEBA3D4-C10D-4C71-B660-7820DB4B8BBA}" type="datetimeFigureOut">
               <a:rPr lang="fr-FR" smtClean="0"/>
-              <a:t>30/01/2018</a:t>
+              <a:t>08/02/2018</a:t>
             </a:fld>
             <a:endParaRPr lang="fr-FR"/>
           </a:p>
@@ -2585,7 +2587,7 @@
           <a:p>
             <a:fld id="{7DEBA3D4-C10D-4C71-B660-7820DB4B8BBA}" type="datetimeFigureOut">
               <a:rPr lang="fr-FR" smtClean="0"/>
-              <a:t>30/01/2018</a:t>
+              <a:t>08/02/2018</a:t>
             </a:fld>
             <a:endParaRPr lang="fr-FR"/>
           </a:p>
@@ -2698,7 +2700,7 @@
           <a:p>
             <a:fld id="{7DEBA3D4-C10D-4C71-B660-7820DB4B8BBA}" type="datetimeFigureOut">
               <a:rPr lang="fr-FR" smtClean="0"/>
-              <a:t>30/01/2018</a:t>
+              <a:t>08/02/2018</a:t>
             </a:fld>
             <a:endParaRPr lang="fr-FR"/>
           </a:p>
@@ -2879,7 +2881,7 @@
           <a:p>
             <a:fld id="{7DEBA3D4-C10D-4C71-B660-7820DB4B8BBA}" type="datetimeFigureOut">
               <a:rPr lang="fr-FR" smtClean="0"/>
-              <a:t>30/01/2018</a:t>
+              <a:t>08/02/2018</a:t>
             </a:fld>
             <a:endParaRPr lang="fr-FR"/>
           </a:p>
@@ -3145,7 +3147,7 @@
           <a:p>
             <a:fld id="{7DEBA3D4-C10D-4C71-B660-7820DB4B8BBA}" type="datetimeFigureOut">
               <a:rPr lang="fr-FR" smtClean="0"/>
-              <a:t>30/01/2018</a:t>
+              <a:t>08/02/2018</a:t>
             </a:fld>
             <a:endParaRPr lang="fr-FR"/>
           </a:p>
@@ -3615,7 +3617,7 @@
           <a:p>
             <a:fld id="{7DEBA3D4-C10D-4C71-B660-7820DB4B8BBA}" type="datetimeFigureOut">
               <a:rPr lang="fr-FR" smtClean="0"/>
-              <a:t>30/01/2018</a:t>
+              <a:t>08/02/2018</a:t>
             </a:fld>
             <a:endParaRPr lang="fr-FR"/>
           </a:p>
@@ -4175,7 +4177,7 @@
           <a:p>
             <a:fld id="{7DEBA3D4-C10D-4C71-B660-7820DB4B8BBA}" type="datetimeFigureOut">
               <a:rPr lang="fr-FR" smtClean="0"/>
-              <a:t>30/01/2018</a:t>
+              <a:t>08/02/2018</a:t>
             </a:fld>
             <a:endParaRPr lang="fr-FR"/>
           </a:p>
@@ -5478,7 +5480,7 @@
                 <a:latin typeface="Calibri Light" panose="020F0302020204030204" pitchFamily="34" charset="0"/>
                 <a:cs typeface="Calibri Light" panose="020F0302020204030204" pitchFamily="34" charset="0"/>
               </a:rPr>
-              <a:t> pour l’application web : Stabilité</a:t>
+              <a:t>  pour l’application web : Stabilité</a:t>
             </a:r>
           </a:p>
           <a:p>
@@ -5761,14 +5763,31 @@
                 <a:latin typeface="Calibri Light" panose="020F0302020204030204" pitchFamily="34" charset="0"/>
                 <a:cs typeface="Calibri Light" panose="020F0302020204030204" pitchFamily="34" charset="0"/>
               </a:rPr>
-              <a:t>P</a:t>
-            </a:r>
+              <a:t>Playground</a:t>
+            </a:r>
+            <a:r>
+              <a:rPr lang="fr-FR" b="1" dirty="0" smtClean="0">
+                <a:latin typeface="Calibri Light" panose="020F0302020204030204" pitchFamily="34" charset="0"/>
+                <a:cs typeface="Calibri Light" panose="020F0302020204030204" pitchFamily="34" charset="0"/>
+              </a:rPr>
+              <a:t> </a:t>
+            </a:r>
+            <a:r>
+              <a:rPr lang="fr-FR" dirty="0" smtClean="0">
+                <a:latin typeface="Calibri Light" panose="020F0302020204030204" pitchFamily="34" charset="0"/>
+                <a:cs typeface="Calibri Light" panose="020F0302020204030204" pitchFamily="34" charset="0"/>
+              </a:rPr>
+              <a:t>: Editeur HTML/CSS/JS en ligne, avec émulateur intégré.</a:t>
+            </a:r>
+          </a:p>
+          <a:p>
+            <a:pPr algn="just"/>
             <a:r>
               <a:rPr lang="fr-FR" b="1" dirty="0" err="1" smtClean="0">
                 <a:latin typeface="Calibri Light" panose="020F0302020204030204" pitchFamily="34" charset="0"/>
                 <a:cs typeface="Calibri Light" panose="020F0302020204030204" pitchFamily="34" charset="0"/>
               </a:rPr>
-              <a:t>layground</a:t>
+              <a:t>Ionic</a:t>
             </a:r>
             <a:r>
               <a:rPr lang="fr-FR" b="1" dirty="0" smtClean="0">
@@ -5778,54 +5797,26 @@
               <a:t> </a:t>
             </a:r>
             <a:r>
+              <a:rPr lang="fr-FR" b="1" dirty="0" err="1" smtClean="0">
+                <a:latin typeface="Calibri Light" panose="020F0302020204030204" pitchFamily="34" charset="0"/>
+                <a:cs typeface="Calibri Light" panose="020F0302020204030204" pitchFamily="34" charset="0"/>
+              </a:rPr>
+              <a:t>Lab</a:t>
+            </a:r>
+            <a:r>
+              <a:rPr lang="fr-FR" b="1" dirty="0" smtClean="0">
+                <a:latin typeface="Calibri Light" panose="020F0302020204030204" pitchFamily="34" charset="0"/>
+                <a:cs typeface="Calibri Light" panose="020F0302020204030204" pitchFamily="34" charset="0"/>
+              </a:rPr>
+              <a:t> </a:t>
+            </a:r>
+            <a:r>
               <a:rPr lang="fr-FR" dirty="0" smtClean="0">
                 <a:latin typeface="Calibri Light" panose="020F0302020204030204" pitchFamily="34" charset="0"/>
                 <a:cs typeface="Calibri Light" panose="020F0302020204030204" pitchFamily="34" charset="0"/>
               </a:rPr>
-              <a:t>: Editeur HTML/CSS/JS en ligne, avec émulateur intégré.</a:t>
-            </a:r>
-          </a:p>
-          <a:p>
-            <a:pPr algn="just"/>
-            <a:r>
-              <a:rPr lang="fr-FR" b="1" dirty="0" err="1" smtClean="0">
-                <a:latin typeface="Calibri Light" panose="020F0302020204030204" pitchFamily="34" charset="0"/>
-                <a:cs typeface="Calibri Light" panose="020F0302020204030204" pitchFamily="34" charset="0"/>
-              </a:rPr>
-              <a:t>Ionic</a:t>
-            </a:r>
-            <a:r>
-              <a:rPr lang="fr-FR" b="1" dirty="0" smtClean="0">
-                <a:latin typeface="Calibri Light" panose="020F0302020204030204" pitchFamily="34" charset="0"/>
-                <a:cs typeface="Calibri Light" panose="020F0302020204030204" pitchFamily="34" charset="0"/>
-              </a:rPr>
-              <a:t> </a:t>
-            </a:r>
-            <a:r>
-              <a:rPr lang="fr-FR" b="1" dirty="0" err="1" smtClean="0">
-                <a:latin typeface="Calibri Light" panose="020F0302020204030204" pitchFamily="34" charset="0"/>
-                <a:cs typeface="Calibri Light" panose="020F0302020204030204" pitchFamily="34" charset="0"/>
-              </a:rPr>
-              <a:t>Lab</a:t>
-            </a:r>
-            <a:r>
-              <a:rPr lang="fr-FR" b="1" dirty="0" smtClean="0">
-                <a:latin typeface="Calibri Light" panose="020F0302020204030204" pitchFamily="34" charset="0"/>
-                <a:cs typeface="Calibri Light" panose="020F0302020204030204" pitchFamily="34" charset="0"/>
-              </a:rPr>
-              <a:t> </a:t>
-            </a:r>
-            <a:r>
-              <a:rPr lang="fr-FR" dirty="0" smtClean="0">
-                <a:latin typeface="Calibri Light" panose="020F0302020204030204" pitchFamily="34" charset="0"/>
-                <a:cs typeface="Calibri Light" panose="020F0302020204030204" pitchFamily="34" charset="0"/>
-              </a:rPr>
               <a:t>: Serveur de développement local émulant l’interface iOS, Android et Windows Phone</a:t>
             </a:r>
-            <a:endParaRPr lang="fr-FR" dirty="0" smtClean="0">
-              <a:latin typeface="Calibri Light" panose="020F0302020204030204" pitchFamily="34" charset="0"/>
-              <a:cs typeface="Calibri Light" panose="020F0302020204030204" pitchFamily="34" charset="0"/>
-            </a:endParaRPr>
           </a:p>
           <a:p>
             <a:pPr algn="just"/>
@@ -5840,6 +5831,281 @@
     <p:extLst>
       <p:ext uri="{BB962C8B-B14F-4D97-AF65-F5344CB8AC3E}">
         <p14:creationId xmlns:p14="http://schemas.microsoft.com/office/powerpoint/2010/main" val="4073433452"/>
+      </p:ext>
+    </p:extLst>
+  </p:cSld>
+  <p:clrMapOvr>
+    <a:masterClrMapping/>
+  </p:clrMapOvr>
+</p:sld>
+</file>
+
+<file path=ppt/slides/slide8.xml><?xml version="1.0" encoding="utf-8"?>
+<p:sld xmlns:a="http://schemas.openxmlformats.org/drawingml/2006/main" xmlns:r="http://schemas.openxmlformats.org/officeDocument/2006/relationships" xmlns:p="http://schemas.openxmlformats.org/presentationml/2006/main">
+  <p:cSld>
+    <p:spTree>
+      <p:nvGrpSpPr>
+        <p:cNvPr id="1" name=""/>
+        <p:cNvGrpSpPr/>
+        <p:nvPr/>
+      </p:nvGrpSpPr>
+      <p:grpSpPr>
+        <a:xfrm>
+          <a:off x="0" y="0"/>
+          <a:ext cx="0" cy="0"/>
+          <a:chOff x="0" y="0"/>
+          <a:chExt cx="0" cy="0"/>
+        </a:xfrm>
+      </p:grpSpPr>
+      <p:sp>
+        <p:nvSpPr>
+          <p:cNvPr id="2" name="Titre 1"/>
+          <p:cNvSpPr>
+            <a:spLocks noGrp="1"/>
+          </p:cNvSpPr>
+          <p:nvPr>
+            <p:ph type="title"/>
+          </p:nvPr>
+        </p:nvSpPr>
+        <p:spPr/>
+        <p:txBody>
+          <a:bodyPr>
+            <a:normAutofit fontScale="90000"/>
+          </a:bodyPr>
+          <a:lstStyle/>
+          <a:p>
+            <a:r>
+              <a:rPr lang="fr-FR" dirty="0" smtClean="0"/>
+              <a:t>Applications hybrides : Avantages</a:t>
+            </a:r>
+            <a:endParaRPr lang="fr-FR" dirty="0"/>
+          </a:p>
+        </p:txBody>
+      </p:sp>
+      <p:sp>
+        <p:nvSpPr>
+          <p:cNvPr id="3" name="Espace réservé du contenu 2"/>
+          <p:cNvSpPr>
+            <a:spLocks noGrp="1"/>
+          </p:cNvSpPr>
+          <p:nvPr>
+            <p:ph idx="1"/>
+          </p:nvPr>
+        </p:nvSpPr>
+        <p:spPr/>
+        <p:txBody>
+          <a:bodyPr/>
+          <a:lstStyle/>
+          <a:p>
+            <a:pPr algn="just"/>
+            <a:r>
+              <a:rPr lang="fr-FR" dirty="0" smtClean="0">
+                <a:solidFill>
+                  <a:srgbClr val="FF0000"/>
+                </a:solidFill>
+                <a:latin typeface="Calibri Light" panose="020F0302020204030204" pitchFamily="34" charset="0"/>
+                <a:cs typeface="Calibri Light" panose="020F0302020204030204" pitchFamily="34" charset="0"/>
+              </a:rPr>
+              <a:t>/!\</a:t>
+            </a:r>
+            <a:r>
+              <a:rPr lang="fr-FR" dirty="0" smtClean="0">
+                <a:latin typeface="Calibri Light" panose="020F0302020204030204" pitchFamily="34" charset="0"/>
+                <a:cs typeface="Calibri Light" panose="020F0302020204030204" pitchFamily="34" charset="0"/>
+              </a:rPr>
+              <a:t> Applications natives générées ≠ Applications hybrides</a:t>
+            </a:r>
+          </a:p>
+          <a:p>
+            <a:pPr algn="just"/>
+            <a:r>
+              <a:rPr lang="fr-FR" dirty="0" err="1" smtClean="0">
+                <a:latin typeface="Calibri Light" panose="020F0302020204030204" pitchFamily="34" charset="0"/>
+                <a:cs typeface="Calibri Light" panose="020F0302020204030204" pitchFamily="34" charset="0"/>
+              </a:rPr>
+              <a:t>Ionic</a:t>
+            </a:r>
+            <a:r>
+              <a:rPr lang="fr-FR" dirty="0" smtClean="0">
+                <a:latin typeface="Calibri Light" panose="020F0302020204030204" pitchFamily="34" charset="0"/>
+                <a:cs typeface="Calibri Light" panose="020F0302020204030204" pitchFamily="34" charset="0"/>
+              </a:rPr>
+              <a:t> = applications hybrides</a:t>
+            </a:r>
+          </a:p>
+          <a:p>
+            <a:pPr algn="just"/>
+            <a:r>
+              <a:rPr lang="fr-FR" dirty="0" smtClean="0">
+                <a:latin typeface="Calibri Light" panose="020F0302020204030204" pitchFamily="34" charset="0"/>
+                <a:cs typeface="Calibri Light" panose="020F0302020204030204" pitchFamily="34" charset="0"/>
+              </a:rPr>
+              <a:t>Plus faciles et rapides à développer que les applications natives</a:t>
+            </a:r>
+          </a:p>
+          <a:p>
+            <a:pPr algn="just"/>
+            <a:r>
+              <a:rPr lang="fr-FR" dirty="0" smtClean="0">
+                <a:latin typeface="Calibri Light" panose="020F0302020204030204" pitchFamily="34" charset="0"/>
+                <a:cs typeface="Calibri Light" panose="020F0302020204030204" pitchFamily="34" charset="0"/>
+              </a:rPr>
+              <a:t>Moins chères </a:t>
+            </a:r>
+            <a:r>
+              <a:rPr lang="fr-FR" smtClean="0">
+                <a:latin typeface="Calibri Light" panose="020F0302020204030204" pitchFamily="34" charset="0"/>
+                <a:cs typeface="Calibri Light" panose="020F0302020204030204" pitchFamily="34" charset="0"/>
+              </a:rPr>
+              <a:t>à développer</a:t>
+            </a:r>
+            <a:endParaRPr lang="fr-FR" dirty="0" smtClean="0">
+              <a:latin typeface="Calibri Light" panose="020F0302020204030204" pitchFamily="34" charset="0"/>
+              <a:cs typeface="Calibri Light" panose="020F0302020204030204" pitchFamily="34" charset="0"/>
+            </a:endParaRPr>
+          </a:p>
+          <a:p>
+            <a:pPr algn="just"/>
+            <a:r>
+              <a:rPr lang="fr-FR" dirty="0" smtClean="0">
+                <a:latin typeface="Calibri Light" panose="020F0302020204030204" pitchFamily="34" charset="0"/>
+                <a:cs typeface="Calibri Light" panose="020F0302020204030204" pitchFamily="34" charset="0"/>
+              </a:rPr>
+              <a:t>Maintenance facilitée : version unique pour toute plateforme</a:t>
+            </a:r>
+            <a:endParaRPr lang="fr-FR" dirty="0">
+              <a:latin typeface="Calibri Light" panose="020F0302020204030204" pitchFamily="34" charset="0"/>
+              <a:cs typeface="Calibri Light" panose="020F0302020204030204" pitchFamily="34" charset="0"/>
+            </a:endParaRPr>
+          </a:p>
+        </p:txBody>
+      </p:sp>
+    </p:spTree>
+    <p:extLst>
+      <p:ext uri="{BB962C8B-B14F-4D97-AF65-F5344CB8AC3E}">
+        <p14:creationId xmlns:p14="http://schemas.microsoft.com/office/powerpoint/2010/main" val="952830357"/>
+      </p:ext>
+    </p:extLst>
+  </p:cSld>
+  <p:clrMapOvr>
+    <a:masterClrMapping/>
+  </p:clrMapOvr>
+</p:sld>
+</file>
+
+<file path=ppt/slides/slide9.xml><?xml version="1.0" encoding="utf-8"?>
+<p:sld xmlns:a="http://schemas.openxmlformats.org/drawingml/2006/main" xmlns:r="http://schemas.openxmlformats.org/officeDocument/2006/relationships" xmlns:p="http://schemas.openxmlformats.org/presentationml/2006/main">
+  <p:cSld>
+    <p:spTree>
+      <p:nvGrpSpPr>
+        <p:cNvPr id="1" name=""/>
+        <p:cNvGrpSpPr/>
+        <p:nvPr/>
+      </p:nvGrpSpPr>
+      <p:grpSpPr>
+        <a:xfrm>
+          <a:off x="0" y="0"/>
+          <a:ext cx="0" cy="0"/>
+          <a:chOff x="0" y="0"/>
+          <a:chExt cx="0" cy="0"/>
+        </a:xfrm>
+      </p:grpSpPr>
+      <p:sp>
+        <p:nvSpPr>
+          <p:cNvPr id="2" name="Titre 1"/>
+          <p:cNvSpPr>
+            <a:spLocks noGrp="1"/>
+          </p:cNvSpPr>
+          <p:nvPr>
+            <p:ph type="title"/>
+          </p:nvPr>
+        </p:nvSpPr>
+        <p:spPr/>
+        <p:txBody>
+          <a:bodyPr>
+            <a:normAutofit fontScale="90000"/>
+          </a:bodyPr>
+          <a:lstStyle/>
+          <a:p>
+            <a:r>
+              <a:rPr lang="fr-FR" dirty="0" smtClean="0"/>
+              <a:t>Applications hybrides : Inconvénients</a:t>
+            </a:r>
+            <a:endParaRPr lang="fr-FR" dirty="0"/>
+          </a:p>
+        </p:txBody>
+      </p:sp>
+      <p:sp>
+        <p:nvSpPr>
+          <p:cNvPr id="3" name="Espace réservé du contenu 2"/>
+          <p:cNvSpPr>
+            <a:spLocks noGrp="1"/>
+          </p:cNvSpPr>
+          <p:nvPr>
+            <p:ph idx="1"/>
+          </p:nvPr>
+        </p:nvSpPr>
+        <p:spPr/>
+        <p:txBody>
+          <a:bodyPr/>
+          <a:lstStyle/>
+          <a:p>
+            <a:pPr algn="just"/>
+            <a:r>
+              <a:rPr lang="fr-FR" dirty="0" smtClean="0">
+                <a:latin typeface="Calibri Light" panose="020F0302020204030204" pitchFamily="34" charset="0"/>
+                <a:cs typeface="Calibri Light" panose="020F0302020204030204" pitchFamily="34" charset="0"/>
+              </a:rPr>
+              <a:t>Interfaces graphiques moins « poussées »</a:t>
+            </a:r>
+          </a:p>
+          <a:p>
+            <a:pPr algn="just"/>
+            <a:r>
+              <a:rPr lang="fr-FR" dirty="0" smtClean="0">
+                <a:latin typeface="Calibri Light" panose="020F0302020204030204" pitchFamily="34" charset="0"/>
+                <a:cs typeface="Calibri Light" panose="020F0302020204030204" pitchFamily="34" charset="0"/>
+              </a:rPr>
+              <a:t>Baisse de performances / stabilité</a:t>
+            </a:r>
+          </a:p>
+          <a:p>
+            <a:pPr algn="just"/>
+            <a:r>
+              <a:rPr lang="fr-FR" dirty="0">
+                <a:latin typeface="Calibri Light" panose="020F0302020204030204" pitchFamily="34" charset="0"/>
+                <a:cs typeface="Calibri Light" panose="020F0302020204030204" pitchFamily="34" charset="0"/>
+              </a:rPr>
+              <a:t>M</a:t>
+            </a:r>
+            <a:r>
+              <a:rPr lang="fr-FR" dirty="0" smtClean="0">
+                <a:latin typeface="Calibri Light" panose="020F0302020204030204" pitchFamily="34" charset="0"/>
+                <a:cs typeface="Calibri Light" panose="020F0302020204030204" pitchFamily="34" charset="0"/>
+              </a:rPr>
+              <a:t>oins efficaces dans l’utilisation des fonctionnalités du téléphone (caméra, etc.) que les applications natives</a:t>
+            </a:r>
+          </a:p>
+          <a:p>
+            <a:pPr algn="just"/>
+            <a:r>
+              <a:rPr lang="fr-FR" dirty="0" smtClean="0">
+                <a:latin typeface="Calibri Light" panose="020F0302020204030204" pitchFamily="34" charset="0"/>
+                <a:cs typeface="Calibri Light" panose="020F0302020204030204" pitchFamily="34" charset="0"/>
+              </a:rPr>
+              <a:t>Pas adaptées aux applications complexes</a:t>
+            </a:r>
+            <a:endParaRPr lang="fr-FR" dirty="0">
+              <a:latin typeface="Calibri Light" panose="020F0302020204030204" pitchFamily="34" charset="0"/>
+              <a:cs typeface="Calibri Light" panose="020F0302020204030204" pitchFamily="34" charset="0"/>
+            </a:endParaRPr>
+          </a:p>
+        </p:txBody>
+      </p:sp>
+    </p:spTree>
+    <p:extLst>
+      <p:ext uri="{BB962C8B-B14F-4D97-AF65-F5344CB8AC3E}">
+        <p14:creationId xmlns:p14="http://schemas.microsoft.com/office/powerpoint/2010/main" val="2827602039"/>
       </p:ext>
     </p:extLst>
   </p:cSld>

--- a/presentation.pptx
+++ b/presentation.pptx
@@ -4,6 +4,9 @@
   <p:sldMasterIdLst>
     <p:sldMasterId id="2147483660" r:id="rId1"/>
   </p:sldMasterIdLst>
+  <p:notesMasterIdLst>
+    <p:notesMasterId r:id="rId12"/>
+  </p:notesMasterIdLst>
   <p:sldIdLst>
     <p:sldId id="256" r:id="rId2"/>
     <p:sldId id="257" r:id="rId3"/>
@@ -14,6 +17,7 @@
     <p:sldId id="262" r:id="rId8"/>
     <p:sldId id="263" r:id="rId9"/>
     <p:sldId id="264" r:id="rId10"/>
+    <p:sldId id="265" r:id="rId11"/>
   </p:sldIdLst>
   <p:sldSz cx="9144000" cy="6858000" type="screen4x3"/>
   <p:notesSz cx="6858000" cy="9144000"/>
@@ -135,6 +139,356 @@
 <p1510:revInfo xmlns:a="http://schemas.openxmlformats.org/drawingml/2006/main" xmlns:r="http://schemas.openxmlformats.org/officeDocument/2006/relationships" xmlns:p1510="http://schemas.microsoft.com/office/powerpoint/2015/10/main"/>
 </file>
 
+<file path=ppt/notesMasters/notesMaster1.xml><?xml version="1.0" encoding="utf-8"?>
+<p:notesMaster xmlns:a="http://schemas.openxmlformats.org/drawingml/2006/main" xmlns:r="http://schemas.openxmlformats.org/officeDocument/2006/relationships" xmlns:p="http://schemas.openxmlformats.org/presentationml/2006/main">
+  <p:cSld>
+    <p:bg>
+      <p:bgRef idx="1001">
+        <a:schemeClr val="bg1"/>
+      </p:bgRef>
+    </p:bg>
+    <p:spTree>
+      <p:nvGrpSpPr>
+        <p:cNvPr id="1" name=""/>
+        <p:cNvGrpSpPr/>
+        <p:nvPr/>
+      </p:nvGrpSpPr>
+      <p:grpSpPr>
+        <a:xfrm>
+          <a:off x="0" y="0"/>
+          <a:ext cx="0" cy="0"/>
+          <a:chOff x="0" y="0"/>
+          <a:chExt cx="0" cy="0"/>
+        </a:xfrm>
+      </p:grpSpPr>
+      <p:sp>
+        <p:nvSpPr>
+          <p:cNvPr id="2" name="Espace réservé de l'en-tête 1"/>
+          <p:cNvSpPr>
+            <a:spLocks noGrp="1"/>
+          </p:cNvSpPr>
+          <p:nvPr>
+            <p:ph type="hdr" sz="quarter"/>
+          </p:nvPr>
+        </p:nvSpPr>
+        <p:spPr>
+          <a:xfrm>
+            <a:off x="0" y="0"/>
+            <a:ext cx="2971800" cy="457200"/>
+          </a:xfrm>
+          <a:prstGeom prst="rect">
+            <a:avLst/>
+          </a:prstGeom>
+        </p:spPr>
+        <p:txBody>
+          <a:bodyPr vert="horz" lIns="91440" tIns="45720" rIns="91440" bIns="45720" rtlCol="0"/>
+          <a:lstStyle>
+            <a:lvl1pPr algn="l">
+              <a:defRPr sz="1200"/>
+            </a:lvl1pPr>
+          </a:lstStyle>
+          <a:p>
+            <a:endParaRPr lang="fr-FR"/>
+          </a:p>
+        </p:txBody>
+      </p:sp>
+      <p:sp>
+        <p:nvSpPr>
+          <p:cNvPr id="3" name="Espace réservé de la date 2"/>
+          <p:cNvSpPr>
+            <a:spLocks noGrp="1"/>
+          </p:cNvSpPr>
+          <p:nvPr>
+            <p:ph type="dt" idx="1"/>
+          </p:nvPr>
+        </p:nvSpPr>
+        <p:spPr>
+          <a:xfrm>
+            <a:off x="3884613" y="0"/>
+            <a:ext cx="2971800" cy="457200"/>
+          </a:xfrm>
+          <a:prstGeom prst="rect">
+            <a:avLst/>
+          </a:prstGeom>
+        </p:spPr>
+        <p:txBody>
+          <a:bodyPr vert="horz" lIns="91440" tIns="45720" rIns="91440" bIns="45720" rtlCol="0"/>
+          <a:lstStyle>
+            <a:lvl1pPr algn="r">
+              <a:defRPr sz="1200"/>
+            </a:lvl1pPr>
+          </a:lstStyle>
+          <a:p>
+            <a:fld id="{1BC3700B-4EEC-445A-BA32-5FE574FD12A9}" type="datetimeFigureOut">
+              <a:rPr lang="fr-FR" smtClean="0"/>
+              <a:t>24/02/2018</a:t>
+            </a:fld>
+            <a:endParaRPr lang="fr-FR"/>
+          </a:p>
+        </p:txBody>
+      </p:sp>
+      <p:sp>
+        <p:nvSpPr>
+          <p:cNvPr id="4" name="Espace réservé de l'image des diapositives 3"/>
+          <p:cNvSpPr>
+            <a:spLocks noGrp="1" noRot="1" noChangeAspect="1"/>
+          </p:cNvSpPr>
+          <p:nvPr>
+            <p:ph type="sldImg" idx="2"/>
+          </p:nvPr>
+        </p:nvSpPr>
+        <p:spPr>
+          <a:xfrm>
+            <a:off x="1143000" y="685800"/>
+            <a:ext cx="4572000" cy="3429000"/>
+          </a:xfrm>
+          <a:prstGeom prst="rect">
+            <a:avLst/>
+          </a:prstGeom>
+          <a:noFill/>
+          <a:ln w="12700">
+            <a:solidFill>
+              <a:prstClr val="black"/>
+            </a:solidFill>
+          </a:ln>
+        </p:spPr>
+        <p:txBody>
+          <a:bodyPr vert="horz" lIns="91440" tIns="45720" rIns="91440" bIns="45720" rtlCol="0" anchor="ctr"/>
+          <a:lstStyle/>
+          <a:p>
+            <a:endParaRPr lang="fr-FR"/>
+          </a:p>
+        </p:txBody>
+      </p:sp>
+      <p:sp>
+        <p:nvSpPr>
+          <p:cNvPr id="5" name="Espace réservé des commentaires 4"/>
+          <p:cNvSpPr>
+            <a:spLocks noGrp="1"/>
+          </p:cNvSpPr>
+          <p:nvPr>
+            <p:ph type="body" sz="quarter" idx="3"/>
+          </p:nvPr>
+        </p:nvSpPr>
+        <p:spPr>
+          <a:xfrm>
+            <a:off x="685800" y="4343400"/>
+            <a:ext cx="5486400" cy="4114800"/>
+          </a:xfrm>
+          <a:prstGeom prst="rect">
+            <a:avLst/>
+          </a:prstGeom>
+        </p:spPr>
+        <p:txBody>
+          <a:bodyPr vert="horz" lIns="91440" tIns="45720" rIns="91440" bIns="45720" rtlCol="0"/>
+          <a:lstStyle/>
+          <a:p>
+            <a:pPr lvl="0"/>
+            <a:r>
+              <a:rPr lang="fr-FR" smtClean="0"/>
+              <a:t>Modifiez les styles du texte du masque</a:t>
+            </a:r>
+          </a:p>
+          <a:p>
+            <a:pPr lvl="1"/>
+            <a:r>
+              <a:rPr lang="fr-FR" smtClean="0"/>
+              <a:t>Deuxième niveau</a:t>
+            </a:r>
+          </a:p>
+          <a:p>
+            <a:pPr lvl="2"/>
+            <a:r>
+              <a:rPr lang="fr-FR" smtClean="0"/>
+              <a:t>Troisième niveau</a:t>
+            </a:r>
+          </a:p>
+          <a:p>
+            <a:pPr lvl="3"/>
+            <a:r>
+              <a:rPr lang="fr-FR" smtClean="0"/>
+              <a:t>Quatrième niveau</a:t>
+            </a:r>
+          </a:p>
+          <a:p>
+            <a:pPr lvl="4"/>
+            <a:r>
+              <a:rPr lang="fr-FR" smtClean="0"/>
+              <a:t>Cinquième niveau</a:t>
+            </a:r>
+            <a:endParaRPr lang="fr-FR"/>
+          </a:p>
+        </p:txBody>
+      </p:sp>
+      <p:sp>
+        <p:nvSpPr>
+          <p:cNvPr id="6" name="Espace réservé du pied de page 5"/>
+          <p:cNvSpPr>
+            <a:spLocks noGrp="1"/>
+          </p:cNvSpPr>
+          <p:nvPr>
+            <p:ph type="ftr" sz="quarter" idx="4"/>
+          </p:nvPr>
+        </p:nvSpPr>
+        <p:spPr>
+          <a:xfrm>
+            <a:off x="0" y="8685213"/>
+            <a:ext cx="2971800" cy="457200"/>
+          </a:xfrm>
+          <a:prstGeom prst="rect">
+            <a:avLst/>
+          </a:prstGeom>
+        </p:spPr>
+        <p:txBody>
+          <a:bodyPr vert="horz" lIns="91440" tIns="45720" rIns="91440" bIns="45720" rtlCol="0" anchor="b"/>
+          <a:lstStyle>
+            <a:lvl1pPr algn="l">
+              <a:defRPr sz="1200"/>
+            </a:lvl1pPr>
+          </a:lstStyle>
+          <a:p>
+            <a:endParaRPr lang="fr-FR"/>
+          </a:p>
+        </p:txBody>
+      </p:sp>
+      <p:sp>
+        <p:nvSpPr>
+          <p:cNvPr id="7" name="Espace réservé du numéro de diapositive 6"/>
+          <p:cNvSpPr>
+            <a:spLocks noGrp="1"/>
+          </p:cNvSpPr>
+          <p:nvPr>
+            <p:ph type="sldNum" sz="quarter" idx="5"/>
+          </p:nvPr>
+        </p:nvSpPr>
+        <p:spPr>
+          <a:xfrm>
+            <a:off x="3884613" y="8685213"/>
+            <a:ext cx="2971800" cy="457200"/>
+          </a:xfrm>
+          <a:prstGeom prst="rect">
+            <a:avLst/>
+          </a:prstGeom>
+        </p:spPr>
+        <p:txBody>
+          <a:bodyPr vert="horz" lIns="91440" tIns="45720" rIns="91440" bIns="45720" rtlCol="0" anchor="b"/>
+          <a:lstStyle>
+            <a:lvl1pPr algn="r">
+              <a:defRPr sz="1200"/>
+            </a:lvl1pPr>
+          </a:lstStyle>
+          <a:p>
+            <a:fld id="{33D0D4F3-7D52-472F-A6D8-300C270D9384}" type="slidenum">
+              <a:rPr lang="fr-FR" smtClean="0"/>
+              <a:t>‹N°›</a:t>
+            </a:fld>
+            <a:endParaRPr lang="fr-FR"/>
+          </a:p>
+        </p:txBody>
+      </p:sp>
+    </p:spTree>
+    <p:extLst>
+      <p:ext uri="{BB962C8B-B14F-4D97-AF65-F5344CB8AC3E}">
+        <p14:creationId xmlns:p14="http://schemas.microsoft.com/office/powerpoint/2010/main" val="3441233345"/>
+      </p:ext>
+    </p:extLst>
+  </p:cSld>
+  <p:clrMap bg1="lt1" tx1="dk1" bg2="lt2" tx2="dk2" accent1="accent1" accent2="accent2" accent3="accent3" accent4="accent4" accent5="accent5" accent6="accent6" hlink="hlink" folHlink="folHlink"/>
+  <p:notesStyle>
+    <a:lvl1pPr marL="0" algn="l" defTabSz="914400" rtl="0" eaLnBrk="1" latinLnBrk="0" hangingPunct="1">
+      <a:defRPr sz="1200" kern="1200">
+        <a:solidFill>
+          <a:schemeClr val="tx1"/>
+        </a:solidFill>
+        <a:latin typeface="+mn-lt"/>
+        <a:ea typeface="+mn-ea"/>
+        <a:cs typeface="+mn-cs"/>
+      </a:defRPr>
+    </a:lvl1pPr>
+    <a:lvl2pPr marL="457200" algn="l" defTabSz="914400" rtl="0" eaLnBrk="1" latinLnBrk="0" hangingPunct="1">
+      <a:defRPr sz="1200" kern="1200">
+        <a:solidFill>
+          <a:schemeClr val="tx1"/>
+        </a:solidFill>
+        <a:latin typeface="+mn-lt"/>
+        <a:ea typeface="+mn-ea"/>
+        <a:cs typeface="+mn-cs"/>
+      </a:defRPr>
+    </a:lvl2pPr>
+    <a:lvl3pPr marL="914400" algn="l" defTabSz="914400" rtl="0" eaLnBrk="1" latinLnBrk="0" hangingPunct="1">
+      <a:defRPr sz="1200" kern="1200">
+        <a:solidFill>
+          <a:schemeClr val="tx1"/>
+        </a:solidFill>
+        <a:latin typeface="+mn-lt"/>
+        <a:ea typeface="+mn-ea"/>
+        <a:cs typeface="+mn-cs"/>
+      </a:defRPr>
+    </a:lvl3pPr>
+    <a:lvl4pPr marL="1371600" algn="l" defTabSz="914400" rtl="0" eaLnBrk="1" latinLnBrk="0" hangingPunct="1">
+      <a:defRPr sz="1200" kern="1200">
+        <a:solidFill>
+          <a:schemeClr val="tx1"/>
+        </a:solidFill>
+        <a:latin typeface="+mn-lt"/>
+        <a:ea typeface="+mn-ea"/>
+        <a:cs typeface="+mn-cs"/>
+      </a:defRPr>
+    </a:lvl4pPr>
+    <a:lvl5pPr marL="1828800" algn="l" defTabSz="914400" rtl="0" eaLnBrk="1" latinLnBrk="0" hangingPunct="1">
+      <a:defRPr sz="1200" kern="1200">
+        <a:solidFill>
+          <a:schemeClr val="tx1"/>
+        </a:solidFill>
+        <a:latin typeface="+mn-lt"/>
+        <a:ea typeface="+mn-ea"/>
+        <a:cs typeface="+mn-cs"/>
+      </a:defRPr>
+    </a:lvl5pPr>
+    <a:lvl6pPr marL="2286000" algn="l" defTabSz="914400" rtl="0" eaLnBrk="1" latinLnBrk="0" hangingPunct="1">
+      <a:defRPr sz="1200" kern="1200">
+        <a:solidFill>
+          <a:schemeClr val="tx1"/>
+        </a:solidFill>
+        <a:latin typeface="+mn-lt"/>
+        <a:ea typeface="+mn-ea"/>
+        <a:cs typeface="+mn-cs"/>
+      </a:defRPr>
+    </a:lvl6pPr>
+    <a:lvl7pPr marL="2743200" algn="l" defTabSz="914400" rtl="0" eaLnBrk="1" latinLnBrk="0" hangingPunct="1">
+      <a:defRPr sz="1200" kern="1200">
+        <a:solidFill>
+          <a:schemeClr val="tx1"/>
+        </a:solidFill>
+        <a:latin typeface="+mn-lt"/>
+        <a:ea typeface="+mn-ea"/>
+        <a:cs typeface="+mn-cs"/>
+      </a:defRPr>
+    </a:lvl7pPr>
+    <a:lvl8pPr marL="3200400" algn="l" defTabSz="914400" rtl="0" eaLnBrk="1" latinLnBrk="0" hangingPunct="1">
+      <a:defRPr sz="1200" kern="1200">
+        <a:solidFill>
+          <a:schemeClr val="tx1"/>
+        </a:solidFill>
+        <a:latin typeface="+mn-lt"/>
+        <a:ea typeface="+mn-ea"/>
+        <a:cs typeface="+mn-cs"/>
+      </a:defRPr>
+    </a:lvl8pPr>
+    <a:lvl9pPr marL="3657600" algn="l" defTabSz="914400" rtl="0" eaLnBrk="1" latinLnBrk="0" hangingPunct="1">
+      <a:defRPr sz="1200" kern="1200">
+        <a:solidFill>
+          <a:schemeClr val="tx1"/>
+        </a:solidFill>
+        <a:latin typeface="+mn-lt"/>
+        <a:ea typeface="+mn-ea"/>
+        <a:cs typeface="+mn-cs"/>
+      </a:defRPr>
+    </a:lvl9pPr>
+  </p:notesStyle>
+</p:notesMaster>
+</file>
+
 <file path=ppt/slideLayouts/slideLayout1.xml><?xml version="1.0" encoding="utf-8"?>
 <p:sldLayout xmlns:a="http://schemas.openxmlformats.org/drawingml/2006/main" xmlns:r="http://schemas.openxmlformats.org/officeDocument/2006/relationships" xmlns:p="http://schemas.openxmlformats.org/presentationml/2006/main" showMasterSp="0" type="title" preserve="1">
   <p:cSld name="Diapositive de titre">
@@ -258,9 +612,9 @@
           <a:bodyPr/>
           <a:lstStyle/>
           <a:p>
-            <a:fld id="{7DEBA3D4-C10D-4C71-B660-7820DB4B8BBA}" type="datetimeFigureOut">
-              <a:rPr lang="fr-FR" smtClean="0"/>
-              <a:t>08/02/2018</a:t>
+            <a:fld id="{9E902D1D-38E6-40C1-884A-5B6A13BB66A5}" type="datetime1">
+              <a:rPr lang="fr-FR" smtClean="0"/>
+              <a:t>24/02/2018</a:t>
             </a:fld>
             <a:endParaRPr lang="fr-FR"/>
           </a:p>
@@ -891,9 +1245,9 @@
           <a:bodyPr/>
           <a:lstStyle/>
           <a:p>
-            <a:fld id="{7DEBA3D4-C10D-4C71-B660-7820DB4B8BBA}" type="datetimeFigureOut">
-              <a:rPr lang="fr-FR" smtClean="0"/>
-              <a:t>08/02/2018</a:t>
+            <a:fld id="{E2F24817-7951-4030-A7FE-333D7C1D5674}" type="datetime1">
+              <a:rPr lang="fr-FR" smtClean="0"/>
+              <a:t>24/02/2018</a:t>
             </a:fld>
             <a:endParaRPr lang="fr-FR"/>
           </a:p>
@@ -1168,9 +1522,9 @@
           <a:bodyPr/>
           <a:lstStyle/>
           <a:p>
-            <a:fld id="{7DEBA3D4-C10D-4C71-B660-7820DB4B8BBA}" type="datetimeFigureOut">
-              <a:rPr lang="fr-FR" smtClean="0"/>
-              <a:t>08/02/2018</a:t>
+            <a:fld id="{CDD52DA3-7C8C-4416-8B26-10BEBF1FDEC4}" type="datetime1">
+              <a:rPr lang="fr-FR" smtClean="0"/>
+              <a:t>24/02/2018</a:t>
             </a:fld>
             <a:endParaRPr lang="fr-FR"/>
           </a:p>
@@ -1333,9 +1687,9 @@
           <a:bodyPr/>
           <a:lstStyle/>
           <a:p>
-            <a:fld id="{7DEBA3D4-C10D-4C71-B660-7820DB4B8BBA}" type="datetimeFigureOut">
-              <a:rPr lang="fr-FR" smtClean="0"/>
-              <a:t>08/02/2018</a:t>
+            <a:fld id="{708E9D96-6BD6-4F7F-840C-0D4A52DD244B}" type="datetime1">
+              <a:rPr lang="fr-FR" smtClean="0"/>
+              <a:t>24/02/2018</a:t>
             </a:fld>
             <a:endParaRPr lang="fr-FR"/>
           </a:p>
@@ -1514,9 +1868,9 @@
           <a:bodyPr/>
           <a:lstStyle/>
           <a:p>
-            <a:fld id="{7DEBA3D4-C10D-4C71-B660-7820DB4B8BBA}" type="datetimeFigureOut">
-              <a:rPr lang="fr-FR" smtClean="0"/>
-              <a:t>08/02/2018</a:t>
+            <a:fld id="{E48F0521-5272-4A72-B201-CF649D153963}" type="datetime1">
+              <a:rPr lang="fr-FR" smtClean="0"/>
+              <a:t>24/02/2018</a:t>
             </a:fld>
             <a:endParaRPr lang="fr-FR"/>
           </a:p>
@@ -2159,9 +2513,9 @@
           <a:bodyPr/>
           <a:lstStyle/>
           <a:p>
-            <a:fld id="{7DEBA3D4-C10D-4C71-B660-7820DB4B8BBA}" type="datetimeFigureOut">
-              <a:rPr lang="fr-FR" smtClean="0"/>
-              <a:t>08/02/2018</a:t>
+            <a:fld id="{0E2672DA-25FF-4A4D-90F3-EBA1D2F0976F}" type="datetime1">
+              <a:rPr lang="fr-FR" smtClean="0"/>
+              <a:t>24/02/2018</a:t>
             </a:fld>
             <a:endParaRPr lang="fr-FR"/>
           </a:p>
@@ -2585,9 +2939,9 @@
           <a:bodyPr/>
           <a:lstStyle/>
           <a:p>
-            <a:fld id="{7DEBA3D4-C10D-4C71-B660-7820DB4B8BBA}" type="datetimeFigureOut">
-              <a:rPr lang="fr-FR" smtClean="0"/>
-              <a:t>08/02/2018</a:t>
+            <a:fld id="{D1831EB3-608E-4485-8302-DC3899566597}" type="datetime1">
+              <a:rPr lang="fr-FR" smtClean="0"/>
+              <a:t>24/02/2018</a:t>
             </a:fld>
             <a:endParaRPr lang="fr-FR"/>
           </a:p>
@@ -2698,9 +3052,9 @@
           <a:bodyPr/>
           <a:lstStyle/>
           <a:p>
-            <a:fld id="{7DEBA3D4-C10D-4C71-B660-7820DB4B8BBA}" type="datetimeFigureOut">
-              <a:rPr lang="fr-FR" smtClean="0"/>
-              <a:t>08/02/2018</a:t>
+            <a:fld id="{4D387871-560B-46D7-AFA4-87ECD55AA231}" type="datetime1">
+              <a:rPr lang="fr-FR" smtClean="0"/>
+              <a:t>24/02/2018</a:t>
             </a:fld>
             <a:endParaRPr lang="fr-FR"/>
           </a:p>
@@ -2879,9 +3233,9 @@
           <a:bodyPr/>
           <a:lstStyle/>
           <a:p>
-            <a:fld id="{7DEBA3D4-C10D-4C71-B660-7820DB4B8BBA}" type="datetimeFigureOut">
-              <a:rPr lang="fr-FR" smtClean="0"/>
-              <a:t>08/02/2018</a:t>
+            <a:fld id="{FCAE9258-9C7A-4C47-A926-DC8FDA2ED2A6}" type="datetime1">
+              <a:rPr lang="fr-FR" smtClean="0"/>
+              <a:t>24/02/2018</a:t>
             </a:fld>
             <a:endParaRPr lang="fr-FR"/>
           </a:p>
@@ -3145,9 +3499,9 @@
           <a:bodyPr/>
           <a:lstStyle/>
           <a:p>
-            <a:fld id="{7DEBA3D4-C10D-4C71-B660-7820DB4B8BBA}" type="datetimeFigureOut">
-              <a:rPr lang="fr-FR" smtClean="0"/>
-              <a:t>08/02/2018</a:t>
+            <a:fld id="{9D99298A-6091-45EC-AED6-0F728791400B}" type="datetime1">
+              <a:rPr lang="fr-FR" smtClean="0"/>
+              <a:t>24/02/2018</a:t>
             </a:fld>
             <a:endParaRPr lang="fr-FR"/>
           </a:p>
@@ -3615,9 +3969,9 @@
           <a:bodyPr/>
           <a:lstStyle/>
           <a:p>
-            <a:fld id="{7DEBA3D4-C10D-4C71-B660-7820DB4B8BBA}" type="datetimeFigureOut">
-              <a:rPr lang="fr-FR" smtClean="0"/>
-              <a:t>08/02/2018</a:t>
+            <a:fld id="{387FA8AA-8779-49A2-B871-604041CDEF53}" type="datetime1">
+              <a:rPr lang="fr-FR" smtClean="0"/>
+              <a:t>24/02/2018</a:t>
             </a:fld>
             <a:endParaRPr lang="fr-FR"/>
           </a:p>
@@ -4175,9 +4529,9 @@
             </a:lvl1pPr>
           </a:lstStyle>
           <a:p>
-            <a:fld id="{7DEBA3D4-C10D-4C71-B660-7820DB4B8BBA}" type="datetimeFigureOut">
-              <a:rPr lang="fr-FR" smtClean="0"/>
-              <a:t>08/02/2018</a:t>
+            <a:fld id="{EFA917F1-34E7-4474-93DD-056B6C68B51D}" type="datetime1">
+              <a:rPr lang="fr-FR" smtClean="0"/>
+              <a:t>24/02/2018</a:t>
             </a:fld>
             <a:endParaRPr lang="fr-FR"/>
           </a:p>
@@ -4410,6 +4764,7 @@
     <p:sldLayoutId id="2147483670" r:id="rId10"/>
     <p:sldLayoutId id="2147483671" r:id="rId11"/>
   </p:sldLayoutIdLst>
+  <p:hf hdr="0" ftr="0" dt="0"/>
   <p:txStyles>
     <p:titleStyle>
       <a:lvl1pPr algn="ctr" defTabSz="914400" rtl="0" eaLnBrk="1" latinLnBrk="0" hangingPunct="1">
@@ -4741,20 +5096,169 @@
             <p:ph type="ctrTitle"/>
           </p:nvPr>
         </p:nvSpPr>
-        <p:spPr/>
+        <p:spPr>
+          <a:xfrm>
+            <a:off x="3491880" y="3398556"/>
+            <a:ext cx="3958249" cy="922047"/>
+          </a:xfrm>
+        </p:spPr>
         <p:txBody>
           <a:bodyPr/>
           <a:lstStyle/>
           <a:p>
             <a:r>
-              <a:rPr lang="fr-FR" dirty="0" err="1" smtClean="0"/>
-              <a:t>Ionic</a:t>
-            </a:r>
-            <a:r>
-              <a:rPr lang="fr-FR" dirty="0" smtClean="0"/>
-              <a:t> Framework</a:t>
-            </a:r>
-            <a:endParaRPr lang="fr-FR" dirty="0"/>
+              <a:rPr lang="fr-FR" sz="4800" dirty="0" smtClean="0">
+                <a:solidFill>
+                  <a:schemeClr val="accent2"/>
+                </a:solidFill>
+                <a:latin typeface="Calibri Light" panose="020F0302020204030204" pitchFamily="34" charset="0"/>
+                <a:cs typeface="Calibri Light" panose="020F0302020204030204" pitchFamily="34" charset="0"/>
+              </a:rPr>
+              <a:t>Framework</a:t>
+            </a:r>
+            <a:endParaRPr lang="fr-FR" sz="4800" dirty="0">
+              <a:solidFill>
+                <a:schemeClr val="accent2"/>
+              </a:solidFill>
+              <a:latin typeface="Calibri Light" panose="020F0302020204030204" pitchFamily="34" charset="0"/>
+              <a:cs typeface="Calibri Light" panose="020F0302020204030204" pitchFamily="34" charset="0"/>
+            </a:endParaRPr>
+          </a:p>
+        </p:txBody>
+      </p:sp>
+      <p:pic>
+        <p:nvPicPr>
+          <p:cNvPr id="4" name="Image 3"/>
+          <p:cNvPicPr>
+            <a:picLocks noChangeAspect="1"/>
+          </p:cNvPicPr>
+          <p:nvPr/>
+        </p:nvPicPr>
+        <p:blipFill>
+          <a:blip r:embed="rId2" cstate="print">
+            <a:extLst>
+              <a:ext uri="{28A0092B-C50C-407E-A947-70E740481C1C}">
+                <a14:useLocalDpi xmlns:a14="http://schemas.microsoft.com/office/drawing/2010/main" val="0"/>
+              </a:ext>
+            </a:extLst>
+          </a:blip>
+          <a:stretch>
+            <a:fillRect/>
+          </a:stretch>
+        </p:blipFill>
+        <p:spPr>
+          <a:xfrm>
+            <a:off x="683568" y="3356992"/>
+            <a:ext cx="2952328" cy="1025934"/>
+          </a:xfrm>
+          <a:prstGeom prst="rect">
+            <a:avLst/>
+          </a:prstGeom>
+        </p:spPr>
+      </p:pic>
+      <p:sp>
+        <p:nvSpPr>
+          <p:cNvPr id="5" name="ZoneTexte 4"/>
+          <p:cNvSpPr txBox="1"/>
+          <p:nvPr/>
+        </p:nvSpPr>
+        <p:spPr>
+          <a:xfrm>
+            <a:off x="2009978" y="1253512"/>
+            <a:ext cx="4875950" cy="923330"/>
+          </a:xfrm>
+          <a:prstGeom prst="rect">
+            <a:avLst/>
+          </a:prstGeom>
+          <a:noFill/>
+        </p:spPr>
+        <p:txBody>
+          <a:bodyPr wrap="none" rtlCol="0">
+            <a:spAutoFit/>
+          </a:bodyPr>
+          <a:lstStyle/>
+          <a:p>
+            <a:pPr algn="ctr"/>
+            <a:r>
+              <a:rPr lang="en-US" dirty="0" smtClean="0">
+                <a:solidFill>
+                  <a:schemeClr val="tx2"/>
+                </a:solidFill>
+                <a:latin typeface="Calibri Light" panose="020F0302020204030204" pitchFamily="34" charset="0"/>
+                <a:cs typeface="Calibri Light" panose="020F0302020204030204" pitchFamily="34" charset="0"/>
+              </a:rPr>
+              <a:t>“Know </a:t>
+            </a:r>
+            <a:r>
+              <a:rPr lang="en-US" dirty="0">
+                <a:solidFill>
+                  <a:schemeClr val="tx2"/>
+                </a:solidFill>
+                <a:latin typeface="Calibri Light" panose="020F0302020204030204" pitchFamily="34" charset="0"/>
+                <a:cs typeface="Calibri Light" panose="020F0302020204030204" pitchFamily="34" charset="0"/>
+              </a:rPr>
+              <a:t>how to build </a:t>
+            </a:r>
+            <a:r>
+              <a:rPr lang="en-US" dirty="0" smtClean="0">
+                <a:solidFill>
+                  <a:schemeClr val="tx2"/>
+                </a:solidFill>
+                <a:latin typeface="Calibri Light" panose="020F0302020204030204" pitchFamily="34" charset="0"/>
+                <a:cs typeface="Calibri Light" panose="020F0302020204030204" pitchFamily="34" charset="0"/>
+              </a:rPr>
+              <a:t>websites?</a:t>
+            </a:r>
+          </a:p>
+          <a:p>
+            <a:pPr algn="ctr"/>
+            <a:r>
+              <a:rPr lang="en-US" dirty="0" smtClean="0">
+                <a:solidFill>
+                  <a:schemeClr val="tx2"/>
+                </a:solidFill>
+                <a:latin typeface="Calibri Light" panose="020F0302020204030204" pitchFamily="34" charset="0"/>
+                <a:cs typeface="Calibri Light" panose="020F0302020204030204" pitchFamily="34" charset="0"/>
+              </a:rPr>
+              <a:t>Then </a:t>
+            </a:r>
+            <a:r>
+              <a:rPr lang="en-US" dirty="0">
+                <a:solidFill>
+                  <a:schemeClr val="tx2"/>
+                </a:solidFill>
+                <a:latin typeface="Calibri Light" panose="020F0302020204030204" pitchFamily="34" charset="0"/>
+                <a:cs typeface="Calibri Light" panose="020F0302020204030204" pitchFamily="34" charset="0"/>
+              </a:rPr>
+              <a:t>you already know how to build mobile apps</a:t>
+            </a:r>
+            <a:r>
+              <a:rPr lang="en-US" dirty="0" smtClean="0">
+                <a:solidFill>
+                  <a:schemeClr val="tx2"/>
+                </a:solidFill>
+                <a:latin typeface="Calibri Light" panose="020F0302020204030204" pitchFamily="34" charset="0"/>
+                <a:cs typeface="Calibri Light" panose="020F0302020204030204" pitchFamily="34" charset="0"/>
+              </a:rPr>
+              <a:t>.”</a:t>
+            </a:r>
+            <a:endParaRPr lang="en-US" dirty="0">
+              <a:solidFill>
+                <a:schemeClr val="tx2"/>
+              </a:solidFill>
+              <a:latin typeface="Calibri Light" panose="020F0302020204030204" pitchFamily="34" charset="0"/>
+              <a:cs typeface="Calibri Light" panose="020F0302020204030204" pitchFamily="34" charset="0"/>
+            </a:endParaRPr>
+          </a:p>
+          <a:p>
+            <a:pPr algn="ctr"/>
+            <a:endParaRPr lang="fr-FR" dirty="0">
+              <a:solidFill>
+                <a:schemeClr val="tx2"/>
+              </a:solidFill>
+              <a:latin typeface="Calibri Light" panose="020F0302020204030204" pitchFamily="34" charset="0"/>
+              <a:cs typeface="Calibri Light" panose="020F0302020204030204" pitchFamily="34" charset="0"/>
+            </a:endParaRPr>
           </a:p>
         </p:txBody>
       </p:sp>
@@ -4768,6 +5272,143 @@
   <p:clrMapOvr>
     <a:masterClrMapping/>
   </p:clrMapOvr>
+  <p:timing>
+    <p:tnLst>
+      <p:par>
+        <p:cTn id="1" dur="indefinite" restart="never" nodeType="tmRoot"/>
+      </p:par>
+    </p:tnLst>
+  </p:timing>
+</p:sld>
+</file>
+
+<file path=ppt/slides/slide10.xml><?xml version="1.0" encoding="utf-8"?>
+<p:sld xmlns:a="http://schemas.openxmlformats.org/drawingml/2006/main" xmlns:r="http://schemas.openxmlformats.org/officeDocument/2006/relationships" xmlns:p="http://schemas.openxmlformats.org/presentationml/2006/main">
+  <p:cSld>
+    <p:spTree>
+      <p:nvGrpSpPr>
+        <p:cNvPr id="1" name=""/>
+        <p:cNvGrpSpPr/>
+        <p:nvPr/>
+      </p:nvGrpSpPr>
+      <p:grpSpPr>
+        <a:xfrm>
+          <a:off x="0" y="0"/>
+          <a:ext cx="0" cy="0"/>
+          <a:chOff x="0" y="0"/>
+          <a:chExt cx="0" cy="0"/>
+        </a:xfrm>
+      </p:grpSpPr>
+      <p:sp>
+        <p:nvSpPr>
+          <p:cNvPr id="2" name="Titre 1"/>
+          <p:cNvSpPr>
+            <a:spLocks noGrp="1"/>
+          </p:cNvSpPr>
+          <p:nvPr>
+            <p:ph type="title"/>
+          </p:nvPr>
+        </p:nvSpPr>
+        <p:spPr/>
+        <p:txBody>
+          <a:bodyPr>
+            <a:normAutofit/>
+          </a:bodyPr>
+          <a:lstStyle/>
+          <a:p>
+            <a:r>
+              <a:rPr lang="fr-FR" dirty="0" smtClean="0">
+                <a:solidFill>
+                  <a:schemeClr val="accent2"/>
+                </a:solidFill>
+                <a:latin typeface="Calibri Light" panose="020F0302020204030204" pitchFamily="34" charset="0"/>
+                <a:cs typeface="Calibri Light" panose="020F0302020204030204" pitchFamily="34" charset="0"/>
+              </a:rPr>
+              <a:t>Live </a:t>
+            </a:r>
+            <a:r>
+              <a:rPr lang="fr-FR" dirty="0" err="1" smtClean="0">
+                <a:solidFill>
+                  <a:schemeClr val="accent2"/>
+                </a:solidFill>
+                <a:latin typeface="Calibri Light" panose="020F0302020204030204" pitchFamily="34" charset="0"/>
+                <a:cs typeface="Calibri Light" panose="020F0302020204030204" pitchFamily="34" charset="0"/>
+              </a:rPr>
+              <a:t>Coding</a:t>
+            </a:r>
+            <a:endParaRPr lang="fr-FR" dirty="0">
+              <a:solidFill>
+                <a:schemeClr val="accent2"/>
+              </a:solidFill>
+              <a:latin typeface="Calibri Light" panose="020F0302020204030204" pitchFamily="34" charset="0"/>
+              <a:cs typeface="Calibri Light" panose="020F0302020204030204" pitchFamily="34" charset="0"/>
+            </a:endParaRPr>
+          </a:p>
+        </p:txBody>
+      </p:sp>
+      <p:sp>
+        <p:nvSpPr>
+          <p:cNvPr id="3" name="Espace réservé du contenu 2"/>
+          <p:cNvSpPr>
+            <a:spLocks noGrp="1"/>
+          </p:cNvSpPr>
+          <p:nvPr>
+            <p:ph idx="1"/>
+          </p:nvPr>
+        </p:nvSpPr>
+        <p:spPr/>
+        <p:txBody>
+          <a:bodyPr/>
+          <a:lstStyle/>
+          <a:p>
+            <a:pPr algn="just"/>
+            <a:endParaRPr lang="fr-FR" dirty="0">
+              <a:latin typeface="Calibri Light" panose="020F0302020204030204" pitchFamily="34" charset="0"/>
+              <a:cs typeface="Calibri Light" panose="020F0302020204030204" pitchFamily="34" charset="0"/>
+            </a:endParaRPr>
+          </a:p>
+        </p:txBody>
+      </p:sp>
+      <p:sp>
+        <p:nvSpPr>
+          <p:cNvPr id="4" name="Espace réservé du numéro de diapositive 3"/>
+          <p:cNvSpPr>
+            <a:spLocks noGrp="1"/>
+          </p:cNvSpPr>
+          <p:nvPr>
+            <p:ph type="sldNum" sz="quarter" idx="12"/>
+          </p:nvPr>
+        </p:nvSpPr>
+        <p:spPr/>
+        <p:txBody>
+          <a:bodyPr/>
+          <a:lstStyle/>
+          <a:p>
+            <a:fld id="{581CF3FB-12BE-4619-8F61-AE4297B873D3}" type="slidenum">
+              <a:rPr lang="fr-FR" smtClean="0"/>
+              <a:t>10</a:t>
+            </a:fld>
+            <a:endParaRPr lang="fr-FR"/>
+          </a:p>
+        </p:txBody>
+      </p:sp>
+    </p:spTree>
+    <p:extLst>
+      <p:ext uri="{BB962C8B-B14F-4D97-AF65-F5344CB8AC3E}">
+        <p14:creationId xmlns:p14="http://schemas.microsoft.com/office/powerpoint/2010/main" val="167097768"/>
+      </p:ext>
+    </p:extLst>
+  </p:cSld>
+  <p:clrMapOvr>
+    <a:masterClrMapping/>
+  </p:clrMapOvr>
+  <p:timing>
+    <p:tnLst>
+      <p:par>
+        <p:cTn id="1" dur="indefinite" restart="never" nodeType="tmRoot"/>
+      </p:par>
+    </p:tnLst>
+  </p:timing>
 </p:sld>
 </file>
 
@@ -4804,10 +5445,22 @@
           <a:lstStyle/>
           <a:p>
             <a:r>
-              <a:rPr lang="fr-FR" dirty="0" smtClean="0"/>
+              <a:rPr lang="fr-FR" dirty="0" smtClean="0">
+                <a:solidFill>
+                  <a:schemeClr val="accent2"/>
+                </a:solidFill>
+                <a:latin typeface="Calibri Light" panose="020F0302020204030204" pitchFamily="34" charset="0"/>
+                <a:cs typeface="Calibri Light" panose="020F0302020204030204" pitchFamily="34" charset="0"/>
+              </a:rPr>
               <a:t>Généralités</a:t>
             </a:r>
-            <a:endParaRPr lang="fr-FR" dirty="0"/>
+            <a:endParaRPr lang="fr-FR" dirty="0">
+              <a:solidFill>
+                <a:schemeClr val="accent2"/>
+              </a:solidFill>
+              <a:latin typeface="Calibri Light" panose="020F0302020204030204" pitchFamily="34" charset="0"/>
+              <a:cs typeface="Calibri Light" panose="020F0302020204030204" pitchFamily="34" charset="0"/>
+            </a:endParaRPr>
           </a:p>
         </p:txBody>
       </p:sp>
@@ -4874,7 +5527,52 @@
                 <a:latin typeface="Calibri Light" panose="020F0302020204030204" pitchFamily="34" charset="0"/>
                 <a:cs typeface="Calibri Light" panose="020F0302020204030204" pitchFamily="34" charset="0"/>
               </a:rPr>
-              <a:t>Applications mobiles hybrides | Technologies Web</a:t>
+              <a:t>Applications mobiles hybrides | Technologies </a:t>
+            </a:r>
+            <a:r>
+              <a:rPr lang="fr-FR" dirty="0" smtClean="0">
+                <a:latin typeface="Calibri Light" panose="020F0302020204030204" pitchFamily="34" charset="0"/>
+                <a:cs typeface="Calibri Light" panose="020F0302020204030204" pitchFamily="34" charset="0"/>
+              </a:rPr>
+              <a:t>Web</a:t>
+            </a:r>
+          </a:p>
+          <a:p>
+            <a:pPr algn="just"/>
+            <a:r>
+              <a:rPr lang="fr-FR" dirty="0" smtClean="0">
+                <a:latin typeface="Calibri Light" panose="020F0302020204030204" pitchFamily="34" charset="0"/>
+                <a:cs typeface="Calibri Light" panose="020F0302020204030204" pitchFamily="34" charset="0"/>
+              </a:rPr>
+              <a:t>« Write once. </a:t>
+            </a:r>
+            <a:r>
+              <a:rPr lang="fr-FR" dirty="0" err="1" smtClean="0">
+                <a:latin typeface="Calibri Light" panose="020F0302020204030204" pitchFamily="34" charset="0"/>
+                <a:cs typeface="Calibri Light" panose="020F0302020204030204" pitchFamily="34" charset="0"/>
+              </a:rPr>
+              <a:t>Deploy</a:t>
+            </a:r>
+            <a:r>
+              <a:rPr lang="fr-FR" dirty="0" smtClean="0">
+                <a:latin typeface="Calibri Light" panose="020F0302020204030204" pitchFamily="34" charset="0"/>
+                <a:cs typeface="Calibri Light" panose="020F0302020204030204" pitchFamily="34" charset="0"/>
+              </a:rPr>
+              <a:t> </a:t>
+            </a:r>
+            <a:r>
+              <a:rPr lang="fr-FR" dirty="0" err="1" smtClean="0">
+                <a:latin typeface="Calibri Light" panose="020F0302020204030204" pitchFamily="34" charset="0"/>
+                <a:cs typeface="Calibri Light" panose="020F0302020204030204" pitchFamily="34" charset="0"/>
+              </a:rPr>
+              <a:t>anywhere</a:t>
+            </a:r>
+            <a:r>
+              <a:rPr lang="fr-FR" dirty="0" smtClean="0">
+                <a:latin typeface="Calibri Light" panose="020F0302020204030204" pitchFamily="34" charset="0"/>
+                <a:cs typeface="Calibri Light" panose="020F0302020204030204" pitchFamily="34" charset="0"/>
+              </a:rPr>
+              <a:t>. »</a:t>
             </a:r>
             <a:endParaRPr lang="fr-FR" dirty="0">
               <a:latin typeface="Calibri Light" panose="020F0302020204030204" pitchFamily="34" charset="0"/>
@@ -4913,6 +5611,29 @@
           </a:prstGeom>
         </p:spPr>
       </p:pic>
+      <p:sp>
+        <p:nvSpPr>
+          <p:cNvPr id="5" name="Espace réservé du numéro de diapositive 4"/>
+          <p:cNvSpPr>
+            <a:spLocks noGrp="1"/>
+          </p:cNvSpPr>
+          <p:nvPr>
+            <p:ph type="sldNum" sz="quarter" idx="12"/>
+          </p:nvPr>
+        </p:nvSpPr>
+        <p:spPr/>
+        <p:txBody>
+          <a:bodyPr/>
+          <a:lstStyle/>
+          <a:p>
+            <a:fld id="{581CF3FB-12BE-4619-8F61-AE4297B873D3}" type="slidenum">
+              <a:rPr lang="fr-FR" smtClean="0"/>
+              <a:t>2</a:t>
+            </a:fld>
+            <a:endParaRPr lang="fr-FR" dirty="0"/>
+          </a:p>
+        </p:txBody>
+      </p:sp>
     </p:spTree>
     <p:extLst>
       <p:ext uri="{BB962C8B-B14F-4D97-AF65-F5344CB8AC3E}">
@@ -4923,6 +5644,13 @@
   <p:clrMapOvr>
     <a:masterClrMapping/>
   </p:clrMapOvr>
+  <p:timing>
+    <p:tnLst>
+      <p:par>
+        <p:cTn id="1" dur="indefinite" restart="never" nodeType="tmRoot"/>
+      </p:par>
+    </p:tnLst>
+  </p:timing>
 </p:sld>
 </file>
 
@@ -4959,10 +5687,22 @@
           <a:lstStyle/>
           <a:p>
             <a:r>
-              <a:rPr lang="fr-FR" dirty="0" smtClean="0"/>
+              <a:rPr lang="fr-FR" dirty="0" smtClean="0">
+                <a:solidFill>
+                  <a:schemeClr val="accent2"/>
+                </a:solidFill>
+                <a:latin typeface="Calibri Light" panose="020F0302020204030204" pitchFamily="34" charset="0"/>
+                <a:cs typeface="Calibri Light" panose="020F0302020204030204" pitchFamily="34" charset="0"/>
+              </a:rPr>
               <a:t>Fonctionnement (1)</a:t>
             </a:r>
-            <a:endParaRPr lang="fr-FR" dirty="0"/>
+            <a:endParaRPr lang="fr-FR" dirty="0">
+              <a:solidFill>
+                <a:schemeClr val="accent2"/>
+              </a:solidFill>
+              <a:latin typeface="Calibri Light" panose="020F0302020204030204" pitchFamily="34" charset="0"/>
+              <a:cs typeface="Calibri Light" panose="020F0302020204030204" pitchFamily="34" charset="0"/>
+            </a:endParaRPr>
           </a:p>
         </p:txBody>
       </p:sp>
@@ -5081,6 +5821,29 @@
               <a:latin typeface="Calibri Light" panose="020F0302020204030204" pitchFamily="34" charset="0"/>
               <a:cs typeface="Calibri Light" panose="020F0302020204030204" pitchFamily="34" charset="0"/>
             </a:endParaRPr>
+          </a:p>
+        </p:txBody>
+      </p:sp>
+      <p:sp>
+        <p:nvSpPr>
+          <p:cNvPr id="4" name="Espace réservé du numéro de diapositive 3"/>
+          <p:cNvSpPr>
+            <a:spLocks noGrp="1"/>
+          </p:cNvSpPr>
+          <p:nvPr>
+            <p:ph type="sldNum" sz="quarter" idx="12"/>
+          </p:nvPr>
+        </p:nvSpPr>
+        <p:spPr/>
+        <p:txBody>
+          <a:bodyPr/>
+          <a:lstStyle/>
+          <a:p>
+            <a:fld id="{581CF3FB-12BE-4619-8F61-AE4297B873D3}" type="slidenum">
+              <a:rPr lang="fr-FR" smtClean="0"/>
+              <a:t>3</a:t>
+            </a:fld>
+            <a:endParaRPr lang="fr-FR" dirty="0"/>
           </a:p>
         </p:txBody>
       </p:sp>
@@ -5094,6 +5857,13 @@
   <p:clrMapOvr>
     <a:masterClrMapping/>
   </p:clrMapOvr>
+  <p:timing>
+    <p:tnLst>
+      <p:par>
+        <p:cTn id="1" dur="indefinite" restart="never" nodeType="tmRoot"/>
+      </p:par>
+    </p:tnLst>
+  </p:timing>
 </p:sld>
 </file>
 
@@ -5130,10 +5900,22 @@
           <a:lstStyle/>
           <a:p>
             <a:r>
-              <a:rPr lang="fr-FR" dirty="0" smtClean="0"/>
+              <a:rPr lang="fr-FR" dirty="0" smtClean="0">
+                <a:solidFill>
+                  <a:schemeClr val="accent2"/>
+                </a:solidFill>
+                <a:latin typeface="Calibri Light" panose="020F0302020204030204" pitchFamily="34" charset="0"/>
+                <a:cs typeface="Calibri Light" panose="020F0302020204030204" pitchFamily="34" charset="0"/>
+              </a:rPr>
               <a:t>Fonctionnement (2)</a:t>
             </a:r>
-            <a:endParaRPr lang="fr-FR" dirty="0"/>
+            <a:endParaRPr lang="fr-FR" dirty="0">
+              <a:solidFill>
+                <a:schemeClr val="accent2"/>
+              </a:solidFill>
+              <a:latin typeface="Calibri Light" panose="020F0302020204030204" pitchFamily="34" charset="0"/>
+              <a:cs typeface="Calibri Light" panose="020F0302020204030204" pitchFamily="34" charset="0"/>
+            </a:endParaRPr>
           </a:p>
         </p:txBody>
       </p:sp>
@@ -5187,6 +5969,29 @@
           </a:effectLst>
         </p:spPr>
       </p:pic>
+      <p:sp>
+        <p:nvSpPr>
+          <p:cNvPr id="3" name="Espace réservé du numéro de diapositive 2"/>
+          <p:cNvSpPr>
+            <a:spLocks noGrp="1"/>
+          </p:cNvSpPr>
+          <p:nvPr>
+            <p:ph type="sldNum" sz="quarter" idx="12"/>
+          </p:nvPr>
+        </p:nvSpPr>
+        <p:spPr/>
+        <p:txBody>
+          <a:bodyPr/>
+          <a:lstStyle/>
+          <a:p>
+            <a:fld id="{581CF3FB-12BE-4619-8F61-AE4297B873D3}" type="slidenum">
+              <a:rPr lang="fr-FR" smtClean="0"/>
+              <a:t>4</a:t>
+            </a:fld>
+            <a:endParaRPr lang="fr-FR"/>
+          </a:p>
+        </p:txBody>
+      </p:sp>
     </p:spTree>
     <p:extLst>
       <p:ext uri="{BB962C8B-B14F-4D97-AF65-F5344CB8AC3E}">
@@ -5197,6 +6002,13 @@
   <p:clrMapOvr>
     <a:masterClrMapping/>
   </p:clrMapOvr>
+  <p:timing>
+    <p:tnLst>
+      <p:par>
+        <p:cTn id="1" dur="indefinite" restart="never" nodeType="tmRoot"/>
+      </p:par>
+    </p:tnLst>
+  </p:timing>
 </p:sld>
 </file>
 
@@ -5233,10 +6045,22 @@
           <a:lstStyle/>
           <a:p>
             <a:r>
-              <a:rPr lang="fr-FR" dirty="0" smtClean="0"/>
+              <a:rPr lang="fr-FR" dirty="0" smtClean="0">
+                <a:solidFill>
+                  <a:schemeClr val="accent2"/>
+                </a:solidFill>
+                <a:latin typeface="Calibri Light" panose="020F0302020204030204" pitchFamily="34" charset="0"/>
+                <a:cs typeface="Calibri Light" panose="020F0302020204030204" pitchFamily="34" charset="0"/>
+              </a:rPr>
               <a:t>Côté interface graphique</a:t>
             </a:r>
-            <a:endParaRPr lang="fr-FR" dirty="0"/>
+            <a:endParaRPr lang="fr-FR" dirty="0">
+              <a:solidFill>
+                <a:schemeClr val="accent2"/>
+              </a:solidFill>
+              <a:latin typeface="Calibri Light" panose="020F0302020204030204" pitchFamily="34" charset="0"/>
+              <a:cs typeface="Calibri Light" panose="020F0302020204030204" pitchFamily="34" charset="0"/>
+            </a:endParaRPr>
           </a:p>
         </p:txBody>
       </p:sp>
@@ -5399,6 +6223,29 @@
           </a:sp3d>
         </p:spPr>
       </p:pic>
+      <p:sp>
+        <p:nvSpPr>
+          <p:cNvPr id="4" name="Espace réservé du numéro de diapositive 3"/>
+          <p:cNvSpPr>
+            <a:spLocks noGrp="1"/>
+          </p:cNvSpPr>
+          <p:nvPr>
+            <p:ph type="sldNum" sz="quarter" idx="12"/>
+          </p:nvPr>
+        </p:nvSpPr>
+        <p:spPr/>
+        <p:txBody>
+          <a:bodyPr/>
+          <a:lstStyle/>
+          <a:p>
+            <a:fld id="{581CF3FB-12BE-4619-8F61-AE4297B873D3}" type="slidenum">
+              <a:rPr lang="fr-FR" smtClean="0"/>
+              <a:t>5</a:t>
+            </a:fld>
+            <a:endParaRPr lang="fr-FR"/>
+          </a:p>
+        </p:txBody>
+      </p:sp>
     </p:spTree>
     <p:extLst>
       <p:ext uri="{BB962C8B-B14F-4D97-AF65-F5344CB8AC3E}">
@@ -5409,6 +6256,13 @@
   <p:clrMapOvr>
     <a:masterClrMapping/>
   </p:clrMapOvr>
+  <p:timing>
+    <p:tnLst>
+      <p:par>
+        <p:cTn id="1" dur="indefinite" restart="never" nodeType="tmRoot"/>
+      </p:par>
+    </p:tnLst>
+  </p:timing>
 </p:sld>
 </file>
 
@@ -5445,10 +6299,22 @@
           <a:lstStyle/>
           <a:p>
             <a:r>
-              <a:rPr lang="fr-FR" dirty="0" smtClean="0"/>
+              <a:rPr lang="fr-FR" dirty="0" smtClean="0">
+                <a:solidFill>
+                  <a:schemeClr val="accent2"/>
+                </a:solidFill>
+                <a:latin typeface="Calibri Light" panose="020F0302020204030204" pitchFamily="34" charset="0"/>
+                <a:cs typeface="Calibri Light" panose="020F0302020204030204" pitchFamily="34" charset="0"/>
+              </a:rPr>
               <a:t>Côté Back-End</a:t>
             </a:r>
-            <a:endParaRPr lang="fr-FR" dirty="0"/>
+            <a:endParaRPr lang="fr-FR" dirty="0">
+              <a:solidFill>
+                <a:schemeClr val="accent2"/>
+              </a:solidFill>
+              <a:latin typeface="Calibri Light" panose="020F0302020204030204" pitchFamily="34" charset="0"/>
+              <a:cs typeface="Calibri Light" panose="020F0302020204030204" pitchFamily="34" charset="0"/>
+            </a:endParaRPr>
           </a:p>
         </p:txBody>
       </p:sp>
@@ -5523,6 +6389,29 @@
               <a:latin typeface="Calibri Light" panose="020F0302020204030204" pitchFamily="34" charset="0"/>
               <a:cs typeface="Calibri Light" panose="020F0302020204030204" pitchFamily="34" charset="0"/>
             </a:endParaRPr>
+          </a:p>
+        </p:txBody>
+      </p:sp>
+      <p:sp>
+        <p:nvSpPr>
+          <p:cNvPr id="4" name="Espace réservé du numéro de diapositive 3"/>
+          <p:cNvSpPr>
+            <a:spLocks noGrp="1"/>
+          </p:cNvSpPr>
+          <p:nvPr>
+            <p:ph type="sldNum" sz="quarter" idx="12"/>
+          </p:nvPr>
+        </p:nvSpPr>
+        <p:spPr/>
+        <p:txBody>
+          <a:bodyPr/>
+          <a:lstStyle/>
+          <a:p>
+            <a:fld id="{581CF3FB-12BE-4619-8F61-AE4297B873D3}" type="slidenum">
+              <a:rPr lang="fr-FR" smtClean="0"/>
+              <a:t>6</a:t>
+            </a:fld>
+            <a:endParaRPr lang="fr-FR"/>
           </a:p>
         </p:txBody>
       </p:sp>
@@ -5536,6 +6425,13 @@
   <p:clrMapOvr>
     <a:masterClrMapping/>
   </p:clrMapOvr>
+  <p:timing>
+    <p:tnLst>
+      <p:par>
+        <p:cTn id="1" dur="indefinite" restart="never" nodeType="tmRoot"/>
+      </p:par>
+    </p:tnLst>
+  </p:timing>
 </p:sld>
 </file>
 
@@ -5572,14 +6468,32 @@
           <a:lstStyle/>
           <a:p>
             <a:r>
-              <a:rPr lang="fr-FR" dirty="0" smtClean="0"/>
+              <a:rPr lang="fr-FR" dirty="0" smtClean="0">
+                <a:solidFill>
+                  <a:schemeClr val="accent2"/>
+                </a:solidFill>
+                <a:latin typeface="Calibri Light" panose="020F0302020204030204" pitchFamily="34" charset="0"/>
+                <a:cs typeface="Calibri Light" panose="020F0302020204030204" pitchFamily="34" charset="0"/>
+              </a:rPr>
               <a:t>Services </a:t>
             </a:r>
             <a:r>
-              <a:rPr lang="fr-FR" dirty="0" err="1" smtClean="0"/>
+              <a:rPr lang="fr-FR" dirty="0" err="1" smtClean="0">
+                <a:solidFill>
+                  <a:schemeClr val="accent2"/>
+                </a:solidFill>
+                <a:latin typeface="Calibri Light" panose="020F0302020204030204" pitchFamily="34" charset="0"/>
+                <a:cs typeface="Calibri Light" panose="020F0302020204030204" pitchFamily="34" charset="0"/>
+              </a:rPr>
               <a:t>Ionic</a:t>
             </a:r>
-            <a:endParaRPr lang="fr-FR" dirty="0"/>
+            <a:endParaRPr lang="fr-FR" dirty="0">
+              <a:solidFill>
+                <a:schemeClr val="accent2"/>
+              </a:solidFill>
+              <a:latin typeface="Calibri Light" panose="020F0302020204030204" pitchFamily="34" charset="0"/>
+              <a:cs typeface="Calibri Light" panose="020F0302020204030204" pitchFamily="34" charset="0"/>
+            </a:endParaRPr>
           </a:p>
         </p:txBody>
       </p:sp>
@@ -5824,6 +6738,29 @@
               <a:latin typeface="Calibri Light" panose="020F0302020204030204" pitchFamily="34" charset="0"/>
               <a:cs typeface="Calibri Light" panose="020F0302020204030204" pitchFamily="34" charset="0"/>
             </a:endParaRPr>
+          </a:p>
+        </p:txBody>
+      </p:sp>
+      <p:sp>
+        <p:nvSpPr>
+          <p:cNvPr id="4" name="Espace réservé du numéro de diapositive 3"/>
+          <p:cNvSpPr>
+            <a:spLocks noGrp="1"/>
+          </p:cNvSpPr>
+          <p:nvPr>
+            <p:ph type="sldNum" sz="quarter" idx="12"/>
+          </p:nvPr>
+        </p:nvSpPr>
+        <p:spPr/>
+        <p:txBody>
+          <a:bodyPr/>
+          <a:lstStyle/>
+          <a:p>
+            <a:fld id="{581CF3FB-12BE-4619-8F61-AE4297B873D3}" type="slidenum">
+              <a:rPr lang="fr-FR" smtClean="0"/>
+              <a:t>7</a:t>
+            </a:fld>
+            <a:endParaRPr lang="fr-FR"/>
           </a:p>
         </p:txBody>
       </p:sp>
@@ -5837,6 +6774,13 @@
   <p:clrMapOvr>
     <a:masterClrMapping/>
   </p:clrMapOvr>
+  <p:timing>
+    <p:tnLst>
+      <p:par>
+        <p:cTn id="1" dur="indefinite" restart="never" nodeType="tmRoot"/>
+      </p:par>
+    </p:tnLst>
+  </p:timing>
 </p:sld>
 </file>
 
@@ -5870,99 +6814,107 @@
         <p:spPr/>
         <p:txBody>
           <a:bodyPr>
-            <a:normAutofit fontScale="90000"/>
+            <a:normAutofit/>
           </a:bodyPr>
           <a:lstStyle/>
           <a:p>
-            <a:r>
-              <a:rPr lang="fr-FR" dirty="0" smtClean="0"/>
-              <a:t>Applications hybrides : Avantages</a:t>
-            </a:r>
-            <a:endParaRPr lang="fr-FR" dirty="0"/>
-          </a:p>
-        </p:txBody>
-      </p:sp>
-      <p:sp>
-        <p:nvSpPr>
-          <p:cNvPr id="3" name="Espace réservé du contenu 2"/>
-          <p:cNvSpPr>
-            <a:spLocks noGrp="1"/>
-          </p:cNvSpPr>
-          <p:nvPr>
-            <p:ph idx="1"/>
-          </p:nvPr>
-        </p:nvSpPr>
-        <p:spPr/>
-        <p:txBody>
-          <a:bodyPr/>
-          <a:lstStyle/>
-          <a:p>
-            <a:pPr algn="just"/>
             <a:r>
               <a:rPr lang="fr-FR" dirty="0" smtClean="0">
                 <a:solidFill>
-                  <a:srgbClr val="FF0000"/>
+                  <a:schemeClr val="accent2"/>
                 </a:solidFill>
                 <a:latin typeface="Calibri Light" panose="020F0302020204030204" pitchFamily="34" charset="0"/>
                 <a:cs typeface="Calibri Light" panose="020F0302020204030204" pitchFamily="34" charset="0"/>
               </a:rPr>
-              <a:t>/!\</a:t>
-            </a:r>
-            <a:r>
-              <a:rPr lang="fr-FR" dirty="0" smtClean="0">
-                <a:latin typeface="Calibri Light" panose="020F0302020204030204" pitchFamily="34" charset="0"/>
-                <a:cs typeface="Calibri Light" panose="020F0302020204030204" pitchFamily="34" charset="0"/>
-              </a:rPr>
-              <a:t> Applications natives générées ≠ Applications hybrides</a:t>
-            </a:r>
-          </a:p>
-          <a:p>
-            <a:pPr algn="just"/>
-            <a:r>
-              <a:rPr lang="fr-FR" dirty="0" err="1" smtClean="0">
-                <a:latin typeface="Calibri Light" panose="020F0302020204030204" pitchFamily="34" charset="0"/>
-                <a:cs typeface="Calibri Light" panose="020F0302020204030204" pitchFamily="34" charset="0"/>
-              </a:rPr>
-              <a:t>Ionic</a:t>
-            </a:r>
-            <a:r>
-              <a:rPr lang="fr-FR" dirty="0" smtClean="0">
-                <a:latin typeface="Calibri Light" panose="020F0302020204030204" pitchFamily="34" charset="0"/>
-                <a:cs typeface="Calibri Light" panose="020F0302020204030204" pitchFamily="34" charset="0"/>
-              </a:rPr>
-              <a:t> = applications hybrides</a:t>
-            </a:r>
-          </a:p>
-          <a:p>
-            <a:pPr algn="just"/>
-            <a:r>
-              <a:rPr lang="fr-FR" dirty="0" smtClean="0">
-                <a:latin typeface="Calibri Light" panose="020F0302020204030204" pitchFamily="34" charset="0"/>
-                <a:cs typeface="Calibri Light" panose="020F0302020204030204" pitchFamily="34" charset="0"/>
-              </a:rPr>
-              <a:t>Plus faciles et rapides à développer que les applications natives</a:t>
-            </a:r>
-          </a:p>
-          <a:p>
-            <a:pPr algn="just"/>
-            <a:r>
-              <a:rPr lang="fr-FR" dirty="0" smtClean="0">
-                <a:latin typeface="Calibri Light" panose="020F0302020204030204" pitchFamily="34" charset="0"/>
-                <a:cs typeface="Calibri Light" panose="020F0302020204030204" pitchFamily="34" charset="0"/>
-              </a:rPr>
-              <a:t>Moins chères </a:t>
-            </a:r>
-            <a:r>
-              <a:rPr lang="fr-FR" smtClean="0">
-                <a:latin typeface="Calibri Light" panose="020F0302020204030204" pitchFamily="34" charset="0"/>
-                <a:cs typeface="Calibri Light" panose="020F0302020204030204" pitchFamily="34" charset="0"/>
-              </a:rPr>
-              <a:t>à développer</a:t>
-            </a:r>
-            <a:endParaRPr lang="fr-FR" dirty="0" smtClean="0">
+              <a:t>Applications hybrides : Avantages</a:t>
+            </a:r>
+            <a:endParaRPr lang="fr-FR" dirty="0">
+              <a:solidFill>
+                <a:schemeClr val="accent2"/>
+              </a:solidFill>
               <a:latin typeface="Calibri Light" panose="020F0302020204030204" pitchFamily="34" charset="0"/>
               <a:cs typeface="Calibri Light" panose="020F0302020204030204" pitchFamily="34" charset="0"/>
             </a:endParaRPr>
+          </a:p>
+        </p:txBody>
+      </p:sp>
+      <p:sp>
+        <p:nvSpPr>
+          <p:cNvPr id="3" name="Espace réservé du contenu 2"/>
+          <p:cNvSpPr>
+            <a:spLocks noGrp="1"/>
+          </p:cNvSpPr>
+          <p:nvPr>
+            <p:ph idx="1"/>
+          </p:nvPr>
+        </p:nvSpPr>
+        <p:spPr/>
+        <p:txBody>
+          <a:bodyPr/>
+          <a:lstStyle/>
+          <a:p>
+            <a:pPr algn="just"/>
+            <a:r>
+              <a:rPr lang="fr-FR" dirty="0" smtClean="0">
+                <a:latin typeface="Calibri Light" panose="020F0302020204030204" pitchFamily="34" charset="0"/>
+                <a:cs typeface="Calibri Light" panose="020F0302020204030204" pitchFamily="34" charset="0"/>
+              </a:rPr>
+              <a:t>     Applications natives générées </a:t>
+            </a:r>
+            <a:r>
+              <a:rPr lang="fr-FR" b="1" dirty="0" smtClean="0">
+                <a:solidFill>
+                  <a:schemeClr val="accent2"/>
+                </a:solidFill>
+                <a:latin typeface="Calibri Light" panose="020F0302020204030204" pitchFamily="34" charset="0"/>
+                <a:cs typeface="Calibri Light" panose="020F0302020204030204" pitchFamily="34" charset="0"/>
+              </a:rPr>
+              <a:t>≠</a:t>
+            </a:r>
+            <a:r>
+              <a:rPr lang="fr-FR" dirty="0" smtClean="0">
+                <a:latin typeface="Calibri Light" panose="020F0302020204030204" pitchFamily="34" charset="0"/>
+                <a:cs typeface="Calibri Light" panose="020F0302020204030204" pitchFamily="34" charset="0"/>
+              </a:rPr>
+              <a:t> Applications hybrides</a:t>
+            </a:r>
+          </a:p>
+          <a:p>
+            <a:pPr algn="just"/>
+            <a:r>
+              <a:rPr lang="fr-FR" dirty="0" err="1" smtClean="0">
+                <a:latin typeface="Calibri Light" panose="020F0302020204030204" pitchFamily="34" charset="0"/>
+                <a:cs typeface="Calibri Light" panose="020F0302020204030204" pitchFamily="34" charset="0"/>
+              </a:rPr>
+              <a:t>Ionic</a:t>
+            </a:r>
+            <a:r>
+              <a:rPr lang="fr-FR" dirty="0" smtClean="0">
+                <a:latin typeface="Calibri Light" panose="020F0302020204030204" pitchFamily="34" charset="0"/>
+                <a:cs typeface="Calibri Light" panose="020F0302020204030204" pitchFamily="34" charset="0"/>
+              </a:rPr>
+              <a:t> = applications hybrides</a:t>
+            </a:r>
+          </a:p>
+          <a:p>
+            <a:pPr algn="just"/>
+            <a:r>
+              <a:rPr lang="fr-FR" dirty="0" smtClean="0">
+                <a:latin typeface="Calibri Light" panose="020F0302020204030204" pitchFamily="34" charset="0"/>
+                <a:cs typeface="Calibri Light" panose="020F0302020204030204" pitchFamily="34" charset="0"/>
+              </a:rPr>
+              <a:t>Plus faciles et rapides à développer que les applications natives</a:t>
+            </a:r>
+          </a:p>
+          <a:p>
+            <a:pPr algn="just"/>
+            <a:r>
+              <a:rPr lang="fr-FR" dirty="0" smtClean="0">
+                <a:latin typeface="Calibri Light" panose="020F0302020204030204" pitchFamily="34" charset="0"/>
+                <a:cs typeface="Calibri Light" panose="020F0302020204030204" pitchFamily="34" charset="0"/>
+              </a:rPr>
+              <a:t>Moins chères à développer</a:t>
+            </a:r>
           </a:p>
           <a:p>
             <a:pPr algn="just"/>
@@ -5977,6 +6929,59 @@
               <a:latin typeface="Calibri Light" panose="020F0302020204030204" pitchFamily="34" charset="0"/>
               <a:cs typeface="Calibri Light" panose="020F0302020204030204" pitchFamily="34" charset="0"/>
             </a:endParaRPr>
+          </a:p>
+        </p:txBody>
+      </p:sp>
+      <p:pic>
+        <p:nvPicPr>
+          <p:cNvPr id="4" name="Image 3"/>
+          <p:cNvPicPr>
+            <a:picLocks noChangeAspect="1"/>
+          </p:cNvPicPr>
+          <p:nvPr/>
+        </p:nvPicPr>
+        <p:blipFill>
+          <a:blip r:embed="rId2" cstate="print">
+            <a:extLst>
+              <a:ext uri="{28A0092B-C50C-407E-A947-70E740481C1C}">
+                <a14:useLocalDpi xmlns:a14="http://schemas.microsoft.com/office/drawing/2010/main" val="0"/>
+              </a:ext>
+            </a:extLst>
+          </a:blip>
+          <a:stretch>
+            <a:fillRect/>
+          </a:stretch>
+        </p:blipFill>
+        <p:spPr>
+          <a:xfrm>
+            <a:off x="827584" y="1844824"/>
+            <a:ext cx="324000" cy="324000"/>
+          </a:xfrm>
+          <a:prstGeom prst="rect">
+            <a:avLst/>
+          </a:prstGeom>
+        </p:spPr>
+      </p:pic>
+      <p:sp>
+        <p:nvSpPr>
+          <p:cNvPr id="5" name="Espace réservé du numéro de diapositive 4"/>
+          <p:cNvSpPr>
+            <a:spLocks noGrp="1"/>
+          </p:cNvSpPr>
+          <p:nvPr>
+            <p:ph type="sldNum" sz="quarter" idx="12"/>
+          </p:nvPr>
+        </p:nvSpPr>
+        <p:spPr/>
+        <p:txBody>
+          <a:bodyPr/>
+          <a:lstStyle/>
+          <a:p>
+            <a:fld id="{581CF3FB-12BE-4619-8F61-AE4297B873D3}" type="slidenum">
+              <a:rPr lang="fr-FR" smtClean="0"/>
+              <a:t>8</a:t>
+            </a:fld>
+            <a:endParaRPr lang="fr-FR"/>
           </a:p>
         </p:txBody>
       </p:sp>
@@ -5990,6 +6995,13 @@
   <p:clrMapOvr>
     <a:masterClrMapping/>
   </p:clrMapOvr>
+  <p:timing>
+    <p:tnLst>
+      <p:par>
+        <p:cTn id="1" dur="indefinite" restart="never" nodeType="tmRoot"/>
+      </p:par>
+    </p:tnLst>
+  </p:timing>
 </p:sld>
 </file>
 
@@ -6023,15 +7035,27 @@
         <p:spPr/>
         <p:txBody>
           <a:bodyPr>
-            <a:normAutofit fontScale="90000"/>
+            <a:normAutofit/>
           </a:bodyPr>
           <a:lstStyle/>
           <a:p>
             <a:r>
-              <a:rPr lang="fr-FR" dirty="0" smtClean="0"/>
+              <a:rPr lang="fr-FR" dirty="0" smtClean="0">
+                <a:solidFill>
+                  <a:schemeClr val="accent2"/>
+                </a:solidFill>
+                <a:latin typeface="Calibri Light" panose="020F0302020204030204" pitchFamily="34" charset="0"/>
+                <a:cs typeface="Calibri Light" panose="020F0302020204030204" pitchFamily="34" charset="0"/>
+              </a:rPr>
               <a:t>Applications hybrides : Inconvénients</a:t>
             </a:r>
-            <a:endParaRPr lang="fr-FR" dirty="0"/>
+            <a:endParaRPr lang="fr-FR" dirty="0">
+              <a:solidFill>
+                <a:schemeClr val="accent2"/>
+              </a:solidFill>
+              <a:latin typeface="Calibri Light" panose="020F0302020204030204" pitchFamily="34" charset="0"/>
+              <a:cs typeface="Calibri Light" panose="020F0302020204030204" pitchFamily="34" charset="0"/>
+            </a:endParaRPr>
           </a:p>
         </p:txBody>
       </p:sp>
@@ -6099,6 +7123,29 @@
               <a:latin typeface="Calibri Light" panose="020F0302020204030204" pitchFamily="34" charset="0"/>
               <a:cs typeface="Calibri Light" panose="020F0302020204030204" pitchFamily="34" charset="0"/>
             </a:endParaRPr>
+          </a:p>
+        </p:txBody>
+      </p:sp>
+      <p:sp>
+        <p:nvSpPr>
+          <p:cNvPr id="4" name="Espace réservé du numéro de diapositive 3"/>
+          <p:cNvSpPr>
+            <a:spLocks noGrp="1"/>
+          </p:cNvSpPr>
+          <p:nvPr>
+            <p:ph type="sldNum" sz="quarter" idx="12"/>
+          </p:nvPr>
+        </p:nvSpPr>
+        <p:spPr/>
+        <p:txBody>
+          <a:bodyPr/>
+          <a:lstStyle/>
+          <a:p>
+            <a:fld id="{581CF3FB-12BE-4619-8F61-AE4297B873D3}" type="slidenum">
+              <a:rPr lang="fr-FR" smtClean="0"/>
+              <a:t>9</a:t>
+            </a:fld>
+            <a:endParaRPr lang="fr-FR"/>
           </a:p>
         </p:txBody>
       </p:sp>
@@ -6112,6 +7159,13 @@
   <p:clrMapOvr>
     <a:masterClrMapping/>
   </p:clrMapOvr>
+  <p:timing>
+    <p:tnLst>
+      <p:par>
+        <p:cTn id="1" dur="indefinite" restart="never" nodeType="tmRoot"/>
+      </p:par>
+    </p:tnLst>
+  </p:timing>
 </p:sld>
 </file>
 
@@ -6431,4 +7485,289 @@
   <a:objectDefaults/>
   <a:extraClrSchemeLst/>
 </a:theme>
+</file>
+
+<file path=ppt/theme/theme2.xml><?xml version="1.0" encoding="utf-8"?>
+<a:theme xmlns:a="http://schemas.openxmlformats.org/drawingml/2006/main" name="Thème Office">
+  <a:themeElements>
+    <a:clrScheme name="Office">
+      <a:dk1>
+        <a:sysClr val="windowText" lastClr="000000"/>
+      </a:dk1>
+      <a:lt1>
+        <a:sysClr val="window" lastClr="FFFFFF"/>
+      </a:lt1>
+      <a:dk2>
+        <a:srgbClr val="1F497D"/>
+      </a:dk2>
+      <a:lt2>
+        <a:srgbClr val="EEECE1"/>
+      </a:lt2>
+      <a:accent1>
+        <a:srgbClr val="4F81BD"/>
+      </a:accent1>
+      <a:accent2>
+        <a:srgbClr val="C0504D"/>
+      </a:accent2>
+      <a:accent3>
+        <a:srgbClr val="9BBB59"/>
+      </a:accent3>
+      <a:accent4>
+        <a:srgbClr val="8064A2"/>
+      </a:accent4>
+      <a:accent5>
+        <a:srgbClr val="4BACC6"/>
+      </a:accent5>
+      <a:accent6>
+        <a:srgbClr val="F79646"/>
+      </a:accent6>
+      <a:hlink>
+        <a:srgbClr val="0000FF"/>
+      </a:hlink>
+      <a:folHlink>
+        <a:srgbClr val="800080"/>
+      </a:folHlink>
+    </a:clrScheme>
+    <a:fontScheme name="Office">
+      <a:majorFont>
+        <a:latin typeface="Calibri"/>
+        <a:ea typeface=""/>
+        <a:cs typeface=""/>
+        <a:font script="Jpan" typeface="ＭＳ Ｐゴシック"/>
+        <a:font script="Hang" typeface="맑은 고딕"/>
+        <a:font script="Hans" typeface="宋体"/>
+        <a:font script="Hant" typeface="新細明體"/>
+        <a:font script="Arab" typeface="Times New Roman"/>
+        <a:font script="Hebr" typeface="Times New Roman"/>
+        <a:font script="Thai" typeface="Angsana New"/>
+        <a:font script="Ethi" typeface="Nyala"/>
+        <a:font script="Beng" typeface="Vrinda"/>
+        <a:font script="Gujr" typeface="Shruti"/>
+        <a:font script="Khmr" typeface="MoolBoran"/>
+        <a:font script="Knda" typeface="Tunga"/>
+        <a:font script="Guru" typeface="Raavi"/>
+        <a:font script="Cans" typeface="Euphemia"/>
+        <a:font script="Cher" typeface="Plantagenet Cherokee"/>
+        <a:font script="Yiii" typeface="Microsoft Yi Baiti"/>
+        <a:font script="Tibt" typeface="Microsoft Himalaya"/>
+        <a:font script="Thaa" typeface="MV Boli"/>
+        <a:font script="Deva" typeface="Mangal"/>
+        <a:font script="Telu" typeface="Gautami"/>
+        <a:font script="Taml" typeface="Latha"/>
+        <a:font script="Syrc" typeface="Estrangelo Edessa"/>
+        <a:font script="Orya" typeface="Kalinga"/>
+        <a:font script="Mlym" typeface="Kartika"/>
+        <a:font script="Laoo" typeface="DokChampa"/>
+        <a:font script="Sinh" typeface="Iskoola Pota"/>
+        <a:font script="Mong" typeface="Mongolian Baiti"/>
+        <a:font script="Viet" typeface="Times New Roman"/>
+        <a:font script="Uigh" typeface="Microsoft Uighur"/>
+        <a:font script="Geor" typeface="Sylfaen"/>
+      </a:majorFont>
+      <a:minorFont>
+        <a:latin typeface="Calibri"/>
+        <a:ea typeface=""/>
+        <a:cs typeface=""/>
+        <a:font script="Jpan" typeface="ＭＳ Ｐゴシック"/>
+        <a:font script="Hang" typeface="맑은 고딕"/>
+        <a:font script="Hans" typeface="宋体"/>
+        <a:font script="Hant" typeface="新細明體"/>
+        <a:font script="Arab" typeface="Arial"/>
+        <a:font script="Hebr" typeface="Arial"/>
+        <a:font script="Thai" typeface="Cordia New"/>
+        <a:font script="Ethi" typeface="Nyala"/>
+        <a:font script="Beng" typeface="Vrinda"/>
+        <a:font script="Gujr" typeface="Shruti"/>
+        <a:font script="Khmr" typeface="DaunPenh"/>
+        <a:font script="Knda" typeface="Tunga"/>
+        <a:font script="Guru" typeface="Raavi"/>
+        <a:font script="Cans" typeface="Euphemia"/>
+        <a:font script="Cher" typeface="Plantagenet Cherokee"/>
+        <a:font script="Yiii" typeface="Microsoft Yi Baiti"/>
+        <a:font script="Tibt" typeface="Microsoft Himalaya"/>
+        <a:font script="Thaa" typeface="MV Boli"/>
+        <a:font script="Deva" typeface="Mangal"/>
+        <a:font script="Telu" typeface="Gautami"/>
+        <a:font script="Taml" typeface="Latha"/>
+        <a:font script="Syrc" typeface="Estrangelo Edessa"/>
+        <a:font script="Orya" typeface="Kalinga"/>
+        <a:font script="Mlym" typeface="Kartika"/>
+        <a:font script="Laoo" typeface="DokChampa"/>
+        <a:font script="Sinh" typeface="Iskoola Pota"/>
+        <a:font script="Mong" typeface="Mongolian Baiti"/>
+        <a:font script="Viet" typeface="Arial"/>
+        <a:font script="Uigh" typeface="Microsoft Uighur"/>
+        <a:font script="Geor" typeface="Sylfaen"/>
+      </a:minorFont>
+    </a:fontScheme>
+    <a:fmtScheme name="Office">
+      <a:fillStyleLst>
+        <a:solidFill>
+          <a:schemeClr val="phClr"/>
+        </a:solidFill>
+        <a:gradFill rotWithShape="1">
+          <a:gsLst>
+            <a:gs pos="0">
+              <a:schemeClr val="phClr">
+                <a:tint val="50000"/>
+                <a:satMod val="300000"/>
+              </a:schemeClr>
+            </a:gs>
+            <a:gs pos="35000">
+              <a:schemeClr val="phClr">
+                <a:tint val="37000"/>
+                <a:satMod val="300000"/>
+              </a:schemeClr>
+            </a:gs>
+            <a:gs pos="100000">
+              <a:schemeClr val="phClr">
+                <a:tint val="15000"/>
+                <a:satMod val="350000"/>
+              </a:schemeClr>
+            </a:gs>
+          </a:gsLst>
+          <a:lin ang="16200000" scaled="1"/>
+        </a:gradFill>
+        <a:gradFill rotWithShape="1">
+          <a:gsLst>
+            <a:gs pos="0">
+              <a:schemeClr val="phClr">
+                <a:shade val="51000"/>
+                <a:satMod val="130000"/>
+              </a:schemeClr>
+            </a:gs>
+            <a:gs pos="80000">
+              <a:schemeClr val="phClr">
+                <a:shade val="93000"/>
+                <a:satMod val="130000"/>
+              </a:schemeClr>
+            </a:gs>
+            <a:gs pos="100000">
+              <a:schemeClr val="phClr">
+                <a:shade val="94000"/>
+                <a:satMod val="135000"/>
+              </a:schemeClr>
+            </a:gs>
+          </a:gsLst>
+          <a:lin ang="16200000" scaled="0"/>
+        </a:gradFill>
+      </a:fillStyleLst>
+      <a:lnStyleLst>
+        <a:ln w="9525" cap="flat" cmpd="sng" algn="ctr">
+          <a:solidFill>
+            <a:schemeClr val="phClr">
+              <a:shade val="95000"/>
+              <a:satMod val="105000"/>
+            </a:schemeClr>
+          </a:solidFill>
+          <a:prstDash val="solid"/>
+        </a:ln>
+        <a:ln w="25400" cap="flat" cmpd="sng" algn="ctr">
+          <a:solidFill>
+            <a:schemeClr val="phClr"/>
+          </a:solidFill>
+          <a:prstDash val="solid"/>
+        </a:ln>
+        <a:ln w="38100" cap="flat" cmpd="sng" algn="ctr">
+          <a:solidFill>
+            <a:schemeClr val="phClr"/>
+          </a:solidFill>
+          <a:prstDash val="solid"/>
+        </a:ln>
+      </a:lnStyleLst>
+      <a:effectStyleLst>
+        <a:effectStyle>
+          <a:effectLst>
+            <a:outerShdw blurRad="40000" dist="20000" dir="5400000" rotWithShape="0">
+              <a:srgbClr val="000000">
+                <a:alpha val="38000"/>
+              </a:srgbClr>
+            </a:outerShdw>
+          </a:effectLst>
+        </a:effectStyle>
+        <a:effectStyle>
+          <a:effectLst>
+            <a:outerShdw blurRad="40000" dist="23000" dir="5400000" rotWithShape="0">
+              <a:srgbClr val="000000">
+                <a:alpha val="35000"/>
+              </a:srgbClr>
+            </a:outerShdw>
+          </a:effectLst>
+        </a:effectStyle>
+        <a:effectStyle>
+          <a:effectLst>
+            <a:outerShdw blurRad="40000" dist="23000" dir="5400000" rotWithShape="0">
+              <a:srgbClr val="000000">
+                <a:alpha val="35000"/>
+              </a:srgbClr>
+            </a:outerShdw>
+          </a:effectLst>
+          <a:scene3d>
+            <a:camera prst="orthographicFront">
+              <a:rot lat="0" lon="0" rev="0"/>
+            </a:camera>
+            <a:lightRig rig="threePt" dir="t">
+              <a:rot lat="0" lon="0" rev="1200000"/>
+            </a:lightRig>
+          </a:scene3d>
+          <a:sp3d>
+            <a:bevelT w="63500" h="25400"/>
+          </a:sp3d>
+        </a:effectStyle>
+      </a:effectStyleLst>
+      <a:bgFillStyleLst>
+        <a:solidFill>
+          <a:schemeClr val="phClr"/>
+        </a:solidFill>
+        <a:gradFill rotWithShape="1">
+          <a:gsLst>
+            <a:gs pos="0">
+              <a:schemeClr val="phClr">
+                <a:tint val="40000"/>
+                <a:satMod val="350000"/>
+              </a:schemeClr>
+            </a:gs>
+            <a:gs pos="40000">
+              <a:schemeClr val="phClr">
+                <a:tint val="45000"/>
+                <a:shade val="99000"/>
+                <a:satMod val="350000"/>
+              </a:schemeClr>
+            </a:gs>
+            <a:gs pos="100000">
+              <a:schemeClr val="phClr">
+                <a:shade val="20000"/>
+                <a:satMod val="255000"/>
+              </a:schemeClr>
+            </a:gs>
+          </a:gsLst>
+          <a:path path="circle">
+            <a:fillToRect l="50000" t="-80000" r="50000" b="180000"/>
+          </a:path>
+        </a:gradFill>
+        <a:gradFill rotWithShape="1">
+          <a:gsLst>
+            <a:gs pos="0">
+              <a:schemeClr val="phClr">
+                <a:tint val="80000"/>
+                <a:satMod val="300000"/>
+              </a:schemeClr>
+            </a:gs>
+            <a:gs pos="100000">
+              <a:schemeClr val="phClr">
+                <a:shade val="30000"/>
+                <a:satMod val="200000"/>
+              </a:schemeClr>
+            </a:gs>
+          </a:gsLst>
+          <a:path path="circle">
+            <a:fillToRect l="50000" t="50000" r="50000" b="50000"/>
+          </a:path>
+        </a:gradFill>
+      </a:bgFillStyleLst>
+    </a:fmtScheme>
+  </a:themeElements>
+  <a:objectDefaults/>
+  <a:extraClrSchemeLst/>
+</a:theme>
 </file>
--- a/presentation.pptx
+++ b/presentation.pptx
@@ -118,7 +118,7 @@
   </p:defaultTextStyle>
   <p:extLst>
     <p:ext uri="{EFAFB233-063F-42B5-8137-9DF3F51BA10A}">
-      <p15:sldGuideLst xmlns="" xmlns:p15="http://schemas.microsoft.com/office/powerpoint/2012/main">
+      <p15:sldGuideLst xmlns:p15="http://schemas.microsoft.com/office/powerpoint/2012/main">
         <p15:guide id="1" orient="horz" pos="2160">
           <p15:clr>
             <a:srgbClr val="A4A3A4"/>
@@ -221,7 +221,7 @@
           <a:p>
             <a:fld id="{1BC3700B-4EEC-445A-BA32-5FE574FD12A9}" type="datetimeFigureOut">
               <a:rPr lang="fr-FR" smtClean="0"/>
-              <a:t>24/02/2018</a:t>
+              <a:t>10/03/2018</a:t>
             </a:fld>
             <a:endParaRPr lang="fr-FR"/>
           </a:p>
@@ -489,6 +489,630 @@
 </p:notesMaster>
 </file>
 
+<file path=ppt/notesSlides/notesSlide1.xml><?xml version="1.0" encoding="utf-8"?>
+<p:notes xmlns:a="http://schemas.openxmlformats.org/drawingml/2006/main" xmlns:r="http://schemas.openxmlformats.org/officeDocument/2006/relationships" xmlns:p="http://schemas.openxmlformats.org/presentationml/2006/main">
+  <p:cSld>
+    <p:spTree>
+      <p:nvGrpSpPr>
+        <p:cNvPr id="1" name=""/>
+        <p:cNvGrpSpPr/>
+        <p:nvPr/>
+      </p:nvGrpSpPr>
+      <p:grpSpPr>
+        <a:xfrm>
+          <a:off x="0" y="0"/>
+          <a:ext cx="0" cy="0"/>
+          <a:chOff x="0" y="0"/>
+          <a:chExt cx="0" cy="0"/>
+        </a:xfrm>
+      </p:grpSpPr>
+      <p:sp>
+        <p:nvSpPr>
+          <p:cNvPr id="2" name="Espace réservé de l'image des diapositives 1"/>
+          <p:cNvSpPr>
+            <a:spLocks noGrp="1" noRot="1" noChangeAspect="1"/>
+          </p:cNvSpPr>
+          <p:nvPr>
+            <p:ph type="sldImg"/>
+          </p:nvPr>
+        </p:nvSpPr>
+        <p:spPr/>
+      </p:sp>
+      <p:sp>
+        <p:nvSpPr>
+          <p:cNvPr id="3" name="Espace réservé des notes 2"/>
+          <p:cNvSpPr>
+            <a:spLocks noGrp="1"/>
+          </p:cNvSpPr>
+          <p:nvPr>
+            <p:ph type="body" idx="1"/>
+          </p:nvPr>
+        </p:nvSpPr>
+        <p:spPr/>
+        <p:txBody>
+          <a:bodyPr/>
+          <a:lstStyle/>
+          <a:p>
+            <a:r>
+              <a:rPr lang="fr-FR" sz="1200" b="0" i="0" kern="1200" smtClean="0">
+                <a:solidFill>
+                  <a:schemeClr val="tx1"/>
+                </a:solidFill>
+                <a:effectLst/>
+                <a:latin typeface="+mn-lt"/>
+                <a:ea typeface="+mn-ea"/>
+                <a:cs typeface="+mn-cs"/>
+              </a:rPr>
+              <a:t>basé </a:t>
+            </a:r>
+            <a:r>
+              <a:rPr lang="fr-FR" sz="1200" b="0" i="0" kern="1200" dirty="0" smtClean="0">
+                <a:solidFill>
+                  <a:schemeClr val="tx1"/>
+                </a:solidFill>
+                <a:effectLst/>
+                <a:latin typeface="+mn-lt"/>
+                <a:ea typeface="+mn-ea"/>
+                <a:cs typeface="+mn-cs"/>
+              </a:rPr>
+              <a:t>initialement sur </a:t>
+            </a:r>
+            <a:r>
+              <a:rPr lang="fr-FR" sz="1200" b="0" i="0" u="none" strike="noStrike" kern="1200" dirty="0" err="1" smtClean="0">
+                <a:solidFill>
+                  <a:schemeClr val="tx1"/>
+                </a:solidFill>
+                <a:effectLst/>
+                <a:latin typeface="+mn-lt"/>
+                <a:ea typeface="+mn-ea"/>
+                <a:cs typeface="+mn-cs"/>
+                <a:hlinkClick r:id="rId3" tooltip="AngularJS"/>
+              </a:rPr>
+              <a:t>AngularJS</a:t>
+            </a:r>
+            <a:r>
+              <a:rPr lang="fr-FR" sz="1200" b="0" i="0" kern="1200" dirty="0" smtClean="0">
+                <a:solidFill>
+                  <a:schemeClr val="tx1"/>
+                </a:solidFill>
+                <a:effectLst/>
+                <a:latin typeface="+mn-lt"/>
+                <a:ea typeface="+mn-ea"/>
+                <a:cs typeface="+mn-cs"/>
+              </a:rPr>
+              <a:t> et </a:t>
+            </a:r>
+            <a:r>
+              <a:rPr lang="fr-FR" sz="1200" b="0" i="0" u="none" strike="noStrike" kern="1200" dirty="0" smtClean="0">
+                <a:solidFill>
+                  <a:schemeClr val="tx1"/>
+                </a:solidFill>
+                <a:effectLst/>
+                <a:latin typeface="+mn-lt"/>
+                <a:ea typeface="+mn-ea"/>
+                <a:cs typeface="+mn-cs"/>
+                <a:hlinkClick r:id="rId4" tooltip="Apache Cordova"/>
+              </a:rPr>
+              <a:t>Apache Cordova</a:t>
+            </a:r>
+            <a:r>
+              <a:rPr lang="fr-FR" sz="1200" b="0" i="0" u="none" strike="noStrike" kern="1200" baseline="30000" dirty="0" smtClean="0">
+                <a:solidFill>
+                  <a:schemeClr val="tx1"/>
+                </a:solidFill>
+                <a:effectLst/>
+                <a:latin typeface="+mn-lt"/>
+                <a:ea typeface="+mn-ea"/>
+                <a:cs typeface="+mn-cs"/>
+                <a:hlinkClick r:id="rId5"/>
+              </a:rPr>
+              <a:t>2</a:t>
+            </a:r>
+            <a:r>
+              <a:rPr lang="fr-FR" sz="1200" b="0" i="0" kern="1200" dirty="0" smtClean="0">
+                <a:solidFill>
+                  <a:schemeClr val="tx1"/>
+                </a:solidFill>
+                <a:effectLst/>
+                <a:latin typeface="+mn-lt"/>
+                <a:ea typeface="+mn-ea"/>
+                <a:cs typeface="+mn-cs"/>
+              </a:rPr>
+              <a:t>, </a:t>
+            </a:r>
+            <a:r>
+              <a:rPr lang="fr-FR" sz="1200" b="0" i="0" kern="1200" dirty="0" err="1" smtClean="0">
+                <a:solidFill>
+                  <a:schemeClr val="tx1"/>
+                </a:solidFill>
+                <a:effectLst/>
+                <a:latin typeface="+mn-lt"/>
+                <a:ea typeface="+mn-ea"/>
+                <a:cs typeface="+mn-cs"/>
+              </a:rPr>
+              <a:t>Ionic</a:t>
+            </a:r>
+            <a:r>
+              <a:rPr lang="fr-FR" sz="1200" b="0" i="0" kern="1200" dirty="0" smtClean="0">
+                <a:solidFill>
+                  <a:schemeClr val="tx1"/>
+                </a:solidFill>
+                <a:effectLst/>
+                <a:latin typeface="+mn-lt"/>
+                <a:ea typeface="+mn-ea"/>
+                <a:cs typeface="+mn-cs"/>
+              </a:rPr>
+              <a:t> permet de créer un code </a:t>
+            </a:r>
+            <a:r>
+              <a:rPr lang="fr-FR" sz="1200" b="0" i="0" kern="1200" dirty="0" err="1" smtClean="0">
+                <a:solidFill>
+                  <a:schemeClr val="tx1"/>
+                </a:solidFill>
+                <a:effectLst/>
+                <a:latin typeface="+mn-lt"/>
+                <a:ea typeface="+mn-ea"/>
+                <a:cs typeface="+mn-cs"/>
+              </a:rPr>
+              <a:t>multisupport</a:t>
+            </a:r>
+            <a:r>
+              <a:rPr lang="fr-FR" sz="1200" b="0" i="0" kern="1200" dirty="0" smtClean="0">
+                <a:solidFill>
+                  <a:schemeClr val="tx1"/>
+                </a:solidFill>
+                <a:effectLst/>
+                <a:latin typeface="+mn-lt"/>
+                <a:ea typeface="+mn-ea"/>
+                <a:cs typeface="+mn-cs"/>
+              </a:rPr>
+              <a:t> en utilisant des outils </a:t>
+            </a:r>
+            <a:r>
+              <a:rPr lang="fr-FR" sz="1200" b="0" i="0" u="none" strike="noStrike" kern="1200" dirty="0" smtClean="0">
+                <a:solidFill>
+                  <a:schemeClr val="tx1"/>
+                </a:solidFill>
+                <a:effectLst/>
+                <a:latin typeface="+mn-lt"/>
+                <a:ea typeface="+mn-ea"/>
+                <a:cs typeface="+mn-cs"/>
+                <a:hlinkClick r:id="rId6" tooltip="Web"/>
+              </a:rPr>
+              <a:t>Web</a:t>
+            </a:r>
+            <a:r>
+              <a:rPr lang="fr-FR" sz="1200" b="0" i="0" kern="1200" dirty="0" smtClean="0">
+                <a:solidFill>
+                  <a:schemeClr val="tx1"/>
+                </a:solidFill>
+                <a:effectLst/>
+                <a:latin typeface="+mn-lt"/>
+                <a:ea typeface="+mn-ea"/>
+                <a:cs typeface="+mn-cs"/>
+              </a:rPr>
+              <a:t> comme </a:t>
+            </a:r>
+            <a:r>
+              <a:rPr lang="fr-FR" sz="1200" b="0" i="0" u="none" strike="noStrike" kern="1200" dirty="0" smtClean="0">
+                <a:solidFill>
+                  <a:schemeClr val="tx1"/>
+                </a:solidFill>
+                <a:effectLst/>
+                <a:latin typeface="+mn-lt"/>
+                <a:ea typeface="+mn-ea"/>
+                <a:cs typeface="+mn-cs"/>
+                <a:hlinkClick r:id="rId7" tooltip="HTML"/>
+              </a:rPr>
+              <a:t>HTML</a:t>
+            </a:r>
+            <a:r>
+              <a:rPr lang="fr-FR" sz="1200" b="0" i="0" kern="1200" dirty="0" smtClean="0">
+                <a:solidFill>
+                  <a:schemeClr val="tx1"/>
+                </a:solidFill>
+                <a:effectLst/>
+                <a:latin typeface="+mn-lt"/>
+                <a:ea typeface="+mn-ea"/>
+                <a:cs typeface="+mn-cs"/>
+              </a:rPr>
+              <a:t>, </a:t>
+            </a:r>
+            <a:r>
+              <a:rPr lang="fr-FR" sz="1200" b="0" i="0" u="none" strike="noStrike" kern="1200" dirty="0" smtClean="0">
+                <a:solidFill>
+                  <a:schemeClr val="tx1"/>
+                </a:solidFill>
+                <a:effectLst/>
+                <a:latin typeface="+mn-lt"/>
+                <a:ea typeface="+mn-ea"/>
+                <a:cs typeface="+mn-cs"/>
+                <a:hlinkClick r:id="rId8" tooltip="Feuilles de style en cascade"/>
+              </a:rPr>
+              <a:t>CSS</a:t>
+            </a:r>
+            <a:r>
+              <a:rPr lang="fr-FR" sz="1200" b="0" i="0" kern="1200" dirty="0" smtClean="0">
+                <a:solidFill>
+                  <a:schemeClr val="tx1"/>
+                </a:solidFill>
+                <a:effectLst/>
+                <a:latin typeface="+mn-lt"/>
+                <a:ea typeface="+mn-ea"/>
+                <a:cs typeface="+mn-cs"/>
+              </a:rPr>
+              <a:t>, </a:t>
+            </a:r>
+            <a:r>
+              <a:rPr lang="fr-FR" sz="1200" b="0" i="0" u="none" strike="noStrike" kern="1200" dirty="0" smtClean="0">
+                <a:solidFill>
+                  <a:schemeClr val="tx1"/>
+                </a:solidFill>
+                <a:effectLst/>
+                <a:latin typeface="+mn-lt"/>
+                <a:ea typeface="+mn-ea"/>
+                <a:cs typeface="+mn-cs"/>
+                <a:hlinkClick r:id="rId9" tooltip="JavaScript"/>
+              </a:rPr>
+              <a:t>JavaScript</a:t>
+            </a:r>
+            <a:r>
+              <a:rPr lang="fr-FR" sz="1200" b="0" i="0" kern="1200" dirty="0" smtClean="0">
+                <a:solidFill>
+                  <a:schemeClr val="tx1"/>
+                </a:solidFill>
+                <a:effectLst/>
+                <a:latin typeface="+mn-lt"/>
+                <a:ea typeface="+mn-ea"/>
+                <a:cs typeface="+mn-cs"/>
+              </a:rPr>
+              <a:t>, afin de générer des applications </a:t>
+            </a:r>
+            <a:r>
+              <a:rPr lang="fr-FR" sz="1200" b="0" i="0" u="none" strike="noStrike" kern="1200" dirty="0" smtClean="0">
+                <a:solidFill>
+                  <a:schemeClr val="tx1"/>
+                </a:solidFill>
+                <a:effectLst/>
+                <a:latin typeface="+mn-lt"/>
+                <a:ea typeface="+mn-ea"/>
+                <a:cs typeface="+mn-cs"/>
+                <a:hlinkClick r:id="rId10" tooltip="Apple iOS"/>
+              </a:rPr>
+              <a:t>iOS</a:t>
+            </a:r>
+            <a:r>
+              <a:rPr lang="fr-FR" sz="1200" b="0" i="0" kern="1200" dirty="0" smtClean="0">
+                <a:solidFill>
+                  <a:schemeClr val="tx1"/>
+                </a:solidFill>
+                <a:effectLst/>
+                <a:latin typeface="+mn-lt"/>
+                <a:ea typeface="+mn-ea"/>
+                <a:cs typeface="+mn-cs"/>
+              </a:rPr>
+              <a:t>, </a:t>
+            </a:r>
+            <a:r>
+              <a:rPr lang="fr-FR" sz="1200" b="0" i="0" u="none" strike="noStrike" kern="1200" dirty="0" smtClean="0">
+                <a:solidFill>
+                  <a:schemeClr val="tx1"/>
+                </a:solidFill>
+                <a:effectLst/>
+                <a:latin typeface="+mn-lt"/>
+                <a:ea typeface="+mn-ea"/>
+                <a:cs typeface="+mn-cs"/>
+                <a:hlinkClick r:id="rId11" tooltip="Android"/>
+              </a:rPr>
+              <a:t>Android</a:t>
+            </a:r>
+            <a:r>
+              <a:rPr lang="fr-FR" sz="1200" b="0" i="0" kern="1200" dirty="0" smtClean="0">
+                <a:solidFill>
+                  <a:schemeClr val="tx1"/>
+                </a:solidFill>
+                <a:effectLst/>
+                <a:latin typeface="+mn-lt"/>
+                <a:ea typeface="+mn-ea"/>
+                <a:cs typeface="+mn-cs"/>
+              </a:rPr>
+              <a:t>, </a:t>
+            </a:r>
+            <a:r>
+              <a:rPr lang="fr-FR" sz="1200" b="0" i="0" u="none" strike="noStrike" kern="1200" dirty="0" smtClean="0">
+                <a:solidFill>
+                  <a:schemeClr val="tx1"/>
+                </a:solidFill>
+                <a:effectLst/>
+                <a:latin typeface="+mn-lt"/>
+                <a:ea typeface="+mn-ea"/>
+                <a:cs typeface="+mn-cs"/>
+                <a:hlinkClick r:id="rId12" tooltip="Chrome OS"/>
+              </a:rPr>
+              <a:t>Chrome</a:t>
+            </a:r>
+            <a:r>
+              <a:rPr lang="fr-FR" sz="1200" b="0" i="0" kern="1200" dirty="0" smtClean="0">
+                <a:solidFill>
+                  <a:schemeClr val="tx1"/>
+                </a:solidFill>
+                <a:effectLst/>
+                <a:latin typeface="+mn-lt"/>
+                <a:ea typeface="+mn-ea"/>
+                <a:cs typeface="+mn-cs"/>
+              </a:rPr>
+              <a:t>, </a:t>
+            </a:r>
+            <a:r>
+              <a:rPr lang="fr-FR" sz="1200" b="0" i="0" u="none" strike="noStrike" kern="1200" dirty="0" smtClean="0">
+                <a:solidFill>
+                  <a:schemeClr val="tx1"/>
+                </a:solidFill>
+                <a:effectLst/>
+                <a:latin typeface="+mn-lt"/>
+                <a:ea typeface="+mn-ea"/>
+                <a:cs typeface="+mn-cs"/>
+                <a:hlinkClick r:id="rId13" tooltip="Windows Phone"/>
+              </a:rPr>
+              <a:t>Windows Phone</a:t>
+            </a:r>
+            <a:r>
+              <a:rPr lang="fr-FR" sz="1200" b="0" i="0" kern="1200" dirty="0" smtClean="0">
+                <a:solidFill>
+                  <a:schemeClr val="tx1"/>
+                </a:solidFill>
+                <a:effectLst/>
+                <a:latin typeface="+mn-lt"/>
+                <a:ea typeface="+mn-ea"/>
+                <a:cs typeface="+mn-cs"/>
+              </a:rPr>
+              <a:t> et bien d'autres.</a:t>
+            </a:r>
+            <a:endParaRPr lang="fr-FR" dirty="0" smtClean="0"/>
+          </a:p>
+          <a:p>
+            <a:endParaRPr lang="fr-FR" dirty="0" smtClean="0"/>
+          </a:p>
+          <a:p>
+            <a:endParaRPr lang="fr-FR" dirty="0" smtClean="0"/>
+          </a:p>
+          <a:p>
+            <a:r>
+              <a:rPr lang="fr-FR" dirty="0" smtClean="0"/>
+              <a:t>Les applications ioniques sont constituées de blocs de construction de haut niveau appelés composants. Les composants vous permettent de créer rapidement une interface pour votre application. </a:t>
+            </a:r>
+            <a:r>
+              <a:rPr lang="fr-FR" dirty="0" err="1" smtClean="0"/>
+              <a:t>Ionic</a:t>
+            </a:r>
+            <a:r>
+              <a:rPr lang="fr-FR" dirty="0" smtClean="0"/>
+              <a:t> est livré avec un certain nombre de composants, y compris les modaux, les </a:t>
+            </a:r>
+            <a:r>
+              <a:rPr lang="fr-FR" dirty="0" err="1" smtClean="0"/>
+              <a:t>popups</a:t>
+            </a:r>
+            <a:r>
+              <a:rPr lang="fr-FR" dirty="0" smtClean="0"/>
+              <a:t> et les cartes.</a:t>
+            </a:r>
+            <a:endParaRPr lang="fr-FR" dirty="0"/>
+          </a:p>
+        </p:txBody>
+      </p:sp>
+      <p:sp>
+        <p:nvSpPr>
+          <p:cNvPr id="4" name="Espace réservé du numéro de diapositive 3"/>
+          <p:cNvSpPr>
+            <a:spLocks noGrp="1"/>
+          </p:cNvSpPr>
+          <p:nvPr>
+            <p:ph type="sldNum" sz="quarter" idx="10"/>
+          </p:nvPr>
+        </p:nvSpPr>
+        <p:spPr/>
+        <p:txBody>
+          <a:bodyPr/>
+          <a:lstStyle/>
+          <a:p>
+            <a:fld id="{33D0D4F3-7D52-472F-A6D8-300C270D9384}" type="slidenum">
+              <a:rPr lang="fr-FR" smtClean="0"/>
+              <a:t>5</a:t>
+            </a:fld>
+            <a:endParaRPr lang="fr-FR"/>
+          </a:p>
+        </p:txBody>
+      </p:sp>
+    </p:spTree>
+    <p:extLst>
+      <p:ext uri="{BB962C8B-B14F-4D97-AF65-F5344CB8AC3E}">
+        <p14:creationId xmlns:p14="http://schemas.microsoft.com/office/powerpoint/2010/main" val="2096099630"/>
+      </p:ext>
+    </p:extLst>
+  </p:cSld>
+  <p:clrMapOvr>
+    <a:masterClrMapping/>
+  </p:clrMapOvr>
+</p:notes>
+</file>
+
+<file path=ppt/notesSlides/notesSlide2.xml><?xml version="1.0" encoding="utf-8"?>
+<p:notes xmlns:a="http://schemas.openxmlformats.org/drawingml/2006/main" xmlns:r="http://schemas.openxmlformats.org/officeDocument/2006/relationships" xmlns:p="http://schemas.openxmlformats.org/presentationml/2006/main">
+  <p:cSld>
+    <p:spTree>
+      <p:nvGrpSpPr>
+        <p:cNvPr id="1" name=""/>
+        <p:cNvGrpSpPr/>
+        <p:nvPr/>
+      </p:nvGrpSpPr>
+      <p:grpSpPr>
+        <a:xfrm>
+          <a:off x="0" y="0"/>
+          <a:ext cx="0" cy="0"/>
+          <a:chOff x="0" y="0"/>
+          <a:chExt cx="0" cy="0"/>
+        </a:xfrm>
+      </p:grpSpPr>
+      <p:sp>
+        <p:nvSpPr>
+          <p:cNvPr id="2" name="Espace réservé de l'image des diapositives 1"/>
+          <p:cNvSpPr>
+            <a:spLocks noGrp="1" noRot="1" noChangeAspect="1"/>
+          </p:cNvSpPr>
+          <p:nvPr>
+            <p:ph type="sldImg"/>
+          </p:nvPr>
+        </p:nvSpPr>
+        <p:spPr/>
+      </p:sp>
+      <p:sp>
+        <p:nvSpPr>
+          <p:cNvPr id="3" name="Espace réservé des notes 2"/>
+          <p:cNvSpPr>
+            <a:spLocks noGrp="1"/>
+          </p:cNvSpPr>
+          <p:nvPr>
+            <p:ph type="body" idx="1"/>
+          </p:nvPr>
+        </p:nvSpPr>
+        <p:spPr/>
+        <p:txBody>
+          <a:bodyPr/>
+          <a:lstStyle/>
+          <a:p>
+            <a:pPr marL="0" marR="0" lvl="0" indent="0" algn="l" defTabSz="914400" rtl="0" eaLnBrk="1" fontAlgn="auto" latinLnBrk="0" hangingPunct="1">
+              <a:lnSpc>
+                <a:spcPct val="100000"/>
+              </a:lnSpc>
+              <a:spcBef>
+                <a:spcPts val="0"/>
+              </a:spcBef>
+              <a:spcAft>
+                <a:spcPts val="0"/>
+              </a:spcAft>
+              <a:buClrTx/>
+              <a:buSzTx/>
+              <a:buFontTx/>
+              <a:buNone/>
+              <a:tabLst/>
+              <a:defRPr/>
+            </a:pPr>
+            <a:r>
+              <a:rPr lang="fr-FR" b="1" dirty="0" err="1" smtClean="0">
+                <a:latin typeface="Calibri Light" panose="020F0302020204030204" pitchFamily="34" charset="0"/>
+                <a:cs typeface="Calibri Light" panose="020F0302020204030204" pitchFamily="34" charset="0"/>
+              </a:rPr>
+              <a:t>AngularJS</a:t>
+            </a:r>
+            <a:r>
+              <a:rPr lang="fr-FR" dirty="0" smtClean="0">
+                <a:latin typeface="Calibri Light" panose="020F0302020204030204" pitchFamily="34" charset="0"/>
+                <a:cs typeface="Calibri Light" panose="020F0302020204030204" pitchFamily="34" charset="0"/>
+              </a:rPr>
+              <a:t>  pour l’application web : Stabilité</a:t>
+            </a:r>
+          </a:p>
+          <a:p>
+            <a:pPr marL="0" marR="0" lvl="0" indent="0" algn="l" defTabSz="914400" rtl="0" eaLnBrk="1" fontAlgn="auto" latinLnBrk="0" hangingPunct="1">
+              <a:lnSpc>
+                <a:spcPct val="100000"/>
+              </a:lnSpc>
+              <a:spcBef>
+                <a:spcPts val="0"/>
+              </a:spcBef>
+              <a:spcAft>
+                <a:spcPts val="0"/>
+              </a:spcAft>
+              <a:buClrTx/>
+              <a:buSzTx/>
+              <a:buFontTx/>
+              <a:buNone/>
+              <a:tabLst/>
+              <a:defRPr/>
+            </a:pPr>
+            <a:r>
+              <a:rPr lang="fr-FR" b="1" dirty="0" err="1" smtClean="0">
+                <a:latin typeface="Calibri Light" panose="020F0302020204030204" pitchFamily="34" charset="0"/>
+                <a:cs typeface="Calibri Light" panose="020F0302020204030204" pitchFamily="34" charset="0"/>
+              </a:rPr>
+              <a:t>Cordova</a:t>
+            </a:r>
+            <a:r>
+              <a:rPr lang="fr-FR" dirty="0" smtClean="0">
+                <a:latin typeface="Calibri Light" panose="020F0302020204030204" pitchFamily="34" charset="0"/>
+                <a:cs typeface="Calibri Light" panose="020F0302020204030204" pitchFamily="34" charset="0"/>
+              </a:rPr>
+              <a:t> pour la construction de l’applicatif natif</a:t>
+            </a:r>
+          </a:p>
+          <a:p>
+            <a:pPr marL="0" marR="0" lvl="0" indent="0" algn="l" defTabSz="914400" rtl="0" eaLnBrk="1" fontAlgn="auto" latinLnBrk="0" hangingPunct="1">
+              <a:lnSpc>
+                <a:spcPct val="100000"/>
+              </a:lnSpc>
+              <a:spcBef>
+                <a:spcPts val="0"/>
+              </a:spcBef>
+              <a:spcAft>
+                <a:spcPts val="0"/>
+              </a:spcAft>
+              <a:buClrTx/>
+              <a:buSzTx/>
+              <a:buFontTx/>
+              <a:buNone/>
+              <a:tabLst/>
+              <a:defRPr/>
+            </a:pPr>
+            <a:r>
+              <a:rPr lang="fr-FR" dirty="0" smtClean="0">
+                <a:latin typeface="Calibri Light" panose="020F0302020204030204" pitchFamily="34" charset="0"/>
+                <a:cs typeface="Calibri Light" panose="020F0302020204030204" pitchFamily="34" charset="0"/>
+              </a:rPr>
+              <a:t>Fonctionnalités pour se rapprocher du natif (gestes, évènements, slide, etc.)</a:t>
+            </a:r>
+          </a:p>
+          <a:p>
+            <a:endParaRPr lang="fr-FR" dirty="0"/>
+          </a:p>
+        </p:txBody>
+      </p:sp>
+      <p:sp>
+        <p:nvSpPr>
+          <p:cNvPr id="4" name="Espace réservé du numéro de diapositive 3"/>
+          <p:cNvSpPr>
+            <a:spLocks noGrp="1"/>
+          </p:cNvSpPr>
+          <p:nvPr>
+            <p:ph type="sldNum" sz="quarter" idx="10"/>
+          </p:nvPr>
+        </p:nvSpPr>
+        <p:spPr/>
+        <p:txBody>
+          <a:bodyPr/>
+          <a:lstStyle/>
+          <a:p>
+            <a:fld id="{33D0D4F3-7D52-472F-A6D8-300C270D9384}" type="slidenum">
+              <a:rPr lang="fr-FR" smtClean="0"/>
+              <a:t>6</a:t>
+            </a:fld>
+            <a:endParaRPr lang="fr-FR"/>
+          </a:p>
+        </p:txBody>
+      </p:sp>
+    </p:spTree>
+    <p:extLst>
+      <p:ext uri="{BB962C8B-B14F-4D97-AF65-F5344CB8AC3E}">
+        <p14:creationId xmlns:p14="http://schemas.microsoft.com/office/powerpoint/2010/main" val="3370572821"/>
+      </p:ext>
+    </p:extLst>
+  </p:cSld>
+  <p:clrMapOvr>
+    <a:masterClrMapping/>
+  </p:clrMapOvr>
+</p:notes>
+</file>
+
 <file path=ppt/slideLayouts/slideLayout1.xml><?xml version="1.0" encoding="utf-8"?>
 <p:sldLayout xmlns:a="http://schemas.openxmlformats.org/drawingml/2006/main" xmlns:r="http://schemas.openxmlformats.org/officeDocument/2006/relationships" xmlns:p="http://schemas.openxmlformats.org/presentationml/2006/main" showMasterSp="0" type="title" preserve="1">
   <p:cSld name="Diapositive de titre">
@@ -614,7 +1238,7 @@
           <a:p>
             <a:fld id="{9E902D1D-38E6-40C1-884A-5B6A13BB66A5}" type="datetime1">
               <a:rPr lang="fr-FR" smtClean="0"/>
-              <a:t>24/02/2018</a:t>
+              <a:t>10/03/2018</a:t>
             </a:fld>
             <a:endParaRPr lang="fr-FR"/>
           </a:p>
@@ -1247,7 +1871,7 @@
           <a:p>
             <a:fld id="{E2F24817-7951-4030-A7FE-333D7C1D5674}" type="datetime1">
               <a:rPr lang="fr-FR" smtClean="0"/>
-              <a:t>24/02/2018</a:t>
+              <a:t>10/03/2018</a:t>
             </a:fld>
             <a:endParaRPr lang="fr-FR"/>
           </a:p>
@@ -1524,7 +2148,7 @@
           <a:p>
             <a:fld id="{CDD52DA3-7C8C-4416-8B26-10BEBF1FDEC4}" type="datetime1">
               <a:rPr lang="fr-FR" smtClean="0"/>
-              <a:t>24/02/2018</a:t>
+              <a:t>10/03/2018</a:t>
             </a:fld>
             <a:endParaRPr lang="fr-FR"/>
           </a:p>
@@ -1689,7 +2313,7 @@
           <a:p>
             <a:fld id="{708E9D96-6BD6-4F7F-840C-0D4A52DD244B}" type="datetime1">
               <a:rPr lang="fr-FR" smtClean="0"/>
-              <a:t>24/02/2018</a:t>
+              <a:t>10/03/2018</a:t>
             </a:fld>
             <a:endParaRPr lang="fr-FR"/>
           </a:p>
@@ -1870,7 +2494,7 @@
           <a:p>
             <a:fld id="{E48F0521-5272-4A72-B201-CF649D153963}" type="datetime1">
               <a:rPr lang="fr-FR" smtClean="0"/>
-              <a:t>24/02/2018</a:t>
+              <a:t>10/03/2018</a:t>
             </a:fld>
             <a:endParaRPr lang="fr-FR"/>
           </a:p>
@@ -2515,7 +3139,7 @@
           <a:p>
             <a:fld id="{0E2672DA-25FF-4A4D-90F3-EBA1D2F0976F}" type="datetime1">
               <a:rPr lang="fr-FR" smtClean="0"/>
-              <a:t>24/02/2018</a:t>
+              <a:t>10/03/2018</a:t>
             </a:fld>
             <a:endParaRPr lang="fr-FR"/>
           </a:p>
@@ -2941,7 +3565,7 @@
           <a:p>
             <a:fld id="{D1831EB3-608E-4485-8302-DC3899566597}" type="datetime1">
               <a:rPr lang="fr-FR" smtClean="0"/>
-              <a:t>24/02/2018</a:t>
+              <a:t>10/03/2018</a:t>
             </a:fld>
             <a:endParaRPr lang="fr-FR"/>
           </a:p>
@@ -3054,7 +3678,7 @@
           <a:p>
             <a:fld id="{4D387871-560B-46D7-AFA4-87ECD55AA231}" type="datetime1">
               <a:rPr lang="fr-FR" smtClean="0"/>
-              <a:t>24/02/2018</a:t>
+              <a:t>10/03/2018</a:t>
             </a:fld>
             <a:endParaRPr lang="fr-FR"/>
           </a:p>
@@ -3235,7 +3859,7 @@
           <a:p>
             <a:fld id="{FCAE9258-9C7A-4C47-A926-DC8FDA2ED2A6}" type="datetime1">
               <a:rPr lang="fr-FR" smtClean="0"/>
-              <a:t>24/02/2018</a:t>
+              <a:t>10/03/2018</a:t>
             </a:fld>
             <a:endParaRPr lang="fr-FR"/>
           </a:p>
@@ -3501,7 +4125,7 @@
           <a:p>
             <a:fld id="{9D99298A-6091-45EC-AED6-0F728791400B}" type="datetime1">
               <a:rPr lang="fr-FR" smtClean="0"/>
-              <a:t>24/02/2018</a:t>
+              <a:t>10/03/2018</a:t>
             </a:fld>
             <a:endParaRPr lang="fr-FR"/>
           </a:p>
@@ -3971,7 +4595,7 @@
           <a:p>
             <a:fld id="{387FA8AA-8779-49A2-B871-604041CDEF53}" type="datetime1">
               <a:rPr lang="fr-FR" smtClean="0"/>
-              <a:t>24/02/2018</a:t>
+              <a:t>10/03/2018</a:t>
             </a:fld>
             <a:endParaRPr lang="fr-FR"/>
           </a:p>
@@ -4531,7 +5155,7 @@
           <a:p>
             <a:fld id="{EFA917F1-34E7-4474-93DD-056B6C68B51D}" type="datetime1">
               <a:rPr lang="fr-FR" smtClean="0"/>
-              <a:t>24/02/2018</a:t>
+              <a:t>10/03/2018</a:t>
             </a:fld>
             <a:endParaRPr lang="fr-FR"/>
           </a:p>
@@ -5527,14 +6151,7 @@
                 <a:latin typeface="Calibri Light" panose="020F0302020204030204" pitchFamily="34" charset="0"/>
                 <a:cs typeface="Calibri Light" panose="020F0302020204030204" pitchFamily="34" charset="0"/>
               </a:rPr>
-              <a:t>Applications mobiles hybrides | Technologies </a:t>
-            </a:r>
-            <a:r>
-              <a:rPr lang="fr-FR" dirty="0" smtClean="0">
-                <a:latin typeface="Calibri Light" panose="020F0302020204030204" pitchFamily="34" charset="0"/>
-                <a:cs typeface="Calibri Light" panose="020F0302020204030204" pitchFamily="34" charset="0"/>
-              </a:rPr>
-              <a:t>Web</a:t>
+              <a:t>Applications mobiles hybrides | Technologies Web</a:t>
             </a:r>
           </a:p>
           <a:p>
@@ -6052,7 +6669,7 @@
                 <a:latin typeface="Calibri Light" panose="020F0302020204030204" pitchFamily="34" charset="0"/>
                 <a:cs typeface="Calibri Light" panose="020F0302020204030204" pitchFamily="34" charset="0"/>
               </a:rPr>
-              <a:t>Côté interface graphique</a:t>
+              <a:t>FRONT-END</a:t>
             </a:r>
             <a:endParaRPr lang="fr-FR" dirty="0">
               <a:solidFill>
@@ -6085,19 +6702,8 @@
                 <a:latin typeface="Calibri Light" panose="020F0302020204030204" pitchFamily="34" charset="0"/>
                 <a:cs typeface="Calibri Light" panose="020F0302020204030204" pitchFamily="34" charset="0"/>
               </a:rPr>
-              <a:t>Propre thème HTML/CSS  |  Combiné à </a:t>
-            </a:r>
-            <a:r>
-              <a:rPr lang="fr-FR" dirty="0" err="1" smtClean="0">
-                <a:latin typeface="Calibri Light" panose="020F0302020204030204" pitchFamily="34" charset="0"/>
-                <a:cs typeface="Calibri Light" panose="020F0302020204030204" pitchFamily="34" charset="0"/>
-              </a:rPr>
-              <a:t>Sass</a:t>
-            </a:r>
-            <a:endParaRPr lang="fr-FR" dirty="0" smtClean="0">
-              <a:latin typeface="Calibri Light" panose="020F0302020204030204" pitchFamily="34" charset="0"/>
-              <a:cs typeface="Calibri Light" panose="020F0302020204030204" pitchFamily="34" charset="0"/>
-            </a:endParaRPr>
+              <a:t>Propre thème HTML/CSS  </a:t>
+            </a:r>
           </a:p>
           <a:p>
             <a:pPr algn="just"/>
@@ -6106,7 +6712,7 @@
                 <a:latin typeface="Calibri Light" panose="020F0302020204030204" pitchFamily="34" charset="0"/>
                 <a:cs typeface="Calibri Light" panose="020F0302020204030204" pitchFamily="34" charset="0"/>
               </a:rPr>
-              <a:t>Eléments habituels d’interface graphique mobile</a:t>
+              <a:t>Création ultra rapide des interfaces (Composants)</a:t>
             </a:r>
             <a:endParaRPr lang="fr-FR" dirty="0">
               <a:latin typeface="Calibri Light" panose="020F0302020204030204" pitchFamily="34" charset="0"/>
@@ -6124,7 +6730,7 @@
           <p:nvPr/>
         </p:nvPicPr>
         <p:blipFill>
-          <a:blip r:embed="rId2">
+          <a:blip r:embed="rId3">
             <a:extLst>
               <a:ext uri="{28A0092B-C50C-407E-A947-70E740481C1C}">
                 <a14:useLocalDpi xmlns:a14="http://schemas.microsoft.com/office/drawing/2010/main" val="0"/>
@@ -6178,7 +6784,7 @@
           <p:nvPr/>
         </p:nvPicPr>
         <p:blipFill>
-          <a:blip r:embed="rId3">
+          <a:blip r:embed="rId4">
             <a:extLst>
               <a:ext uri="{28A0092B-C50C-407E-A947-70E740481C1C}">
                 <a14:useLocalDpi xmlns:a14="http://schemas.microsoft.com/office/drawing/2010/main" val="0"/>
@@ -6306,7 +6912,7 @@
                 <a:latin typeface="Calibri Light" panose="020F0302020204030204" pitchFamily="34" charset="0"/>
                 <a:cs typeface="Calibri Light" panose="020F0302020204030204" pitchFamily="34" charset="0"/>
               </a:rPr>
-              <a:t>Côté Back-End</a:t>
+              <a:t>Back-End</a:t>
             </a:r>
             <a:endParaRPr lang="fr-FR" dirty="0">
               <a:solidFill>
@@ -6320,80 +6926,6 @@
       </p:sp>
       <p:sp>
         <p:nvSpPr>
-          <p:cNvPr id="3" name="Espace réservé du contenu 2"/>
-          <p:cNvSpPr>
-            <a:spLocks noGrp="1"/>
-          </p:cNvSpPr>
-          <p:nvPr>
-            <p:ph idx="1"/>
-          </p:nvPr>
-        </p:nvSpPr>
-        <p:spPr/>
-        <p:txBody>
-          <a:bodyPr/>
-          <a:lstStyle/>
-          <a:p>
-            <a:pPr algn="just"/>
-            <a:r>
-              <a:rPr lang="fr-FR" b="1" dirty="0" err="1" smtClean="0">
-                <a:latin typeface="Calibri Light" panose="020F0302020204030204" pitchFamily="34" charset="0"/>
-                <a:cs typeface="Calibri Light" panose="020F0302020204030204" pitchFamily="34" charset="0"/>
-              </a:rPr>
-              <a:t>AngularJS</a:t>
-            </a:r>
-            <a:r>
-              <a:rPr lang="fr-FR" dirty="0" smtClean="0">
-                <a:latin typeface="Calibri Light" panose="020F0302020204030204" pitchFamily="34" charset="0"/>
-                <a:cs typeface="Calibri Light" panose="020F0302020204030204" pitchFamily="34" charset="0"/>
-              </a:rPr>
-              <a:t>  pour l’application web : Stabilité</a:t>
-            </a:r>
-          </a:p>
-          <a:p>
-            <a:pPr algn="just"/>
-            <a:r>
-              <a:rPr lang="fr-FR" b="1" dirty="0" err="1" smtClean="0">
-                <a:latin typeface="Calibri Light" panose="020F0302020204030204" pitchFamily="34" charset="0"/>
-                <a:cs typeface="Calibri Light" panose="020F0302020204030204" pitchFamily="34" charset="0"/>
-              </a:rPr>
-              <a:t>Cordova</a:t>
-            </a:r>
-            <a:r>
-              <a:rPr lang="fr-FR" dirty="0" smtClean="0">
-                <a:latin typeface="Calibri Light" panose="020F0302020204030204" pitchFamily="34" charset="0"/>
-                <a:cs typeface="Calibri Light" panose="020F0302020204030204" pitchFamily="34" charset="0"/>
-              </a:rPr>
-              <a:t> pour la construction de l’applicatif natif</a:t>
-            </a:r>
-          </a:p>
-          <a:p>
-            <a:pPr algn="just"/>
-            <a:r>
-              <a:rPr lang="fr-FR" dirty="0" smtClean="0">
-                <a:latin typeface="Calibri Light" panose="020F0302020204030204" pitchFamily="34" charset="0"/>
-                <a:cs typeface="Calibri Light" panose="020F0302020204030204" pitchFamily="34" charset="0"/>
-              </a:rPr>
-              <a:t>Fonctionnalités pour se rapprocher du natif (gestes, évènements, slide, etc.)</a:t>
-            </a:r>
-          </a:p>
-          <a:p>
-            <a:pPr algn="just"/>
-            <a:endParaRPr lang="fr-FR" dirty="0" smtClean="0">
-              <a:latin typeface="Calibri Light" panose="020F0302020204030204" pitchFamily="34" charset="0"/>
-              <a:cs typeface="Calibri Light" panose="020F0302020204030204" pitchFamily="34" charset="0"/>
-            </a:endParaRPr>
-          </a:p>
-          <a:p>
-            <a:pPr algn="just"/>
-            <a:endParaRPr lang="fr-FR" dirty="0">
-              <a:latin typeface="Calibri Light" panose="020F0302020204030204" pitchFamily="34" charset="0"/>
-              <a:cs typeface="Calibri Light" panose="020F0302020204030204" pitchFamily="34" charset="0"/>
-            </a:endParaRPr>
-          </a:p>
-        </p:txBody>
-      </p:sp>
-      <p:sp>
-        <p:nvSpPr>
           <p:cNvPr id="4" name="Espace réservé du numéro de diapositive 3"/>
           <p:cNvSpPr>
             <a:spLocks noGrp="1"/>
@@ -6415,6 +6947,107 @@
           </a:p>
         </p:txBody>
       </p:sp>
+      <p:pic>
+        <p:nvPicPr>
+          <p:cNvPr id="1026" name="Picture 2" descr="Résultat de recherche d'images pour &quot;angular js png&quot;"/>
+          <p:cNvPicPr>
+            <a:picLocks noChangeAspect="1" noChangeArrowheads="1"/>
+          </p:cNvPicPr>
+          <p:nvPr/>
+        </p:nvPicPr>
+        <p:blipFill>
+          <a:blip r:embed="rId3">
+            <a:extLst>
+              <a:ext uri="{28A0092B-C50C-407E-A947-70E740481C1C}">
+                <a14:useLocalDpi xmlns:a14="http://schemas.microsoft.com/office/drawing/2010/main" val="0"/>
+              </a:ext>
+            </a:extLst>
+          </a:blip>
+          <a:srcRect/>
+          <a:stretch>
+            <a:fillRect/>
+          </a:stretch>
+        </p:blipFill>
+        <p:spPr bwMode="auto">
+          <a:xfrm>
+            <a:off x="6096000" y="3140074"/>
+            <a:ext cx="1524000" cy="1524001"/>
+          </a:xfrm>
+          <a:prstGeom prst="rect">
+            <a:avLst/>
+          </a:prstGeom>
+          <a:noFill/>
+          <a:extLst>
+            <a:ext uri="{909E8E84-426E-40DD-AFC4-6F175D3DCCD1}">
+              <a14:hiddenFill xmlns:a14="http://schemas.microsoft.com/office/drawing/2010/main">
+                <a:solidFill>
+                  <a:srgbClr val="FFFFFF"/>
+                </a:solidFill>
+              </a14:hiddenFill>
+            </a:ext>
+          </a:extLst>
+        </p:spPr>
+      </p:pic>
+      <p:sp>
+        <p:nvSpPr>
+          <p:cNvPr id="5" name="Espace réservé du contenu 4"/>
+          <p:cNvSpPr>
+            <a:spLocks noGrp="1"/>
+          </p:cNvSpPr>
+          <p:nvPr>
+            <p:ph idx="1"/>
+          </p:nvPr>
+        </p:nvSpPr>
+        <p:spPr/>
+        <p:txBody>
+          <a:bodyPr/>
+          <a:lstStyle/>
+          <a:p>
+            <a:endParaRPr lang="fr-FR" dirty="0"/>
+          </a:p>
+        </p:txBody>
+      </p:sp>
+      <p:pic>
+        <p:nvPicPr>
+          <p:cNvPr id="1028" name="Picture 4" descr="Résultat de recherche d'images pour &quot;cordova png&quot;"/>
+          <p:cNvPicPr>
+            <a:picLocks noChangeAspect="1" noChangeArrowheads="1"/>
+          </p:cNvPicPr>
+          <p:nvPr/>
+        </p:nvPicPr>
+        <p:blipFill>
+          <a:blip r:embed="rId4" cstate="print">
+            <a:extLst>
+              <a:ext uri="{28A0092B-C50C-407E-A947-70E740481C1C}">
+                <a14:useLocalDpi xmlns:a14="http://schemas.microsoft.com/office/drawing/2010/main" val="0"/>
+              </a:ext>
+            </a:extLst>
+          </a:blip>
+          <a:srcRect/>
+          <a:stretch>
+            <a:fillRect/>
+          </a:stretch>
+        </p:blipFill>
+        <p:spPr bwMode="auto">
+          <a:xfrm>
+            <a:off x="1619672" y="3302022"/>
+            <a:ext cx="2688233" cy="1200104"/>
+          </a:xfrm>
+          <a:prstGeom prst="rect">
+            <a:avLst/>
+          </a:prstGeom>
+          <a:noFill/>
+          <a:extLst>
+            <a:ext uri="{909E8E84-426E-40DD-AFC4-6F175D3DCCD1}">
+              <a14:hiddenFill xmlns:a14="http://schemas.microsoft.com/office/drawing/2010/main">
+                <a:solidFill>
+                  <a:srgbClr val="FFFFFF"/>
+                </a:solidFill>
+              </a14:hiddenFill>
+            </a:ext>
+          </a:extLst>
+        </p:spPr>
+      </p:pic>
     </p:spTree>
     <p:extLst>
       <p:ext uri="{BB962C8B-B14F-4D97-AF65-F5344CB8AC3E}">

--- a/presentation.pptx
+++ b/presentation.pptx
@@ -221,7 +221,7 @@
           <a:p>
             <a:fld id="{1BC3700B-4EEC-445A-BA32-5FE574FD12A9}" type="datetimeFigureOut">
               <a:rPr lang="fr-FR" smtClean="0"/>
-              <a:t>10/03/2018</a:t>
+              <a:t>11/03/2018</a:t>
             </a:fld>
             <a:endParaRPr lang="fr-FR"/>
           </a:p>
@@ -534,18 +534,6 @@
           <a:lstStyle/>
           <a:p>
             <a:r>
-              <a:rPr lang="fr-FR" sz="1200" b="0" i="0" kern="1200" smtClean="0">
-                <a:solidFill>
-                  <a:schemeClr val="tx1"/>
-                </a:solidFill>
-                <a:effectLst/>
-                <a:latin typeface="+mn-lt"/>
-                <a:ea typeface="+mn-ea"/>
-                <a:cs typeface="+mn-cs"/>
-              </a:rPr>
-              <a:t>basé </a:t>
-            </a:r>
-            <a:r>
               <a:rPr lang="fr-FR" sz="1200" b="0" i="0" kern="1200" dirty="0" smtClean="0">
                 <a:solidFill>
                   <a:schemeClr val="tx1"/>
@@ -555,7 +543,7 @@
                 <a:ea typeface="+mn-ea"/>
                 <a:cs typeface="+mn-cs"/>
               </a:rPr>
-              <a:t>initialement sur </a:t>
+              <a:t>basé initialement sur </a:t>
             </a:r>
             <a:r>
               <a:rPr lang="fr-FR" sz="1200" b="0" i="0" u="none" strike="noStrike" kern="1200" dirty="0" err="1" smtClean="0">
@@ -816,7 +804,19 @@
                 <a:ea typeface="+mn-ea"/>
                 <a:cs typeface="+mn-cs"/>
               </a:rPr>
-              <a:t>, </a:t>
+              <a:t>,</a:t>
+            </a:r>
+            <a:r>
+              <a:rPr lang="fr-FR" sz="1200" b="0" i="0" kern="1200" dirty="0" smtClean="0">
+                <a:solidFill>
+                  <a:schemeClr val="tx1"/>
+                </a:solidFill>
+                <a:effectLst/>
+                <a:latin typeface="+mn-lt"/>
+                <a:ea typeface="+mn-ea"/>
+                <a:cs typeface="+mn-cs"/>
+              </a:rPr>
+              <a:t> </a:t>
             </a:r>
             <a:r>
               <a:rPr lang="fr-FR" sz="1200" b="0" i="0" u="none" strike="noStrike" kern="1200" dirty="0" smtClean="0">
@@ -827,32 +827,7 @@
                 <a:latin typeface="+mn-lt"/>
                 <a:ea typeface="+mn-ea"/>
                 <a:cs typeface="+mn-cs"/>
-                <a:hlinkClick r:id="rId12" tooltip="Chrome OS"/>
-              </a:rPr>
-              <a:t>Chrome</a:t>
-            </a:r>
-            <a:r>
-              <a:rPr lang="fr-FR" sz="1200" b="0" i="0" kern="1200" dirty="0" smtClean="0">
-                <a:solidFill>
-                  <a:schemeClr val="tx1"/>
-                </a:solidFill>
-                <a:effectLst/>
-                <a:latin typeface="+mn-lt"/>
-                <a:ea typeface="+mn-ea"/>
-                <a:cs typeface="+mn-cs"/>
-              </a:rPr>
-              <a:t>, </a:t>
-            </a:r>
-            <a:r>
-              <a:rPr lang="fr-FR" sz="1200" b="0" i="0" u="none" strike="noStrike" kern="1200" dirty="0" smtClean="0">
-                <a:solidFill>
-                  <a:schemeClr val="tx1"/>
-                </a:solidFill>
-                <a:effectLst/>
-                <a:latin typeface="+mn-lt"/>
-                <a:ea typeface="+mn-ea"/>
-                <a:cs typeface="+mn-cs"/>
-                <a:hlinkClick r:id="rId13" tooltip="Windows Phone"/>
+                <a:hlinkClick r:id="rId12" tooltip="Windows Phone"/>
               </a:rPr>
               <a:t>Windows Phone</a:t>
             </a:r>
@@ -1238,7 +1213,7 @@
           <a:p>
             <a:fld id="{9E902D1D-38E6-40C1-884A-5B6A13BB66A5}" type="datetime1">
               <a:rPr lang="fr-FR" smtClean="0"/>
-              <a:t>10/03/2018</a:t>
+              <a:t>11/03/2018</a:t>
             </a:fld>
             <a:endParaRPr lang="fr-FR"/>
           </a:p>
@@ -1871,7 +1846,7 @@
           <a:p>
             <a:fld id="{E2F24817-7951-4030-A7FE-333D7C1D5674}" type="datetime1">
               <a:rPr lang="fr-FR" smtClean="0"/>
-              <a:t>10/03/2018</a:t>
+              <a:t>11/03/2018</a:t>
             </a:fld>
             <a:endParaRPr lang="fr-FR"/>
           </a:p>
@@ -2148,7 +2123,7 @@
           <a:p>
             <a:fld id="{CDD52DA3-7C8C-4416-8B26-10BEBF1FDEC4}" type="datetime1">
               <a:rPr lang="fr-FR" smtClean="0"/>
-              <a:t>10/03/2018</a:t>
+              <a:t>11/03/2018</a:t>
             </a:fld>
             <a:endParaRPr lang="fr-FR"/>
           </a:p>
@@ -2313,7 +2288,7 @@
           <a:p>
             <a:fld id="{708E9D96-6BD6-4F7F-840C-0D4A52DD244B}" type="datetime1">
               <a:rPr lang="fr-FR" smtClean="0"/>
-              <a:t>10/03/2018</a:t>
+              <a:t>11/03/2018</a:t>
             </a:fld>
             <a:endParaRPr lang="fr-FR"/>
           </a:p>
@@ -2494,7 +2469,7 @@
           <a:p>
             <a:fld id="{E48F0521-5272-4A72-B201-CF649D153963}" type="datetime1">
               <a:rPr lang="fr-FR" smtClean="0"/>
-              <a:t>10/03/2018</a:t>
+              <a:t>11/03/2018</a:t>
             </a:fld>
             <a:endParaRPr lang="fr-FR"/>
           </a:p>
@@ -3139,7 +3114,7 @@
           <a:p>
             <a:fld id="{0E2672DA-25FF-4A4D-90F3-EBA1D2F0976F}" type="datetime1">
               <a:rPr lang="fr-FR" smtClean="0"/>
-              <a:t>10/03/2018</a:t>
+              <a:t>11/03/2018</a:t>
             </a:fld>
             <a:endParaRPr lang="fr-FR"/>
           </a:p>
@@ -3565,7 +3540,7 @@
           <a:p>
             <a:fld id="{D1831EB3-608E-4485-8302-DC3899566597}" type="datetime1">
               <a:rPr lang="fr-FR" smtClean="0"/>
-              <a:t>10/03/2018</a:t>
+              <a:t>11/03/2018</a:t>
             </a:fld>
             <a:endParaRPr lang="fr-FR"/>
           </a:p>
@@ -3678,7 +3653,7 @@
           <a:p>
             <a:fld id="{4D387871-560B-46D7-AFA4-87ECD55AA231}" type="datetime1">
               <a:rPr lang="fr-FR" smtClean="0"/>
-              <a:t>10/03/2018</a:t>
+              <a:t>11/03/2018</a:t>
             </a:fld>
             <a:endParaRPr lang="fr-FR"/>
           </a:p>
@@ -3859,7 +3834,7 @@
           <a:p>
             <a:fld id="{FCAE9258-9C7A-4C47-A926-DC8FDA2ED2A6}" type="datetime1">
               <a:rPr lang="fr-FR" smtClean="0"/>
-              <a:t>10/03/2018</a:t>
+              <a:t>11/03/2018</a:t>
             </a:fld>
             <a:endParaRPr lang="fr-FR"/>
           </a:p>
@@ -4125,7 +4100,7 @@
           <a:p>
             <a:fld id="{9D99298A-6091-45EC-AED6-0F728791400B}" type="datetime1">
               <a:rPr lang="fr-FR" smtClean="0"/>
-              <a:t>10/03/2018</a:t>
+              <a:t>11/03/2018</a:t>
             </a:fld>
             <a:endParaRPr lang="fr-FR"/>
           </a:p>
@@ -4595,7 +4570,7 @@
           <a:p>
             <a:fld id="{387FA8AA-8779-49A2-B871-604041CDEF53}" type="datetime1">
               <a:rPr lang="fr-FR" smtClean="0"/>
-              <a:t>10/03/2018</a:t>
+              <a:t>11/03/2018</a:t>
             </a:fld>
             <a:endParaRPr lang="fr-FR"/>
           </a:p>
@@ -5155,7 +5130,7 @@
           <a:p>
             <a:fld id="{EFA917F1-34E7-4474-93DD-056B6C68B51D}" type="datetime1">
               <a:rPr lang="fr-FR" smtClean="0"/>
-              <a:t>10/03/2018</a:t>
+              <a:t>11/03/2018</a:t>
             </a:fld>
             <a:endParaRPr lang="fr-FR"/>
           </a:p>
@@ -7142,228 +7117,150 @@
         </p:nvSpPr>
         <p:spPr/>
         <p:txBody>
-          <a:bodyPr/>
-          <a:lstStyle/>
-          <a:p>
-            <a:pPr algn="just"/>
-            <a:r>
-              <a:rPr lang="fr-FR" b="1" dirty="0" err="1" smtClean="0">
-                <a:latin typeface="Calibri Light" panose="020F0302020204030204" pitchFamily="34" charset="0"/>
-                <a:cs typeface="Calibri Light" panose="020F0302020204030204" pitchFamily="34" charset="0"/>
-              </a:rPr>
-              <a:t>Ionic</a:t>
-            </a:r>
+          <a:bodyPr>
+            <a:normAutofit/>
+          </a:bodyPr>
+          <a:lstStyle/>
+          <a:p>
+            <a:pPr marL="114300" indent="0" algn="just">
+              <a:buNone/>
+            </a:pPr>
             <a:r>
               <a:rPr lang="fr-FR" b="1" dirty="0" smtClean="0">
                 <a:latin typeface="Calibri Light" panose="020F0302020204030204" pitchFamily="34" charset="0"/>
                 <a:cs typeface="Calibri Light" panose="020F0302020204030204" pitchFamily="34" charset="0"/>
               </a:rPr>
-              <a:t> CLI </a:t>
+              <a:t>                                                                     </a:t>
+            </a:r>
+            <a:endParaRPr lang="fr-FR" b="1" dirty="0">
+              <a:latin typeface="Calibri Light" panose="020F0302020204030204" pitchFamily="34" charset="0"/>
+              <a:cs typeface="Calibri Light" panose="020F0302020204030204" pitchFamily="34" charset="0"/>
+            </a:endParaRPr>
+          </a:p>
+          <a:p>
+            <a:pPr algn="just"/>
+            <a:endParaRPr lang="fr-FR" b="1" dirty="0" smtClean="0">
+              <a:latin typeface="Calibri Light" panose="020F0302020204030204" pitchFamily="34" charset="0"/>
+              <a:cs typeface="Calibri Light" panose="020F0302020204030204" pitchFamily="34" charset="0"/>
+            </a:endParaRPr>
+          </a:p>
+          <a:p>
+            <a:pPr marL="114300" indent="0" algn="just">
+              <a:buNone/>
+            </a:pPr>
+            <a:endParaRPr lang="fr-FR" b="1" dirty="0" smtClean="0">
+              <a:latin typeface="Calibri Light" panose="020F0302020204030204" pitchFamily="34" charset="0"/>
+              <a:cs typeface="Calibri Light" panose="020F0302020204030204" pitchFamily="34" charset="0"/>
+            </a:endParaRPr>
+          </a:p>
+          <a:p>
+            <a:pPr marL="114300" indent="0" algn="just">
+              <a:buNone/>
+            </a:pPr>
+            <a:endParaRPr lang="fr-FR" dirty="0" smtClean="0">
+              <a:latin typeface="Calibri Light" panose="020F0302020204030204" pitchFamily="34" charset="0"/>
+              <a:cs typeface="Calibri Light" panose="020F0302020204030204" pitchFamily="34" charset="0"/>
+            </a:endParaRPr>
+          </a:p>
+          <a:p>
+            <a:pPr marL="114300" indent="0" algn="just">
+              <a:buNone/>
+            </a:pPr>
+            <a:r>
+              <a:rPr lang="fr-FR" dirty="0">
+                <a:latin typeface="Calibri Light" panose="020F0302020204030204" pitchFamily="34" charset="0"/>
+                <a:cs typeface="Calibri Light" panose="020F0302020204030204" pitchFamily="34" charset="0"/>
+              </a:rPr>
+              <a:t> </a:t>
             </a:r>
             <a:r>
               <a:rPr lang="fr-FR" dirty="0" smtClean="0">
                 <a:latin typeface="Calibri Light" panose="020F0302020204030204" pitchFamily="34" charset="0"/>
                 <a:cs typeface="Calibri Light" panose="020F0302020204030204" pitchFamily="34" charset="0"/>
               </a:rPr>
-              <a:t>: Démarrage de projet, lancement de serveur local, compilation…</a:t>
-            </a:r>
-          </a:p>
-          <a:p>
-            <a:pPr algn="just"/>
-            <a:r>
-              <a:rPr lang="fr-FR" b="1" dirty="0" err="1" smtClean="0">
-                <a:latin typeface="Calibri Light" panose="020F0302020204030204" pitchFamily="34" charset="0"/>
-                <a:cs typeface="Calibri Light" panose="020F0302020204030204" pitchFamily="34" charset="0"/>
-              </a:rPr>
-              <a:t>ngCordova</a:t>
-            </a:r>
-            <a:r>
+              <a:t>                                  </a:t>
+            </a:r>
+            <a:br>
               <a:rPr lang="fr-FR" dirty="0" smtClean="0">
                 <a:latin typeface="Calibri Light" panose="020F0302020204030204" pitchFamily="34" charset="0"/>
                 <a:cs typeface="Calibri Light" panose="020F0302020204030204" pitchFamily="34" charset="0"/>
               </a:rPr>
-              <a:t> : Intégration de plugins Apache </a:t>
+            </a:br>
+            <a:endParaRPr lang="fr-FR" dirty="0" smtClean="0">
+              <a:latin typeface="Calibri Light" panose="020F0302020204030204" pitchFamily="34" charset="0"/>
+              <a:cs typeface="Calibri Light" panose="020F0302020204030204" pitchFamily="34" charset="0"/>
+            </a:endParaRPr>
+          </a:p>
+          <a:p>
+            <a:pPr marL="114300" indent="0" algn="just">
+              <a:buNone/>
+            </a:pPr>
+            <a:r>
+              <a:rPr lang="fr-FR" dirty="0">
+                <a:latin typeface="Calibri Light" panose="020F0302020204030204" pitchFamily="34" charset="0"/>
+                <a:cs typeface="Calibri Light" panose="020F0302020204030204" pitchFamily="34" charset="0"/>
+              </a:rPr>
+              <a:t> </a:t>
+            </a:r>
+            <a:r>
+              <a:rPr lang="fr-FR" dirty="0" smtClean="0">
+                <a:latin typeface="Calibri Light" panose="020F0302020204030204" pitchFamily="34" charset="0"/>
+                <a:cs typeface="Calibri Light" panose="020F0302020204030204" pitchFamily="34" charset="0"/>
+              </a:rPr>
+              <a:t>                                        </a:t>
             </a:r>
             <a:r>
               <a:rPr lang="fr-FR" dirty="0" err="1" smtClean="0">
                 <a:latin typeface="Calibri Light" panose="020F0302020204030204" pitchFamily="34" charset="0"/>
                 <a:cs typeface="Calibri Light" panose="020F0302020204030204" pitchFamily="34" charset="0"/>
               </a:rPr>
-              <a:t>Cordova</a:t>
+              <a:t>Ionic</a:t>
             </a:r>
             <a:r>
               <a:rPr lang="fr-FR" dirty="0" smtClean="0">
                 <a:latin typeface="Calibri Light" panose="020F0302020204030204" pitchFamily="34" charset="0"/>
                 <a:cs typeface="Calibri Light" panose="020F0302020204030204" pitchFamily="34" charset="0"/>
               </a:rPr>
-              <a:t>, accès aux fonctionnalités du périphérique, depuis </a:t>
+              <a:t> </a:t>
             </a:r>
             <a:r>
               <a:rPr lang="fr-FR" dirty="0" err="1" smtClean="0">
                 <a:latin typeface="Calibri Light" panose="020F0302020204030204" pitchFamily="34" charset="0"/>
                 <a:cs typeface="Calibri Light" panose="020F0302020204030204" pitchFamily="34" charset="0"/>
               </a:rPr>
-              <a:t>AngularJS</a:t>
-            </a:r>
-            <a:r>
-              <a:rPr lang="fr-FR" dirty="0" smtClean="0">
-                <a:latin typeface="Calibri Light" panose="020F0302020204030204" pitchFamily="34" charset="0"/>
-                <a:cs typeface="Calibri Light" panose="020F0302020204030204" pitchFamily="34" charset="0"/>
-              </a:rPr>
-              <a:t>.</a:t>
-            </a:r>
-          </a:p>
-          <a:p>
-            <a:pPr algn="just"/>
-            <a:r>
-              <a:rPr lang="fr-FR" b="1" dirty="0" err="1" smtClean="0">
-                <a:latin typeface="Calibri Light" panose="020F0302020204030204" pitchFamily="34" charset="0"/>
-                <a:cs typeface="Calibri Light" panose="020F0302020204030204" pitchFamily="34" charset="0"/>
-              </a:rPr>
-              <a:t>Ionic</a:t>
-            </a:r>
-            <a:r>
-              <a:rPr lang="fr-FR" b="1" dirty="0" smtClean="0">
-                <a:latin typeface="Calibri Light" panose="020F0302020204030204" pitchFamily="34" charset="0"/>
-                <a:cs typeface="Calibri Light" panose="020F0302020204030204" pitchFamily="34" charset="0"/>
-              </a:rPr>
-              <a:t> </a:t>
-            </a:r>
-            <a:r>
-              <a:rPr lang="fr-FR" b="1" dirty="0" err="1" smtClean="0">
-                <a:latin typeface="Calibri Light" panose="020F0302020204030204" pitchFamily="34" charset="0"/>
-                <a:cs typeface="Calibri Light" panose="020F0302020204030204" pitchFamily="34" charset="0"/>
-              </a:rPr>
-              <a:t>View</a:t>
-            </a:r>
-            <a:r>
-              <a:rPr lang="fr-FR" b="1" dirty="0" smtClean="0">
-                <a:latin typeface="Calibri Light" panose="020F0302020204030204" pitchFamily="34" charset="0"/>
-                <a:cs typeface="Calibri Light" panose="020F0302020204030204" pitchFamily="34" charset="0"/>
-              </a:rPr>
-              <a:t> </a:t>
-            </a:r>
-            <a:r>
-              <a:rPr lang="fr-FR" dirty="0" smtClean="0">
-                <a:latin typeface="Calibri Light" panose="020F0302020204030204" pitchFamily="34" charset="0"/>
-                <a:cs typeface="Calibri Light" panose="020F0302020204030204" pitchFamily="34" charset="0"/>
-              </a:rPr>
-              <a:t>: Plate-forme cloud pour applications de test.</a:t>
-            </a:r>
-          </a:p>
-          <a:p>
-            <a:pPr algn="just"/>
-            <a:r>
-              <a:rPr lang="fr-FR" b="1" dirty="0" err="1" smtClean="0">
-                <a:latin typeface="Calibri Light" panose="020F0302020204030204" pitchFamily="34" charset="0"/>
-                <a:cs typeface="Calibri Light" panose="020F0302020204030204" pitchFamily="34" charset="0"/>
-              </a:rPr>
-              <a:t>Ionic</a:t>
-            </a:r>
-            <a:r>
-              <a:rPr lang="fr-FR" b="1" dirty="0" smtClean="0">
-                <a:latin typeface="Calibri Light" panose="020F0302020204030204" pitchFamily="34" charset="0"/>
-                <a:cs typeface="Calibri Light" panose="020F0302020204030204" pitchFamily="34" charset="0"/>
-              </a:rPr>
-              <a:t> </a:t>
-            </a:r>
-            <a:r>
-              <a:rPr lang="fr-FR" b="1" dirty="0" err="1" smtClean="0">
-                <a:latin typeface="Calibri Light" panose="020F0302020204030204" pitchFamily="34" charset="0"/>
-                <a:cs typeface="Calibri Light" panose="020F0302020204030204" pitchFamily="34" charset="0"/>
-              </a:rPr>
-              <a:t>Market</a:t>
-            </a:r>
-            <a:r>
-              <a:rPr lang="fr-FR" b="1" dirty="0" smtClean="0">
-                <a:latin typeface="Calibri Light" panose="020F0302020204030204" pitchFamily="34" charset="0"/>
-                <a:cs typeface="Calibri Light" panose="020F0302020204030204" pitchFamily="34" charset="0"/>
-              </a:rPr>
-              <a:t> </a:t>
-            </a:r>
-            <a:r>
-              <a:rPr lang="fr-FR" dirty="0" smtClean="0">
-                <a:latin typeface="Calibri Light" panose="020F0302020204030204" pitchFamily="34" charset="0"/>
-                <a:cs typeface="Calibri Light" panose="020F0302020204030204" pitchFamily="34" charset="0"/>
-              </a:rPr>
-              <a:t>: Achat de thèmes, plugins, etc.</a:t>
-            </a:r>
-          </a:p>
-          <a:p>
-            <a:pPr algn="just"/>
-            <a:r>
-              <a:rPr lang="fr-FR" b="1" dirty="0" err="1" smtClean="0">
-                <a:latin typeface="Calibri Light" panose="020F0302020204030204" pitchFamily="34" charset="0"/>
-                <a:cs typeface="Calibri Light" panose="020F0302020204030204" pitchFamily="34" charset="0"/>
-              </a:rPr>
-              <a:t>Ionic</a:t>
-            </a:r>
-            <a:r>
-              <a:rPr lang="fr-FR" b="1" dirty="0" smtClean="0">
-                <a:latin typeface="Calibri Light" panose="020F0302020204030204" pitchFamily="34" charset="0"/>
-                <a:cs typeface="Calibri Light" panose="020F0302020204030204" pitchFamily="34" charset="0"/>
-              </a:rPr>
-              <a:t> </a:t>
-            </a:r>
-            <a:r>
-              <a:rPr lang="fr-FR" b="1" dirty="0" err="1" smtClean="0">
-                <a:latin typeface="Calibri Light" panose="020F0302020204030204" pitchFamily="34" charset="0"/>
-                <a:cs typeface="Calibri Light" panose="020F0302020204030204" pitchFamily="34" charset="0"/>
-              </a:rPr>
               <a:t>Playground</a:t>
             </a:r>
-            <a:r>
-              <a:rPr lang="fr-FR" b="1" dirty="0" smtClean="0">
-                <a:latin typeface="Calibri Light" panose="020F0302020204030204" pitchFamily="34" charset="0"/>
-                <a:cs typeface="Calibri Light" panose="020F0302020204030204" pitchFamily="34" charset="0"/>
-              </a:rPr>
-              <a:t> </a:t>
-            </a:r>
-            <a:r>
-              <a:rPr lang="fr-FR" dirty="0" smtClean="0">
-                <a:latin typeface="Calibri Light" panose="020F0302020204030204" pitchFamily="34" charset="0"/>
-                <a:cs typeface="Calibri Light" panose="020F0302020204030204" pitchFamily="34" charset="0"/>
-              </a:rPr>
-              <a:t>: Editeur HTML/CSS/JS en ligne, avec émulateur intégré.</a:t>
-            </a:r>
-          </a:p>
-          <a:p>
-            <a:pPr algn="just"/>
-            <a:r>
-              <a:rPr lang="fr-FR" b="1" dirty="0" err="1" smtClean="0">
-                <a:latin typeface="Calibri Light" panose="020F0302020204030204" pitchFamily="34" charset="0"/>
-                <a:cs typeface="Calibri Light" panose="020F0302020204030204" pitchFamily="34" charset="0"/>
-              </a:rPr>
-              <a:t>Ionic</a:t>
-            </a:r>
-            <a:r>
-              <a:rPr lang="fr-FR" b="1" dirty="0" smtClean="0">
-                <a:latin typeface="Calibri Light" panose="020F0302020204030204" pitchFamily="34" charset="0"/>
-                <a:cs typeface="Calibri Light" panose="020F0302020204030204" pitchFamily="34" charset="0"/>
-              </a:rPr>
-              <a:t> </a:t>
-            </a:r>
-            <a:r>
-              <a:rPr lang="fr-FR" b="1" dirty="0" err="1" smtClean="0">
-                <a:latin typeface="Calibri Light" panose="020F0302020204030204" pitchFamily="34" charset="0"/>
-                <a:cs typeface="Calibri Light" panose="020F0302020204030204" pitchFamily="34" charset="0"/>
-              </a:rPr>
-              <a:t>Lab</a:t>
-            </a:r>
-            <a:r>
-              <a:rPr lang="fr-FR" b="1" dirty="0" smtClean="0">
-                <a:latin typeface="Calibri Light" panose="020F0302020204030204" pitchFamily="34" charset="0"/>
-                <a:cs typeface="Calibri Light" panose="020F0302020204030204" pitchFamily="34" charset="0"/>
-              </a:rPr>
-              <a:t> </a:t>
-            </a:r>
-            <a:r>
-              <a:rPr lang="fr-FR" dirty="0" smtClean="0">
-                <a:latin typeface="Calibri Light" panose="020F0302020204030204" pitchFamily="34" charset="0"/>
-                <a:cs typeface="Calibri Light" panose="020F0302020204030204" pitchFamily="34" charset="0"/>
-              </a:rPr>
-              <a:t>: Serveur de développement local émulant l’interface iOS, Android et Windows Phone</a:t>
-            </a:r>
+            <a:endParaRPr lang="fr-FR" dirty="0" smtClean="0">
+              <a:latin typeface="Calibri Light" panose="020F0302020204030204" pitchFamily="34" charset="0"/>
+              <a:cs typeface="Calibri Light" panose="020F0302020204030204" pitchFamily="34" charset="0"/>
+            </a:endParaRPr>
+          </a:p>
+          <a:p>
+            <a:pPr marL="114300" indent="0" algn="just">
+              <a:buNone/>
+            </a:pPr>
+            <a:endParaRPr lang="fr-FR" b="1" dirty="0" smtClean="0">
+              <a:latin typeface="Calibri Light" panose="020F0302020204030204" pitchFamily="34" charset="0"/>
+              <a:cs typeface="Calibri Light" panose="020F0302020204030204" pitchFamily="34" charset="0"/>
+            </a:endParaRPr>
+          </a:p>
+          <a:p>
+            <a:pPr marL="114300" indent="0" algn="just">
+              <a:buNone/>
+            </a:pPr>
+            <a:endParaRPr lang="fr-FR" b="1" dirty="0">
+              <a:latin typeface="Calibri Light" panose="020F0302020204030204" pitchFamily="34" charset="0"/>
+              <a:cs typeface="Calibri Light" panose="020F0302020204030204" pitchFamily="34" charset="0"/>
+            </a:endParaRPr>
+          </a:p>
+          <a:p>
+            <a:pPr marL="114300" indent="0" algn="just">
+              <a:buNone/>
+            </a:pPr>
+            <a:endParaRPr lang="fr-FR" b="1" dirty="0" smtClean="0">
+              <a:latin typeface="Calibri Light" panose="020F0302020204030204" pitchFamily="34" charset="0"/>
+              <a:cs typeface="Calibri Light" panose="020F0302020204030204" pitchFamily="34" charset="0"/>
+            </a:endParaRPr>
           </a:p>
           <a:p>
             <a:pPr algn="just"/>
@@ -7397,6 +7294,143 @@
           </a:p>
         </p:txBody>
       </p:sp>
+      <p:pic>
+        <p:nvPicPr>
+          <p:cNvPr id="5" name="Image 4"/>
+          <p:cNvPicPr>
+            <a:picLocks noChangeAspect="1"/>
+          </p:cNvPicPr>
+          <p:nvPr/>
+        </p:nvPicPr>
+        <p:blipFill>
+          <a:blip r:embed="rId2"/>
+          <a:stretch>
+            <a:fillRect/>
+          </a:stretch>
+        </p:blipFill>
+        <p:spPr>
+          <a:xfrm>
+            <a:off x="611561" y="1916832"/>
+            <a:ext cx="1440160" cy="941877"/>
+          </a:xfrm>
+          <a:prstGeom prst="rect">
+            <a:avLst/>
+          </a:prstGeom>
+        </p:spPr>
+      </p:pic>
+      <p:pic>
+        <p:nvPicPr>
+          <p:cNvPr id="6" name="Image 5"/>
+          <p:cNvPicPr>
+            <a:picLocks noChangeAspect="1"/>
+          </p:cNvPicPr>
+          <p:nvPr/>
+        </p:nvPicPr>
+        <p:blipFill>
+          <a:blip r:embed="rId3"/>
+          <a:stretch>
+            <a:fillRect/>
+          </a:stretch>
+        </p:blipFill>
+        <p:spPr>
+          <a:xfrm>
+            <a:off x="3059832" y="2004462"/>
+            <a:ext cx="2109019" cy="838601"/>
+          </a:xfrm>
+          <a:prstGeom prst="rect">
+            <a:avLst/>
+          </a:prstGeom>
+        </p:spPr>
+      </p:pic>
+      <p:pic>
+        <p:nvPicPr>
+          <p:cNvPr id="1026" name="Picture 2" descr="Résultat de recherche d'images pour &quot;ionic view&quot;"/>
+          <p:cNvPicPr>
+            <a:picLocks noChangeAspect="1" noChangeArrowheads="1"/>
+          </p:cNvPicPr>
+          <p:nvPr/>
+        </p:nvPicPr>
+        <p:blipFill>
+          <a:blip r:embed="rId4">
+            <a:extLst>
+              <a:ext uri="{28A0092B-C50C-407E-A947-70E740481C1C}">
+                <a14:useLocalDpi xmlns:a14="http://schemas.microsoft.com/office/drawing/2010/main" val="0"/>
+              </a:ext>
+            </a:extLst>
+          </a:blip>
+          <a:srcRect/>
+          <a:stretch>
+            <a:fillRect/>
+          </a:stretch>
+        </p:blipFill>
+        <p:spPr bwMode="auto">
+          <a:xfrm>
+            <a:off x="5825799" y="1892307"/>
+            <a:ext cx="2868133" cy="1104646"/>
+          </a:xfrm>
+          <a:prstGeom prst="rect">
+            <a:avLst/>
+          </a:prstGeom>
+          <a:noFill/>
+          <a:extLst>
+            <a:ext uri="{909E8E84-426E-40DD-AFC4-6F175D3DCCD1}">
+              <a14:hiddenFill xmlns:a14="http://schemas.microsoft.com/office/drawing/2010/main">
+                <a:solidFill>
+                  <a:srgbClr val="FFFFFF"/>
+                </a:solidFill>
+              </a14:hiddenFill>
+            </a:ext>
+          </a:extLst>
+        </p:spPr>
+      </p:pic>
+      <p:pic>
+        <p:nvPicPr>
+          <p:cNvPr id="7" name="Image 6"/>
+          <p:cNvPicPr>
+            <a:picLocks noChangeAspect="1"/>
+          </p:cNvPicPr>
+          <p:nvPr/>
+        </p:nvPicPr>
+        <p:blipFill>
+          <a:blip r:embed="rId5"/>
+          <a:stretch>
+            <a:fillRect/>
+          </a:stretch>
+        </p:blipFill>
+        <p:spPr>
+          <a:xfrm>
+            <a:off x="625471" y="3999604"/>
+            <a:ext cx="1671805" cy="985664"/>
+          </a:xfrm>
+          <a:prstGeom prst="rect">
+            <a:avLst/>
+          </a:prstGeom>
+        </p:spPr>
+      </p:pic>
+      <p:pic>
+        <p:nvPicPr>
+          <p:cNvPr id="8" name="Image 7"/>
+          <p:cNvPicPr>
+            <a:picLocks noChangeAspect="1"/>
+          </p:cNvPicPr>
+          <p:nvPr/>
+        </p:nvPicPr>
+        <p:blipFill>
+          <a:blip r:embed="rId6"/>
+          <a:stretch>
+            <a:fillRect/>
+          </a:stretch>
+        </p:blipFill>
+        <p:spPr>
+          <a:xfrm>
+            <a:off x="5994132" y="3863464"/>
+            <a:ext cx="2531465" cy="1257943"/>
+          </a:xfrm>
+          <a:prstGeom prst="rect">
+            <a:avLst/>
+          </a:prstGeom>
+        </p:spPr>
+      </p:pic>
     </p:spTree>
     <p:extLst>
       <p:ext uri="{BB962C8B-B14F-4D97-AF65-F5344CB8AC3E}">

--- a/presentation.pptx
+++ b/presentation.pptx
@@ -5,19 +5,20 @@
     <p:sldMasterId id="2147483660" r:id="rId1"/>
   </p:sldMasterIdLst>
   <p:notesMasterIdLst>
-    <p:notesMasterId r:id="rId12"/>
+    <p:notesMasterId r:id="rId13"/>
   </p:notesMasterIdLst>
   <p:sldIdLst>
     <p:sldId id="256" r:id="rId2"/>
-    <p:sldId id="257" r:id="rId3"/>
-    <p:sldId id="258" r:id="rId4"/>
-    <p:sldId id="259" r:id="rId5"/>
-    <p:sldId id="260" r:id="rId6"/>
-    <p:sldId id="261" r:id="rId7"/>
-    <p:sldId id="262" r:id="rId8"/>
-    <p:sldId id="263" r:id="rId9"/>
-    <p:sldId id="264" r:id="rId10"/>
-    <p:sldId id="265" r:id="rId11"/>
+    <p:sldId id="266" r:id="rId3"/>
+    <p:sldId id="257" r:id="rId4"/>
+    <p:sldId id="258" r:id="rId5"/>
+    <p:sldId id="259" r:id="rId6"/>
+    <p:sldId id="260" r:id="rId7"/>
+    <p:sldId id="261" r:id="rId8"/>
+    <p:sldId id="262" r:id="rId9"/>
+    <p:sldId id="263" r:id="rId10"/>
+    <p:sldId id="264" r:id="rId11"/>
+    <p:sldId id="265" r:id="rId12"/>
   </p:sldIdLst>
   <p:sldSz cx="9144000" cy="6858000" type="screen4x3"/>
   <p:notesSz cx="6858000" cy="9144000"/>
@@ -221,7 +222,7 @@
           <a:p>
             <a:fld id="{1BC3700B-4EEC-445A-BA32-5FE574FD12A9}" type="datetimeFigureOut">
               <a:rPr lang="fr-FR" smtClean="0"/>
-              <a:t>11/03/2018</a:t>
+              <a:t>12/03/2018</a:t>
             </a:fld>
             <a:endParaRPr lang="fr-FR"/>
           </a:p>
@@ -534,7 +535,7 @@
           <a:lstStyle/>
           <a:p>
             <a:r>
-              <a:rPr lang="fr-FR" sz="1200" b="0" i="0" kern="1200" dirty="0" smtClean="0">
+              <a:rPr lang="fr-FR" sz="1200" b="1" i="0" kern="1200" dirty="0" err="1" smtClean="0">
                 <a:solidFill>
                   <a:schemeClr val="tx1"/>
                 </a:solidFill>
@@ -543,10 +544,10 @@
                 <a:ea typeface="+mn-ea"/>
                 <a:cs typeface="+mn-cs"/>
               </a:rPr>
-              <a:t>basé initialement sur </a:t>
-            </a:r>
-            <a:r>
-              <a:rPr lang="fr-FR" sz="1200" b="0" i="0" u="none" strike="noStrike" kern="1200" dirty="0" err="1" smtClean="0">
+              <a:t>Ionic</a:t>
+            </a:r>
+            <a:r>
+              <a:rPr lang="fr-FR" sz="1200" b="0" i="0" kern="1200" dirty="0" smtClean="0">
                 <a:solidFill>
                   <a:schemeClr val="tx1"/>
                 </a:solidFill>
@@ -554,12 +555,11 @@
                 <a:latin typeface="+mn-lt"/>
                 <a:ea typeface="+mn-ea"/>
                 <a:cs typeface="+mn-cs"/>
-                <a:hlinkClick r:id="rId3" tooltip="AngularJS"/>
-              </a:rPr>
-              <a:t>AngularJS</a:t>
-            </a:r>
-            <a:r>
-              <a:rPr lang="fr-FR" sz="1200" b="0" i="0" kern="1200" dirty="0" smtClean="0">
+              </a:rPr>
+              <a:t> est un </a:t>
+            </a:r>
+            <a:r>
+              <a:rPr lang="fr-FR" sz="1200" b="0" i="0" u="none" strike="noStrike" kern="1200" dirty="0" smtClean="0">
                 <a:solidFill>
                   <a:schemeClr val="tx1"/>
                 </a:solidFill>
@@ -567,11 +567,12 @@
                 <a:latin typeface="+mn-lt"/>
                 <a:ea typeface="+mn-ea"/>
                 <a:cs typeface="+mn-cs"/>
-              </a:rPr>
-              <a:t> et </a:t>
-            </a:r>
-            <a:r>
-              <a:rPr lang="fr-FR" sz="1200" b="0" i="0" u="none" strike="noStrike" kern="1200" dirty="0" smtClean="0">
+                <a:hlinkClick r:id="rId3" tooltip="Framework"/>
+              </a:rPr>
+              <a:t>framework</a:t>
+            </a:r>
+            <a:r>
+              <a:rPr lang="fr-FR" sz="1200" b="0" i="0" u="none" strike="noStrike" kern="1200" baseline="30000" dirty="0" smtClean="0">
                 <a:solidFill>
                   <a:schemeClr val="tx1"/>
                 </a:solidFill>
@@ -579,12 +580,162 @@
                 <a:latin typeface="+mn-lt"/>
                 <a:ea typeface="+mn-ea"/>
                 <a:cs typeface="+mn-cs"/>
-                <a:hlinkClick r:id="rId4" tooltip="Apache Cordova"/>
-              </a:rPr>
-              <a:t>Apache Cordova</a:t>
-            </a:r>
-            <a:r>
-              <a:rPr lang="fr-FR" sz="1200" b="0" i="0" u="none" strike="noStrike" kern="1200" baseline="30000" dirty="0" smtClean="0">
+                <a:hlinkClick r:id="rId4"/>
+              </a:rPr>
+              <a:t>1</a:t>
+            </a:r>
+            <a:r>
+              <a:rPr lang="fr-FR" sz="1200" b="0" i="0" kern="1200" dirty="0" smtClean="0">
+                <a:solidFill>
+                  <a:schemeClr val="tx1"/>
+                </a:solidFill>
+                <a:effectLst/>
+                <a:latin typeface="+mn-lt"/>
+                <a:ea typeface="+mn-ea"/>
+                <a:cs typeface="+mn-cs"/>
+              </a:rPr>
+              <a:t> open-source crée en 2013par DRIFTY . Deux versions distinctes sont disponibles, incompatibles entre elles : </a:t>
+            </a:r>
+          </a:p>
+          <a:p>
+            <a:r>
+              <a:rPr lang="fr-FR" sz="1200" b="0" i="0" kern="1200" dirty="0" smtClean="0">
+                <a:solidFill>
+                  <a:schemeClr val="tx1"/>
+                </a:solidFill>
+                <a:effectLst/>
+                <a:latin typeface="+mn-lt"/>
+                <a:ea typeface="+mn-ea"/>
+                <a:cs typeface="+mn-cs"/>
+              </a:rPr>
+              <a:t>la première version, 1.3.3 se base sur </a:t>
+            </a:r>
+            <a:r>
+              <a:rPr lang="fr-FR" sz="1200" b="0" i="0" kern="1200" dirty="0" err="1" smtClean="0">
+                <a:solidFill>
+                  <a:schemeClr val="tx1"/>
+                </a:solidFill>
+                <a:effectLst/>
+                <a:latin typeface="+mn-lt"/>
+                <a:ea typeface="+mn-ea"/>
+                <a:cs typeface="+mn-cs"/>
+              </a:rPr>
+              <a:t>AngularJS</a:t>
+            </a:r>
+            <a:r>
+              <a:rPr lang="fr-FR" sz="1200" b="0" i="0" kern="1200" dirty="0" smtClean="0">
+                <a:solidFill>
+                  <a:schemeClr val="tx1"/>
+                </a:solidFill>
+                <a:effectLst/>
+                <a:latin typeface="+mn-lt"/>
+                <a:ea typeface="+mn-ea"/>
+                <a:cs typeface="+mn-cs"/>
+              </a:rPr>
+              <a:t> 1.5.3 </a:t>
+            </a:r>
+          </a:p>
+          <a:p>
+            <a:r>
+              <a:rPr lang="fr-FR" sz="1200" b="0" i="0" kern="1200" dirty="0" smtClean="0">
+                <a:solidFill>
+                  <a:schemeClr val="tx1"/>
+                </a:solidFill>
+                <a:effectLst/>
+                <a:latin typeface="+mn-lt"/>
+                <a:ea typeface="+mn-ea"/>
+                <a:cs typeface="+mn-cs"/>
+              </a:rPr>
+              <a:t>tandis que la version 3.5.0 se base sur </a:t>
+            </a:r>
+            <a:r>
+              <a:rPr lang="fr-FR" sz="1200" b="0" i="0" kern="1200" dirty="0" err="1" smtClean="0">
+                <a:solidFill>
+                  <a:schemeClr val="tx1"/>
+                </a:solidFill>
+                <a:effectLst/>
+                <a:latin typeface="+mn-lt"/>
+                <a:ea typeface="+mn-ea"/>
+                <a:cs typeface="+mn-cs"/>
+              </a:rPr>
+              <a:t>Angular</a:t>
+            </a:r>
+            <a:r>
+              <a:rPr lang="fr-FR" sz="1200" b="0" i="0" kern="1200" dirty="0" smtClean="0">
+                <a:solidFill>
+                  <a:schemeClr val="tx1"/>
+                </a:solidFill>
+                <a:effectLst/>
+                <a:latin typeface="+mn-lt"/>
+                <a:ea typeface="+mn-ea"/>
+                <a:cs typeface="+mn-cs"/>
+              </a:rPr>
+              <a:t> 4.1.3 et </a:t>
+            </a:r>
+            <a:r>
+              <a:rPr lang="fr-FR" sz="1200" b="0" i="0" kern="1200" dirty="0" err="1" smtClean="0">
+                <a:solidFill>
+                  <a:schemeClr val="tx1"/>
+                </a:solidFill>
+                <a:effectLst/>
+                <a:latin typeface="+mn-lt"/>
+                <a:ea typeface="+mn-ea"/>
+                <a:cs typeface="+mn-cs"/>
+              </a:rPr>
+              <a:t>TypeScript</a:t>
+            </a:r>
+            <a:r>
+              <a:rPr lang="fr-FR" sz="1200" b="0" i="0" kern="1200" dirty="0" smtClean="0">
+                <a:solidFill>
+                  <a:schemeClr val="tx1"/>
+                </a:solidFill>
+                <a:effectLst/>
+                <a:latin typeface="+mn-lt"/>
+                <a:ea typeface="+mn-ea"/>
+                <a:cs typeface="+mn-cs"/>
+              </a:rPr>
+              <a:t>.</a:t>
+            </a:r>
+          </a:p>
+          <a:p>
+            <a:r>
+              <a:rPr lang="fr-FR" sz="1200" b="0" i="0" kern="1200" dirty="0" smtClean="0">
+                <a:solidFill>
+                  <a:schemeClr val="tx1"/>
+                </a:solidFill>
+                <a:effectLst/>
+                <a:latin typeface="+mn-lt"/>
+                <a:ea typeface="+mn-ea"/>
+                <a:cs typeface="+mn-cs"/>
+              </a:rPr>
+              <a:t>Il s’appuie sur </a:t>
+            </a:r>
+            <a:r>
+              <a:rPr lang="fr-FR" sz="1200" b="0" i="0" kern="1200" dirty="0" err="1" smtClean="0">
+                <a:solidFill>
+                  <a:schemeClr val="tx1"/>
+                </a:solidFill>
+                <a:effectLst/>
+                <a:latin typeface="+mn-lt"/>
+                <a:ea typeface="+mn-ea"/>
+                <a:cs typeface="+mn-cs"/>
+              </a:rPr>
+              <a:t>Angular</a:t>
+            </a:r>
+            <a:r>
+              <a:rPr lang="fr-FR" sz="1200" b="0" i="0" kern="1200" dirty="0" smtClean="0">
+                <a:solidFill>
+                  <a:schemeClr val="tx1"/>
+                </a:solidFill>
+                <a:effectLst/>
+                <a:latin typeface="+mn-lt"/>
+                <a:ea typeface="+mn-ea"/>
+                <a:cs typeface="+mn-cs"/>
+              </a:rPr>
+              <a:t> pour la partie web et sur </a:t>
+            </a:r>
+            <a:r>
+              <a:rPr lang="fr-FR" sz="1200" b="0" i="0" u="none" strike="noStrike" kern="1200" dirty="0" err="1" smtClean="0">
                 <a:solidFill>
                   <a:schemeClr val="tx1"/>
                 </a:solidFill>
@@ -594,7 +745,7 @@
                 <a:cs typeface="+mn-cs"/>
                 <a:hlinkClick r:id="rId5"/>
               </a:rPr>
-              <a:t>2</a:t>
+              <a:t>Cordova</a:t>
             </a:r>
             <a:r>
               <a:rPr lang="fr-FR" sz="1200" b="0" i="0" kern="1200" dirty="0" smtClean="0">
@@ -606,8 +757,10 @@
                 <a:ea typeface="+mn-ea"/>
                 <a:cs typeface="+mn-cs"/>
               </a:rPr>
-              <a:t>, </a:t>
-            </a:r>
+              <a:t> pour la partie native.</a:t>
+            </a:r>
+          </a:p>
+          <a:p>
             <a:r>
               <a:rPr lang="fr-FR" sz="1200" b="0" i="0" kern="1200" dirty="0" err="1" smtClean="0">
                 <a:solidFill>
@@ -754,7 +907,21 @@
                 <a:ea typeface="+mn-ea"/>
                 <a:cs typeface="+mn-cs"/>
               </a:rPr>
-              <a:t>, afin de générer des applications </a:t>
+              <a:t>, </a:t>
+            </a:r>
+          </a:p>
+          <a:p>
+            <a:r>
+              <a:rPr lang="fr-FR" sz="1200" b="0" i="0" kern="1200" dirty="0" smtClean="0">
+                <a:solidFill>
+                  <a:schemeClr val="tx1"/>
+                </a:solidFill>
+                <a:effectLst/>
+                <a:latin typeface="+mn-lt"/>
+                <a:ea typeface="+mn-ea"/>
+                <a:cs typeface="+mn-cs"/>
+              </a:rPr>
+              <a:t>afin de générer des applications </a:t>
             </a:r>
             <a:r>
               <a:rPr lang="fr-FR" sz="1200" b="0" i="0" u="none" strike="noStrike" kern="1200" dirty="0" smtClean="0">
@@ -804,10 +971,10 @@
                 <a:ea typeface="+mn-ea"/>
                 <a:cs typeface="+mn-cs"/>
               </a:rPr>
-              <a:t>,</a:t>
-            </a:r>
-            <a:r>
-              <a:rPr lang="fr-FR" sz="1200" b="0" i="0" kern="1200" dirty="0" smtClean="0">
+              <a:t>, </a:t>
+            </a:r>
+            <a:r>
+              <a:rPr lang="fr-FR" sz="1200" b="0" i="0" u="none" strike="noStrike" kern="1200" dirty="0" smtClean="0">
                 <a:solidFill>
                   <a:schemeClr val="tx1"/>
                 </a:solidFill>
@@ -815,11 +982,12 @@
                 <a:latin typeface="+mn-lt"/>
                 <a:ea typeface="+mn-ea"/>
                 <a:cs typeface="+mn-cs"/>
-              </a:rPr>
-              <a:t> </a:t>
-            </a:r>
-            <a:r>
-              <a:rPr lang="fr-FR" sz="1200" b="0" i="0" u="none" strike="noStrike" kern="1200" dirty="0" smtClean="0">
+                <a:hlinkClick r:id="rId12" tooltip="Chrome OS"/>
+              </a:rPr>
+              <a:t>Chrome</a:t>
+            </a:r>
+            <a:r>
+              <a:rPr lang="fr-FR" sz="1200" b="0" i="0" kern="1200" dirty="0" smtClean="0">
                 <a:solidFill>
                   <a:schemeClr val="tx1"/>
                 </a:solidFill>
@@ -827,12 +995,11 @@
                 <a:latin typeface="+mn-lt"/>
                 <a:ea typeface="+mn-ea"/>
                 <a:cs typeface="+mn-cs"/>
-                <a:hlinkClick r:id="rId12" tooltip="Windows Phone"/>
-              </a:rPr>
-              <a:t>Windows Phone</a:t>
-            </a:r>
-            <a:r>
-              <a:rPr lang="fr-FR" sz="1200" b="0" i="0" kern="1200" dirty="0" smtClean="0">
+              </a:rPr>
+              <a:t>, </a:t>
+            </a:r>
+            <a:r>
+              <a:rPr lang="fr-FR" sz="1200" b="0" i="0" u="none" strike="noStrike" kern="1200" dirty="0" smtClean="0">
                 <a:solidFill>
                   <a:schemeClr val="tx1"/>
                 </a:solidFill>
@@ -840,38 +1007,25 @@
                 <a:latin typeface="+mn-lt"/>
                 <a:ea typeface="+mn-ea"/>
                 <a:cs typeface="+mn-cs"/>
+                <a:hlinkClick r:id="rId13" tooltip="Windows Phone"/>
+              </a:rPr>
+              <a:t>Windows Phone</a:t>
+            </a:r>
+            <a:r>
+              <a:rPr lang="fr-FR" sz="1200" b="0" i="0" kern="1200" dirty="0" smtClean="0">
+                <a:solidFill>
+                  <a:schemeClr val="tx1"/>
+                </a:solidFill>
+                <a:effectLst/>
+                <a:latin typeface="+mn-lt"/>
+                <a:ea typeface="+mn-ea"/>
+                <a:cs typeface="+mn-cs"/>
               </a:rPr>
               <a:t> et bien d'autres.</a:t>
             </a:r>
             <a:endParaRPr lang="fr-FR" dirty="0" smtClean="0"/>
           </a:p>
           <a:p>
-            <a:endParaRPr lang="fr-FR" dirty="0" smtClean="0"/>
-          </a:p>
-          <a:p>
-            <a:endParaRPr lang="fr-FR" dirty="0" smtClean="0"/>
-          </a:p>
-          <a:p>
-            <a:r>
-              <a:rPr lang="fr-FR" dirty="0" smtClean="0"/>
-              <a:t>Les applications ioniques sont constituées de blocs de construction de haut niveau appelés composants. Les composants vous permettent de créer rapidement une interface pour votre application. </a:t>
-            </a:r>
-            <a:r>
-              <a:rPr lang="fr-FR" dirty="0" err="1" smtClean="0"/>
-              <a:t>Ionic</a:t>
-            </a:r>
-            <a:r>
-              <a:rPr lang="fr-FR" dirty="0" smtClean="0"/>
-              <a:t> est livré avec un certain nombre de composants, y compris les modaux, les </a:t>
-            </a:r>
-            <a:r>
-              <a:rPr lang="fr-FR" dirty="0" err="1" smtClean="0"/>
-              <a:t>popups</a:t>
-            </a:r>
-            <a:r>
-              <a:rPr lang="fr-FR" dirty="0" smtClean="0"/>
-              <a:t> et les cartes.</a:t>
-            </a:r>
             <a:endParaRPr lang="fr-FR" dirty="0"/>
           </a:p>
         </p:txBody>
@@ -893,7 +1047,7 @@
           <a:p>
             <a:fld id="{33D0D4F3-7D52-472F-A6D8-300C270D9384}" type="slidenum">
               <a:rPr lang="fr-FR" smtClean="0"/>
-              <a:t>5</a:t>
+              <a:t>3</a:t>
             </a:fld>
             <a:endParaRPr lang="fr-FR"/>
           </a:p>
@@ -902,7 +1056,7 @@
     </p:spTree>
     <p:extLst>
       <p:ext uri="{BB962C8B-B14F-4D97-AF65-F5344CB8AC3E}">
-        <p14:creationId xmlns:p14="http://schemas.microsoft.com/office/powerpoint/2010/main" val="2096099630"/>
+        <p14:creationId xmlns:p14="http://schemas.microsoft.com/office/powerpoint/2010/main" val="1624003358"/>
       </p:ext>
     </p:extLst>
   </p:cSld>
@@ -956,6 +1110,1037 @@
           <a:bodyPr/>
           <a:lstStyle/>
           <a:p>
+            <a:r>
+              <a:rPr lang="fr-FR" sz="1200" b="1" i="0" kern="1200" dirty="0" err="1" smtClean="0">
+                <a:solidFill>
+                  <a:schemeClr val="tx1"/>
+                </a:solidFill>
+                <a:effectLst/>
+                <a:latin typeface="+mn-lt"/>
+                <a:ea typeface="+mn-ea"/>
+                <a:cs typeface="+mn-cs"/>
+              </a:rPr>
+              <a:t>Ionic</a:t>
+            </a:r>
+            <a:r>
+              <a:rPr lang="fr-FR" sz="1200" b="0" i="0" kern="1200" dirty="0" smtClean="0">
+                <a:solidFill>
+                  <a:schemeClr val="tx1"/>
+                </a:solidFill>
+                <a:effectLst/>
+                <a:latin typeface="+mn-lt"/>
+                <a:ea typeface="+mn-ea"/>
+                <a:cs typeface="+mn-cs"/>
+              </a:rPr>
+              <a:t> est un </a:t>
+            </a:r>
+            <a:r>
+              <a:rPr lang="fr-FR" sz="1200" b="0" i="0" u="none" strike="noStrike" kern="1200" dirty="0" smtClean="0">
+                <a:solidFill>
+                  <a:schemeClr val="tx1"/>
+                </a:solidFill>
+                <a:effectLst/>
+                <a:latin typeface="+mn-lt"/>
+                <a:ea typeface="+mn-ea"/>
+                <a:cs typeface="+mn-cs"/>
+                <a:hlinkClick r:id="rId3" tooltip="Framework"/>
+              </a:rPr>
+              <a:t>framework</a:t>
+            </a:r>
+            <a:r>
+              <a:rPr lang="fr-FR" sz="1200" b="0" i="0" u="none" strike="noStrike" kern="1200" baseline="30000" dirty="0" smtClean="0">
+                <a:solidFill>
+                  <a:schemeClr val="tx1"/>
+                </a:solidFill>
+                <a:effectLst/>
+                <a:latin typeface="+mn-lt"/>
+                <a:ea typeface="+mn-ea"/>
+                <a:cs typeface="+mn-cs"/>
+                <a:hlinkClick r:id="rId4"/>
+              </a:rPr>
+              <a:t>1</a:t>
+            </a:r>
+            <a:r>
+              <a:rPr lang="fr-FR" sz="1200" b="0" i="0" kern="1200" dirty="0" smtClean="0">
+                <a:solidFill>
+                  <a:schemeClr val="tx1"/>
+                </a:solidFill>
+                <a:effectLst/>
+                <a:latin typeface="+mn-lt"/>
+                <a:ea typeface="+mn-ea"/>
+                <a:cs typeface="+mn-cs"/>
+              </a:rPr>
+              <a:t> open-source crée en 2013par DRIFTY . Deux versions distinctes sont disponibles, incompatibles entre elles : </a:t>
+            </a:r>
+          </a:p>
+          <a:p>
+            <a:r>
+              <a:rPr lang="fr-FR" sz="1200" b="0" i="0" kern="1200" dirty="0" smtClean="0">
+                <a:solidFill>
+                  <a:schemeClr val="tx1"/>
+                </a:solidFill>
+                <a:effectLst/>
+                <a:latin typeface="+mn-lt"/>
+                <a:ea typeface="+mn-ea"/>
+                <a:cs typeface="+mn-cs"/>
+              </a:rPr>
+              <a:t>la première version, 1.3.3 se base sur </a:t>
+            </a:r>
+            <a:r>
+              <a:rPr lang="fr-FR" sz="1200" b="0" i="0" kern="1200" dirty="0" err="1" smtClean="0">
+                <a:solidFill>
+                  <a:schemeClr val="tx1"/>
+                </a:solidFill>
+                <a:effectLst/>
+                <a:latin typeface="+mn-lt"/>
+                <a:ea typeface="+mn-ea"/>
+                <a:cs typeface="+mn-cs"/>
+              </a:rPr>
+              <a:t>AngularJS</a:t>
+            </a:r>
+            <a:r>
+              <a:rPr lang="fr-FR" sz="1200" b="0" i="0" kern="1200" dirty="0" smtClean="0">
+                <a:solidFill>
+                  <a:schemeClr val="tx1"/>
+                </a:solidFill>
+                <a:effectLst/>
+                <a:latin typeface="+mn-lt"/>
+                <a:ea typeface="+mn-ea"/>
+                <a:cs typeface="+mn-cs"/>
+              </a:rPr>
+              <a:t> 1.5.3 </a:t>
+            </a:r>
+          </a:p>
+          <a:p>
+            <a:r>
+              <a:rPr lang="fr-FR" sz="1200" b="0" i="0" kern="1200" dirty="0" smtClean="0">
+                <a:solidFill>
+                  <a:schemeClr val="tx1"/>
+                </a:solidFill>
+                <a:effectLst/>
+                <a:latin typeface="+mn-lt"/>
+                <a:ea typeface="+mn-ea"/>
+                <a:cs typeface="+mn-cs"/>
+              </a:rPr>
+              <a:t>tandis que la version 3.5.0 se base sur </a:t>
+            </a:r>
+            <a:r>
+              <a:rPr lang="fr-FR" sz="1200" b="0" i="0" kern="1200" dirty="0" err="1" smtClean="0">
+                <a:solidFill>
+                  <a:schemeClr val="tx1"/>
+                </a:solidFill>
+                <a:effectLst/>
+                <a:latin typeface="+mn-lt"/>
+                <a:ea typeface="+mn-ea"/>
+                <a:cs typeface="+mn-cs"/>
+              </a:rPr>
+              <a:t>Angular</a:t>
+            </a:r>
+            <a:r>
+              <a:rPr lang="fr-FR" sz="1200" b="0" i="0" kern="1200" dirty="0" smtClean="0">
+                <a:solidFill>
+                  <a:schemeClr val="tx1"/>
+                </a:solidFill>
+                <a:effectLst/>
+                <a:latin typeface="+mn-lt"/>
+                <a:ea typeface="+mn-ea"/>
+                <a:cs typeface="+mn-cs"/>
+              </a:rPr>
+              <a:t> 4.1.3 et </a:t>
+            </a:r>
+            <a:r>
+              <a:rPr lang="fr-FR" sz="1200" b="0" i="0" kern="1200" dirty="0" err="1" smtClean="0">
+                <a:solidFill>
+                  <a:schemeClr val="tx1"/>
+                </a:solidFill>
+                <a:effectLst/>
+                <a:latin typeface="+mn-lt"/>
+                <a:ea typeface="+mn-ea"/>
+                <a:cs typeface="+mn-cs"/>
+              </a:rPr>
+              <a:t>TypeScript</a:t>
+            </a:r>
+            <a:r>
+              <a:rPr lang="fr-FR" sz="1200" b="0" i="0" kern="1200" dirty="0" smtClean="0">
+                <a:solidFill>
+                  <a:schemeClr val="tx1"/>
+                </a:solidFill>
+                <a:effectLst/>
+                <a:latin typeface="+mn-lt"/>
+                <a:ea typeface="+mn-ea"/>
+                <a:cs typeface="+mn-cs"/>
+              </a:rPr>
+              <a:t>.</a:t>
+            </a:r>
+          </a:p>
+          <a:p>
+            <a:r>
+              <a:rPr lang="fr-FR" sz="1200" b="0" i="0" kern="1200" dirty="0" smtClean="0">
+                <a:solidFill>
+                  <a:schemeClr val="tx1"/>
+                </a:solidFill>
+                <a:effectLst/>
+                <a:latin typeface="+mn-lt"/>
+                <a:ea typeface="+mn-ea"/>
+                <a:cs typeface="+mn-cs"/>
+              </a:rPr>
+              <a:t>Il s’appuie sur </a:t>
+            </a:r>
+            <a:r>
+              <a:rPr lang="fr-FR" sz="1200" b="0" i="0" kern="1200" dirty="0" err="1" smtClean="0">
+                <a:solidFill>
+                  <a:schemeClr val="tx1"/>
+                </a:solidFill>
+                <a:effectLst/>
+                <a:latin typeface="+mn-lt"/>
+                <a:ea typeface="+mn-ea"/>
+                <a:cs typeface="+mn-cs"/>
+              </a:rPr>
+              <a:t>Angular</a:t>
+            </a:r>
+            <a:r>
+              <a:rPr lang="fr-FR" sz="1200" b="0" i="0" kern="1200" dirty="0" smtClean="0">
+                <a:solidFill>
+                  <a:schemeClr val="tx1"/>
+                </a:solidFill>
+                <a:effectLst/>
+                <a:latin typeface="+mn-lt"/>
+                <a:ea typeface="+mn-ea"/>
+                <a:cs typeface="+mn-cs"/>
+              </a:rPr>
+              <a:t> pour la partie web et sur </a:t>
+            </a:r>
+            <a:r>
+              <a:rPr lang="fr-FR" sz="1200" b="0" i="0" u="none" strike="noStrike" kern="1200" dirty="0" err="1" smtClean="0">
+                <a:solidFill>
+                  <a:schemeClr val="tx1"/>
+                </a:solidFill>
+                <a:effectLst/>
+                <a:latin typeface="+mn-lt"/>
+                <a:ea typeface="+mn-ea"/>
+                <a:cs typeface="+mn-cs"/>
+                <a:hlinkClick r:id="rId5"/>
+              </a:rPr>
+              <a:t>Cordova</a:t>
+            </a:r>
+            <a:r>
+              <a:rPr lang="fr-FR" sz="1200" b="0" i="0" kern="1200" dirty="0" smtClean="0">
+                <a:solidFill>
+                  <a:schemeClr val="tx1"/>
+                </a:solidFill>
+                <a:effectLst/>
+                <a:latin typeface="+mn-lt"/>
+                <a:ea typeface="+mn-ea"/>
+                <a:cs typeface="+mn-cs"/>
+              </a:rPr>
+              <a:t> pour la partie native.</a:t>
+            </a:r>
+          </a:p>
+          <a:p>
+            <a:r>
+              <a:rPr lang="fr-FR" sz="1200" b="0" i="0" kern="1200" dirty="0" err="1" smtClean="0">
+                <a:solidFill>
+                  <a:schemeClr val="tx1"/>
+                </a:solidFill>
+                <a:effectLst/>
+                <a:latin typeface="+mn-lt"/>
+                <a:ea typeface="+mn-ea"/>
+                <a:cs typeface="+mn-cs"/>
+              </a:rPr>
+              <a:t>Ionic</a:t>
+            </a:r>
+            <a:r>
+              <a:rPr lang="fr-FR" sz="1200" b="0" i="0" kern="1200" dirty="0" smtClean="0">
+                <a:solidFill>
+                  <a:schemeClr val="tx1"/>
+                </a:solidFill>
+                <a:effectLst/>
+                <a:latin typeface="+mn-lt"/>
+                <a:ea typeface="+mn-ea"/>
+                <a:cs typeface="+mn-cs"/>
+              </a:rPr>
+              <a:t> permet de créer un code </a:t>
+            </a:r>
+            <a:r>
+              <a:rPr lang="fr-FR" sz="1200" b="0" i="0" kern="1200" dirty="0" err="1" smtClean="0">
+                <a:solidFill>
+                  <a:schemeClr val="tx1"/>
+                </a:solidFill>
+                <a:effectLst/>
+                <a:latin typeface="+mn-lt"/>
+                <a:ea typeface="+mn-ea"/>
+                <a:cs typeface="+mn-cs"/>
+              </a:rPr>
+              <a:t>multisupport</a:t>
+            </a:r>
+            <a:r>
+              <a:rPr lang="fr-FR" sz="1200" b="0" i="0" kern="1200" dirty="0" smtClean="0">
+                <a:solidFill>
+                  <a:schemeClr val="tx1"/>
+                </a:solidFill>
+                <a:effectLst/>
+                <a:latin typeface="+mn-lt"/>
+                <a:ea typeface="+mn-ea"/>
+                <a:cs typeface="+mn-cs"/>
+              </a:rPr>
+              <a:t> en utilisant des outils </a:t>
+            </a:r>
+            <a:r>
+              <a:rPr lang="fr-FR" sz="1200" b="0" i="0" u="none" strike="noStrike" kern="1200" dirty="0" smtClean="0">
+                <a:solidFill>
+                  <a:schemeClr val="tx1"/>
+                </a:solidFill>
+                <a:effectLst/>
+                <a:latin typeface="+mn-lt"/>
+                <a:ea typeface="+mn-ea"/>
+                <a:cs typeface="+mn-cs"/>
+                <a:hlinkClick r:id="rId6" tooltip="Web"/>
+              </a:rPr>
+              <a:t>Web</a:t>
+            </a:r>
+            <a:r>
+              <a:rPr lang="fr-FR" sz="1200" b="0" i="0" kern="1200" dirty="0" smtClean="0">
+                <a:solidFill>
+                  <a:schemeClr val="tx1"/>
+                </a:solidFill>
+                <a:effectLst/>
+                <a:latin typeface="+mn-lt"/>
+                <a:ea typeface="+mn-ea"/>
+                <a:cs typeface="+mn-cs"/>
+              </a:rPr>
+              <a:t> comme </a:t>
+            </a:r>
+            <a:r>
+              <a:rPr lang="fr-FR" sz="1200" b="0" i="0" u="none" strike="noStrike" kern="1200" dirty="0" smtClean="0">
+                <a:solidFill>
+                  <a:schemeClr val="tx1"/>
+                </a:solidFill>
+                <a:effectLst/>
+                <a:latin typeface="+mn-lt"/>
+                <a:ea typeface="+mn-ea"/>
+                <a:cs typeface="+mn-cs"/>
+                <a:hlinkClick r:id="rId7" tooltip="HTML"/>
+              </a:rPr>
+              <a:t>HTML</a:t>
+            </a:r>
+            <a:r>
+              <a:rPr lang="fr-FR" sz="1200" b="0" i="0" kern="1200" dirty="0" smtClean="0">
+                <a:solidFill>
+                  <a:schemeClr val="tx1"/>
+                </a:solidFill>
+                <a:effectLst/>
+                <a:latin typeface="+mn-lt"/>
+                <a:ea typeface="+mn-ea"/>
+                <a:cs typeface="+mn-cs"/>
+              </a:rPr>
+              <a:t>, </a:t>
+            </a:r>
+            <a:r>
+              <a:rPr lang="fr-FR" sz="1200" b="0" i="0" u="none" strike="noStrike" kern="1200" dirty="0" smtClean="0">
+                <a:solidFill>
+                  <a:schemeClr val="tx1"/>
+                </a:solidFill>
+                <a:effectLst/>
+                <a:latin typeface="+mn-lt"/>
+                <a:ea typeface="+mn-ea"/>
+                <a:cs typeface="+mn-cs"/>
+                <a:hlinkClick r:id="rId8" tooltip="Feuilles de style en cascade"/>
+              </a:rPr>
+              <a:t>CSS</a:t>
+            </a:r>
+            <a:r>
+              <a:rPr lang="fr-FR" sz="1200" b="0" i="0" kern="1200" dirty="0" smtClean="0">
+                <a:solidFill>
+                  <a:schemeClr val="tx1"/>
+                </a:solidFill>
+                <a:effectLst/>
+                <a:latin typeface="+mn-lt"/>
+                <a:ea typeface="+mn-ea"/>
+                <a:cs typeface="+mn-cs"/>
+              </a:rPr>
+              <a:t>, </a:t>
+            </a:r>
+            <a:r>
+              <a:rPr lang="fr-FR" sz="1200" b="0" i="0" u="none" strike="noStrike" kern="1200" dirty="0" smtClean="0">
+                <a:solidFill>
+                  <a:schemeClr val="tx1"/>
+                </a:solidFill>
+                <a:effectLst/>
+                <a:latin typeface="+mn-lt"/>
+                <a:ea typeface="+mn-ea"/>
+                <a:cs typeface="+mn-cs"/>
+                <a:hlinkClick r:id="rId9" tooltip="JavaScript"/>
+              </a:rPr>
+              <a:t>JavaScript</a:t>
+            </a:r>
+            <a:r>
+              <a:rPr lang="fr-FR" sz="1200" b="0" i="0" kern="1200" dirty="0" smtClean="0">
+                <a:solidFill>
+                  <a:schemeClr val="tx1"/>
+                </a:solidFill>
+                <a:effectLst/>
+                <a:latin typeface="+mn-lt"/>
+                <a:ea typeface="+mn-ea"/>
+                <a:cs typeface="+mn-cs"/>
+              </a:rPr>
+              <a:t>, </a:t>
+            </a:r>
+          </a:p>
+          <a:p>
+            <a:r>
+              <a:rPr lang="fr-FR" sz="1200" b="0" i="0" kern="1200" dirty="0" smtClean="0">
+                <a:solidFill>
+                  <a:schemeClr val="tx1"/>
+                </a:solidFill>
+                <a:effectLst/>
+                <a:latin typeface="+mn-lt"/>
+                <a:ea typeface="+mn-ea"/>
+                <a:cs typeface="+mn-cs"/>
+              </a:rPr>
+              <a:t>afin de générer des applications </a:t>
+            </a:r>
+            <a:r>
+              <a:rPr lang="fr-FR" sz="1200" b="0" i="0" u="none" strike="noStrike" kern="1200" dirty="0" smtClean="0">
+                <a:solidFill>
+                  <a:schemeClr val="tx1"/>
+                </a:solidFill>
+                <a:effectLst/>
+                <a:latin typeface="+mn-lt"/>
+                <a:ea typeface="+mn-ea"/>
+                <a:cs typeface="+mn-cs"/>
+                <a:hlinkClick r:id="rId10" tooltip="Apple iOS"/>
+              </a:rPr>
+              <a:t>iOS</a:t>
+            </a:r>
+            <a:r>
+              <a:rPr lang="fr-FR" sz="1200" b="0" i="0" kern="1200" dirty="0" smtClean="0">
+                <a:solidFill>
+                  <a:schemeClr val="tx1"/>
+                </a:solidFill>
+                <a:effectLst/>
+                <a:latin typeface="+mn-lt"/>
+                <a:ea typeface="+mn-ea"/>
+                <a:cs typeface="+mn-cs"/>
+              </a:rPr>
+              <a:t>, </a:t>
+            </a:r>
+            <a:r>
+              <a:rPr lang="fr-FR" sz="1200" b="0" i="0" u="none" strike="noStrike" kern="1200" dirty="0" smtClean="0">
+                <a:solidFill>
+                  <a:schemeClr val="tx1"/>
+                </a:solidFill>
+                <a:effectLst/>
+                <a:latin typeface="+mn-lt"/>
+                <a:ea typeface="+mn-ea"/>
+                <a:cs typeface="+mn-cs"/>
+                <a:hlinkClick r:id="rId11" tooltip="Android"/>
+              </a:rPr>
+              <a:t>Android</a:t>
+            </a:r>
+            <a:r>
+              <a:rPr lang="fr-FR" sz="1200" b="0" i="0" kern="1200" dirty="0" smtClean="0">
+                <a:solidFill>
+                  <a:schemeClr val="tx1"/>
+                </a:solidFill>
+                <a:effectLst/>
+                <a:latin typeface="+mn-lt"/>
+                <a:ea typeface="+mn-ea"/>
+                <a:cs typeface="+mn-cs"/>
+              </a:rPr>
+              <a:t>, </a:t>
+            </a:r>
+            <a:r>
+              <a:rPr lang="fr-FR" sz="1200" b="0" i="0" u="none" strike="noStrike" kern="1200" dirty="0" smtClean="0">
+                <a:solidFill>
+                  <a:schemeClr val="tx1"/>
+                </a:solidFill>
+                <a:effectLst/>
+                <a:latin typeface="+mn-lt"/>
+                <a:ea typeface="+mn-ea"/>
+                <a:cs typeface="+mn-cs"/>
+                <a:hlinkClick r:id="rId12" tooltip="Chrome OS"/>
+              </a:rPr>
+              <a:t>Chrome</a:t>
+            </a:r>
+            <a:r>
+              <a:rPr lang="fr-FR" sz="1200" b="0" i="0" kern="1200" dirty="0" smtClean="0">
+                <a:solidFill>
+                  <a:schemeClr val="tx1"/>
+                </a:solidFill>
+                <a:effectLst/>
+                <a:latin typeface="+mn-lt"/>
+                <a:ea typeface="+mn-ea"/>
+                <a:cs typeface="+mn-cs"/>
+              </a:rPr>
+              <a:t>, </a:t>
+            </a:r>
+            <a:r>
+              <a:rPr lang="fr-FR" sz="1200" b="0" i="0" u="none" strike="noStrike" kern="1200" dirty="0" smtClean="0">
+                <a:solidFill>
+                  <a:schemeClr val="tx1"/>
+                </a:solidFill>
+                <a:effectLst/>
+                <a:latin typeface="+mn-lt"/>
+                <a:ea typeface="+mn-ea"/>
+                <a:cs typeface="+mn-cs"/>
+                <a:hlinkClick r:id="rId13" tooltip="Windows Phone"/>
+              </a:rPr>
+              <a:t>Windows Phone</a:t>
+            </a:r>
+            <a:r>
+              <a:rPr lang="fr-FR" sz="1200" b="0" i="0" kern="1200" dirty="0" smtClean="0">
+                <a:solidFill>
+                  <a:schemeClr val="tx1"/>
+                </a:solidFill>
+                <a:effectLst/>
+                <a:latin typeface="+mn-lt"/>
+                <a:ea typeface="+mn-ea"/>
+                <a:cs typeface="+mn-cs"/>
+              </a:rPr>
+              <a:t> et bien d'autres.</a:t>
+            </a:r>
+            <a:endParaRPr lang="fr-FR" dirty="0" smtClean="0"/>
+          </a:p>
+          <a:p>
+            <a:endParaRPr lang="fr-FR" dirty="0"/>
+          </a:p>
+        </p:txBody>
+      </p:sp>
+      <p:sp>
+        <p:nvSpPr>
+          <p:cNvPr id="4" name="Espace réservé du numéro de diapositive 3"/>
+          <p:cNvSpPr>
+            <a:spLocks noGrp="1"/>
+          </p:cNvSpPr>
+          <p:nvPr>
+            <p:ph type="sldNum" sz="quarter" idx="10"/>
+          </p:nvPr>
+        </p:nvSpPr>
+        <p:spPr/>
+        <p:txBody>
+          <a:bodyPr/>
+          <a:lstStyle/>
+          <a:p>
+            <a:fld id="{33D0D4F3-7D52-472F-A6D8-300C270D9384}" type="slidenum">
+              <a:rPr lang="fr-FR" smtClean="0"/>
+              <a:t>4</a:t>
+            </a:fld>
+            <a:endParaRPr lang="fr-FR"/>
+          </a:p>
+        </p:txBody>
+      </p:sp>
+    </p:spTree>
+    <p:extLst>
+      <p:ext uri="{BB962C8B-B14F-4D97-AF65-F5344CB8AC3E}">
+        <p14:creationId xmlns:p14="http://schemas.microsoft.com/office/powerpoint/2010/main" val="3892552798"/>
+      </p:ext>
+    </p:extLst>
+  </p:cSld>
+  <p:clrMapOvr>
+    <a:masterClrMapping/>
+  </p:clrMapOvr>
+</p:notes>
+</file>
+
+<file path=ppt/notesSlides/notesSlide3.xml><?xml version="1.0" encoding="utf-8"?>
+<p:notes xmlns:a="http://schemas.openxmlformats.org/drawingml/2006/main" xmlns:r="http://schemas.openxmlformats.org/officeDocument/2006/relationships" xmlns:p="http://schemas.openxmlformats.org/presentationml/2006/main">
+  <p:cSld>
+    <p:spTree>
+      <p:nvGrpSpPr>
+        <p:cNvPr id="1" name=""/>
+        <p:cNvGrpSpPr/>
+        <p:nvPr/>
+      </p:nvGrpSpPr>
+      <p:grpSpPr>
+        <a:xfrm>
+          <a:off x="0" y="0"/>
+          <a:ext cx="0" cy="0"/>
+          <a:chOff x="0" y="0"/>
+          <a:chExt cx="0" cy="0"/>
+        </a:xfrm>
+      </p:grpSpPr>
+      <p:sp>
+        <p:nvSpPr>
+          <p:cNvPr id="2" name="Espace réservé de l'image des diapositives 1"/>
+          <p:cNvSpPr>
+            <a:spLocks noGrp="1" noRot="1" noChangeAspect="1"/>
+          </p:cNvSpPr>
+          <p:nvPr>
+            <p:ph type="sldImg"/>
+          </p:nvPr>
+        </p:nvSpPr>
+        <p:spPr/>
+      </p:sp>
+      <p:sp>
+        <p:nvSpPr>
+          <p:cNvPr id="3" name="Espace réservé des notes 2"/>
+          <p:cNvSpPr>
+            <a:spLocks noGrp="1"/>
+          </p:cNvSpPr>
+          <p:nvPr>
+            <p:ph type="body" idx="1"/>
+          </p:nvPr>
+        </p:nvSpPr>
+        <p:spPr/>
+        <p:txBody>
+          <a:bodyPr/>
+          <a:lstStyle/>
+          <a:p>
+            <a:r>
+              <a:rPr lang="fr-FR" sz="1200" b="0" i="0" kern="1200" dirty="0" smtClean="0">
+                <a:solidFill>
+                  <a:schemeClr val="tx1"/>
+                </a:solidFill>
+                <a:effectLst/>
+                <a:latin typeface="+mn-lt"/>
+                <a:ea typeface="+mn-ea"/>
+                <a:cs typeface="+mn-cs"/>
+              </a:rPr>
+              <a:t>Une application hybride est une application mobile qui contient une instance de navigateur isolé, qu'on appelle aussi </a:t>
+            </a:r>
+            <a:r>
+              <a:rPr lang="fr-FR" sz="1200" b="0" i="1" kern="1200" dirty="0" err="1" smtClean="0">
+                <a:solidFill>
+                  <a:schemeClr val="tx1"/>
+                </a:solidFill>
+                <a:effectLst/>
+                <a:latin typeface="+mn-lt"/>
+                <a:ea typeface="+mn-ea"/>
+                <a:cs typeface="+mn-cs"/>
+              </a:rPr>
+              <a:t>WebView</a:t>
+            </a:r>
+            <a:r>
+              <a:rPr lang="fr-FR" sz="1200" b="0" i="1" kern="1200" dirty="0" smtClean="0">
+                <a:solidFill>
+                  <a:schemeClr val="tx1"/>
+                </a:solidFill>
+                <a:effectLst/>
+                <a:latin typeface="+mn-lt"/>
+                <a:ea typeface="+mn-ea"/>
+                <a:cs typeface="+mn-cs"/>
+              </a:rPr>
+              <a:t>,</a:t>
+            </a:r>
+            <a:r>
+              <a:rPr lang="fr-FR" sz="1200" b="0" i="0" kern="1200" dirty="0" smtClean="0">
+                <a:solidFill>
+                  <a:schemeClr val="tx1"/>
+                </a:solidFill>
+                <a:effectLst/>
+                <a:latin typeface="+mn-lt"/>
+                <a:ea typeface="+mn-ea"/>
+                <a:cs typeface="+mn-cs"/>
+              </a:rPr>
+              <a:t> pour exécuter une application web dans une application native.  Ce type d'application utilise  un </a:t>
+            </a:r>
+            <a:r>
+              <a:rPr lang="fr-FR" sz="1200" b="0" i="0" kern="1200" dirty="0" err="1" smtClean="0">
+                <a:solidFill>
+                  <a:schemeClr val="tx1"/>
+                </a:solidFill>
+                <a:effectLst/>
+                <a:latin typeface="+mn-lt"/>
+                <a:ea typeface="+mn-ea"/>
+                <a:cs typeface="+mn-cs"/>
+              </a:rPr>
+              <a:t>wrapper</a:t>
+            </a:r>
+            <a:r>
+              <a:rPr lang="fr-FR" sz="1200" b="0" i="0" kern="1200" dirty="0" smtClean="0">
+                <a:solidFill>
+                  <a:schemeClr val="tx1"/>
+                </a:solidFill>
+                <a:effectLst/>
+                <a:latin typeface="+mn-lt"/>
+                <a:ea typeface="+mn-ea"/>
+                <a:cs typeface="+mn-cs"/>
+              </a:rPr>
+              <a:t> d'application native qui peut communiquer entre la plateforme native et la </a:t>
+            </a:r>
+            <a:r>
+              <a:rPr lang="fr-FR" sz="1200" b="0" i="0" kern="1200" dirty="0" err="1" smtClean="0">
+                <a:solidFill>
+                  <a:schemeClr val="tx1"/>
+                </a:solidFill>
+                <a:effectLst/>
+                <a:latin typeface="+mn-lt"/>
+                <a:ea typeface="+mn-ea"/>
+                <a:cs typeface="+mn-cs"/>
+              </a:rPr>
+              <a:t>WebView</a:t>
+            </a:r>
+            <a:r>
+              <a:rPr lang="fr-FR" sz="1200" b="0" i="0" kern="1200" dirty="0" smtClean="0">
+                <a:solidFill>
+                  <a:schemeClr val="tx1"/>
+                </a:solidFill>
+                <a:effectLst/>
+                <a:latin typeface="+mn-lt"/>
+                <a:ea typeface="+mn-ea"/>
+                <a:cs typeface="+mn-cs"/>
+              </a:rPr>
+              <a:t> (</a:t>
+            </a:r>
+            <a:r>
+              <a:rPr lang="fr-FR" sz="1200" b="0" i="0" kern="1200" dirty="0" err="1" smtClean="0">
+                <a:solidFill>
+                  <a:schemeClr val="tx1"/>
+                </a:solidFill>
+                <a:effectLst/>
+                <a:latin typeface="+mn-lt"/>
+                <a:ea typeface="+mn-ea"/>
+                <a:cs typeface="+mn-cs"/>
+              </a:rPr>
+              <a:t>Cordova</a:t>
+            </a:r>
+            <a:r>
+              <a:rPr lang="fr-FR" sz="1200" b="0" i="0" kern="1200" dirty="0" smtClean="0">
+                <a:solidFill>
+                  <a:schemeClr val="tx1"/>
+                </a:solidFill>
+                <a:effectLst/>
+                <a:latin typeface="+mn-lt"/>
+                <a:ea typeface="+mn-ea"/>
+                <a:cs typeface="+mn-cs"/>
+              </a:rPr>
+              <a:t>) . Ce qui signifie que votre application peut tourner sur un mobile et avoir accès à celui-ci, donc recourir par exemple à la caméra ou au GPS.</a:t>
+            </a:r>
+          </a:p>
+          <a:p>
+            <a:endParaRPr lang="fr-FR" dirty="0" smtClean="0"/>
+          </a:p>
+          <a:p>
+            <a:endParaRPr lang="fr-FR" dirty="0"/>
+          </a:p>
+        </p:txBody>
+      </p:sp>
+      <p:sp>
+        <p:nvSpPr>
+          <p:cNvPr id="4" name="Espace réservé du numéro de diapositive 3"/>
+          <p:cNvSpPr>
+            <a:spLocks noGrp="1"/>
+          </p:cNvSpPr>
+          <p:nvPr>
+            <p:ph type="sldNum" sz="quarter" idx="10"/>
+          </p:nvPr>
+        </p:nvSpPr>
+        <p:spPr/>
+        <p:txBody>
+          <a:bodyPr/>
+          <a:lstStyle/>
+          <a:p>
+            <a:fld id="{33D0D4F3-7D52-472F-A6D8-300C270D9384}" type="slidenum">
+              <a:rPr lang="fr-FR" smtClean="0"/>
+              <a:t>5</a:t>
+            </a:fld>
+            <a:endParaRPr lang="fr-FR"/>
+          </a:p>
+        </p:txBody>
+      </p:sp>
+    </p:spTree>
+    <p:extLst>
+      <p:ext uri="{BB962C8B-B14F-4D97-AF65-F5344CB8AC3E}">
+        <p14:creationId xmlns:p14="http://schemas.microsoft.com/office/powerpoint/2010/main" val="2844986397"/>
+      </p:ext>
+    </p:extLst>
+  </p:cSld>
+  <p:clrMapOvr>
+    <a:masterClrMapping/>
+  </p:clrMapOvr>
+</p:notes>
+</file>
+
+<file path=ppt/notesSlides/notesSlide4.xml><?xml version="1.0" encoding="utf-8"?>
+<p:notes xmlns:a="http://schemas.openxmlformats.org/drawingml/2006/main" xmlns:r="http://schemas.openxmlformats.org/officeDocument/2006/relationships" xmlns:p="http://schemas.openxmlformats.org/presentationml/2006/main">
+  <p:cSld>
+    <p:spTree>
+      <p:nvGrpSpPr>
+        <p:cNvPr id="1" name=""/>
+        <p:cNvGrpSpPr/>
+        <p:nvPr/>
+      </p:nvGrpSpPr>
+      <p:grpSpPr>
+        <a:xfrm>
+          <a:off x="0" y="0"/>
+          <a:ext cx="0" cy="0"/>
+          <a:chOff x="0" y="0"/>
+          <a:chExt cx="0" cy="0"/>
+        </a:xfrm>
+      </p:grpSpPr>
+      <p:sp>
+        <p:nvSpPr>
+          <p:cNvPr id="2" name="Espace réservé de l'image des diapositives 1"/>
+          <p:cNvSpPr>
+            <a:spLocks noGrp="1" noRot="1" noChangeAspect="1"/>
+          </p:cNvSpPr>
+          <p:nvPr>
+            <p:ph type="sldImg"/>
+          </p:nvPr>
+        </p:nvSpPr>
+        <p:spPr/>
+      </p:sp>
+      <p:sp>
+        <p:nvSpPr>
+          <p:cNvPr id="3" name="Espace réservé des notes 2"/>
+          <p:cNvSpPr>
+            <a:spLocks noGrp="1"/>
+          </p:cNvSpPr>
+          <p:nvPr>
+            <p:ph type="body" idx="1"/>
+          </p:nvPr>
+        </p:nvSpPr>
+        <p:spPr/>
+        <p:txBody>
+          <a:bodyPr/>
+          <a:lstStyle/>
+          <a:p>
+            <a:pPr marL="171450" indent="-171450">
+              <a:buFontTx/>
+              <a:buChar char="-"/>
+            </a:pPr>
+            <a:r>
+              <a:rPr lang="fr-FR" sz="1200" b="0" i="0" kern="1200" dirty="0" smtClean="0">
+                <a:solidFill>
+                  <a:schemeClr val="tx1"/>
+                </a:solidFill>
+                <a:effectLst/>
+                <a:latin typeface="+mn-lt"/>
+                <a:ea typeface="+mn-ea"/>
+                <a:cs typeface="+mn-cs"/>
+              </a:rPr>
+              <a:t>Basé initialement sur </a:t>
+            </a:r>
+            <a:r>
+              <a:rPr lang="fr-FR" sz="1200" b="0" i="0" kern="1200" dirty="0" err="1" smtClean="0">
+                <a:solidFill>
+                  <a:schemeClr val="tx1"/>
+                </a:solidFill>
+                <a:effectLst/>
+                <a:latin typeface="+mn-lt"/>
+                <a:ea typeface="+mn-ea"/>
+                <a:cs typeface="+mn-cs"/>
+              </a:rPr>
+              <a:t>AnguarJS</a:t>
+            </a:r>
+            <a:r>
+              <a:rPr lang="fr-FR" sz="1200" b="0" i="0" kern="1200" baseline="0" dirty="0" smtClean="0">
+                <a:solidFill>
+                  <a:schemeClr val="tx1"/>
+                </a:solidFill>
+                <a:effectLst/>
+                <a:latin typeface="+mn-lt"/>
+                <a:ea typeface="+mn-ea"/>
+                <a:cs typeface="+mn-cs"/>
+              </a:rPr>
+              <a:t> et </a:t>
+            </a:r>
+            <a:r>
+              <a:rPr lang="fr-FR" sz="1200" b="0" i="0" kern="1200" baseline="0" dirty="0" err="1" smtClean="0">
+                <a:solidFill>
+                  <a:schemeClr val="tx1"/>
+                </a:solidFill>
+                <a:effectLst/>
+                <a:latin typeface="+mn-lt"/>
+                <a:ea typeface="+mn-ea"/>
+                <a:cs typeface="+mn-cs"/>
+              </a:rPr>
+              <a:t>Cordova</a:t>
+            </a:r>
+            <a:endParaRPr lang="fr-FR" sz="1200" b="0" i="0" kern="1200" baseline="0" dirty="0" smtClean="0">
+              <a:solidFill>
+                <a:schemeClr val="tx1"/>
+              </a:solidFill>
+              <a:effectLst/>
+              <a:latin typeface="+mn-lt"/>
+              <a:ea typeface="+mn-ea"/>
+              <a:cs typeface="+mn-cs"/>
+            </a:endParaRPr>
+          </a:p>
+          <a:p>
+            <a:pPr marL="171450" indent="-171450">
+              <a:buFontTx/>
+              <a:buChar char="-"/>
+            </a:pPr>
+            <a:r>
+              <a:rPr lang="fr-FR" sz="1200" b="0" i="0" kern="1200" baseline="0" dirty="0" smtClean="0">
+                <a:solidFill>
+                  <a:schemeClr val="tx1"/>
+                </a:solidFill>
+                <a:effectLst/>
+                <a:latin typeface="+mn-lt"/>
+                <a:ea typeface="+mn-ea"/>
+                <a:cs typeface="+mn-cs"/>
+              </a:rPr>
+              <a:t>Code multi-support utilisant des outils web HTML CSS JAVA SCRIPT Pour générer du IOS ANDROID PHONE</a:t>
+            </a:r>
+          </a:p>
+          <a:p>
+            <a:pPr marL="171450" indent="-171450">
+              <a:buFontTx/>
+              <a:buChar char="-"/>
+            </a:pPr>
+            <a:r>
+              <a:rPr lang="fr-FR" sz="1200" b="0" i="0" kern="1200" baseline="0" dirty="0" smtClean="0">
+                <a:solidFill>
+                  <a:schemeClr val="tx1"/>
+                </a:solidFill>
+                <a:effectLst/>
+                <a:latin typeface="+mn-lt"/>
+                <a:ea typeface="+mn-ea"/>
+                <a:cs typeface="+mn-cs"/>
+              </a:rPr>
+              <a:t>Les applications IONIC sont constituées de blocs de construction de haut niveau appelées les composants, ils permettent de créer rapidement une interface pour votre appli (</a:t>
+            </a:r>
+            <a:r>
+              <a:rPr lang="fr-FR" sz="1200" b="0" i="0" kern="1200" baseline="0" dirty="0" err="1" smtClean="0">
+                <a:solidFill>
+                  <a:schemeClr val="tx1"/>
+                </a:solidFill>
+                <a:effectLst/>
+                <a:latin typeface="+mn-lt"/>
+                <a:ea typeface="+mn-ea"/>
+                <a:cs typeface="+mn-cs"/>
+              </a:rPr>
+              <a:t>PopUp</a:t>
+            </a:r>
+            <a:r>
+              <a:rPr lang="fr-FR" sz="1200" b="0" i="0" kern="1200" baseline="0" dirty="0" smtClean="0">
+                <a:solidFill>
+                  <a:schemeClr val="tx1"/>
+                </a:solidFill>
+                <a:effectLst/>
+                <a:latin typeface="+mn-lt"/>
+                <a:ea typeface="+mn-ea"/>
+                <a:cs typeface="+mn-cs"/>
+              </a:rPr>
+              <a:t> - </a:t>
+            </a:r>
+            <a:r>
+              <a:rPr lang="fr-FR" sz="1200" b="0" i="0" kern="1200" baseline="0" dirty="0" err="1" smtClean="0">
+                <a:solidFill>
+                  <a:schemeClr val="tx1"/>
+                </a:solidFill>
+                <a:effectLst/>
+                <a:latin typeface="+mn-lt"/>
+                <a:ea typeface="+mn-ea"/>
+                <a:cs typeface="+mn-cs"/>
+              </a:rPr>
+              <a:t>Maps</a:t>
+            </a:r>
+            <a:r>
+              <a:rPr lang="fr-FR" sz="1200" b="0" i="0" kern="1200" baseline="0" dirty="0" smtClean="0">
+                <a:solidFill>
+                  <a:schemeClr val="tx1"/>
+                </a:solidFill>
+                <a:effectLst/>
+                <a:latin typeface="+mn-lt"/>
+                <a:ea typeface="+mn-ea"/>
+                <a:cs typeface="+mn-cs"/>
+              </a:rPr>
+              <a:t>)</a:t>
+            </a:r>
+          </a:p>
+          <a:p>
+            <a:pPr marL="0" indent="0">
+              <a:buFontTx/>
+              <a:buNone/>
+            </a:pPr>
+            <a:endParaRPr lang="fr-FR" sz="1200" b="0" i="0" kern="1200" baseline="0" dirty="0" smtClean="0">
+              <a:solidFill>
+                <a:schemeClr val="tx1"/>
+              </a:solidFill>
+              <a:effectLst/>
+              <a:latin typeface="+mn-lt"/>
+              <a:ea typeface="+mn-ea"/>
+              <a:cs typeface="+mn-cs"/>
+            </a:endParaRPr>
+          </a:p>
+          <a:p>
+            <a:endParaRPr lang="fr-FR" dirty="0"/>
+          </a:p>
+        </p:txBody>
+      </p:sp>
+      <p:sp>
+        <p:nvSpPr>
+          <p:cNvPr id="4" name="Espace réservé du numéro de diapositive 3"/>
+          <p:cNvSpPr>
+            <a:spLocks noGrp="1"/>
+          </p:cNvSpPr>
+          <p:nvPr>
+            <p:ph type="sldNum" sz="quarter" idx="10"/>
+          </p:nvPr>
+        </p:nvSpPr>
+        <p:spPr/>
+        <p:txBody>
+          <a:bodyPr/>
+          <a:lstStyle/>
+          <a:p>
+            <a:fld id="{33D0D4F3-7D52-472F-A6D8-300C270D9384}" type="slidenum">
+              <a:rPr lang="fr-FR" smtClean="0"/>
+              <a:t>6</a:t>
+            </a:fld>
+            <a:endParaRPr lang="fr-FR"/>
+          </a:p>
+        </p:txBody>
+      </p:sp>
+    </p:spTree>
+    <p:extLst>
+      <p:ext uri="{BB962C8B-B14F-4D97-AF65-F5344CB8AC3E}">
+        <p14:creationId xmlns:p14="http://schemas.microsoft.com/office/powerpoint/2010/main" val="2096099630"/>
+      </p:ext>
+    </p:extLst>
+  </p:cSld>
+  <p:clrMapOvr>
+    <a:masterClrMapping/>
+  </p:clrMapOvr>
+</p:notes>
+</file>
+
+<file path=ppt/notesSlides/notesSlide5.xml><?xml version="1.0" encoding="utf-8"?>
+<p:notes xmlns:a="http://schemas.openxmlformats.org/drawingml/2006/main" xmlns:r="http://schemas.openxmlformats.org/officeDocument/2006/relationships" xmlns:p="http://schemas.openxmlformats.org/presentationml/2006/main">
+  <p:cSld>
+    <p:spTree>
+      <p:nvGrpSpPr>
+        <p:cNvPr id="1" name=""/>
+        <p:cNvGrpSpPr/>
+        <p:nvPr/>
+      </p:nvGrpSpPr>
+      <p:grpSpPr>
+        <a:xfrm>
+          <a:off x="0" y="0"/>
+          <a:ext cx="0" cy="0"/>
+          <a:chOff x="0" y="0"/>
+          <a:chExt cx="0" cy="0"/>
+        </a:xfrm>
+      </p:grpSpPr>
+      <p:sp>
+        <p:nvSpPr>
+          <p:cNvPr id="2" name="Espace réservé de l'image des diapositives 1"/>
+          <p:cNvSpPr>
+            <a:spLocks noGrp="1" noRot="1" noChangeAspect="1"/>
+          </p:cNvSpPr>
+          <p:nvPr>
+            <p:ph type="sldImg"/>
+          </p:nvPr>
+        </p:nvSpPr>
+        <p:spPr/>
+      </p:sp>
+      <p:sp>
+        <p:nvSpPr>
+          <p:cNvPr id="3" name="Espace réservé des notes 2"/>
+          <p:cNvSpPr>
+            <a:spLocks noGrp="1"/>
+          </p:cNvSpPr>
+          <p:nvPr>
+            <p:ph type="body" idx="1"/>
+          </p:nvPr>
+        </p:nvSpPr>
+        <p:spPr/>
+        <p:txBody>
+          <a:bodyPr/>
+          <a:lstStyle/>
+          <a:p>
             <a:pPr marL="0" marR="0" lvl="0" indent="0" algn="l" defTabSz="914400" rtl="0" eaLnBrk="1" fontAlgn="auto" latinLnBrk="0" hangingPunct="1">
               <a:lnSpc>
                 <a:spcPct val="100000"/>
@@ -1069,7 +2254,7 @@
           <a:p>
             <a:fld id="{33D0D4F3-7D52-472F-A6D8-300C270D9384}" type="slidenum">
               <a:rPr lang="fr-FR" smtClean="0"/>
-              <a:t>6</a:t>
+              <a:t>7</a:t>
             </a:fld>
             <a:endParaRPr lang="fr-FR"/>
           </a:p>
@@ -1079,6 +2264,221 @@
     <p:extLst>
       <p:ext uri="{BB962C8B-B14F-4D97-AF65-F5344CB8AC3E}">
         <p14:creationId xmlns:p14="http://schemas.microsoft.com/office/powerpoint/2010/main" val="3370572821"/>
+      </p:ext>
+    </p:extLst>
+  </p:cSld>
+  <p:clrMapOvr>
+    <a:masterClrMapping/>
+  </p:clrMapOvr>
+</p:notes>
+</file>
+
+<file path=ppt/notesSlides/notesSlide6.xml><?xml version="1.0" encoding="utf-8"?>
+<p:notes xmlns:a="http://schemas.openxmlformats.org/drawingml/2006/main" xmlns:r="http://schemas.openxmlformats.org/officeDocument/2006/relationships" xmlns:p="http://schemas.openxmlformats.org/presentationml/2006/main">
+  <p:cSld>
+    <p:spTree>
+      <p:nvGrpSpPr>
+        <p:cNvPr id="1" name=""/>
+        <p:cNvGrpSpPr/>
+        <p:nvPr/>
+      </p:nvGrpSpPr>
+      <p:grpSpPr>
+        <a:xfrm>
+          <a:off x="0" y="0"/>
+          <a:ext cx="0" cy="0"/>
+          <a:chOff x="0" y="0"/>
+          <a:chExt cx="0" cy="0"/>
+        </a:xfrm>
+      </p:grpSpPr>
+      <p:sp>
+        <p:nvSpPr>
+          <p:cNvPr id="2" name="Espace réservé de l'image des diapositives 1"/>
+          <p:cNvSpPr>
+            <a:spLocks noGrp="1" noRot="1" noChangeAspect="1"/>
+          </p:cNvSpPr>
+          <p:nvPr>
+            <p:ph type="sldImg"/>
+          </p:nvPr>
+        </p:nvSpPr>
+        <p:spPr/>
+      </p:sp>
+      <p:sp>
+        <p:nvSpPr>
+          <p:cNvPr id="3" name="Espace réservé des notes 2"/>
+          <p:cNvSpPr>
+            <a:spLocks noGrp="1"/>
+          </p:cNvSpPr>
+          <p:nvPr>
+            <p:ph type="body" idx="1"/>
+          </p:nvPr>
+        </p:nvSpPr>
+        <p:spPr/>
+        <p:txBody>
+          <a:bodyPr/>
+          <a:lstStyle/>
+          <a:p>
+            <a:pPr marL="171450" indent="-171450">
+              <a:buFontTx/>
+              <a:buChar char="-"/>
+            </a:pPr>
+            <a:r>
+              <a:rPr lang="fr-FR" dirty="0" err="1" smtClean="0"/>
+              <a:t>Ionic</a:t>
+            </a:r>
+            <a:r>
+              <a:rPr lang="fr-FR" dirty="0" smtClean="0"/>
+              <a:t> CLI: </a:t>
+            </a:r>
+            <a:r>
+              <a:rPr lang="fr-FR" dirty="0" err="1" smtClean="0"/>
+              <a:t>Demarage</a:t>
+            </a:r>
+            <a:r>
+              <a:rPr lang="fr-FR" dirty="0" smtClean="0"/>
+              <a:t> de projet,</a:t>
+            </a:r>
+            <a:r>
+              <a:rPr lang="fr-FR" baseline="0" dirty="0" smtClean="0"/>
+              <a:t> lancement de serveur</a:t>
+            </a:r>
+          </a:p>
+          <a:p>
+            <a:pPr marL="171450" indent="-171450">
+              <a:buFontTx/>
+              <a:buChar char="-"/>
+            </a:pPr>
+            <a:r>
+              <a:rPr lang="fr-FR" baseline="0" dirty="0" err="1" smtClean="0"/>
+              <a:t>ngCordova</a:t>
+            </a:r>
+            <a:r>
+              <a:rPr lang="fr-FR" baseline="0" dirty="0" smtClean="0"/>
+              <a:t>: Intégration de plugin, accès aux </a:t>
+            </a:r>
+            <a:r>
+              <a:rPr lang="fr-FR" baseline="0" dirty="0" err="1" smtClean="0"/>
+              <a:t>fonctionalités</a:t>
+            </a:r>
+            <a:r>
+              <a:rPr lang="fr-FR" baseline="0" dirty="0" smtClean="0"/>
+              <a:t> du périphérique.</a:t>
+            </a:r>
+          </a:p>
+          <a:p>
+            <a:pPr marL="171450" indent="-171450">
+              <a:buFontTx/>
+              <a:buChar char="-"/>
+            </a:pPr>
+            <a:r>
+              <a:rPr lang="fr-FR" baseline="0" dirty="0" err="1" smtClean="0"/>
+              <a:t>IonicView</a:t>
+            </a:r>
+            <a:r>
+              <a:rPr lang="fr-FR" baseline="0" dirty="0" smtClean="0"/>
+              <a:t>: Plate-forme cloud pour application de test.</a:t>
+            </a:r>
+            <a:br>
+              <a:rPr lang="fr-FR" baseline="0" dirty="0" smtClean="0"/>
+            </a:br>
+            <a:r>
+              <a:rPr lang="fr-FR" baseline="0" dirty="0" err="1" smtClean="0"/>
+              <a:t>Ionic</a:t>
+            </a:r>
+            <a:r>
+              <a:rPr lang="fr-FR" baseline="0" dirty="0" smtClean="0"/>
+              <a:t> </a:t>
+            </a:r>
+            <a:r>
+              <a:rPr lang="fr-FR" baseline="0" dirty="0" err="1" smtClean="0"/>
+              <a:t>Market</a:t>
+            </a:r>
+            <a:r>
+              <a:rPr lang="fr-FR" baseline="0" dirty="0" smtClean="0"/>
+              <a:t>: Achat de plugin</a:t>
+            </a:r>
+          </a:p>
+          <a:p>
+            <a:pPr marL="171450" indent="-171450">
+              <a:buFontTx/>
+              <a:buChar char="-"/>
+            </a:pPr>
+            <a:r>
+              <a:rPr lang="fr-FR" baseline="0" dirty="0" err="1" smtClean="0"/>
+              <a:t>Playground</a:t>
+            </a:r>
+            <a:r>
+              <a:rPr lang="fr-FR" baseline="0" dirty="0" smtClean="0"/>
+              <a:t>: Editeur  HTML/CSS/JS</a:t>
+            </a:r>
+          </a:p>
+          <a:p>
+            <a:pPr marL="171450" indent="-171450">
+              <a:buFontTx/>
+              <a:buChar char="-"/>
+            </a:pPr>
+            <a:r>
+              <a:rPr lang="fr-FR" baseline="0" dirty="0" err="1" smtClean="0"/>
+              <a:t>Ionic</a:t>
+            </a:r>
+            <a:r>
+              <a:rPr lang="fr-FR" baseline="0" dirty="0" smtClean="0"/>
+              <a:t> </a:t>
+            </a:r>
+            <a:r>
+              <a:rPr lang="fr-FR" baseline="0" dirty="0" err="1" smtClean="0"/>
+              <a:t>Lab</a:t>
+            </a:r>
+            <a:r>
+              <a:rPr lang="fr-FR" baseline="0" dirty="0" smtClean="0"/>
+              <a:t>: serveur de </a:t>
+            </a:r>
+            <a:r>
+              <a:rPr lang="fr-FR" baseline="0" dirty="0" err="1" smtClean="0"/>
+              <a:t>developpement</a:t>
+            </a:r>
+            <a:r>
+              <a:rPr lang="fr-FR" baseline="0" dirty="0" smtClean="0"/>
+              <a:t> local </a:t>
+            </a:r>
+            <a:r>
+              <a:rPr lang="fr-FR" baseline="0" dirty="0" err="1" smtClean="0"/>
+              <a:t>emlant</a:t>
+            </a:r>
+            <a:r>
+              <a:rPr lang="fr-FR" baseline="0" dirty="0" smtClean="0"/>
+              <a:t> l’interface ANDROID/IOS/WINDOWS PHONE</a:t>
+            </a:r>
+            <a:endParaRPr lang="fr-FR" dirty="0"/>
+          </a:p>
+        </p:txBody>
+      </p:sp>
+      <p:sp>
+        <p:nvSpPr>
+          <p:cNvPr id="4" name="Espace réservé du numéro de diapositive 3"/>
+          <p:cNvSpPr>
+            <a:spLocks noGrp="1"/>
+          </p:cNvSpPr>
+          <p:nvPr>
+            <p:ph type="sldNum" sz="quarter" idx="10"/>
+          </p:nvPr>
+        </p:nvSpPr>
+        <p:spPr/>
+        <p:txBody>
+          <a:bodyPr/>
+          <a:lstStyle/>
+          <a:p>
+            <a:fld id="{33D0D4F3-7D52-472F-A6D8-300C270D9384}" type="slidenum">
+              <a:rPr lang="fr-FR" smtClean="0"/>
+              <a:t>8</a:t>
+            </a:fld>
+            <a:endParaRPr lang="fr-FR"/>
+          </a:p>
+        </p:txBody>
+      </p:sp>
+    </p:spTree>
+    <p:extLst>
+      <p:ext uri="{BB962C8B-B14F-4D97-AF65-F5344CB8AC3E}">
+        <p14:creationId xmlns:p14="http://schemas.microsoft.com/office/powerpoint/2010/main" val="18989112"/>
       </p:ext>
     </p:extLst>
   </p:cSld>
@@ -1213,7 +2613,7 @@
           <a:p>
             <a:fld id="{9E902D1D-38E6-40C1-884A-5B6A13BB66A5}" type="datetime1">
               <a:rPr lang="fr-FR" smtClean="0"/>
-              <a:t>11/03/2018</a:t>
+              <a:t>12/03/2018</a:t>
             </a:fld>
             <a:endParaRPr lang="fr-FR"/>
           </a:p>
@@ -1846,7 +3246,7 @@
           <a:p>
             <a:fld id="{E2F24817-7951-4030-A7FE-333D7C1D5674}" type="datetime1">
               <a:rPr lang="fr-FR" smtClean="0"/>
-              <a:t>11/03/2018</a:t>
+              <a:t>12/03/2018</a:t>
             </a:fld>
             <a:endParaRPr lang="fr-FR"/>
           </a:p>
@@ -2123,7 +3523,7 @@
           <a:p>
             <a:fld id="{CDD52DA3-7C8C-4416-8B26-10BEBF1FDEC4}" type="datetime1">
               <a:rPr lang="fr-FR" smtClean="0"/>
-              <a:t>11/03/2018</a:t>
+              <a:t>12/03/2018</a:t>
             </a:fld>
             <a:endParaRPr lang="fr-FR"/>
           </a:p>
@@ -2288,7 +3688,7 @@
           <a:p>
             <a:fld id="{708E9D96-6BD6-4F7F-840C-0D4A52DD244B}" type="datetime1">
               <a:rPr lang="fr-FR" smtClean="0"/>
-              <a:t>11/03/2018</a:t>
+              <a:t>12/03/2018</a:t>
             </a:fld>
             <a:endParaRPr lang="fr-FR"/>
           </a:p>
@@ -2469,7 +3869,7 @@
           <a:p>
             <a:fld id="{E48F0521-5272-4A72-B201-CF649D153963}" type="datetime1">
               <a:rPr lang="fr-FR" smtClean="0"/>
-              <a:t>11/03/2018</a:t>
+              <a:t>12/03/2018</a:t>
             </a:fld>
             <a:endParaRPr lang="fr-FR"/>
           </a:p>
@@ -3114,7 +4514,7 @@
           <a:p>
             <a:fld id="{0E2672DA-25FF-4A4D-90F3-EBA1D2F0976F}" type="datetime1">
               <a:rPr lang="fr-FR" smtClean="0"/>
-              <a:t>11/03/2018</a:t>
+              <a:t>12/03/2018</a:t>
             </a:fld>
             <a:endParaRPr lang="fr-FR"/>
           </a:p>
@@ -3540,7 +4940,7 @@
           <a:p>
             <a:fld id="{D1831EB3-608E-4485-8302-DC3899566597}" type="datetime1">
               <a:rPr lang="fr-FR" smtClean="0"/>
-              <a:t>11/03/2018</a:t>
+              <a:t>12/03/2018</a:t>
             </a:fld>
             <a:endParaRPr lang="fr-FR"/>
           </a:p>
@@ -3653,7 +5053,7 @@
           <a:p>
             <a:fld id="{4D387871-560B-46D7-AFA4-87ECD55AA231}" type="datetime1">
               <a:rPr lang="fr-FR" smtClean="0"/>
-              <a:t>11/03/2018</a:t>
+              <a:t>12/03/2018</a:t>
             </a:fld>
             <a:endParaRPr lang="fr-FR"/>
           </a:p>
@@ -3834,7 +5234,7 @@
           <a:p>
             <a:fld id="{FCAE9258-9C7A-4C47-A926-DC8FDA2ED2A6}" type="datetime1">
               <a:rPr lang="fr-FR" smtClean="0"/>
-              <a:t>11/03/2018</a:t>
+              <a:t>12/03/2018</a:t>
             </a:fld>
             <a:endParaRPr lang="fr-FR"/>
           </a:p>
@@ -4100,7 +5500,7 @@
           <a:p>
             <a:fld id="{9D99298A-6091-45EC-AED6-0F728791400B}" type="datetime1">
               <a:rPr lang="fr-FR" smtClean="0"/>
-              <a:t>11/03/2018</a:t>
+              <a:t>12/03/2018</a:t>
             </a:fld>
             <a:endParaRPr lang="fr-FR"/>
           </a:p>
@@ -4570,7 +5970,7 @@
           <a:p>
             <a:fld id="{387FA8AA-8779-49A2-B871-604041CDEF53}" type="datetime1">
               <a:rPr lang="fr-FR" smtClean="0"/>
-              <a:t>11/03/2018</a:t>
+              <a:t>12/03/2018</a:t>
             </a:fld>
             <a:endParaRPr lang="fr-FR"/>
           </a:p>
@@ -5130,7 +6530,7 @@
           <a:p>
             <a:fld id="{EFA917F1-34E7-4474-93DD-056B6C68B51D}" type="datetime1">
               <a:rPr lang="fr-FR" smtClean="0"/>
-              <a:t>11/03/2018</a:t>
+              <a:t>12/03/2018</a:t>
             </a:fld>
             <a:endParaRPr lang="fr-FR"/>
           </a:p>
@@ -5923,17 +7323,7 @@
                 <a:latin typeface="Calibri Light" panose="020F0302020204030204" pitchFamily="34" charset="0"/>
                 <a:cs typeface="Calibri Light" panose="020F0302020204030204" pitchFamily="34" charset="0"/>
               </a:rPr>
-              <a:t>Live </a:t>
-            </a:r>
-            <a:r>
-              <a:rPr lang="fr-FR" dirty="0" err="1" smtClean="0">
-                <a:solidFill>
-                  <a:schemeClr val="accent2"/>
-                </a:solidFill>
-                <a:latin typeface="Calibri Light" panose="020F0302020204030204" pitchFamily="34" charset="0"/>
-                <a:cs typeface="Calibri Light" panose="020F0302020204030204" pitchFamily="34" charset="0"/>
-              </a:rPr>
-              <a:t>Coding</a:t>
+              <a:t>Applications hybrides : Inconvénients</a:t>
             </a:r>
             <a:endParaRPr lang="fr-FR" dirty="0">
               <a:solidFill>
@@ -5961,6 +7351,50 @@
           <a:lstStyle/>
           <a:p>
             <a:pPr algn="just"/>
+            <a:r>
+              <a:rPr lang="fr-FR" dirty="0" smtClean="0">
+                <a:latin typeface="Calibri Light" panose="020F0302020204030204" pitchFamily="34" charset="0"/>
+                <a:cs typeface="Calibri Light" panose="020F0302020204030204" pitchFamily="34" charset="0"/>
+              </a:rPr>
+              <a:t>Interfaces graphiques moins « poussées »</a:t>
+            </a:r>
+          </a:p>
+          <a:p>
+            <a:pPr algn="just"/>
+            <a:r>
+              <a:rPr lang="fr-FR" dirty="0" smtClean="0">
+                <a:latin typeface="Calibri Light" panose="020F0302020204030204" pitchFamily="34" charset="0"/>
+                <a:cs typeface="Calibri Light" panose="020F0302020204030204" pitchFamily="34" charset="0"/>
+              </a:rPr>
+              <a:t>Baisse de performances / stabilité</a:t>
+            </a:r>
+          </a:p>
+          <a:p>
+            <a:pPr algn="just"/>
+            <a:r>
+              <a:rPr lang="fr-FR" dirty="0">
+                <a:latin typeface="Calibri Light" panose="020F0302020204030204" pitchFamily="34" charset="0"/>
+                <a:cs typeface="Calibri Light" panose="020F0302020204030204" pitchFamily="34" charset="0"/>
+              </a:rPr>
+              <a:t>M</a:t>
+            </a:r>
+            <a:r>
+              <a:rPr lang="fr-FR" dirty="0" smtClean="0">
+                <a:latin typeface="Calibri Light" panose="020F0302020204030204" pitchFamily="34" charset="0"/>
+                <a:cs typeface="Calibri Light" panose="020F0302020204030204" pitchFamily="34" charset="0"/>
+              </a:rPr>
+              <a:t>oins efficaces dans l’utilisation des fonctionnalités du téléphone (caméra, etc.) que les applications natives</a:t>
+            </a:r>
+          </a:p>
+          <a:p>
+            <a:pPr algn="just"/>
+            <a:r>
+              <a:rPr lang="fr-FR" dirty="0" smtClean="0">
+                <a:latin typeface="Calibri Light" panose="020F0302020204030204" pitchFamily="34" charset="0"/>
+                <a:cs typeface="Calibri Light" panose="020F0302020204030204" pitchFamily="34" charset="0"/>
+              </a:rPr>
+              <a:t>Pas adaptées aux applications complexes</a:t>
+            </a:r>
             <a:endParaRPr lang="fr-FR" dirty="0">
               <a:latin typeface="Calibri Light" panose="020F0302020204030204" pitchFamily="34" charset="0"/>
               <a:cs typeface="Calibri Light" panose="020F0302020204030204" pitchFamily="34" charset="0"/>
@@ -5991,6 +7425,146 @@
           </a:p>
         </p:txBody>
       </p:sp>
+    </p:spTree>
+    <p:extLst>
+      <p:ext uri="{BB962C8B-B14F-4D97-AF65-F5344CB8AC3E}">
+        <p14:creationId xmlns:p14="http://schemas.microsoft.com/office/powerpoint/2010/main" val="2827602039"/>
+      </p:ext>
+    </p:extLst>
+  </p:cSld>
+  <p:clrMapOvr>
+    <a:masterClrMapping/>
+  </p:clrMapOvr>
+  <p:timing>
+    <p:tnLst>
+      <p:par>
+        <p:cTn id="1" dur="indefinite" restart="never" nodeType="tmRoot"/>
+      </p:par>
+    </p:tnLst>
+  </p:timing>
+</p:sld>
+</file>
+
+<file path=ppt/slides/slide11.xml><?xml version="1.0" encoding="utf-8"?>
+<p:sld xmlns:a="http://schemas.openxmlformats.org/drawingml/2006/main" xmlns:r="http://schemas.openxmlformats.org/officeDocument/2006/relationships" xmlns:p="http://schemas.openxmlformats.org/presentationml/2006/main">
+  <p:cSld>
+    <p:spTree>
+      <p:nvGrpSpPr>
+        <p:cNvPr id="1" name=""/>
+        <p:cNvGrpSpPr/>
+        <p:nvPr/>
+      </p:nvGrpSpPr>
+      <p:grpSpPr>
+        <a:xfrm>
+          <a:off x="0" y="0"/>
+          <a:ext cx="0" cy="0"/>
+          <a:chOff x="0" y="0"/>
+          <a:chExt cx="0" cy="0"/>
+        </a:xfrm>
+      </p:grpSpPr>
+      <p:sp>
+        <p:nvSpPr>
+          <p:cNvPr id="2" name="Titre 1"/>
+          <p:cNvSpPr>
+            <a:spLocks noGrp="1"/>
+          </p:cNvSpPr>
+          <p:nvPr>
+            <p:ph type="title"/>
+          </p:nvPr>
+        </p:nvSpPr>
+        <p:spPr/>
+        <p:txBody>
+          <a:bodyPr>
+            <a:normAutofit/>
+          </a:bodyPr>
+          <a:lstStyle/>
+          <a:p>
+            <a:r>
+              <a:rPr lang="fr-FR" dirty="0" smtClean="0">
+                <a:solidFill>
+                  <a:schemeClr val="accent2"/>
+                </a:solidFill>
+                <a:latin typeface="Calibri Light" panose="020F0302020204030204" pitchFamily="34" charset="0"/>
+                <a:cs typeface="Calibri Light" panose="020F0302020204030204" pitchFamily="34" charset="0"/>
+              </a:rPr>
+              <a:t>DEMO</a:t>
+            </a:r>
+            <a:endParaRPr lang="fr-FR" dirty="0">
+              <a:solidFill>
+                <a:schemeClr val="accent2"/>
+              </a:solidFill>
+              <a:latin typeface="Calibri Light" panose="020F0302020204030204" pitchFamily="34" charset="0"/>
+              <a:cs typeface="Calibri Light" panose="020F0302020204030204" pitchFamily="34" charset="0"/>
+            </a:endParaRPr>
+          </a:p>
+        </p:txBody>
+      </p:sp>
+      <p:sp>
+        <p:nvSpPr>
+          <p:cNvPr id="4" name="Espace réservé du numéro de diapositive 3"/>
+          <p:cNvSpPr>
+            <a:spLocks noGrp="1"/>
+          </p:cNvSpPr>
+          <p:nvPr>
+            <p:ph type="sldNum" sz="quarter" idx="12"/>
+          </p:nvPr>
+        </p:nvSpPr>
+        <p:spPr/>
+        <p:txBody>
+          <a:bodyPr/>
+          <a:lstStyle/>
+          <a:p>
+            <a:fld id="{581CF3FB-12BE-4619-8F61-AE4297B873D3}" type="slidenum">
+              <a:rPr lang="fr-FR" smtClean="0"/>
+              <a:t>11</a:t>
+            </a:fld>
+            <a:endParaRPr lang="fr-FR"/>
+          </a:p>
+        </p:txBody>
+      </p:sp>
+      <p:pic>
+        <p:nvPicPr>
+          <p:cNvPr id="1026" name="Picture 2" descr="Résultat de recherche d'images pour &quot;CODDING PNG&quot;"/>
+          <p:cNvPicPr>
+            <a:picLocks noGrp="1" noChangeAspect="1" noChangeArrowheads="1"/>
+          </p:cNvPicPr>
+          <p:nvPr>
+            <p:ph idx="1"/>
+          </p:nvPr>
+        </p:nvPicPr>
+        <p:blipFill>
+          <a:blip r:embed="rId2">
+            <a:extLst>
+              <a:ext uri="{28A0092B-C50C-407E-A947-70E740481C1C}">
+                <a14:useLocalDpi xmlns:a14="http://schemas.microsoft.com/office/drawing/2010/main" val="0"/>
+              </a:ext>
+            </a:extLst>
+          </a:blip>
+          <a:srcRect/>
+          <a:stretch>
+            <a:fillRect/>
+          </a:stretch>
+        </p:blipFill>
+        <p:spPr bwMode="auto">
+          <a:xfrm>
+            <a:off x="2385218" y="1752600"/>
+            <a:ext cx="4373563" cy="4373563"/>
+          </a:xfrm>
+          <a:prstGeom prst="rect">
+            <a:avLst/>
+          </a:prstGeom>
+          <a:noFill/>
+          <a:extLst>
+            <a:ext uri="{909E8E84-426E-40DD-AFC4-6F175D3DCCD1}">
+              <a14:hiddenFill xmlns:a14="http://schemas.microsoft.com/office/drawing/2010/main">
+                <a:solidFill>
+                  <a:srgbClr val="FFFFFF"/>
+                </a:solidFill>
+              </a14:hiddenFill>
+            </a:ext>
+          </a:extLst>
+        </p:spPr>
+      </p:pic>
     </p:spTree>
     <p:extLst>
       <p:ext uri="{BB962C8B-B14F-4D97-AF65-F5344CB8AC3E}">
@@ -6030,41 +7604,6 @@
       </p:grpSpPr>
       <p:sp>
         <p:nvSpPr>
-          <p:cNvPr id="2" name="Titre 1"/>
-          <p:cNvSpPr>
-            <a:spLocks noGrp="1"/>
-          </p:cNvSpPr>
-          <p:nvPr>
-            <p:ph type="title"/>
-          </p:nvPr>
-        </p:nvSpPr>
-        <p:spPr/>
-        <p:txBody>
-          <a:bodyPr/>
-          <a:lstStyle/>
-          <a:p>
-            <a:r>
-              <a:rPr lang="fr-FR" dirty="0" smtClean="0">
-                <a:solidFill>
-                  <a:schemeClr val="accent2"/>
-                </a:solidFill>
-                <a:latin typeface="Calibri Light" panose="020F0302020204030204" pitchFamily="34" charset="0"/>
-                <a:cs typeface="Calibri Light" panose="020F0302020204030204" pitchFamily="34" charset="0"/>
-              </a:rPr>
-              <a:t>Généralités</a:t>
-            </a:r>
-            <a:endParaRPr lang="fr-FR" dirty="0">
-              <a:solidFill>
-                <a:schemeClr val="accent2"/>
-              </a:solidFill>
-              <a:latin typeface="Calibri Light" panose="020F0302020204030204" pitchFamily="34" charset="0"/>
-              <a:cs typeface="Calibri Light" panose="020F0302020204030204" pitchFamily="34" charset="0"/>
-            </a:endParaRPr>
-          </a:p>
-        </p:txBody>
-      </p:sp>
-      <p:sp>
-        <p:nvSpPr>
           <p:cNvPr id="3" name="Espace réservé du contenu 2"/>
           <p:cNvSpPr>
             <a:spLocks noGrp="1"/>
@@ -6073,9 +7612,16 @@
             <p:ph idx="1"/>
           </p:nvPr>
         </p:nvSpPr>
-        <p:spPr/>
-        <p:txBody>
-          <a:bodyPr/>
+        <p:spPr>
+          <a:xfrm>
+            <a:off x="443715" y="1959591"/>
+            <a:ext cx="8229600" cy="4373563"/>
+          </a:xfrm>
+        </p:spPr>
+        <p:txBody>
+          <a:bodyPr>
+            <a:normAutofit fontScale="85000" lnSpcReduction="20000"/>
+          </a:bodyPr>
           <a:lstStyle/>
           <a:p>
             <a:pPr algn="just"/>
@@ -6084,14 +7630,7 @@
                 <a:latin typeface="Calibri Light" panose="020F0302020204030204" pitchFamily="34" charset="0"/>
                 <a:cs typeface="Calibri Light" panose="020F0302020204030204" pitchFamily="34" charset="0"/>
               </a:rPr>
-              <a:t>Framework développé par </a:t>
-            </a:r>
-            <a:r>
-              <a:rPr lang="fr-FR" dirty="0" err="1" smtClean="0">
-                <a:latin typeface="Calibri Light" panose="020F0302020204030204" pitchFamily="34" charset="0"/>
-                <a:cs typeface="Calibri Light" panose="020F0302020204030204" pitchFamily="34" charset="0"/>
-              </a:rPr>
-              <a:t>Drifty</a:t>
+              <a:t>GENERALITE</a:t>
             </a:r>
             <a:endParaRPr lang="fr-FR" dirty="0" smtClean="0">
               <a:latin typeface="Calibri Light" panose="020F0302020204030204" pitchFamily="34" charset="0"/>
@@ -6099,21 +7638,9 @@
             </a:endParaRPr>
           </a:p>
           <a:p>
-            <a:pPr algn="just"/>
-            <a:r>
-              <a:rPr lang="fr-FR" dirty="0" smtClean="0">
-                <a:latin typeface="Calibri Light" panose="020F0302020204030204" pitchFamily="34" charset="0"/>
-                <a:cs typeface="Calibri Light" panose="020F0302020204030204" pitchFamily="34" charset="0"/>
-              </a:rPr>
-              <a:t>Basé sur </a:t>
-            </a:r>
-            <a:r>
-              <a:rPr lang="fr-FR" dirty="0" err="1" smtClean="0">
-                <a:latin typeface="Calibri Light" panose="020F0302020204030204" pitchFamily="34" charset="0"/>
-                <a:cs typeface="Calibri Light" panose="020F0302020204030204" pitchFamily="34" charset="0"/>
-              </a:rPr>
-              <a:t>AngularJS</a:t>
-            </a:r>
+            <a:pPr marL="114300" indent="0" algn="just">
+              <a:buNone/>
+            </a:pPr>
             <a:endParaRPr lang="fr-FR" dirty="0" smtClean="0">
               <a:latin typeface="Calibri Light" panose="020F0302020204030204" pitchFamily="34" charset="0"/>
               <a:cs typeface="Calibri Light" panose="020F0302020204030204" pitchFamily="34" charset="0"/>
@@ -6126,8 +7653,19 @@
                 <a:latin typeface="Calibri Light" panose="020F0302020204030204" pitchFamily="34" charset="0"/>
                 <a:cs typeface="Calibri Light" panose="020F0302020204030204" pitchFamily="34" charset="0"/>
               </a:rPr>
-              <a:t>Applications mobiles hybrides | Technologies Web</a:t>
-            </a:r>
+              <a:t>FONCTIONNEMENT</a:t>
+            </a:r>
+            <a:endParaRPr lang="fr-FR" dirty="0" smtClean="0">
+              <a:latin typeface="Calibri Light" panose="020F0302020204030204" pitchFamily="34" charset="0"/>
+              <a:cs typeface="Calibri Light" panose="020F0302020204030204" pitchFamily="34" charset="0"/>
+            </a:endParaRPr>
+          </a:p>
+          <a:p>
+            <a:pPr algn="just"/>
+            <a:endParaRPr lang="fr-FR" dirty="0" smtClean="0">
+              <a:latin typeface="Calibri Light" panose="020F0302020204030204" pitchFamily="34" charset="0"/>
+              <a:cs typeface="Calibri Light" panose="020F0302020204030204" pitchFamily="34" charset="0"/>
+            </a:endParaRPr>
           </a:p>
           <a:p>
             <a:pPr algn="just"/>
@@ -6136,48 +7674,152 @@
                 <a:latin typeface="Calibri Light" panose="020F0302020204030204" pitchFamily="34" charset="0"/>
                 <a:cs typeface="Calibri Light" panose="020F0302020204030204" pitchFamily="34" charset="0"/>
               </a:rPr>
-              <a:t>« Write once. </a:t>
-            </a:r>
-            <a:r>
-              <a:rPr lang="fr-FR" dirty="0" err="1" smtClean="0">
-                <a:latin typeface="Calibri Light" panose="020F0302020204030204" pitchFamily="34" charset="0"/>
-                <a:cs typeface="Calibri Light" panose="020F0302020204030204" pitchFamily="34" charset="0"/>
-              </a:rPr>
-              <a:t>Deploy</a:t>
-            </a:r>
-            <a:r>
-              <a:rPr lang="fr-FR" dirty="0" smtClean="0">
-                <a:latin typeface="Calibri Light" panose="020F0302020204030204" pitchFamily="34" charset="0"/>
-                <a:cs typeface="Calibri Light" panose="020F0302020204030204" pitchFamily="34" charset="0"/>
-              </a:rPr>
-              <a:t> </a:t>
-            </a:r>
-            <a:r>
-              <a:rPr lang="fr-FR" dirty="0" err="1" smtClean="0">
-                <a:latin typeface="Calibri Light" panose="020F0302020204030204" pitchFamily="34" charset="0"/>
-                <a:cs typeface="Calibri Light" panose="020F0302020204030204" pitchFamily="34" charset="0"/>
-              </a:rPr>
-              <a:t>anywhere</a:t>
-            </a:r>
-            <a:r>
-              <a:rPr lang="fr-FR" dirty="0" smtClean="0">
-                <a:latin typeface="Calibri Light" panose="020F0302020204030204" pitchFamily="34" charset="0"/>
-                <a:cs typeface="Calibri Light" panose="020F0302020204030204" pitchFamily="34" charset="0"/>
-              </a:rPr>
-              <a:t>. »</a:t>
-            </a:r>
+              <a:t>FRONT-END / BACK-END</a:t>
+            </a:r>
+            <a:endParaRPr lang="fr-FR" dirty="0" smtClean="0">
+              <a:latin typeface="Calibri Light" panose="020F0302020204030204" pitchFamily="34" charset="0"/>
+              <a:cs typeface="Calibri Light" panose="020F0302020204030204" pitchFamily="34" charset="0"/>
+            </a:endParaRPr>
+          </a:p>
+          <a:p>
+            <a:pPr algn="just"/>
             <a:endParaRPr lang="fr-FR" dirty="0">
               <a:latin typeface="Calibri Light" panose="020F0302020204030204" pitchFamily="34" charset="0"/>
               <a:cs typeface="Calibri Light" panose="020F0302020204030204" pitchFamily="34" charset="0"/>
             </a:endParaRPr>
           </a:p>
+          <a:p>
+            <a:pPr algn="just"/>
+            <a:r>
+              <a:rPr lang="fr-FR" dirty="0" smtClean="0">
+                <a:latin typeface="Calibri Light" panose="020F0302020204030204" pitchFamily="34" charset="0"/>
+                <a:cs typeface="Calibri Light" panose="020F0302020204030204" pitchFamily="34" charset="0"/>
+              </a:rPr>
+              <a:t>SERVICES</a:t>
+            </a:r>
+          </a:p>
+          <a:p>
+            <a:pPr algn="just"/>
+            <a:endParaRPr lang="fr-FR" dirty="0">
+              <a:latin typeface="Calibri Light" panose="020F0302020204030204" pitchFamily="34" charset="0"/>
+              <a:cs typeface="Calibri Light" panose="020F0302020204030204" pitchFamily="34" charset="0"/>
+            </a:endParaRPr>
+          </a:p>
+          <a:p>
+            <a:pPr algn="just"/>
+            <a:r>
+              <a:rPr lang="fr-FR" dirty="0" smtClean="0">
+                <a:latin typeface="Calibri Light" panose="020F0302020204030204" pitchFamily="34" charset="0"/>
+                <a:cs typeface="Calibri Light" panose="020F0302020204030204" pitchFamily="34" charset="0"/>
+              </a:rPr>
+              <a:t>AVANTAGES </a:t>
+            </a:r>
+            <a:r>
+              <a:rPr lang="fr-FR" dirty="0">
+                <a:latin typeface="Calibri Light" panose="020F0302020204030204" pitchFamily="34" charset="0"/>
+                <a:cs typeface="Calibri Light" panose="020F0302020204030204" pitchFamily="34" charset="0"/>
+              </a:rPr>
+              <a:t>/ </a:t>
+            </a:r>
+            <a:r>
+              <a:rPr lang="fr-FR" dirty="0" smtClean="0">
+                <a:latin typeface="Calibri Light" panose="020F0302020204030204" pitchFamily="34" charset="0"/>
+                <a:cs typeface="Calibri Light" panose="020F0302020204030204" pitchFamily="34" charset="0"/>
+              </a:rPr>
+              <a:t>INCONVENIENT </a:t>
+            </a:r>
+          </a:p>
+          <a:p>
+            <a:pPr algn="just"/>
+            <a:endParaRPr lang="fr-FR" dirty="0">
+              <a:latin typeface="Calibri Light" panose="020F0302020204030204" pitchFamily="34" charset="0"/>
+              <a:cs typeface="Calibri Light" panose="020F0302020204030204" pitchFamily="34" charset="0"/>
+            </a:endParaRPr>
+          </a:p>
+          <a:p>
+            <a:pPr algn="just"/>
+            <a:r>
+              <a:rPr lang="fr-FR" dirty="0" smtClean="0">
+                <a:latin typeface="Calibri Light" panose="020F0302020204030204" pitchFamily="34" charset="0"/>
+                <a:cs typeface="Calibri Light" panose="020F0302020204030204" pitchFamily="34" charset="0"/>
+              </a:rPr>
+              <a:t>DEMO</a:t>
+            </a:r>
+          </a:p>
+          <a:p>
+            <a:pPr algn="just"/>
+            <a:endParaRPr lang="fr-FR" dirty="0">
+              <a:latin typeface="Calibri Light" panose="020F0302020204030204" pitchFamily="34" charset="0"/>
+              <a:cs typeface="Calibri Light" panose="020F0302020204030204" pitchFamily="34" charset="0"/>
+            </a:endParaRPr>
+          </a:p>
+          <a:p>
+            <a:pPr algn="just"/>
+            <a:r>
+              <a:rPr lang="fr-FR" dirty="0" smtClean="0">
+                <a:latin typeface="Calibri Light" panose="020F0302020204030204" pitchFamily="34" charset="0"/>
+                <a:cs typeface="Calibri Light" panose="020F0302020204030204" pitchFamily="34" charset="0"/>
+              </a:rPr>
+              <a:t>CONCLUSION</a:t>
+            </a:r>
+            <a:endParaRPr lang="fr-FR" dirty="0">
+              <a:latin typeface="Calibri Light" panose="020F0302020204030204" pitchFamily="34" charset="0"/>
+              <a:cs typeface="Calibri Light" panose="020F0302020204030204" pitchFamily="34" charset="0"/>
+            </a:endParaRPr>
+          </a:p>
+        </p:txBody>
+      </p:sp>
+      <p:sp>
+        <p:nvSpPr>
+          <p:cNvPr id="5" name="Espace réservé du numéro de diapositive 4"/>
+          <p:cNvSpPr>
+            <a:spLocks noGrp="1"/>
+          </p:cNvSpPr>
+          <p:nvPr>
+            <p:ph type="sldNum" sz="quarter" idx="12"/>
+          </p:nvPr>
+        </p:nvSpPr>
+        <p:spPr/>
+        <p:txBody>
+          <a:bodyPr/>
+          <a:lstStyle/>
+          <a:p>
+            <a:fld id="{581CF3FB-12BE-4619-8F61-AE4297B873D3}" type="slidenum">
+              <a:rPr lang="fr-FR" smtClean="0"/>
+              <a:t>2</a:t>
+            </a:fld>
+            <a:endParaRPr lang="fr-FR" dirty="0"/>
+          </a:p>
+        </p:txBody>
+      </p:sp>
+      <p:sp>
+        <p:nvSpPr>
+          <p:cNvPr id="6" name="Titre 5"/>
+          <p:cNvSpPr>
+            <a:spLocks noGrp="1"/>
+          </p:cNvSpPr>
+          <p:nvPr>
+            <p:ph type="title"/>
+          </p:nvPr>
+        </p:nvSpPr>
+        <p:spPr/>
+        <p:txBody>
+          <a:bodyPr/>
+          <a:lstStyle/>
+          <a:p>
+            <a:r>
+              <a:rPr lang="fr-FR" dirty="0" smtClean="0"/>
+              <a:t>plan</a:t>
+            </a:r>
+            <a:endParaRPr lang="fr-FR" dirty="0"/>
+          </a:p>
         </p:txBody>
       </p:sp>
       <p:pic>
         <p:nvPicPr>
-          <p:cNvPr id="4" name="Image 3"/>
+          <p:cNvPr id="7" name="Picture 4" descr="Résultat de recherche d'images pour &quot;plan png&quot;"/>
           <p:cNvPicPr>
-            <a:picLocks noChangeAspect="1"/>
+            <a:picLocks noChangeAspect="1" noChangeArrowheads="1"/>
           </p:cNvPicPr>
           <p:nvPr/>
         </p:nvPicPr>
@@ -6189,47 +7831,35 @@
               </a:ext>
             </a:extLst>
           </a:blip>
+          <a:srcRect/>
           <a:stretch>
             <a:fillRect/>
           </a:stretch>
         </p:blipFill>
-        <p:spPr>
+        <p:spPr bwMode="auto">
           <a:xfrm>
-            <a:off x="0" y="3717032"/>
-            <a:ext cx="9144000" cy="2152055"/>
+            <a:off x="3491880" y="2354793"/>
+            <a:ext cx="6227808" cy="3113904"/>
           </a:xfrm>
           <a:prstGeom prst="rect">
             <a:avLst/>
           </a:prstGeom>
+          <a:noFill/>
+          <a:extLst>
+            <a:ext uri="{909E8E84-426E-40DD-AFC4-6F175D3DCCD1}">
+              <a14:hiddenFill xmlns:a14="http://schemas.microsoft.com/office/drawing/2010/main">
+                <a:solidFill>
+                  <a:srgbClr val="FFFFFF"/>
+                </a:solidFill>
+              </a14:hiddenFill>
+            </a:ext>
+          </a:extLst>
         </p:spPr>
       </p:pic>
-      <p:sp>
-        <p:nvSpPr>
-          <p:cNvPr id="5" name="Espace réservé du numéro de diapositive 4"/>
-          <p:cNvSpPr>
-            <a:spLocks noGrp="1"/>
-          </p:cNvSpPr>
-          <p:nvPr>
-            <p:ph type="sldNum" sz="quarter" idx="12"/>
-          </p:nvPr>
-        </p:nvSpPr>
-        <p:spPr/>
-        <p:txBody>
-          <a:bodyPr/>
-          <a:lstStyle/>
-          <a:p>
-            <a:fld id="{581CF3FB-12BE-4619-8F61-AE4297B873D3}" type="slidenum">
-              <a:rPr lang="fr-FR" smtClean="0"/>
-              <a:t>2</a:t>
-            </a:fld>
-            <a:endParaRPr lang="fr-FR" dirty="0"/>
-          </a:p>
-        </p:txBody>
-      </p:sp>
     </p:spTree>
     <p:extLst>
       <p:ext uri="{BB962C8B-B14F-4D97-AF65-F5344CB8AC3E}">
-        <p14:creationId xmlns:p14="http://schemas.microsoft.com/office/powerpoint/2010/main" val="2197238781"/>
+        <p14:creationId xmlns:p14="http://schemas.microsoft.com/office/powerpoint/2010/main" val="518057532"/>
       </p:ext>
     </p:extLst>
   </p:cSld>
@@ -6286,7 +7916,7 @@
                 <a:latin typeface="Calibri Light" panose="020F0302020204030204" pitchFamily="34" charset="0"/>
                 <a:cs typeface="Calibri Light" panose="020F0302020204030204" pitchFamily="34" charset="0"/>
               </a:rPr>
-              <a:t>Fonctionnement (1)</a:t>
+              <a:t>Généralités</a:t>
             </a:r>
             <a:endParaRPr lang="fr-FR" dirty="0">
               <a:solidFill>
@@ -6319,8 +7949,19 @@
                 <a:latin typeface="Calibri Light" panose="020F0302020204030204" pitchFamily="34" charset="0"/>
                 <a:cs typeface="Calibri Light" panose="020F0302020204030204" pitchFamily="34" charset="0"/>
               </a:rPr>
-              <a:t>Interface graphique et logique métier</a:t>
-            </a:r>
+              <a:t>Framework développé par </a:t>
+            </a:r>
+            <a:r>
+              <a:rPr lang="fr-FR" dirty="0" err="1" smtClean="0">
+                <a:latin typeface="Calibri Light" panose="020F0302020204030204" pitchFamily="34" charset="0"/>
+                <a:cs typeface="Calibri Light" panose="020F0302020204030204" pitchFamily="34" charset="0"/>
+              </a:rPr>
+              <a:t>Drifty</a:t>
+            </a:r>
+            <a:endParaRPr lang="fr-FR" dirty="0" smtClean="0">
+              <a:latin typeface="Calibri Light" panose="020F0302020204030204" pitchFamily="34" charset="0"/>
+              <a:cs typeface="Calibri Light" panose="020F0302020204030204" pitchFamily="34" charset="0"/>
+            </a:endParaRPr>
           </a:p>
           <a:p>
             <a:pPr algn="just"/>
@@ -6329,85 +7970,66 @@
                 <a:latin typeface="Calibri Light" panose="020F0302020204030204" pitchFamily="34" charset="0"/>
                 <a:cs typeface="Calibri Light" panose="020F0302020204030204" pitchFamily="34" charset="0"/>
               </a:rPr>
-              <a:t>Intégration de technologies reconnues :</a:t>
-            </a:r>
-          </a:p>
-          <a:p>
-            <a:pPr lvl="1" algn="just"/>
+              <a:t>Basé sur </a:t>
+            </a:r>
             <a:r>
               <a:rPr lang="fr-FR" dirty="0" err="1" smtClean="0">
                 <a:latin typeface="Calibri Light" panose="020F0302020204030204" pitchFamily="34" charset="0"/>
                 <a:cs typeface="Calibri Light" panose="020F0302020204030204" pitchFamily="34" charset="0"/>
               </a:rPr>
-              <a:t>Gulp</a:t>
-            </a:r>
+              <a:t>AngularJS</a:t>
+            </a:r>
+            <a:endParaRPr lang="fr-FR" dirty="0" smtClean="0">
+              <a:latin typeface="Calibri Light" panose="020F0302020204030204" pitchFamily="34" charset="0"/>
+              <a:cs typeface="Calibri Light" panose="020F0302020204030204" pitchFamily="34" charset="0"/>
+            </a:endParaRPr>
+          </a:p>
+          <a:p>
+            <a:pPr algn="just"/>
             <a:r>
               <a:rPr lang="fr-FR" dirty="0" smtClean="0">
                 <a:latin typeface="Calibri Light" panose="020F0302020204030204" pitchFamily="34" charset="0"/>
                 <a:cs typeface="Calibri Light" panose="020F0302020204030204" pitchFamily="34" charset="0"/>
               </a:rPr>
-              <a:t> (Compilation)</a:t>
-            </a:r>
-          </a:p>
-          <a:p>
-            <a:pPr lvl="1" algn="just"/>
+              <a:t>Applications mobiles hybrides | Technologies Web</a:t>
+            </a:r>
+          </a:p>
+          <a:p>
+            <a:pPr algn="just"/>
+            <a:r>
+              <a:rPr lang="fr-FR" dirty="0" smtClean="0">
+                <a:latin typeface="Calibri Light" panose="020F0302020204030204" pitchFamily="34" charset="0"/>
+                <a:cs typeface="Calibri Light" panose="020F0302020204030204" pitchFamily="34" charset="0"/>
+              </a:rPr>
+              <a:t>« Write once. </a:t>
+            </a:r>
             <a:r>
               <a:rPr lang="fr-FR" dirty="0" err="1" smtClean="0">
                 <a:latin typeface="Calibri Light" panose="020F0302020204030204" pitchFamily="34" charset="0"/>
                 <a:cs typeface="Calibri Light" panose="020F0302020204030204" pitchFamily="34" charset="0"/>
               </a:rPr>
-              <a:t>AngularJS</a:t>
+              <a:t>Deploy</a:t>
             </a:r>
             <a:r>
               <a:rPr lang="fr-FR" dirty="0" smtClean="0">
                 <a:latin typeface="Calibri Light" panose="020F0302020204030204" pitchFamily="34" charset="0"/>
                 <a:cs typeface="Calibri Light" panose="020F0302020204030204" pitchFamily="34" charset="0"/>
               </a:rPr>
-              <a:t> (Structure)</a:t>
-            </a:r>
-          </a:p>
-          <a:p>
-            <a:pPr lvl="1" algn="just"/>
+              <a:t> </a:t>
+            </a:r>
             <a:r>
               <a:rPr lang="fr-FR" dirty="0" err="1" smtClean="0">
                 <a:latin typeface="Calibri Light" panose="020F0302020204030204" pitchFamily="34" charset="0"/>
                 <a:cs typeface="Calibri Light" panose="020F0302020204030204" pitchFamily="34" charset="0"/>
               </a:rPr>
-              <a:t>Sass</a:t>
+              <a:t>anywhere</a:t>
             </a:r>
             <a:r>
               <a:rPr lang="fr-FR" dirty="0" smtClean="0">
                 <a:latin typeface="Calibri Light" panose="020F0302020204030204" pitchFamily="34" charset="0"/>
                 <a:cs typeface="Calibri Light" panose="020F0302020204030204" pitchFamily="34" charset="0"/>
               </a:rPr>
-              <a:t> (Gestion de thèmes)</a:t>
-            </a:r>
-          </a:p>
-          <a:p>
-            <a:pPr lvl="1" algn="just"/>
-            <a:r>
-              <a:rPr lang="fr-FR" dirty="0" err="1" smtClean="0">
-                <a:latin typeface="Calibri Light" panose="020F0302020204030204" pitchFamily="34" charset="0"/>
-                <a:cs typeface="Calibri Light" panose="020F0302020204030204" pitchFamily="34" charset="0"/>
-              </a:rPr>
-              <a:t>Cordova</a:t>
-            </a:r>
-            <a:r>
-              <a:rPr lang="fr-FR" dirty="0" smtClean="0">
-                <a:latin typeface="Calibri Light" panose="020F0302020204030204" pitchFamily="34" charset="0"/>
-                <a:cs typeface="Calibri Light" panose="020F0302020204030204" pitchFamily="34" charset="0"/>
-              </a:rPr>
-              <a:t> (Déploiement &amp; utilisation des éléments du périphérique)</a:t>
-            </a:r>
-          </a:p>
-          <a:p>
-            <a:pPr lvl="1" algn="just"/>
-            <a:r>
-              <a:rPr lang="fr-FR" dirty="0" smtClean="0">
-                <a:latin typeface="Calibri Light" panose="020F0302020204030204" pitchFamily="34" charset="0"/>
-                <a:cs typeface="Calibri Light" panose="020F0302020204030204" pitchFamily="34" charset="0"/>
-              </a:rPr>
-              <a:t>Nombreux widgets (Facilitent le développement de l’interface)</a:t>
+              <a:t>. »</a:t>
             </a:r>
             <a:endParaRPr lang="fr-FR" dirty="0">
               <a:latin typeface="Calibri Light" panose="020F0302020204030204" pitchFamily="34" charset="0"/>
@@ -6416,9 +8038,39 @@
           </a:p>
         </p:txBody>
       </p:sp>
-      <p:sp>
-        <p:nvSpPr>
-          <p:cNvPr id="4" name="Espace réservé du numéro de diapositive 3"/>
+      <p:pic>
+        <p:nvPicPr>
+          <p:cNvPr id="4" name="Image 3"/>
+          <p:cNvPicPr>
+            <a:picLocks noChangeAspect="1"/>
+          </p:cNvPicPr>
+          <p:nvPr/>
+        </p:nvPicPr>
+        <p:blipFill>
+          <a:blip r:embed="rId3">
+            <a:extLst>
+              <a:ext uri="{28A0092B-C50C-407E-A947-70E740481C1C}">
+                <a14:useLocalDpi xmlns:a14="http://schemas.microsoft.com/office/drawing/2010/main" val="0"/>
+              </a:ext>
+            </a:extLst>
+          </a:blip>
+          <a:stretch>
+            <a:fillRect/>
+          </a:stretch>
+        </p:blipFill>
+        <p:spPr>
+          <a:xfrm>
+            <a:off x="0" y="3717032"/>
+            <a:ext cx="9144000" cy="2152055"/>
+          </a:xfrm>
+          <a:prstGeom prst="rect">
+            <a:avLst/>
+          </a:prstGeom>
+        </p:spPr>
+      </p:pic>
+      <p:sp>
+        <p:nvSpPr>
+          <p:cNvPr id="5" name="Espace réservé du numéro de diapositive 4"/>
           <p:cNvSpPr>
             <a:spLocks noGrp="1"/>
           </p:cNvSpPr>
@@ -6442,7 +8094,7 @@
     </p:spTree>
     <p:extLst>
       <p:ext uri="{BB962C8B-B14F-4D97-AF65-F5344CB8AC3E}">
-        <p14:creationId xmlns:p14="http://schemas.microsoft.com/office/powerpoint/2010/main" val="3129828185"/>
+        <p14:creationId xmlns:p14="http://schemas.microsoft.com/office/powerpoint/2010/main" val="2197238781"/>
       </p:ext>
     </p:extLst>
   </p:cSld>
@@ -6499,7 +8151,7 @@
                 <a:latin typeface="Calibri Light" panose="020F0302020204030204" pitchFamily="34" charset="0"/>
                 <a:cs typeface="Calibri Light" panose="020F0302020204030204" pitchFamily="34" charset="0"/>
               </a:rPr>
-              <a:t>Fonctionnement (2)</a:t>
+              <a:t>Fonctionnement (1)</a:t>
             </a:r>
             <a:endParaRPr lang="fr-FR" dirty="0">
               <a:solidFill>
@@ -6511,6 +8163,219 @@
           </a:p>
         </p:txBody>
       </p:sp>
+      <p:sp>
+        <p:nvSpPr>
+          <p:cNvPr id="3" name="Espace réservé du contenu 2"/>
+          <p:cNvSpPr>
+            <a:spLocks noGrp="1"/>
+          </p:cNvSpPr>
+          <p:nvPr>
+            <p:ph idx="1"/>
+          </p:nvPr>
+        </p:nvSpPr>
+        <p:spPr/>
+        <p:txBody>
+          <a:bodyPr/>
+          <a:lstStyle/>
+          <a:p>
+            <a:pPr algn="just"/>
+            <a:r>
+              <a:rPr lang="fr-FR" dirty="0" smtClean="0">
+                <a:latin typeface="Calibri Light" panose="020F0302020204030204" pitchFamily="34" charset="0"/>
+                <a:cs typeface="Calibri Light" panose="020F0302020204030204" pitchFamily="34" charset="0"/>
+              </a:rPr>
+              <a:t>Interface graphique et logique métier</a:t>
+            </a:r>
+          </a:p>
+          <a:p>
+            <a:pPr algn="just"/>
+            <a:r>
+              <a:rPr lang="fr-FR" dirty="0" smtClean="0">
+                <a:latin typeface="Calibri Light" panose="020F0302020204030204" pitchFamily="34" charset="0"/>
+                <a:cs typeface="Calibri Light" panose="020F0302020204030204" pitchFamily="34" charset="0"/>
+              </a:rPr>
+              <a:t>Intégration de technologies reconnues :</a:t>
+            </a:r>
+          </a:p>
+          <a:p>
+            <a:pPr lvl="1" algn="just"/>
+            <a:r>
+              <a:rPr lang="fr-FR" dirty="0" err="1" smtClean="0">
+                <a:latin typeface="Calibri Light" panose="020F0302020204030204" pitchFamily="34" charset="0"/>
+                <a:cs typeface="Calibri Light" panose="020F0302020204030204" pitchFamily="34" charset="0"/>
+              </a:rPr>
+              <a:t>Gulp</a:t>
+            </a:r>
+            <a:r>
+              <a:rPr lang="fr-FR" dirty="0" smtClean="0">
+                <a:latin typeface="Calibri Light" panose="020F0302020204030204" pitchFamily="34" charset="0"/>
+                <a:cs typeface="Calibri Light" panose="020F0302020204030204" pitchFamily="34" charset="0"/>
+              </a:rPr>
+              <a:t> (Compilation)</a:t>
+            </a:r>
+          </a:p>
+          <a:p>
+            <a:pPr lvl="1" algn="just"/>
+            <a:r>
+              <a:rPr lang="fr-FR" dirty="0" err="1" smtClean="0">
+                <a:latin typeface="Calibri Light" panose="020F0302020204030204" pitchFamily="34" charset="0"/>
+                <a:cs typeface="Calibri Light" panose="020F0302020204030204" pitchFamily="34" charset="0"/>
+              </a:rPr>
+              <a:t>AngularJS</a:t>
+            </a:r>
+            <a:r>
+              <a:rPr lang="fr-FR" dirty="0" smtClean="0">
+                <a:latin typeface="Calibri Light" panose="020F0302020204030204" pitchFamily="34" charset="0"/>
+                <a:cs typeface="Calibri Light" panose="020F0302020204030204" pitchFamily="34" charset="0"/>
+              </a:rPr>
+              <a:t> (Structure)</a:t>
+            </a:r>
+          </a:p>
+          <a:p>
+            <a:pPr lvl="1" algn="just"/>
+            <a:r>
+              <a:rPr lang="fr-FR" dirty="0" err="1" smtClean="0">
+                <a:latin typeface="Calibri Light" panose="020F0302020204030204" pitchFamily="34" charset="0"/>
+                <a:cs typeface="Calibri Light" panose="020F0302020204030204" pitchFamily="34" charset="0"/>
+              </a:rPr>
+              <a:t>Sass</a:t>
+            </a:r>
+            <a:r>
+              <a:rPr lang="fr-FR" dirty="0" smtClean="0">
+                <a:latin typeface="Calibri Light" panose="020F0302020204030204" pitchFamily="34" charset="0"/>
+                <a:cs typeface="Calibri Light" panose="020F0302020204030204" pitchFamily="34" charset="0"/>
+              </a:rPr>
+              <a:t> (Gestion de thèmes)</a:t>
+            </a:r>
+          </a:p>
+          <a:p>
+            <a:pPr lvl="1" algn="just"/>
+            <a:r>
+              <a:rPr lang="fr-FR" dirty="0" err="1" smtClean="0">
+                <a:latin typeface="Calibri Light" panose="020F0302020204030204" pitchFamily="34" charset="0"/>
+                <a:cs typeface="Calibri Light" panose="020F0302020204030204" pitchFamily="34" charset="0"/>
+              </a:rPr>
+              <a:t>Cordova</a:t>
+            </a:r>
+            <a:r>
+              <a:rPr lang="fr-FR" dirty="0" smtClean="0">
+                <a:latin typeface="Calibri Light" panose="020F0302020204030204" pitchFamily="34" charset="0"/>
+                <a:cs typeface="Calibri Light" panose="020F0302020204030204" pitchFamily="34" charset="0"/>
+              </a:rPr>
+              <a:t> (Déploiement &amp; utilisation des éléments du périphérique)</a:t>
+            </a:r>
+          </a:p>
+          <a:p>
+            <a:pPr lvl="1" algn="just"/>
+            <a:r>
+              <a:rPr lang="fr-FR" dirty="0" smtClean="0">
+                <a:latin typeface="Calibri Light" panose="020F0302020204030204" pitchFamily="34" charset="0"/>
+                <a:cs typeface="Calibri Light" panose="020F0302020204030204" pitchFamily="34" charset="0"/>
+              </a:rPr>
+              <a:t>Nombreux widgets (Facilitent le développement de l’interface)</a:t>
+            </a:r>
+            <a:endParaRPr lang="fr-FR" dirty="0">
+              <a:latin typeface="Calibri Light" panose="020F0302020204030204" pitchFamily="34" charset="0"/>
+              <a:cs typeface="Calibri Light" panose="020F0302020204030204" pitchFamily="34" charset="0"/>
+            </a:endParaRPr>
+          </a:p>
+        </p:txBody>
+      </p:sp>
+      <p:sp>
+        <p:nvSpPr>
+          <p:cNvPr id="4" name="Espace réservé du numéro de diapositive 3"/>
+          <p:cNvSpPr>
+            <a:spLocks noGrp="1"/>
+          </p:cNvSpPr>
+          <p:nvPr>
+            <p:ph type="sldNum" sz="quarter" idx="12"/>
+          </p:nvPr>
+        </p:nvSpPr>
+        <p:spPr/>
+        <p:txBody>
+          <a:bodyPr/>
+          <a:lstStyle/>
+          <a:p>
+            <a:fld id="{581CF3FB-12BE-4619-8F61-AE4297B873D3}" type="slidenum">
+              <a:rPr lang="fr-FR" smtClean="0"/>
+              <a:t>4</a:t>
+            </a:fld>
+            <a:endParaRPr lang="fr-FR" dirty="0"/>
+          </a:p>
+        </p:txBody>
+      </p:sp>
+    </p:spTree>
+    <p:extLst>
+      <p:ext uri="{BB962C8B-B14F-4D97-AF65-F5344CB8AC3E}">
+        <p14:creationId xmlns:p14="http://schemas.microsoft.com/office/powerpoint/2010/main" val="3129828185"/>
+      </p:ext>
+    </p:extLst>
+  </p:cSld>
+  <p:clrMapOvr>
+    <a:masterClrMapping/>
+  </p:clrMapOvr>
+  <p:timing>
+    <p:tnLst>
+      <p:par>
+        <p:cTn id="1" dur="indefinite" restart="never" nodeType="tmRoot"/>
+      </p:par>
+    </p:tnLst>
+  </p:timing>
+</p:sld>
+</file>
+
+<file path=ppt/slides/slide5.xml><?xml version="1.0" encoding="utf-8"?>
+<p:sld xmlns:a="http://schemas.openxmlformats.org/drawingml/2006/main" xmlns:r="http://schemas.openxmlformats.org/officeDocument/2006/relationships" xmlns:p="http://schemas.openxmlformats.org/presentationml/2006/main">
+  <p:cSld>
+    <p:spTree>
+      <p:nvGrpSpPr>
+        <p:cNvPr id="1" name=""/>
+        <p:cNvGrpSpPr/>
+        <p:nvPr/>
+      </p:nvGrpSpPr>
+      <p:grpSpPr>
+        <a:xfrm>
+          <a:off x="0" y="0"/>
+          <a:ext cx="0" cy="0"/>
+          <a:chOff x="0" y="0"/>
+          <a:chExt cx="0" cy="0"/>
+        </a:xfrm>
+      </p:grpSpPr>
+      <p:sp>
+        <p:nvSpPr>
+          <p:cNvPr id="2" name="Titre 1"/>
+          <p:cNvSpPr>
+            <a:spLocks noGrp="1"/>
+          </p:cNvSpPr>
+          <p:nvPr>
+            <p:ph type="title"/>
+          </p:nvPr>
+        </p:nvSpPr>
+        <p:spPr/>
+        <p:txBody>
+          <a:bodyPr/>
+          <a:lstStyle/>
+          <a:p>
+            <a:r>
+              <a:rPr lang="fr-FR" dirty="0" smtClean="0">
+                <a:solidFill>
+                  <a:schemeClr val="accent2"/>
+                </a:solidFill>
+                <a:latin typeface="Calibri Light" panose="020F0302020204030204" pitchFamily="34" charset="0"/>
+                <a:cs typeface="Calibri Light" panose="020F0302020204030204" pitchFamily="34" charset="0"/>
+              </a:rPr>
+              <a:t>Fonctionnement (2)</a:t>
+            </a:r>
+            <a:endParaRPr lang="fr-FR" dirty="0">
+              <a:solidFill>
+                <a:schemeClr val="accent2"/>
+              </a:solidFill>
+              <a:latin typeface="Calibri Light" panose="020F0302020204030204" pitchFamily="34" charset="0"/>
+              <a:cs typeface="Calibri Light" panose="020F0302020204030204" pitchFamily="34" charset="0"/>
+            </a:endParaRPr>
+          </a:p>
+        </p:txBody>
+      </p:sp>
       <p:pic>
         <p:nvPicPr>
           <p:cNvPr id="8" name="Espace réservé du contenu 7"/>
@@ -6522,7 +8387,7 @@
           </p:nvPr>
         </p:nvPicPr>
         <p:blipFill>
-          <a:blip r:embed="rId2">
+          <a:blip r:embed="rId3">
             <a:grayscl/>
             <a:extLst>
               <a:ext uri="{28A0092B-C50C-407E-A947-70E740481C1C}">
@@ -6578,7 +8443,7 @@
           <a:p>
             <a:fld id="{581CF3FB-12BE-4619-8F61-AE4297B873D3}" type="slidenum">
               <a:rPr lang="fr-FR" smtClean="0"/>
-              <a:t>4</a:t>
+              <a:t>5</a:t>
             </a:fld>
             <a:endParaRPr lang="fr-FR"/>
           </a:p>
@@ -6604,7 +8469,7 @@
 </p:sld>
 </file>
 
-<file path=ppt/slides/slide5.xml><?xml version="1.0" encoding="utf-8"?>
+<file path=ppt/slides/slide6.xml><?xml version="1.0" encoding="utf-8"?>
 <p:sld xmlns:a="http://schemas.openxmlformats.org/drawingml/2006/main" xmlns:r="http://schemas.openxmlformats.org/officeDocument/2006/relationships" xmlns:p="http://schemas.openxmlformats.org/presentationml/2006/main">
   <p:cSld>
     <p:spTree>
@@ -6821,7 +8686,7 @@
           <a:p>
             <a:fld id="{581CF3FB-12BE-4619-8F61-AE4297B873D3}" type="slidenum">
               <a:rPr lang="fr-FR" smtClean="0"/>
-              <a:t>5</a:t>
+              <a:t>6</a:t>
             </a:fld>
             <a:endParaRPr lang="fr-FR"/>
           </a:p>
@@ -6847,7 +8712,7 @@
 </p:sld>
 </file>
 
-<file path=ppt/slides/slide6.xml><?xml version="1.0" encoding="utf-8"?>
+<file path=ppt/slides/slide7.xml><?xml version="1.0" encoding="utf-8"?>
 <p:sld xmlns:a="http://schemas.openxmlformats.org/drawingml/2006/main" xmlns:r="http://schemas.openxmlformats.org/officeDocument/2006/relationships" xmlns:p="http://schemas.openxmlformats.org/presentationml/2006/main">
   <p:cSld>
     <p:spTree>
@@ -6916,7 +8781,7 @@
           <a:p>
             <a:fld id="{581CF3FB-12BE-4619-8F61-AE4297B873D3}" type="slidenum">
               <a:rPr lang="fr-FR" smtClean="0"/>
-              <a:t>6</a:t>
+              <a:t>7</a:t>
             </a:fld>
             <a:endParaRPr lang="fr-FR"/>
           </a:p>
@@ -7043,7 +8908,7 @@
 </p:sld>
 </file>
 
-<file path=ppt/slides/slide7.xml><?xml version="1.0" encoding="utf-8"?>
+<file path=ppt/slides/slide8.xml><?xml version="1.0" encoding="utf-8"?>
 <p:sld xmlns:a="http://schemas.openxmlformats.org/drawingml/2006/main" xmlns:r="http://schemas.openxmlformats.org/officeDocument/2006/relationships" xmlns:p="http://schemas.openxmlformats.org/presentationml/2006/main">
   <p:cSld>
     <p:spTree>
@@ -7288,7 +9153,7 @@
           <a:p>
             <a:fld id="{581CF3FB-12BE-4619-8F61-AE4297B873D3}" type="slidenum">
               <a:rPr lang="fr-FR" smtClean="0"/>
-              <a:t>7</a:t>
+              <a:t>8</a:t>
             </a:fld>
             <a:endParaRPr lang="fr-FR"/>
           </a:p>
@@ -7303,7 +9168,7 @@
           <p:nvPr/>
         </p:nvPicPr>
         <p:blipFill>
-          <a:blip r:embed="rId2"/>
+          <a:blip r:embed="rId3"/>
           <a:stretch>
             <a:fillRect/>
           </a:stretch>
@@ -7327,7 +9192,7 @@
           <p:nvPr/>
         </p:nvPicPr>
         <p:blipFill>
-          <a:blip r:embed="rId3"/>
+          <a:blip r:embed="rId4"/>
           <a:stretch>
             <a:fillRect/>
           </a:stretch>
@@ -7351,7 +9216,7 @@
           <p:nvPr/>
         </p:nvPicPr>
         <p:blipFill>
-          <a:blip r:embed="rId4">
+          <a:blip r:embed="rId5">
             <a:extLst>
               <a:ext uri="{28A0092B-C50C-407E-A947-70E740481C1C}">
                 <a14:useLocalDpi xmlns:a14="http://schemas.microsoft.com/office/drawing/2010/main" val="0"/>
@@ -7392,7 +9257,7 @@
           <p:nvPr/>
         </p:nvPicPr>
         <p:blipFill>
-          <a:blip r:embed="rId5"/>
+          <a:blip r:embed="rId6"/>
           <a:stretch>
             <a:fillRect/>
           </a:stretch>
@@ -7416,7 +9281,7 @@
           <p:nvPr/>
         </p:nvPicPr>
         <p:blipFill>
-          <a:blip r:embed="rId6"/>
+          <a:blip r:embed="rId7"/>
           <a:stretch>
             <a:fillRect/>
           </a:stretch>
@@ -7451,7 +9316,7 @@
 </p:sld>
 </file>
 
-<file path=ppt/slides/slide8.xml><?xml version="1.0" encoding="utf-8"?>
+<file path=ppt/slides/slide9.xml><?xml version="1.0" encoding="utf-8"?>
 <p:sld xmlns:a="http://schemas.openxmlformats.org/drawingml/2006/main" xmlns:r="http://schemas.openxmlformats.org/officeDocument/2006/relationships" xmlns:p="http://schemas.openxmlformats.org/presentationml/2006/main">
   <p:cSld>
     <p:spTree>
@@ -7646,7 +9511,7 @@
           <a:p>
             <a:fld id="{581CF3FB-12BE-4619-8F61-AE4297B873D3}" type="slidenum">
               <a:rPr lang="fr-FR" smtClean="0"/>
-              <a:t>8</a:t>
+              <a:t>9</a:t>
             </a:fld>
             <a:endParaRPr lang="fr-FR"/>
           </a:p>
@@ -7656,170 +9521,6 @@
     <p:extLst>
       <p:ext uri="{BB962C8B-B14F-4D97-AF65-F5344CB8AC3E}">
         <p14:creationId xmlns:p14="http://schemas.microsoft.com/office/powerpoint/2010/main" val="952830357"/>
-      </p:ext>
-    </p:extLst>
-  </p:cSld>
-  <p:clrMapOvr>
-    <a:masterClrMapping/>
-  </p:clrMapOvr>
-  <p:timing>
-    <p:tnLst>
-      <p:par>
-        <p:cTn id="1" dur="indefinite" restart="never" nodeType="tmRoot"/>
-      </p:par>
-    </p:tnLst>
-  </p:timing>
-</p:sld>
-</file>
-
-<file path=ppt/slides/slide9.xml><?xml version="1.0" encoding="utf-8"?>
-<p:sld xmlns:a="http://schemas.openxmlformats.org/drawingml/2006/main" xmlns:r="http://schemas.openxmlformats.org/officeDocument/2006/relationships" xmlns:p="http://schemas.openxmlformats.org/presentationml/2006/main">
-  <p:cSld>
-    <p:spTree>
-      <p:nvGrpSpPr>
-        <p:cNvPr id="1" name=""/>
-        <p:cNvGrpSpPr/>
-        <p:nvPr/>
-      </p:nvGrpSpPr>
-      <p:grpSpPr>
-        <a:xfrm>
-          <a:off x="0" y="0"/>
-          <a:ext cx="0" cy="0"/>
-          <a:chOff x="0" y="0"/>
-          <a:chExt cx="0" cy="0"/>
-        </a:xfrm>
-      </p:grpSpPr>
-      <p:sp>
-        <p:nvSpPr>
-          <p:cNvPr id="2" name="Titre 1"/>
-          <p:cNvSpPr>
-            <a:spLocks noGrp="1"/>
-          </p:cNvSpPr>
-          <p:nvPr>
-            <p:ph type="title"/>
-          </p:nvPr>
-        </p:nvSpPr>
-        <p:spPr/>
-        <p:txBody>
-          <a:bodyPr>
-            <a:normAutofit/>
-          </a:bodyPr>
-          <a:lstStyle/>
-          <a:p>
-            <a:r>
-              <a:rPr lang="fr-FR" dirty="0" smtClean="0">
-                <a:solidFill>
-                  <a:schemeClr val="accent2"/>
-                </a:solidFill>
-                <a:latin typeface="Calibri Light" panose="020F0302020204030204" pitchFamily="34" charset="0"/>
-                <a:cs typeface="Calibri Light" panose="020F0302020204030204" pitchFamily="34" charset="0"/>
-              </a:rPr>
-              <a:t>Applications hybrides : Inconvénients</a:t>
-            </a:r>
-            <a:endParaRPr lang="fr-FR" dirty="0">
-              <a:solidFill>
-                <a:schemeClr val="accent2"/>
-              </a:solidFill>
-              <a:latin typeface="Calibri Light" panose="020F0302020204030204" pitchFamily="34" charset="0"/>
-              <a:cs typeface="Calibri Light" panose="020F0302020204030204" pitchFamily="34" charset="0"/>
-            </a:endParaRPr>
-          </a:p>
-        </p:txBody>
-      </p:sp>
-      <p:sp>
-        <p:nvSpPr>
-          <p:cNvPr id="3" name="Espace réservé du contenu 2"/>
-          <p:cNvSpPr>
-            <a:spLocks noGrp="1"/>
-          </p:cNvSpPr>
-          <p:nvPr>
-            <p:ph idx="1"/>
-          </p:nvPr>
-        </p:nvSpPr>
-        <p:spPr/>
-        <p:txBody>
-          <a:bodyPr/>
-          <a:lstStyle/>
-          <a:p>
-            <a:pPr algn="just"/>
-            <a:r>
-              <a:rPr lang="fr-FR" dirty="0" smtClean="0">
-                <a:latin typeface="Calibri Light" panose="020F0302020204030204" pitchFamily="34" charset="0"/>
-                <a:cs typeface="Calibri Light" panose="020F0302020204030204" pitchFamily="34" charset="0"/>
-              </a:rPr>
-              <a:t>Interfaces graphiques moins « poussées »</a:t>
-            </a:r>
-          </a:p>
-          <a:p>
-            <a:pPr algn="just"/>
-            <a:r>
-              <a:rPr lang="fr-FR" dirty="0" smtClean="0">
-                <a:latin typeface="Calibri Light" panose="020F0302020204030204" pitchFamily="34" charset="0"/>
-                <a:cs typeface="Calibri Light" panose="020F0302020204030204" pitchFamily="34" charset="0"/>
-              </a:rPr>
-              <a:t>Baisse de performances / stabilité</a:t>
-            </a:r>
-          </a:p>
-          <a:p>
-            <a:pPr algn="just"/>
-            <a:r>
-              <a:rPr lang="fr-FR" dirty="0">
-                <a:latin typeface="Calibri Light" panose="020F0302020204030204" pitchFamily="34" charset="0"/>
-                <a:cs typeface="Calibri Light" panose="020F0302020204030204" pitchFamily="34" charset="0"/>
-              </a:rPr>
-              <a:t>M</a:t>
-            </a:r>
-            <a:r>
-              <a:rPr lang="fr-FR" dirty="0" smtClean="0">
-                <a:latin typeface="Calibri Light" panose="020F0302020204030204" pitchFamily="34" charset="0"/>
-                <a:cs typeface="Calibri Light" panose="020F0302020204030204" pitchFamily="34" charset="0"/>
-              </a:rPr>
-              <a:t>oins efficaces dans l’utilisation des fonctionnalités du téléphone (caméra, etc.) que les applications natives</a:t>
-            </a:r>
-          </a:p>
-          <a:p>
-            <a:pPr algn="just"/>
-            <a:r>
-              <a:rPr lang="fr-FR" dirty="0" smtClean="0">
-                <a:latin typeface="Calibri Light" panose="020F0302020204030204" pitchFamily="34" charset="0"/>
-                <a:cs typeface="Calibri Light" panose="020F0302020204030204" pitchFamily="34" charset="0"/>
-              </a:rPr>
-              <a:t>Pas adaptées aux applications complexes</a:t>
-            </a:r>
-            <a:endParaRPr lang="fr-FR" dirty="0">
-              <a:latin typeface="Calibri Light" panose="020F0302020204030204" pitchFamily="34" charset="0"/>
-              <a:cs typeface="Calibri Light" panose="020F0302020204030204" pitchFamily="34" charset="0"/>
-            </a:endParaRPr>
-          </a:p>
-        </p:txBody>
-      </p:sp>
-      <p:sp>
-        <p:nvSpPr>
-          <p:cNvPr id="4" name="Espace réservé du numéro de diapositive 3"/>
-          <p:cNvSpPr>
-            <a:spLocks noGrp="1"/>
-          </p:cNvSpPr>
-          <p:nvPr>
-            <p:ph type="sldNum" sz="quarter" idx="12"/>
-          </p:nvPr>
-        </p:nvSpPr>
-        <p:spPr/>
-        <p:txBody>
-          <a:bodyPr/>
-          <a:lstStyle/>
-          <a:p>
-            <a:fld id="{581CF3FB-12BE-4619-8F61-AE4297B873D3}" type="slidenum">
-              <a:rPr lang="fr-FR" smtClean="0"/>
-              <a:t>9</a:t>
-            </a:fld>
-            <a:endParaRPr lang="fr-FR"/>
-          </a:p>
-        </p:txBody>
-      </p:sp>
-    </p:spTree>
-    <p:extLst>
-      <p:ext uri="{BB962C8B-B14F-4D97-AF65-F5344CB8AC3E}">
-        <p14:creationId xmlns:p14="http://schemas.microsoft.com/office/powerpoint/2010/main" val="2827602039"/>
       </p:ext>
     </p:extLst>
   </p:cSld>

--- a/presentation.pptx
+++ b/presentation.pptx
@@ -1111,7 +1111,7 @@
           <a:lstStyle/>
           <a:p>
             <a:r>
-              <a:rPr lang="fr-FR" sz="1200" b="1" i="0" kern="1200" dirty="0" err="1" smtClean="0">
+              <a:rPr lang="fr-FR" sz="1200" b="0" i="0" kern="1200" dirty="0" err="1" smtClean="0">
                 <a:solidFill>
                   <a:schemeClr val="tx1"/>
                 </a:solidFill>
@@ -1132,10 +1132,10 @@
                 <a:ea typeface="+mn-ea"/>
                 <a:cs typeface="+mn-cs"/>
               </a:rPr>
-              <a:t> est un </a:t>
-            </a:r>
-            <a:r>
-              <a:rPr lang="fr-FR" sz="1200" b="0" i="0" u="none" strike="noStrike" kern="1200" dirty="0" smtClean="0">
+              <a:t> est un </a:t>
+            </a:r>
+            <a:r>
+              <a:rPr lang="fr-FR" sz="1200" b="0" i="0" kern="1200" dirty="0" err="1" smtClean="0">
                 <a:solidFill>
                   <a:schemeClr val="tx1"/>
                 </a:solidFill>
@@ -1143,12 +1143,11 @@
                 <a:latin typeface="+mn-lt"/>
                 <a:ea typeface="+mn-ea"/>
                 <a:cs typeface="+mn-cs"/>
-                <a:hlinkClick r:id="rId3" tooltip="Framework"/>
               </a:rPr>
               <a:t>framework</a:t>
             </a:r>
             <a:r>
-              <a:rPr lang="fr-FR" sz="1200" b="0" i="0" u="none" strike="noStrike" kern="1200" baseline="30000" dirty="0" smtClean="0">
+              <a:rPr lang="fr-FR" sz="1200" b="0" i="0" kern="1200" dirty="0" smtClean="0">
                 <a:solidFill>
                   <a:schemeClr val="tx1"/>
                 </a:solidFill>
@@ -1156,12 +1155,11 @@
                 <a:latin typeface="+mn-lt"/>
                 <a:ea typeface="+mn-ea"/>
                 <a:cs typeface="+mn-cs"/>
-                <a:hlinkClick r:id="rId4"/>
-              </a:rPr>
-              <a:t>1</a:t>
-            </a:r>
-            <a:r>
-              <a:rPr lang="fr-FR" sz="1200" b="0" i="0" kern="1200" dirty="0" smtClean="0">
+              </a:rPr>
+              <a:t> </a:t>
+            </a:r>
+            <a:r>
+              <a:rPr lang="fr-FR" sz="1200" b="1" i="0" kern="1200" dirty="0" smtClean="0">
                 <a:solidFill>
                   <a:schemeClr val="tx1"/>
                 </a:solidFill>
@@ -1170,10 +1168,8 @@
                 <a:ea typeface="+mn-ea"/>
                 <a:cs typeface="+mn-cs"/>
               </a:rPr>
-              <a:t> open-source crée en 2013par DRIFTY . Deux versions distinctes sont disponibles, incompatibles entre elles : </a:t>
-            </a:r>
-          </a:p>
-          <a:p>
+              <a:t>complet</a:t>
+            </a:r>
             <a:r>
               <a:rPr lang="fr-FR" sz="1200" b="0" i="0" kern="1200" dirty="0" smtClean="0">
                 <a:solidFill>
@@ -1184,7 +1180,7 @@
                 <a:ea typeface="+mn-ea"/>
                 <a:cs typeface="+mn-cs"/>
               </a:rPr>
-              <a:t>la première version, 1.3.3 se base sur </a:t>
+              <a:t>, c’est-à-dire qu’il propose de vous aider dans le développement de votre interface graphique (</a:t>
             </a:r>
             <a:r>
               <a:rPr lang="fr-FR" sz="1200" b="0" i="0" kern="1200" dirty="0" err="1" smtClean="0">
@@ -1196,7 +1192,7 @@
                 <a:ea typeface="+mn-ea"/>
                 <a:cs typeface="+mn-cs"/>
               </a:rPr>
-              <a:t>AngularJS</a:t>
+              <a:t>frontend</a:t>
             </a:r>
             <a:r>
               <a:rPr lang="fr-FR" sz="1200" b="0" i="0" kern="1200" dirty="0" smtClean="0">
@@ -1208,12 +1204,10 @@
                 <a:ea typeface="+mn-ea"/>
                 <a:cs typeface="+mn-cs"/>
               </a:rPr>
-              <a:t> 1.5.3 </a:t>
-            </a:r>
-          </a:p>
-          <a:p>
-            <a:r>
-              <a:rPr lang="fr-FR" sz="1200" b="0" i="0" kern="1200" dirty="0" smtClean="0">
+              <a:t>), mais aussi dans le développement de toute la logique métier (</a:t>
+            </a:r>
+            <a:r>
+              <a:rPr lang="fr-FR" sz="1200" b="0" i="0" kern="1200" dirty="0" err="1" smtClean="0">
                 <a:solidFill>
                   <a:schemeClr val="tx1"/>
                 </a:solidFill>
@@ -1222,10 +1216,10 @@
                 <a:ea typeface="+mn-ea"/>
                 <a:cs typeface="+mn-cs"/>
               </a:rPr>
-              <a:t>tandis que la version 3.5.0 se base sur </a:t>
-            </a:r>
-            <a:r>
-              <a:rPr lang="fr-FR" sz="1200" b="0" i="0" kern="1200" dirty="0" err="1" smtClean="0">
+              <a:t>backend</a:t>
+            </a:r>
+            <a:r>
+              <a:rPr lang="fr-FR" sz="1200" b="0" i="0" kern="1200" dirty="0" smtClean="0">
                 <a:solidFill>
                   <a:schemeClr val="tx1"/>
                 </a:solidFill>
@@ -1234,8 +1228,10 @@
                 <a:ea typeface="+mn-ea"/>
                 <a:cs typeface="+mn-cs"/>
               </a:rPr>
-              <a:t>Angular</a:t>
-            </a:r>
+              <a:t>).</a:t>
+            </a:r>
+          </a:p>
+          <a:p>
             <a:r>
               <a:rPr lang="fr-FR" sz="1200" b="0" i="0" kern="1200" dirty="0" smtClean="0">
                 <a:solidFill>
@@ -1246,7 +1242,7 @@
                 <a:ea typeface="+mn-ea"/>
                 <a:cs typeface="+mn-cs"/>
               </a:rPr>
-              <a:t> 4.1.3 et </a:t>
+              <a:t>Interface graphique : Le </a:t>
             </a:r>
             <a:r>
               <a:rPr lang="fr-FR" sz="1200" b="0" i="0" kern="1200" dirty="0" err="1" smtClean="0">
@@ -1258,7 +1254,7 @@
                 <a:ea typeface="+mn-ea"/>
                 <a:cs typeface="+mn-cs"/>
               </a:rPr>
-              <a:t>TypeScript</a:t>
+              <a:t>framework</a:t>
             </a:r>
             <a:r>
               <a:rPr lang="fr-FR" sz="1200" b="0" i="0" kern="1200" dirty="0" smtClean="0">
@@ -1270,7 +1266,7 @@
                 <a:ea typeface="+mn-ea"/>
                 <a:cs typeface="+mn-cs"/>
               </a:rPr>
-              <a:t>.</a:t>
+              <a:t> possède son propre thème HTML/CSS afin de pouvoir disposer rapidement d’une application fonctionnelle</a:t>
             </a:r>
           </a:p>
           <a:p>
@@ -1284,7 +1280,7 @@
                 <a:ea typeface="+mn-ea"/>
                 <a:cs typeface="+mn-cs"/>
               </a:rPr>
-              <a:t>Il s’appuie sur </a:t>
+              <a:t>Logique </a:t>
             </a:r>
             <a:r>
               <a:rPr lang="fr-FR" sz="1200" b="0" i="0" kern="1200" dirty="0" err="1" smtClean="0">
@@ -1296,7 +1292,7 @@
                 <a:ea typeface="+mn-ea"/>
                 <a:cs typeface="+mn-cs"/>
               </a:rPr>
-              <a:t>Angular</a:t>
+              <a:t>metier</a:t>
             </a:r>
             <a:r>
               <a:rPr lang="fr-FR" sz="1200" b="0" i="0" kern="1200" dirty="0" smtClean="0">
@@ -1308,10 +1304,10 @@
                 <a:ea typeface="+mn-ea"/>
                 <a:cs typeface="+mn-cs"/>
               </a:rPr>
-              <a:t> pour la partie web et sur </a:t>
-            </a:r>
-            <a:r>
-              <a:rPr lang="fr-FR" sz="1200" b="0" i="0" u="none" strike="noStrike" kern="1200" dirty="0" err="1" smtClean="0">
+              <a:t> : Le </a:t>
+            </a:r>
+            <a:r>
+              <a:rPr lang="fr-FR" sz="1200" b="0" i="0" kern="1200" dirty="0" err="1" smtClean="0">
                 <a:solidFill>
                   <a:schemeClr val="tx1"/>
                 </a:solidFill>
@@ -1319,9 +1315,8 @@
                 <a:latin typeface="+mn-lt"/>
                 <a:ea typeface="+mn-ea"/>
                 <a:cs typeface="+mn-cs"/>
-                <a:hlinkClick r:id="rId5"/>
-              </a:rPr>
-              <a:t>Cordova</a:t>
+              </a:rPr>
+              <a:t>framework</a:t>
             </a:r>
             <a:r>
               <a:rPr lang="fr-FR" sz="1200" b="0" i="0" kern="1200" dirty="0" smtClean="0">
@@ -1333,10 +1328,8 @@
                 <a:ea typeface="+mn-ea"/>
                 <a:cs typeface="+mn-cs"/>
               </a:rPr>
-              <a:t> pour la partie native.</a:t>
-            </a:r>
-          </a:p>
-          <a:p>
+              <a:t> est basé sur </a:t>
+            </a:r>
             <a:r>
               <a:rPr lang="fr-FR" sz="1200" b="0" i="0" kern="1200" dirty="0" err="1" smtClean="0">
                 <a:solidFill>
@@ -1347,10 +1340,50 @@
                 <a:ea typeface="+mn-ea"/>
                 <a:cs typeface="+mn-cs"/>
               </a:rPr>
-              <a:t>Ionic</a:t>
-            </a:r>
-            <a:r>
-              <a:rPr lang="fr-FR" sz="1200" b="0" i="0" kern="1200" dirty="0" smtClean="0">
+              <a:t>AngularJS</a:t>
+            </a:r>
+            <a:endParaRPr lang="fr-FR" sz="1200" b="0" i="0" kern="1200" dirty="0" smtClean="0">
+              <a:solidFill>
+                <a:schemeClr val="tx1"/>
+              </a:solidFill>
+              <a:effectLst/>
+              <a:latin typeface="+mn-lt"/>
+              <a:ea typeface="+mn-ea"/>
+              <a:cs typeface="+mn-cs"/>
+            </a:endParaRPr>
+          </a:p>
+          <a:p>
+            <a:endParaRPr lang="fr-FR" dirty="0" smtClean="0"/>
+          </a:p>
+          <a:p>
+            <a:r>
+              <a:rPr lang="fr-FR" dirty="0" err="1" smtClean="0"/>
+              <a:t>Gulp</a:t>
+            </a:r>
+            <a:r>
+              <a:rPr lang="fr-FR" dirty="0" smtClean="0"/>
+              <a:t> :  </a:t>
+            </a:r>
+            <a:r>
+              <a:rPr lang="fr-FR" dirty="0" err="1" smtClean="0"/>
+              <a:t>toolkit</a:t>
+            </a:r>
+            <a:r>
+              <a:rPr lang="fr-FR" dirty="0" smtClean="0"/>
+              <a:t> JavaScript open-source , C'est un exécuteur de tâches construit sur Node.js et </a:t>
+            </a:r>
+            <a:r>
+              <a:rPr lang="fr-FR" dirty="0" err="1" smtClean="0"/>
+              <a:t>npm</a:t>
+            </a:r>
+            <a:r>
+              <a:rPr lang="fr-FR" dirty="0" smtClean="0"/>
+              <a:t>, utilisé pour l'automatisation des tâches répétitives dans le développement web</a:t>
+            </a:r>
+          </a:p>
+          <a:p>
+            <a:r>
+              <a:rPr lang="fr-FR" sz="1200" b="0" i="0" kern="1200" dirty="0" err="1" smtClean="0">
                 <a:solidFill>
                   <a:schemeClr val="tx1"/>
                 </a:solidFill>
@@ -1359,10 +1392,10 @@
                 <a:ea typeface="+mn-ea"/>
                 <a:cs typeface="+mn-cs"/>
               </a:rPr>
-              <a:t> permet de créer un code </a:t>
-            </a:r>
-            <a:r>
-              <a:rPr lang="fr-FR" sz="1200" b="0" i="0" kern="1200" dirty="0" err="1" smtClean="0">
+              <a:t>Angularjs</a:t>
+            </a:r>
+            <a:r>
+              <a:rPr lang="fr-FR" sz="1200" b="0" i="0" kern="1200" dirty="0" smtClean="0">
                 <a:solidFill>
                   <a:schemeClr val="tx1"/>
                 </a:solidFill>
@@ -1371,10 +1404,12 @@
                 <a:ea typeface="+mn-ea"/>
                 <a:cs typeface="+mn-cs"/>
               </a:rPr>
-              <a:t>multisupport</a:t>
-            </a:r>
-            <a:r>
-              <a:rPr lang="fr-FR" sz="1200" b="0" i="0" kern="1200" dirty="0" smtClean="0">
+              <a:t> : pour suivre la structure model , vue contrôleur </a:t>
+            </a:r>
+          </a:p>
+          <a:p>
+            <a:r>
+              <a:rPr lang="fr-FR" sz="1200" b="0" i="0" kern="1200" dirty="0" err="1" smtClean="0">
                 <a:solidFill>
                   <a:schemeClr val="tx1"/>
                 </a:solidFill>
@@ -1383,10 +1418,10 @@
                 <a:ea typeface="+mn-ea"/>
                 <a:cs typeface="+mn-cs"/>
               </a:rPr>
-              <a:t> en utilisant des outils </a:t>
-            </a:r>
-            <a:r>
-              <a:rPr lang="fr-FR" sz="1200" b="0" i="0" u="none" strike="noStrike" kern="1200" dirty="0" smtClean="0">
+              <a:t>Sass</a:t>
+            </a:r>
+            <a:r>
+              <a:rPr lang="fr-FR" sz="1200" b="0" i="0" kern="1200" dirty="0" smtClean="0">
                 <a:solidFill>
                   <a:schemeClr val="tx1"/>
                 </a:solidFill>
@@ -1394,9 +1429,19 @@
                 <a:latin typeface="+mn-lt"/>
                 <a:ea typeface="+mn-ea"/>
                 <a:cs typeface="+mn-cs"/>
-                <a:hlinkClick r:id="rId6" tooltip="Web"/>
-              </a:rPr>
-              <a:t>Web</a:t>
+              </a:rPr>
+              <a:t> : permet notamment de modifier les variables du thème afin de changer les couleurs, les polices et tout autre paramètre disponible.</a:t>
+            </a:r>
+            <a:endParaRPr lang="fr-FR" dirty="0" smtClean="0"/>
+          </a:p>
+          <a:p>
+            <a:r>
+              <a:rPr lang="fr-FR" dirty="0" err="1" smtClean="0"/>
+              <a:t>Cordova</a:t>
+            </a:r>
+            <a:r>
+              <a:rPr lang="fr-FR" dirty="0" smtClean="0"/>
+              <a:t> : </a:t>
             </a:r>
             <a:r>
               <a:rPr lang="fr-FR" sz="1200" b="0" i="0" kern="1200" dirty="0" smtClean="0">
@@ -1408,10 +1453,10 @@
                 <a:ea typeface="+mn-ea"/>
                 <a:cs typeface="+mn-cs"/>
               </a:rPr>
-              <a:t> comme </a:t>
-            </a:r>
-            <a:r>
-              <a:rPr lang="fr-FR" sz="1200" b="0" i="0" u="none" strike="noStrike" kern="1200" dirty="0" smtClean="0">
+              <a:t> Il permet d'exploiter les technologies Web courantes telles que HTML5, CSS3 et JavaScript pour développer des applications </a:t>
+            </a:r>
+            <a:r>
+              <a:rPr lang="fr-FR" sz="1200" b="0" i="0" kern="1200" dirty="0" err="1" smtClean="0">
                 <a:solidFill>
                   <a:schemeClr val="tx1"/>
                 </a:solidFill>
@@ -1419,9 +1464,8 @@
                 <a:latin typeface="+mn-lt"/>
                 <a:ea typeface="+mn-ea"/>
                 <a:cs typeface="+mn-cs"/>
-                <a:hlinkClick r:id="rId7" tooltip="HTML"/>
-              </a:rPr>
-              <a:t>HTML</a:t>
+              </a:rPr>
+              <a:t>multi-plateformes</a:t>
             </a:r>
             <a:r>
               <a:rPr lang="fr-FR" sz="1200" b="0" i="0" kern="1200" dirty="0" smtClean="0">
@@ -1433,173 +1477,8 @@
                 <a:ea typeface="+mn-ea"/>
                 <a:cs typeface="+mn-cs"/>
               </a:rPr>
-              <a:t>, </a:t>
-            </a:r>
-            <a:r>
-              <a:rPr lang="fr-FR" sz="1200" b="0" i="0" u="none" strike="noStrike" kern="1200" dirty="0" smtClean="0">
-                <a:solidFill>
-                  <a:schemeClr val="tx1"/>
-                </a:solidFill>
-                <a:effectLst/>
-                <a:latin typeface="+mn-lt"/>
-                <a:ea typeface="+mn-ea"/>
-                <a:cs typeface="+mn-cs"/>
-                <a:hlinkClick r:id="rId8" tooltip="Feuilles de style en cascade"/>
-              </a:rPr>
-              <a:t>CSS</a:t>
-            </a:r>
-            <a:r>
-              <a:rPr lang="fr-FR" sz="1200" b="0" i="0" kern="1200" dirty="0" smtClean="0">
-                <a:solidFill>
-                  <a:schemeClr val="tx1"/>
-                </a:solidFill>
-                <a:effectLst/>
-                <a:latin typeface="+mn-lt"/>
-                <a:ea typeface="+mn-ea"/>
-                <a:cs typeface="+mn-cs"/>
-              </a:rPr>
-              <a:t>, </a:t>
-            </a:r>
-            <a:r>
-              <a:rPr lang="fr-FR" sz="1200" b="0" i="0" u="none" strike="noStrike" kern="1200" dirty="0" smtClean="0">
-                <a:solidFill>
-                  <a:schemeClr val="tx1"/>
-                </a:solidFill>
-                <a:effectLst/>
-                <a:latin typeface="+mn-lt"/>
-                <a:ea typeface="+mn-ea"/>
-                <a:cs typeface="+mn-cs"/>
-                <a:hlinkClick r:id="rId9" tooltip="JavaScript"/>
-              </a:rPr>
-              <a:t>JavaScript</a:t>
-            </a:r>
-            <a:r>
-              <a:rPr lang="fr-FR" sz="1200" b="0" i="0" kern="1200" dirty="0" smtClean="0">
-                <a:solidFill>
-                  <a:schemeClr val="tx1"/>
-                </a:solidFill>
-                <a:effectLst/>
-                <a:latin typeface="+mn-lt"/>
-                <a:ea typeface="+mn-ea"/>
-                <a:cs typeface="+mn-cs"/>
-              </a:rPr>
-              <a:t>, </a:t>
-            </a:r>
-          </a:p>
-          <a:p>
-            <a:r>
-              <a:rPr lang="fr-FR" sz="1200" b="0" i="0" kern="1200" dirty="0" smtClean="0">
-                <a:solidFill>
-                  <a:schemeClr val="tx1"/>
-                </a:solidFill>
-                <a:effectLst/>
-                <a:latin typeface="+mn-lt"/>
-                <a:ea typeface="+mn-ea"/>
-                <a:cs typeface="+mn-cs"/>
-              </a:rPr>
-              <a:t>afin de générer des applications </a:t>
-            </a:r>
-            <a:r>
-              <a:rPr lang="fr-FR" sz="1200" b="0" i="0" u="none" strike="noStrike" kern="1200" dirty="0" smtClean="0">
-                <a:solidFill>
-                  <a:schemeClr val="tx1"/>
-                </a:solidFill>
-                <a:effectLst/>
-                <a:latin typeface="+mn-lt"/>
-                <a:ea typeface="+mn-ea"/>
-                <a:cs typeface="+mn-cs"/>
-                <a:hlinkClick r:id="rId10" tooltip="Apple iOS"/>
-              </a:rPr>
-              <a:t>iOS</a:t>
-            </a:r>
-            <a:r>
-              <a:rPr lang="fr-FR" sz="1200" b="0" i="0" kern="1200" dirty="0" smtClean="0">
-                <a:solidFill>
-                  <a:schemeClr val="tx1"/>
-                </a:solidFill>
-                <a:effectLst/>
-                <a:latin typeface="+mn-lt"/>
-                <a:ea typeface="+mn-ea"/>
-                <a:cs typeface="+mn-cs"/>
-              </a:rPr>
-              <a:t>, </a:t>
-            </a:r>
-            <a:r>
-              <a:rPr lang="fr-FR" sz="1200" b="0" i="0" u="none" strike="noStrike" kern="1200" dirty="0" smtClean="0">
-                <a:solidFill>
-                  <a:schemeClr val="tx1"/>
-                </a:solidFill>
-                <a:effectLst/>
-                <a:latin typeface="+mn-lt"/>
-                <a:ea typeface="+mn-ea"/>
-                <a:cs typeface="+mn-cs"/>
-                <a:hlinkClick r:id="rId11" tooltip="Android"/>
-              </a:rPr>
-              <a:t>Android</a:t>
-            </a:r>
-            <a:r>
-              <a:rPr lang="fr-FR" sz="1200" b="0" i="0" kern="1200" dirty="0" smtClean="0">
-                <a:solidFill>
-                  <a:schemeClr val="tx1"/>
-                </a:solidFill>
-                <a:effectLst/>
-                <a:latin typeface="+mn-lt"/>
-                <a:ea typeface="+mn-ea"/>
-                <a:cs typeface="+mn-cs"/>
-              </a:rPr>
-              <a:t>, </a:t>
-            </a:r>
-            <a:r>
-              <a:rPr lang="fr-FR" sz="1200" b="0" i="0" u="none" strike="noStrike" kern="1200" dirty="0" smtClean="0">
-                <a:solidFill>
-                  <a:schemeClr val="tx1"/>
-                </a:solidFill>
-                <a:effectLst/>
-                <a:latin typeface="+mn-lt"/>
-                <a:ea typeface="+mn-ea"/>
-                <a:cs typeface="+mn-cs"/>
-                <a:hlinkClick r:id="rId12" tooltip="Chrome OS"/>
-              </a:rPr>
-              <a:t>Chrome</a:t>
-            </a:r>
-            <a:r>
-              <a:rPr lang="fr-FR" sz="1200" b="0" i="0" kern="1200" dirty="0" smtClean="0">
-                <a:solidFill>
-                  <a:schemeClr val="tx1"/>
-                </a:solidFill>
-                <a:effectLst/>
-                <a:latin typeface="+mn-lt"/>
-                <a:ea typeface="+mn-ea"/>
-                <a:cs typeface="+mn-cs"/>
-              </a:rPr>
-              <a:t>, </a:t>
-            </a:r>
-            <a:r>
-              <a:rPr lang="fr-FR" sz="1200" b="0" i="0" u="none" strike="noStrike" kern="1200" dirty="0" smtClean="0">
-                <a:solidFill>
-                  <a:schemeClr val="tx1"/>
-                </a:solidFill>
-                <a:effectLst/>
-                <a:latin typeface="+mn-lt"/>
-                <a:ea typeface="+mn-ea"/>
-                <a:cs typeface="+mn-cs"/>
-                <a:hlinkClick r:id="rId13" tooltip="Windows Phone"/>
-              </a:rPr>
-              <a:t>Windows Phone</a:t>
-            </a:r>
-            <a:r>
-              <a:rPr lang="fr-FR" sz="1200" b="0" i="0" kern="1200" dirty="0" smtClean="0">
-                <a:solidFill>
-                  <a:schemeClr val="tx1"/>
-                </a:solidFill>
-                <a:effectLst/>
-                <a:latin typeface="+mn-lt"/>
-                <a:ea typeface="+mn-ea"/>
-                <a:cs typeface="+mn-cs"/>
-              </a:rPr>
-              <a:t> et bien d'autres.</a:t>
-            </a:r>
-            <a:endParaRPr lang="fr-FR" dirty="0" smtClean="0"/>
+              <a:t>, s'appuient sur des API conformes aux standards permettant l'accès aux capteurs de chaque appareil, aux données ainsi qu'à l'état du réseau.</a:t>
+            </a:r>
           </a:p>
           <a:p>
             <a:endParaRPr lang="fr-FR" dirty="0"/>
@@ -7632,10 +7511,6 @@
               </a:rPr>
               <a:t>GENERALITE</a:t>
             </a:r>
-            <a:endParaRPr lang="fr-FR" dirty="0" smtClean="0">
-              <a:latin typeface="Calibri Light" panose="020F0302020204030204" pitchFamily="34" charset="0"/>
-              <a:cs typeface="Calibri Light" panose="020F0302020204030204" pitchFamily="34" charset="0"/>
-            </a:endParaRPr>
           </a:p>
           <a:p>
             <a:pPr marL="114300" indent="0" algn="just">
@@ -7655,10 +7530,6 @@
               </a:rPr>
               <a:t>FONCTIONNEMENT</a:t>
             </a:r>
-            <a:endParaRPr lang="fr-FR" dirty="0" smtClean="0">
-              <a:latin typeface="Calibri Light" panose="020F0302020204030204" pitchFamily="34" charset="0"/>
-              <a:cs typeface="Calibri Light" panose="020F0302020204030204" pitchFamily="34" charset="0"/>
-            </a:endParaRPr>
           </a:p>
           <a:p>
             <a:pPr algn="just"/>
@@ -7676,10 +7547,6 @@
               </a:rPr>
               <a:t>FRONT-END / BACK-END</a:t>
             </a:r>
-            <a:endParaRPr lang="fr-FR" dirty="0" smtClean="0">
-              <a:latin typeface="Calibri Light" panose="020F0302020204030204" pitchFamily="34" charset="0"/>
-              <a:cs typeface="Calibri Light" panose="020F0302020204030204" pitchFamily="34" charset="0"/>
-            </a:endParaRPr>
           </a:p>
           <a:p>
             <a:pPr algn="just"/>

--- a/presentation.pptx
+++ b/presentation.pptx
@@ -5,7 +5,7 @@
     <p:sldMasterId id="2147483660" r:id="rId1"/>
   </p:sldMasterIdLst>
   <p:notesMasterIdLst>
-    <p:notesMasterId r:id="rId13"/>
+    <p:notesMasterId r:id="rId14"/>
   </p:notesMasterIdLst>
   <p:sldIdLst>
     <p:sldId id="256" r:id="rId2"/>
@@ -15,10 +15,11 @@
     <p:sldId id="259" r:id="rId6"/>
     <p:sldId id="260" r:id="rId7"/>
     <p:sldId id="261" r:id="rId8"/>
-    <p:sldId id="262" r:id="rId9"/>
-    <p:sldId id="263" r:id="rId10"/>
-    <p:sldId id="264" r:id="rId11"/>
-    <p:sldId id="265" r:id="rId12"/>
+    <p:sldId id="267" r:id="rId9"/>
+    <p:sldId id="268" r:id="rId10"/>
+    <p:sldId id="269" r:id="rId11"/>
+    <p:sldId id="270" r:id="rId12"/>
+    <p:sldId id="271" r:id="rId13"/>
   </p:sldIdLst>
   <p:sldSz cx="9144000" cy="6858000" type="screen4x3"/>
   <p:notesSz cx="6858000" cy="9144000"/>
@@ -119,7 +120,7 @@
   </p:defaultTextStyle>
   <p:extLst>
     <p:ext uri="{EFAFB233-063F-42B5-8137-9DF3F51BA10A}">
-      <p15:sldGuideLst xmlns:p15="http://schemas.microsoft.com/office/powerpoint/2012/main">
+      <p15:sldGuideLst xmlns:p15="http://schemas.microsoft.com/office/powerpoint/2012/main" xmlns="">
         <p15:guide id="1" orient="horz" pos="2160">
           <p15:clr>
             <a:srgbClr val="A4A3A4"/>
@@ -2183,7 +2184,7 @@
       </p:sp>
       <p:sp>
         <p:nvSpPr>
-          <p:cNvPr id="3" name="Espace réservé des notes 2"/>
+          <p:cNvPr id="3" name="Espace réservé des commentaires 2"/>
           <p:cNvSpPr>
             <a:spLocks noGrp="1"/>
           </p:cNvSpPr>
@@ -2324,10 +2325,13 @@
               <a:t>emlant</a:t>
             </a:r>
             <a:r>
-              <a:rPr lang="fr-FR" baseline="0" dirty="0" smtClean="0"/>
+              <a:rPr lang="fr-FR" baseline="0" smtClean="0"/>
               <a:t> l’interface ANDROID/IOS/WINDOWS PHONE</a:t>
             </a:r>
-            <a:endParaRPr lang="fr-FR" dirty="0"/>
+            <a:endParaRPr lang="fr-FR" smtClean="0"/>
+          </a:p>
+          <a:p>
+            <a:endParaRPr lang="fr-FR"/>
           </a:p>
         </p:txBody>
       </p:sp>
@@ -2357,7 +2361,7 @@
     </p:spTree>
     <p:extLst>
       <p:ext uri="{BB962C8B-B14F-4D97-AF65-F5344CB8AC3E}">
-        <p14:creationId xmlns:p14="http://schemas.microsoft.com/office/powerpoint/2010/main" val="18989112"/>
+        <p14:creationId xmlns:p14="http://schemas.microsoft.com/office/powerpoint/2010/main" val="2946336904"/>
       </p:ext>
     </p:extLst>
   </p:cSld>
@@ -7304,10 +7308,79 @@
           </a:p>
         </p:txBody>
       </p:sp>
+      <p:sp>
+        <p:nvSpPr>
+          <p:cNvPr id="5" name="AutoShape 2" descr="Résultat de recherche d'images pour &quot;cross-platform mobile&quot;"/>
+          <p:cNvSpPr>
+            <a:spLocks noChangeAspect="1" noChangeArrowheads="1"/>
+          </p:cNvSpPr>
+          <p:nvPr/>
+        </p:nvSpPr>
+        <p:spPr bwMode="auto">
+          <a:xfrm>
+            <a:off x="155575" y="-144463"/>
+            <a:ext cx="304800" cy="304801"/>
+          </a:xfrm>
+          <a:prstGeom prst="rect">
+            <a:avLst/>
+          </a:prstGeom>
+          <a:noFill/>
+          <a:extLst>
+            <a:ext uri="{909E8E84-426E-40DD-AFC4-6F175D3DCCD1}">
+              <a14:hiddenFill xmlns:a14="http://schemas.microsoft.com/office/drawing/2010/main">
+                <a:solidFill>
+                  <a:srgbClr val="FFFFFF"/>
+                </a:solidFill>
+              </a14:hiddenFill>
+            </a:ext>
+          </a:extLst>
+        </p:spPr>
+        <p:txBody>
+          <a:bodyPr vert="horz" wrap="square" lIns="91440" tIns="45720" rIns="91440" bIns="45720" numCol="1" anchor="t" anchorCtr="0" compatLnSpc="1">
+            <a:prstTxWarp prst="textNoShape">
+              <a:avLst/>
+            </a:prstTxWarp>
+          </a:bodyPr>
+          <a:lstStyle/>
+          <a:p>
+            <a:endParaRPr lang="fr-FR"/>
+          </a:p>
+        </p:txBody>
+      </p:sp>
+      <p:pic>
+        <p:nvPicPr>
+          <p:cNvPr id="6" name="Image 5"/>
+          <p:cNvPicPr>
+            <a:picLocks noChangeAspect="1"/>
+          </p:cNvPicPr>
+          <p:nvPr/>
+        </p:nvPicPr>
+        <p:blipFill>
+          <a:blip r:embed="rId2">
+            <a:extLst>
+              <a:ext uri="{28A0092B-C50C-407E-A947-70E740481C1C}">
+                <a14:useLocalDpi xmlns:a14="http://schemas.microsoft.com/office/drawing/2010/main" val="0"/>
+              </a:ext>
+            </a:extLst>
+          </a:blip>
+          <a:stretch>
+            <a:fillRect/>
+          </a:stretch>
+        </p:blipFill>
+        <p:spPr>
+          <a:xfrm>
+            <a:off x="2051720" y="4029930"/>
+            <a:ext cx="4968552" cy="2835670"/>
+          </a:xfrm>
+          <a:prstGeom prst="rect">
+            <a:avLst/>
+          </a:prstGeom>
+        </p:spPr>
+      </p:pic>
     </p:spTree>
     <p:extLst>
       <p:ext uri="{BB962C8B-B14F-4D97-AF65-F5344CB8AC3E}">
-        <p14:creationId xmlns:p14="http://schemas.microsoft.com/office/powerpoint/2010/main" val="2827602039"/>
+        <p14:creationId xmlns:p14="http://schemas.microsoft.com/office/powerpoint/2010/main" val="3170200332"/>
       </p:ext>
     </p:extLst>
   </p:cSld>
@@ -7380,6 +7453,29 @@
       </p:sp>
       <p:sp>
         <p:nvSpPr>
+          <p:cNvPr id="3" name="Espace réservé du contenu 2"/>
+          <p:cNvSpPr>
+            <a:spLocks noGrp="1"/>
+          </p:cNvSpPr>
+          <p:nvPr>
+            <p:ph idx="1"/>
+          </p:nvPr>
+        </p:nvSpPr>
+        <p:spPr/>
+        <p:txBody>
+          <a:bodyPr/>
+          <a:lstStyle/>
+          <a:p>
+            <a:pPr algn="just"/>
+            <a:endParaRPr lang="fr-FR" dirty="0">
+              <a:latin typeface="Calibri Light" panose="020F0302020204030204" pitchFamily="34" charset="0"/>
+              <a:cs typeface="Calibri Light" panose="020F0302020204030204" pitchFamily="34" charset="0"/>
+            </a:endParaRPr>
+          </a:p>
+        </p:txBody>
+      </p:sp>
+      <p:sp>
+        <p:nvSpPr>
           <p:cNvPr id="4" name="Espace réservé du numéro de diapositive 3"/>
           <p:cNvSpPr>
             <a:spLocks noGrp="1"/>
@@ -7403,13 +7499,11 @@
       </p:sp>
       <p:pic>
         <p:nvPicPr>
-          <p:cNvPr id="1026" name="Picture 2" descr="Résultat de recherche d'images pour &quot;CODDING PNG&quot;"/>
+          <p:cNvPr id="5" name="Picture 2" descr="Résultat de recherche d'images pour &quot;CODDING PNG&quot;"/>
           <p:cNvPicPr>
-            <a:picLocks noGrp="1" noChangeAspect="1" noChangeArrowheads="1"/>
+            <a:picLocks noChangeAspect="1" noChangeArrowheads="1"/>
           </p:cNvPicPr>
-          <p:nvPr>
-            <p:ph idx="1"/>
-          </p:nvPr>
+          <p:nvPr/>
         </p:nvPicPr>
         <p:blipFill>
           <a:blip r:embed="rId2">
@@ -7426,8 +7520,8 @@
         </p:blipFill>
         <p:spPr bwMode="auto">
           <a:xfrm>
-            <a:off x="2385218" y="1752600"/>
-            <a:ext cx="4373563" cy="4373563"/>
+            <a:off x="3203847" y="2478722"/>
+            <a:ext cx="2703413" cy="2703413"/>
           </a:xfrm>
           <a:prstGeom prst="rect">
             <a:avLst/>
@@ -7447,7 +7541,164 @@
     </p:spTree>
     <p:extLst>
       <p:ext uri="{BB962C8B-B14F-4D97-AF65-F5344CB8AC3E}">
-        <p14:creationId xmlns:p14="http://schemas.microsoft.com/office/powerpoint/2010/main" val="167097768"/>
+        <p14:creationId xmlns:p14="http://schemas.microsoft.com/office/powerpoint/2010/main" val="3973544759"/>
+      </p:ext>
+    </p:extLst>
+  </p:cSld>
+  <p:clrMapOvr>
+    <a:masterClrMapping/>
+  </p:clrMapOvr>
+  <p:timing>
+    <p:tnLst>
+      <p:par>
+        <p:cTn id="1" dur="indefinite" restart="never" nodeType="tmRoot"/>
+      </p:par>
+    </p:tnLst>
+  </p:timing>
+</p:sld>
+</file>
+
+<file path=ppt/slides/slide12.xml><?xml version="1.0" encoding="utf-8"?>
+<p:sld xmlns:a="http://schemas.openxmlformats.org/drawingml/2006/main" xmlns:r="http://schemas.openxmlformats.org/officeDocument/2006/relationships" xmlns:p="http://schemas.openxmlformats.org/presentationml/2006/main">
+  <p:cSld>
+    <p:spTree>
+      <p:nvGrpSpPr>
+        <p:cNvPr id="1" name=""/>
+        <p:cNvGrpSpPr/>
+        <p:nvPr/>
+      </p:nvGrpSpPr>
+      <p:grpSpPr>
+        <a:xfrm>
+          <a:off x="0" y="0"/>
+          <a:ext cx="0" cy="0"/>
+          <a:chOff x="0" y="0"/>
+          <a:chExt cx="0" cy="0"/>
+        </a:xfrm>
+      </p:grpSpPr>
+      <p:sp>
+        <p:nvSpPr>
+          <p:cNvPr id="2" name="Titre 1"/>
+          <p:cNvSpPr>
+            <a:spLocks noGrp="1"/>
+          </p:cNvSpPr>
+          <p:nvPr>
+            <p:ph type="title"/>
+          </p:nvPr>
+        </p:nvSpPr>
+        <p:spPr/>
+        <p:txBody>
+          <a:bodyPr>
+            <a:normAutofit/>
+          </a:bodyPr>
+          <a:lstStyle/>
+          <a:p>
+            <a:r>
+              <a:rPr lang="fr-FR" dirty="0" smtClean="0">
+                <a:solidFill>
+                  <a:schemeClr val="accent2"/>
+                </a:solidFill>
+                <a:latin typeface="Calibri Light" panose="020F0302020204030204" pitchFamily="34" charset="0"/>
+                <a:cs typeface="Calibri Light" panose="020F0302020204030204" pitchFamily="34" charset="0"/>
+              </a:rPr>
+              <a:t>Conclusion</a:t>
+            </a:r>
+            <a:endParaRPr lang="fr-FR" dirty="0">
+              <a:solidFill>
+                <a:schemeClr val="accent2"/>
+              </a:solidFill>
+              <a:latin typeface="Calibri Light" panose="020F0302020204030204" pitchFamily="34" charset="0"/>
+              <a:cs typeface="Calibri Light" panose="020F0302020204030204" pitchFamily="34" charset="0"/>
+            </a:endParaRPr>
+          </a:p>
+        </p:txBody>
+      </p:sp>
+      <p:sp>
+        <p:nvSpPr>
+          <p:cNvPr id="3" name="Espace réservé du contenu 2"/>
+          <p:cNvSpPr>
+            <a:spLocks noGrp="1"/>
+          </p:cNvSpPr>
+          <p:nvPr>
+            <p:ph idx="1"/>
+          </p:nvPr>
+        </p:nvSpPr>
+        <p:spPr/>
+        <p:txBody>
+          <a:bodyPr/>
+          <a:lstStyle/>
+          <a:p>
+            <a:pPr algn="just"/>
+            <a:r>
+              <a:rPr lang="fr-FR" dirty="0" smtClean="0">
+                <a:latin typeface="Calibri Light" panose="020F0302020204030204" pitchFamily="34" charset="0"/>
+                <a:cs typeface="Calibri Light" panose="020F0302020204030204" pitchFamily="34" charset="0"/>
+              </a:rPr>
+              <a:t>Facilite grandement le développement</a:t>
+            </a:r>
+          </a:p>
+          <a:p>
+            <a:pPr algn="just"/>
+            <a:r>
+              <a:rPr lang="fr-FR" dirty="0" smtClean="0">
+                <a:latin typeface="Calibri Light" panose="020F0302020204030204" pitchFamily="34" charset="0"/>
+                <a:cs typeface="Calibri Light" panose="020F0302020204030204" pitchFamily="34" charset="0"/>
+              </a:rPr>
+              <a:t>Gain de temps et d’argent</a:t>
+            </a:r>
+          </a:p>
+          <a:p>
+            <a:pPr algn="just"/>
+            <a:r>
+              <a:rPr lang="fr-FR" dirty="0" smtClean="0">
+                <a:latin typeface="Calibri Light" panose="020F0302020204030204" pitchFamily="34" charset="0"/>
+                <a:cs typeface="Calibri Light" panose="020F0302020204030204" pitchFamily="34" charset="0"/>
+              </a:rPr>
+              <a:t>Solution « clé en main » / Documentation fournie</a:t>
+            </a:r>
+          </a:p>
+          <a:p>
+            <a:pPr algn="just"/>
+            <a:r>
+              <a:rPr lang="fr-FR" dirty="0" smtClean="0">
+                <a:latin typeface="Calibri Light" panose="020F0302020204030204" pitchFamily="34" charset="0"/>
+                <a:cs typeface="Calibri Light" panose="020F0302020204030204" pitchFamily="34" charset="0"/>
+              </a:rPr>
+              <a:t>Performances limitées </a:t>
+            </a:r>
+            <a:endParaRPr lang="fr-FR" dirty="0">
+              <a:latin typeface="Calibri Light" panose="020F0302020204030204" pitchFamily="34" charset="0"/>
+              <a:cs typeface="Calibri Light" panose="020F0302020204030204" pitchFamily="34" charset="0"/>
+            </a:endParaRPr>
+          </a:p>
+        </p:txBody>
+      </p:sp>
+      <p:sp>
+        <p:nvSpPr>
+          <p:cNvPr id="4" name="Espace réservé du numéro de diapositive 3"/>
+          <p:cNvSpPr>
+            <a:spLocks noGrp="1"/>
+          </p:cNvSpPr>
+          <p:nvPr>
+            <p:ph type="sldNum" sz="quarter" idx="12"/>
+          </p:nvPr>
+        </p:nvSpPr>
+        <p:spPr/>
+        <p:txBody>
+          <a:bodyPr/>
+          <a:lstStyle/>
+          <a:p>
+            <a:fld id="{581CF3FB-12BE-4619-8F61-AE4297B873D3}" type="slidenum">
+              <a:rPr lang="fr-FR" smtClean="0"/>
+              <a:t>12</a:t>
+            </a:fld>
+            <a:endParaRPr lang="fr-FR"/>
+          </a:p>
+        </p:txBody>
+      </p:sp>
+    </p:spTree>
+    <p:extLst>
+      <p:ext uri="{BB962C8B-B14F-4D97-AF65-F5344CB8AC3E}">
+        <p14:creationId xmlns:p14="http://schemas.microsoft.com/office/powerpoint/2010/main" val="1437300129"/>
       </p:ext>
     </p:extLst>
   </p:cSld>
@@ -7509,7 +7760,7 @@
                 <a:latin typeface="Calibri Light" panose="020F0302020204030204" pitchFamily="34" charset="0"/>
                 <a:cs typeface="Calibri Light" panose="020F0302020204030204" pitchFamily="34" charset="0"/>
               </a:rPr>
-              <a:t>GENERALITE</a:t>
+              <a:t>GENERALITES</a:t>
             </a:r>
           </a:p>
           <a:p>
@@ -7593,7 +7844,7 @@
                 <a:latin typeface="Calibri Light" panose="020F0302020204030204" pitchFamily="34" charset="0"/>
                 <a:cs typeface="Calibri Light" panose="020F0302020204030204" pitchFamily="34" charset="0"/>
               </a:rPr>
-              <a:t>INCONVENIENT </a:t>
+              <a:t>INCONVENIENTS </a:t>
             </a:r>
           </a:p>
           <a:p>
@@ -7671,14 +7922,21 @@
         </p:nvSpPr>
         <p:spPr/>
         <p:txBody>
-          <a:bodyPr/>
-          <a:lstStyle/>
-          <a:p>
-            <a:r>
-              <a:rPr lang="fr-FR" dirty="0" smtClean="0"/>
+          <a:bodyPr vert="horz" lIns="91440" tIns="45720" rIns="91440" bIns="45720" rtlCol="0" anchor="ctr">
+            <a:normAutofit/>
+          </a:bodyPr>
+          <a:lstStyle/>
+          <a:p>
+            <a:r>
+              <a:rPr lang="fr-FR" dirty="0">
+                <a:solidFill>
+                  <a:schemeClr val="accent2"/>
+                </a:solidFill>
+                <a:latin typeface="Calibri Light" panose="020F0302020204030204" pitchFamily="34" charset="0"/>
+                <a:cs typeface="Calibri Light" panose="020F0302020204030204" pitchFamily="34" charset="0"/>
+              </a:rPr>
               <a:t>plan</a:t>
             </a:r>
-            <a:endParaRPr lang="fr-FR" dirty="0"/>
           </a:p>
         </p:txBody>
       </p:sp>
@@ -7691,7 +7949,7 @@
           <p:nvPr/>
         </p:nvPicPr>
         <p:blipFill>
-          <a:blip r:embed="rId2">
+          <a:blip r:embed="rId2" cstate="print">
             <a:extLst>
               <a:ext uri="{28A0092B-C50C-407E-A947-70E740481C1C}">
                 <a14:useLocalDpi xmlns:a14="http://schemas.microsoft.com/office/drawing/2010/main" val="0"/>
@@ -7705,8 +7963,8 @@
         </p:blipFill>
         <p:spPr bwMode="auto">
           <a:xfrm>
-            <a:off x="3491880" y="2354793"/>
-            <a:ext cx="6227808" cy="3113904"/>
+            <a:off x="4346832" y="2780928"/>
+            <a:ext cx="4715640" cy="2357820"/>
           </a:xfrm>
           <a:prstGeom prst="rect">
             <a:avLst/>
@@ -7726,7 +7984,7 @@
     </p:spTree>
     <p:extLst>
       <p:ext uri="{BB962C8B-B14F-4D97-AF65-F5344CB8AC3E}">
-        <p14:creationId xmlns:p14="http://schemas.microsoft.com/office/powerpoint/2010/main" val="518057532"/>
+        <p14:creationId xmlns:p14="http://schemas.microsoft.com/office/powerpoint/2010/main" val="2695108574"/>
       </p:ext>
     </p:extLst>
   </p:cSld>
@@ -8939,32 +9197,44 @@
                 <a:latin typeface="Calibri Light" panose="020F0302020204030204" pitchFamily="34" charset="0"/>
                 <a:cs typeface="Calibri Light" panose="020F0302020204030204" pitchFamily="34" charset="0"/>
               </a:rPr>
-              <a:t>                                        </a:t>
+              <a:t>                                     </a:t>
             </a:r>
             <a:r>
               <a:rPr lang="fr-FR" dirty="0" err="1" smtClean="0">
-                <a:latin typeface="Calibri Light" panose="020F0302020204030204" pitchFamily="34" charset="0"/>
-                <a:cs typeface="Calibri Light" panose="020F0302020204030204" pitchFamily="34" charset="0"/>
+                <a:solidFill>
+                  <a:srgbClr val="0070C0"/>
+                </a:solidFill>
+                <a:latin typeface="Segoe UI Light" panose="020B0502040204020203" pitchFamily="34" charset="0"/>
+                <a:cs typeface="Segoe UI Light" panose="020B0502040204020203" pitchFamily="34" charset="0"/>
               </a:rPr>
               <a:t>Ionic</a:t>
             </a:r>
             <a:r>
               <a:rPr lang="fr-FR" dirty="0" smtClean="0">
-                <a:latin typeface="Calibri Light" panose="020F0302020204030204" pitchFamily="34" charset="0"/>
-                <a:cs typeface="Calibri Light" panose="020F0302020204030204" pitchFamily="34" charset="0"/>
+                <a:solidFill>
+                  <a:srgbClr val="0070C0"/>
+                </a:solidFill>
+                <a:latin typeface="Segoe UI Light" panose="020B0502040204020203" pitchFamily="34" charset="0"/>
+                <a:cs typeface="Segoe UI Light" panose="020B0502040204020203" pitchFamily="34" charset="0"/>
               </a:rPr>
               <a:t> </a:t>
             </a:r>
             <a:r>
               <a:rPr lang="fr-FR" dirty="0" err="1" smtClean="0">
-                <a:latin typeface="Calibri Light" panose="020F0302020204030204" pitchFamily="34" charset="0"/>
-                <a:cs typeface="Calibri Light" panose="020F0302020204030204" pitchFamily="34" charset="0"/>
+                <a:solidFill>
+                  <a:srgbClr val="0070C0"/>
+                </a:solidFill>
+                <a:latin typeface="Segoe UI Light" panose="020B0502040204020203" pitchFamily="34" charset="0"/>
+                <a:cs typeface="Segoe UI Light" panose="020B0502040204020203" pitchFamily="34" charset="0"/>
               </a:rPr>
               <a:t>Playground</a:t>
             </a:r>
             <a:endParaRPr lang="fr-FR" dirty="0" smtClean="0">
-              <a:latin typeface="Calibri Light" panose="020F0302020204030204" pitchFamily="34" charset="0"/>
-              <a:cs typeface="Calibri Light" panose="020F0302020204030204" pitchFamily="34" charset="0"/>
+              <a:solidFill>
+                <a:srgbClr val="0070C0"/>
+              </a:solidFill>
+              <a:latin typeface="Segoe UI Light" panose="020B0502040204020203" pitchFamily="34" charset="0"/>
+              <a:cs typeface="Segoe UI Light" panose="020B0502040204020203" pitchFamily="34" charset="0"/>
             </a:endParaRPr>
           </a:p>
           <a:p>
@@ -9042,7 +9312,7 @@
         </p:blipFill>
         <p:spPr>
           <a:xfrm>
-            <a:off x="611561" y="1916832"/>
+            <a:off x="1187624" y="2387769"/>
             <a:ext cx="1440160" cy="941877"/>
           </a:xfrm>
           <a:prstGeom prst="rect">
@@ -9066,7 +9336,7 @@
         </p:blipFill>
         <p:spPr>
           <a:xfrm>
-            <a:off x="3059832" y="2004462"/>
+            <a:off x="3347863" y="2387770"/>
             <a:ext cx="2109019" cy="838601"/>
           </a:xfrm>
           <a:prstGeom prst="rect">
@@ -9097,8 +9367,8 @@
         </p:blipFill>
         <p:spPr bwMode="auto">
           <a:xfrm>
-            <a:off x="5825799" y="1892307"/>
-            <a:ext cx="2868133" cy="1104646"/>
+            <a:off x="5820907" y="2345996"/>
+            <a:ext cx="2394292" cy="922148"/>
           </a:xfrm>
           <a:prstGeom prst="rect">
             <a:avLst/>
@@ -9131,7 +9401,7 @@
         </p:blipFill>
         <p:spPr>
           <a:xfrm>
-            <a:off x="625471" y="3999604"/>
+            <a:off x="1071801" y="3999603"/>
             <a:ext cx="1671805" cy="985664"/>
           </a:xfrm>
           <a:prstGeom prst="rect">
@@ -9155,8 +9425,8 @@
         </p:blipFill>
         <p:spPr>
           <a:xfrm>
-            <a:off x="5994132" y="3863464"/>
-            <a:ext cx="2531465" cy="1257943"/>
+            <a:off x="6007723" y="3999603"/>
+            <a:ext cx="2020661" cy="1004113"/>
           </a:xfrm>
           <a:prstGeom prst="rect">
             <a:avLst/>
@@ -9166,7 +9436,7 @@
     </p:spTree>
     <p:extLst>
       <p:ext uri="{BB962C8B-B14F-4D97-AF65-F5344CB8AC3E}">
-        <p14:creationId xmlns:p14="http://schemas.microsoft.com/office/powerpoint/2010/main" val="4073433452"/>
+        <p14:creationId xmlns:p14="http://schemas.microsoft.com/office/powerpoint/2010/main" val="1162265659"/>
       </p:ext>
     </p:extLst>
   </p:cSld>
@@ -9258,50 +9528,6 @@
                 <a:latin typeface="Calibri Light" panose="020F0302020204030204" pitchFamily="34" charset="0"/>
                 <a:cs typeface="Calibri Light" panose="020F0302020204030204" pitchFamily="34" charset="0"/>
               </a:rPr>
-              <a:t>     Applications natives générées </a:t>
-            </a:r>
-            <a:r>
-              <a:rPr lang="fr-FR" b="1" dirty="0" smtClean="0">
-                <a:solidFill>
-                  <a:schemeClr val="accent2"/>
-                </a:solidFill>
-                <a:latin typeface="Calibri Light" panose="020F0302020204030204" pitchFamily="34" charset="0"/>
-                <a:cs typeface="Calibri Light" panose="020F0302020204030204" pitchFamily="34" charset="0"/>
-              </a:rPr>
-              <a:t>≠</a:t>
-            </a:r>
-            <a:r>
-              <a:rPr lang="fr-FR" dirty="0" smtClean="0">
-                <a:latin typeface="Calibri Light" panose="020F0302020204030204" pitchFamily="34" charset="0"/>
-                <a:cs typeface="Calibri Light" panose="020F0302020204030204" pitchFamily="34" charset="0"/>
-              </a:rPr>
-              <a:t> Applications hybrides</a:t>
-            </a:r>
-          </a:p>
-          <a:p>
-            <a:pPr algn="just"/>
-            <a:r>
-              <a:rPr lang="fr-FR" dirty="0" err="1" smtClean="0">
-                <a:latin typeface="Calibri Light" panose="020F0302020204030204" pitchFamily="34" charset="0"/>
-                <a:cs typeface="Calibri Light" panose="020F0302020204030204" pitchFamily="34" charset="0"/>
-              </a:rPr>
-              <a:t>Ionic</a:t>
-            </a:r>
-            <a:r>
-              <a:rPr lang="fr-FR" dirty="0" smtClean="0">
-                <a:latin typeface="Calibri Light" panose="020F0302020204030204" pitchFamily="34" charset="0"/>
-                <a:cs typeface="Calibri Light" panose="020F0302020204030204" pitchFamily="34" charset="0"/>
-              </a:rPr>
-              <a:t> = applications hybrides</a:t>
-            </a:r>
-          </a:p>
-          <a:p>
-            <a:pPr algn="just"/>
-            <a:r>
-              <a:rPr lang="fr-FR" dirty="0" smtClean="0">
-                <a:latin typeface="Calibri Light" panose="020F0302020204030204" pitchFamily="34" charset="0"/>
-                <a:cs typeface="Calibri Light" panose="020F0302020204030204" pitchFamily="34" charset="0"/>
-              </a:rPr>
               <a:t>Plus faciles et rapides à développer que les applications natives</a:t>
             </a:r>
           </a:p>
@@ -9328,6 +9554,29 @@
               <a:latin typeface="Calibri Light" panose="020F0302020204030204" pitchFamily="34" charset="0"/>
               <a:cs typeface="Calibri Light" panose="020F0302020204030204" pitchFamily="34" charset="0"/>
             </a:endParaRPr>
+          </a:p>
+        </p:txBody>
+      </p:sp>
+      <p:sp>
+        <p:nvSpPr>
+          <p:cNvPr id="5" name="Espace réservé du numéro de diapositive 4"/>
+          <p:cNvSpPr>
+            <a:spLocks noGrp="1"/>
+          </p:cNvSpPr>
+          <p:nvPr>
+            <p:ph type="sldNum" sz="quarter" idx="12"/>
+          </p:nvPr>
+        </p:nvSpPr>
+        <p:spPr/>
+        <p:txBody>
+          <a:bodyPr/>
+          <a:lstStyle/>
+          <a:p>
+            <a:fld id="{581CF3FB-12BE-4619-8F61-AE4297B873D3}" type="slidenum">
+              <a:rPr lang="fr-FR" smtClean="0"/>
+              <a:t>9</a:t>
+            </a:fld>
+            <a:endParaRPr lang="fr-FR"/>
           </a:p>
         </p:txBody>
       </p:sp>
@@ -9340,7 +9589,7 @@
           <p:nvPr/>
         </p:nvPicPr>
         <p:blipFill>
-          <a:blip r:embed="rId2" cstate="print">
+          <a:blip r:embed="rId2">
             <a:extLst>
               <a:ext uri="{28A0092B-C50C-407E-A947-70E740481C1C}">
                 <a14:useLocalDpi xmlns:a14="http://schemas.microsoft.com/office/drawing/2010/main" val="0"/>
@@ -9353,41 +9602,28 @@
         </p:blipFill>
         <p:spPr>
           <a:xfrm>
-            <a:off x="827584" y="1844824"/>
-            <a:ext cx="324000" cy="324000"/>
+            <a:off x="1331640" y="3284916"/>
+            <a:ext cx="6480720" cy="3389834"/>
           </a:xfrm>
           <a:prstGeom prst="rect">
             <a:avLst/>
           </a:prstGeom>
+          <a:ln>
+            <a:noFill/>
+          </a:ln>
+          <a:effectLst>
+            <a:outerShdw blurRad="190500" algn="tl" rotWithShape="0">
+              <a:srgbClr val="000000">
+                <a:alpha val="70000"/>
+              </a:srgbClr>
+            </a:outerShdw>
+          </a:effectLst>
         </p:spPr>
       </p:pic>
-      <p:sp>
-        <p:nvSpPr>
-          <p:cNvPr id="5" name="Espace réservé du numéro de diapositive 4"/>
-          <p:cNvSpPr>
-            <a:spLocks noGrp="1"/>
-          </p:cNvSpPr>
-          <p:nvPr>
-            <p:ph type="sldNum" sz="quarter" idx="12"/>
-          </p:nvPr>
-        </p:nvSpPr>
-        <p:spPr/>
-        <p:txBody>
-          <a:bodyPr/>
-          <a:lstStyle/>
-          <a:p>
-            <a:fld id="{581CF3FB-12BE-4619-8F61-AE4297B873D3}" type="slidenum">
-              <a:rPr lang="fr-FR" smtClean="0"/>
-              <a:t>9</a:t>
-            </a:fld>
-            <a:endParaRPr lang="fr-FR"/>
-          </a:p>
-        </p:txBody>
-      </p:sp>
     </p:spTree>
     <p:extLst>
       <p:ext uri="{BB962C8B-B14F-4D97-AF65-F5344CB8AC3E}">
-        <p14:creationId xmlns:p14="http://schemas.microsoft.com/office/powerpoint/2010/main" val="952830357"/>
+        <p14:creationId xmlns:p14="http://schemas.microsoft.com/office/powerpoint/2010/main" val="434994176"/>
       </p:ext>
     </p:extLst>
   </p:cSld>
